--- a/Text Mining with R.pptx
+++ b/Text Mining with R.pptx
@@ -108,6 +108,11 @@
       </a:defRPr>
     </a:lvl9pPr>
   </p:defaultTextStyle>
+  <p:extLst>
+    <p:ext uri="{EFAFB233-063F-42B5-8137-9DF3F51BA10A}">
+      <p15:sldGuideLst xmlns:p15="http://schemas.microsoft.com/office/powerpoint/2012/main"/>
+    </p:ext>
+  </p:extLst>
 </p:presentation>
 </file>
 
@@ -862,7 +867,7 @@
 <dgm:dataModel xmlns:dgm="http://schemas.openxmlformats.org/drawingml/2006/diagram" xmlns:a="http://schemas.openxmlformats.org/drawingml/2006/main">
   <dgm:ptLst>
     <dgm:pt modelId="{78D1A2B4-CFE6-4611-B64F-F007DAE3B8B2}" type="doc">
-      <dgm:prSet loTypeId="urn:microsoft.com/office/officeart/2005/8/layout/hierarchy2" loCatId="hierarchy" qsTypeId="urn:microsoft.com/office/officeart/2005/8/quickstyle/simple1" qsCatId="simple" csTypeId="urn:microsoft.com/office/officeart/2005/8/colors/accent1_2" csCatId="accent1"/>
+      <dgm:prSet loTypeId="urn:microsoft.com/office/officeart/2005/8/layout/hierarchy2" loCatId="hierarchy" qsTypeId="urn:microsoft.com/office/officeart/2005/8/quickstyle/simple1" qsCatId="simple" csTypeId="urn:microsoft.com/office/officeart/2005/8/colors/accent1_2" csCatId="accent1" phldr="1"/>
       <dgm:spPr/>
       <dgm:t>
         <a:bodyPr/>
@@ -881,7 +886,7 @@
         <a:p>
           <a:r>
             <a:rPr lang="en-US" dirty="0"/>
-            <a:t>Word Cloud</a:t>
+            <a:t>Term Frequency/ Word Cloud</a:t>
           </a:r>
         </a:p>
       </dgm:t>
@@ -1383,7 +1388,7 @@
           </a:pPr>
           <a:r>
             <a:rPr lang="en-US" sz="1700" kern="1200" dirty="0"/>
-            <a:t>Word Cloud</a:t>
+            <a:t>Term Frequency/ Word Cloud</a:t>
           </a:r>
         </a:p>
       </dsp:txBody>
@@ -3600,7 +3605,7 @@
           <a:noFill/>
           <a:extLst>
             <a:ext uri="{909E8E84-426E-40dd-AFC4-6F175D3DCCD1}">
-              <a14:hiddenFill xmlns:a14="http://schemas.microsoft.com/office/drawing/2010/main" xmlns="">
+              <a14:hiddenFill xmlns="" xmlns:a14="http://schemas.microsoft.com/office/drawing/2010/main">
                 <a:solidFill>
                   <a:srgbClr val="FFFFFF"/>
                 </a:solidFill>
@@ -3660,7 +3665,7 @@
             </a:ln>
             <a:extLst>
               <a:ext uri="{91240B29-F687-4f45-9708-019B960494DF}">
-                <a14:hiddenLine xmlns:a14="http://schemas.microsoft.com/office/drawing/2010/main" xmlns="" w="9525">
+                <a14:hiddenLine xmlns="" xmlns:a14="http://schemas.microsoft.com/office/drawing/2010/main" w="9525">
                   <a:solidFill>
                     <a:srgbClr val="000000"/>
                   </a:solidFill>
@@ -3750,7 +3755,7 @@
             </a:ln>
             <a:extLst>
               <a:ext uri="{91240B29-F687-4f45-9708-019B960494DF}">
-                <a14:hiddenLine xmlns:a14="http://schemas.microsoft.com/office/drawing/2010/main" xmlns="" w="9525">
+                <a14:hiddenLine xmlns="" xmlns:a14="http://schemas.microsoft.com/office/drawing/2010/main" w="9525">
                   <a:solidFill>
                     <a:srgbClr val="000000"/>
                   </a:solidFill>
@@ -3840,7 +3845,7 @@
             </a:ln>
             <a:extLst>
               <a:ext uri="{91240B29-F687-4f45-9708-019B960494DF}">
-                <a14:hiddenLine xmlns:a14="http://schemas.microsoft.com/office/drawing/2010/main" xmlns="" w="9525">
+                <a14:hiddenLine xmlns="" xmlns:a14="http://schemas.microsoft.com/office/drawing/2010/main" w="9525">
                   <a:solidFill>
                     <a:srgbClr val="000000"/>
                   </a:solidFill>
@@ -3874,7 +3879,7 @@
             </a:ln>
             <a:extLst>
               <a:ext uri="{91240B29-F687-4f45-9708-019B960494DF}">
-                <a14:hiddenLine xmlns:a14="http://schemas.microsoft.com/office/drawing/2010/main" xmlns="" w="9525">
+                <a14:hiddenLine xmlns="" xmlns:a14="http://schemas.microsoft.com/office/drawing/2010/main" w="9525">
                   <a:solidFill>
                     <a:srgbClr val="000000"/>
                   </a:solidFill>
@@ -3964,7 +3969,7 @@
             </a:ln>
             <a:extLst>
               <a:ext uri="{91240B29-F687-4f45-9708-019B960494DF}">
-                <a14:hiddenLine xmlns:a14="http://schemas.microsoft.com/office/drawing/2010/main" xmlns="" w="9525">
+                <a14:hiddenLine xmlns="" xmlns:a14="http://schemas.microsoft.com/office/drawing/2010/main" w="9525">
                   <a:solidFill>
                     <a:srgbClr val="000000"/>
                   </a:solidFill>
@@ -4026,7 +4031,7 @@
             </a:ln>
             <a:extLst>
               <a:ext uri="{91240B29-F687-4f45-9708-019B960494DF}">
-                <a14:hiddenLine xmlns:a14="http://schemas.microsoft.com/office/drawing/2010/main" xmlns="" w="9525">
+                <a14:hiddenLine xmlns="" xmlns:a14="http://schemas.microsoft.com/office/drawing/2010/main" w="9525">
                   <a:solidFill>
                     <a:srgbClr val="000000"/>
                   </a:solidFill>
@@ -4088,7 +4093,7 @@
             </a:ln>
             <a:extLst>
               <a:ext uri="{91240B29-F687-4f45-9708-019B960494DF}">
-                <a14:hiddenLine xmlns:a14="http://schemas.microsoft.com/office/drawing/2010/main" xmlns="" w="9525">
+                <a14:hiddenLine xmlns="" xmlns:a14="http://schemas.microsoft.com/office/drawing/2010/main" w="9525">
                   <a:solidFill>
                     <a:srgbClr val="000000"/>
                   </a:solidFill>
@@ -4178,7 +4183,7 @@
             </a:ln>
             <a:extLst>
               <a:ext uri="{91240B29-F687-4f45-9708-019B960494DF}">
-                <a14:hiddenLine xmlns:a14="http://schemas.microsoft.com/office/drawing/2010/main" xmlns="" w="9525">
+                <a14:hiddenLine xmlns="" xmlns:a14="http://schemas.microsoft.com/office/drawing/2010/main" w="9525">
                   <a:solidFill>
                     <a:srgbClr val="000000"/>
                   </a:solidFill>
@@ -4240,7 +4245,7 @@
             </a:ln>
             <a:extLst>
               <a:ext uri="{91240B29-F687-4f45-9708-019B960494DF}">
-                <a14:hiddenLine xmlns:a14="http://schemas.microsoft.com/office/drawing/2010/main" xmlns="" w="9525">
+                <a14:hiddenLine xmlns="" xmlns:a14="http://schemas.microsoft.com/office/drawing/2010/main" w="9525">
                   <a:solidFill>
                     <a:srgbClr val="000000"/>
                   </a:solidFill>
@@ -4302,7 +4307,7 @@
             </a:ln>
             <a:extLst>
               <a:ext uri="{91240B29-F687-4f45-9708-019B960494DF}">
-                <a14:hiddenLine xmlns:a14="http://schemas.microsoft.com/office/drawing/2010/main" xmlns="" w="9525">
+                <a14:hiddenLine xmlns="" xmlns:a14="http://schemas.microsoft.com/office/drawing/2010/main" w="9525">
                   <a:solidFill>
                     <a:srgbClr val="000000"/>
                   </a:solidFill>
@@ -4392,7 +4397,7 @@
             </a:ln>
             <a:extLst>
               <a:ext uri="{91240B29-F687-4f45-9708-019B960494DF}">
-                <a14:hiddenLine xmlns:a14="http://schemas.microsoft.com/office/drawing/2010/main" xmlns="" w="9525">
+                <a14:hiddenLine xmlns="" xmlns:a14="http://schemas.microsoft.com/office/drawing/2010/main" w="9525">
                   <a:solidFill>
                     <a:srgbClr val="000000"/>
                   </a:solidFill>
@@ -4482,7 +4487,7 @@
             </a:ln>
             <a:extLst>
               <a:ext uri="{91240B29-F687-4f45-9708-019B960494DF}">
-                <a14:hiddenLine xmlns:a14="http://schemas.microsoft.com/office/drawing/2010/main" xmlns="" w="9525">
+                <a14:hiddenLine xmlns="" xmlns:a14="http://schemas.microsoft.com/office/drawing/2010/main" w="9525">
                   <a:solidFill>
                     <a:srgbClr val="000000"/>
                   </a:solidFill>
@@ -4544,7 +4549,7 @@
             </a:ln>
             <a:extLst>
               <a:ext uri="{91240B29-F687-4f45-9708-019B960494DF}">
-                <a14:hiddenLine xmlns:a14="http://schemas.microsoft.com/office/drawing/2010/main" xmlns="" w="9525">
+                <a14:hiddenLine xmlns="" xmlns:a14="http://schemas.microsoft.com/office/drawing/2010/main" w="9525">
                   <a:solidFill>
                     <a:srgbClr val="000000"/>
                   </a:solidFill>
@@ -4654,7 +4659,7 @@
             </a:ln>
             <a:extLst>
               <a:ext uri="{91240B29-F687-4f45-9708-019B960494DF}">
-                <a14:hiddenLine xmlns:a14="http://schemas.microsoft.com/office/drawing/2010/main" xmlns="" w="9525">
+                <a14:hiddenLine xmlns="" xmlns:a14="http://schemas.microsoft.com/office/drawing/2010/main" w="9525">
                   <a:solidFill>
                     <a:srgbClr val="000000"/>
                   </a:solidFill>
@@ -4716,7 +4721,7 @@
             </a:ln>
             <a:extLst>
               <a:ext uri="{91240B29-F687-4f45-9708-019B960494DF}">
-                <a14:hiddenLine xmlns:a14="http://schemas.microsoft.com/office/drawing/2010/main" xmlns="" w="9525">
+                <a14:hiddenLine xmlns="" xmlns:a14="http://schemas.microsoft.com/office/drawing/2010/main" w="9525">
                   <a:solidFill>
                     <a:srgbClr val="000000"/>
                   </a:solidFill>
@@ -4806,7 +4811,7 @@
             </a:ln>
             <a:extLst>
               <a:ext uri="{91240B29-F687-4f45-9708-019B960494DF}">
-                <a14:hiddenLine xmlns:a14="http://schemas.microsoft.com/office/drawing/2010/main" xmlns="" w="9525">
+                <a14:hiddenLine xmlns="" xmlns:a14="http://schemas.microsoft.com/office/drawing/2010/main" w="9525">
                   <a:solidFill>
                     <a:srgbClr val="000000"/>
                   </a:solidFill>
@@ -4896,7 +4901,7 @@
             </a:ln>
             <a:extLst>
               <a:ext uri="{91240B29-F687-4f45-9708-019B960494DF}">
-                <a14:hiddenLine xmlns:a14="http://schemas.microsoft.com/office/drawing/2010/main" xmlns="" w="9525">
+                <a14:hiddenLine xmlns="" xmlns:a14="http://schemas.microsoft.com/office/drawing/2010/main" w="9525">
                   <a:solidFill>
                     <a:srgbClr val="000000"/>
                   </a:solidFill>
@@ -4958,7 +4963,7 @@
             </a:ln>
             <a:extLst>
               <a:ext uri="{91240B29-F687-4f45-9708-019B960494DF}">
-                <a14:hiddenLine xmlns:a14="http://schemas.microsoft.com/office/drawing/2010/main" xmlns="" w="9525">
+                <a14:hiddenLine xmlns="" xmlns:a14="http://schemas.microsoft.com/office/drawing/2010/main" w="9525">
                   <a:solidFill>
                     <a:srgbClr val="000000"/>
                   </a:solidFill>
@@ -5048,7 +5053,7 @@
             </a:ln>
             <a:extLst>
               <a:ext uri="{91240B29-F687-4f45-9708-019B960494DF}">
-                <a14:hiddenLine xmlns:a14="http://schemas.microsoft.com/office/drawing/2010/main" xmlns="" w="9525">
+                <a14:hiddenLine xmlns="" xmlns:a14="http://schemas.microsoft.com/office/drawing/2010/main" w="9525">
                   <a:solidFill>
                     <a:srgbClr val="000000"/>
                   </a:solidFill>
@@ -5138,7 +5143,7 @@
             </a:ln>
             <a:extLst>
               <a:ext uri="{91240B29-F687-4f45-9708-019B960494DF}">
-                <a14:hiddenLine xmlns:a14="http://schemas.microsoft.com/office/drawing/2010/main" xmlns="" w="9525">
+                <a14:hiddenLine xmlns="" xmlns:a14="http://schemas.microsoft.com/office/drawing/2010/main" w="9525">
                   <a:solidFill>
                     <a:srgbClr val="000000"/>
                   </a:solidFill>
@@ -5194,7 +5199,7 @@
             </a:ln>
             <a:extLst>
               <a:ext uri="{91240B29-F687-4f45-9708-019B960494DF}">
-                <a14:hiddenLine xmlns:a14="http://schemas.microsoft.com/office/drawing/2010/main" xmlns="" w="9525">
+                <a14:hiddenLine xmlns="" xmlns:a14="http://schemas.microsoft.com/office/drawing/2010/main" w="9525">
                   <a:solidFill>
                     <a:srgbClr val="000000"/>
                   </a:solidFill>
@@ -5284,7 +5289,7 @@
             </a:ln>
             <a:extLst>
               <a:ext uri="{91240B29-F687-4f45-9708-019B960494DF}">
-                <a14:hiddenLine xmlns:a14="http://schemas.microsoft.com/office/drawing/2010/main" xmlns="" w="9525">
+                <a14:hiddenLine xmlns="" xmlns:a14="http://schemas.microsoft.com/office/drawing/2010/main" w="9525">
                   <a:solidFill>
                     <a:srgbClr val="000000"/>
                   </a:solidFill>
@@ -5340,7 +5345,7 @@
             </a:ln>
             <a:extLst>
               <a:ext uri="{91240B29-F687-4f45-9708-019B960494DF}">
-                <a14:hiddenLine xmlns:a14="http://schemas.microsoft.com/office/drawing/2010/main" xmlns="" w="9525">
+                <a14:hiddenLine xmlns="" xmlns:a14="http://schemas.microsoft.com/office/drawing/2010/main" w="9525">
                   <a:solidFill>
                     <a:srgbClr val="000000"/>
                   </a:solidFill>
@@ -5430,7 +5435,7 @@
             </a:ln>
             <a:extLst>
               <a:ext uri="{91240B29-F687-4f45-9708-019B960494DF}">
-                <a14:hiddenLine xmlns:a14="http://schemas.microsoft.com/office/drawing/2010/main" xmlns="" w="9525">
+                <a14:hiddenLine xmlns="" xmlns:a14="http://schemas.microsoft.com/office/drawing/2010/main" w="9525">
                   <a:solidFill>
                     <a:srgbClr val="000000"/>
                   </a:solidFill>
@@ -5498,7 +5503,7 @@
             </a:ln>
             <a:extLst>
               <a:ext uri="{91240B29-F687-4f45-9708-019B960494DF}">
-                <a14:hiddenLine xmlns:a14="http://schemas.microsoft.com/office/drawing/2010/main" xmlns="" w="9525">
+                <a14:hiddenLine xmlns="" xmlns:a14="http://schemas.microsoft.com/office/drawing/2010/main" w="9525">
                   <a:solidFill>
                     <a:srgbClr val="000000"/>
                   </a:solidFill>
@@ -5588,7 +5593,7 @@
             </a:ln>
             <a:extLst>
               <a:ext uri="{91240B29-F687-4f45-9708-019B960494DF}">
-                <a14:hiddenLine xmlns:a14="http://schemas.microsoft.com/office/drawing/2010/main" xmlns="" w="9525">
+                <a14:hiddenLine xmlns="" xmlns:a14="http://schemas.microsoft.com/office/drawing/2010/main" w="9525">
                   <a:solidFill>
                     <a:srgbClr val="000000"/>
                   </a:solidFill>
@@ -5656,7 +5661,7 @@
             </a:ln>
             <a:extLst>
               <a:ext uri="{91240B29-F687-4f45-9708-019B960494DF}">
-                <a14:hiddenLine xmlns:a14="http://schemas.microsoft.com/office/drawing/2010/main" xmlns="" w="9525">
+                <a14:hiddenLine xmlns="" xmlns:a14="http://schemas.microsoft.com/office/drawing/2010/main" w="9525">
                   <a:solidFill>
                     <a:srgbClr val="000000"/>
                   </a:solidFill>
@@ -5746,7 +5751,7 @@
             </a:ln>
             <a:extLst>
               <a:ext uri="{91240B29-F687-4f45-9708-019B960494DF}">
-                <a14:hiddenLine xmlns:a14="http://schemas.microsoft.com/office/drawing/2010/main" xmlns="" w="9525">
+                <a14:hiddenLine xmlns="" xmlns:a14="http://schemas.microsoft.com/office/drawing/2010/main" w="9525">
                   <a:solidFill>
                     <a:srgbClr val="000000"/>
                   </a:solidFill>
@@ -5780,7 +5785,7 @@
             </a:ln>
             <a:extLst>
               <a:ext uri="{91240B29-F687-4f45-9708-019B960494DF}">
-                <a14:hiddenLine xmlns:a14="http://schemas.microsoft.com/office/drawing/2010/main" xmlns="" w="9525">
+                <a14:hiddenLine xmlns="" xmlns:a14="http://schemas.microsoft.com/office/drawing/2010/main" w="9525">
                   <a:solidFill>
                     <a:srgbClr val="000000"/>
                   </a:solidFill>
@@ -5870,7 +5875,7 @@
             </a:ln>
             <a:extLst>
               <a:ext uri="{91240B29-F687-4f45-9708-019B960494DF}">
-                <a14:hiddenLine xmlns:a14="http://schemas.microsoft.com/office/drawing/2010/main" xmlns="" w="9525">
+                <a14:hiddenLine xmlns="" xmlns:a14="http://schemas.microsoft.com/office/drawing/2010/main" w="9525">
                   <a:solidFill>
                     <a:srgbClr val="000000"/>
                   </a:solidFill>
@@ -5932,7 +5937,7 @@
             </a:ln>
             <a:extLst>
               <a:ext uri="{91240B29-F687-4f45-9708-019B960494DF}">
-                <a14:hiddenLine xmlns:a14="http://schemas.microsoft.com/office/drawing/2010/main" xmlns="" w="9525">
+                <a14:hiddenLine xmlns="" xmlns:a14="http://schemas.microsoft.com/office/drawing/2010/main" w="9525">
                   <a:solidFill>
                     <a:srgbClr val="000000"/>
                   </a:solidFill>
@@ -5994,7 +5999,7 @@
             </a:ln>
             <a:extLst>
               <a:ext uri="{91240B29-F687-4f45-9708-019B960494DF}">
-                <a14:hiddenLine xmlns:a14="http://schemas.microsoft.com/office/drawing/2010/main" xmlns="" w="9525">
+                <a14:hiddenLine xmlns="" xmlns:a14="http://schemas.microsoft.com/office/drawing/2010/main" w="9525">
                   <a:solidFill>
                     <a:srgbClr val="000000"/>
                   </a:solidFill>
@@ -6084,7 +6089,7 @@
             </a:ln>
             <a:extLst>
               <a:ext uri="{91240B29-F687-4f45-9708-019B960494DF}">
-                <a14:hiddenLine xmlns:a14="http://schemas.microsoft.com/office/drawing/2010/main" xmlns="" w="9525">
+                <a14:hiddenLine xmlns="" xmlns:a14="http://schemas.microsoft.com/office/drawing/2010/main" w="9525">
                   <a:solidFill>
                     <a:srgbClr val="000000"/>
                   </a:solidFill>
@@ -6152,7 +6157,7 @@
             </a:ln>
             <a:extLst>
               <a:ext uri="{91240B29-F687-4f45-9708-019B960494DF}">
-                <a14:hiddenLine xmlns:a14="http://schemas.microsoft.com/office/drawing/2010/main" xmlns="" w="9525">
+                <a14:hiddenLine xmlns="" xmlns:a14="http://schemas.microsoft.com/office/drawing/2010/main" w="9525">
                   <a:solidFill>
                     <a:srgbClr val="000000"/>
                   </a:solidFill>
@@ -6214,7 +6219,7 @@
             </a:ln>
             <a:extLst>
               <a:ext uri="{91240B29-F687-4f45-9708-019B960494DF}">
-                <a14:hiddenLine xmlns:a14="http://schemas.microsoft.com/office/drawing/2010/main" xmlns="" w="9525">
+                <a14:hiddenLine xmlns="" xmlns:a14="http://schemas.microsoft.com/office/drawing/2010/main" w="9525">
                   <a:solidFill>
                     <a:srgbClr val="000000"/>
                   </a:solidFill>
@@ -6304,7 +6309,7 @@
             </a:ln>
             <a:extLst>
               <a:ext uri="{91240B29-F687-4f45-9708-019B960494DF}">
-                <a14:hiddenLine xmlns:a14="http://schemas.microsoft.com/office/drawing/2010/main" xmlns="" w="9525">
+                <a14:hiddenLine xmlns="" xmlns:a14="http://schemas.microsoft.com/office/drawing/2010/main" w="9525">
                   <a:solidFill>
                     <a:srgbClr val="000000"/>
                   </a:solidFill>
@@ -6366,7 +6371,7 @@
             </a:ln>
             <a:extLst>
               <a:ext uri="{91240B29-F687-4f45-9708-019B960494DF}">
-                <a14:hiddenLine xmlns:a14="http://schemas.microsoft.com/office/drawing/2010/main" xmlns="" w="9525">
+                <a14:hiddenLine xmlns="" xmlns:a14="http://schemas.microsoft.com/office/drawing/2010/main" w="9525">
                   <a:solidFill>
                     <a:srgbClr val="000000"/>
                   </a:solidFill>
@@ -6456,7 +6461,7 @@
             </a:ln>
             <a:extLst>
               <a:ext uri="{91240B29-F687-4f45-9708-019B960494DF}">
-                <a14:hiddenLine xmlns:a14="http://schemas.microsoft.com/office/drawing/2010/main" xmlns="" w="9525">
+                <a14:hiddenLine xmlns="" xmlns:a14="http://schemas.microsoft.com/office/drawing/2010/main" w="9525">
                   <a:solidFill>
                     <a:srgbClr val="000000"/>
                   </a:solidFill>
@@ -6518,7 +6523,7 @@
             </a:ln>
             <a:extLst>
               <a:ext uri="{91240B29-F687-4f45-9708-019B960494DF}">
-                <a14:hiddenLine xmlns:a14="http://schemas.microsoft.com/office/drawing/2010/main" xmlns="" w="9525">
+                <a14:hiddenLine xmlns="" xmlns:a14="http://schemas.microsoft.com/office/drawing/2010/main" w="9525">
                   <a:solidFill>
                     <a:srgbClr val="000000"/>
                   </a:solidFill>
@@ -6608,7 +6613,7 @@
             </a:ln>
             <a:extLst>
               <a:ext uri="{91240B29-F687-4f45-9708-019B960494DF}">
-                <a14:hiddenLine xmlns:a14="http://schemas.microsoft.com/office/drawing/2010/main" xmlns="" w="9525">
+                <a14:hiddenLine xmlns="" xmlns:a14="http://schemas.microsoft.com/office/drawing/2010/main" w="9525">
                   <a:solidFill>
                     <a:srgbClr val="000000"/>
                   </a:solidFill>
@@ -6642,7 +6647,7 @@
             </a:ln>
             <a:extLst>
               <a:ext uri="{91240B29-F687-4f45-9708-019B960494DF}">
-                <a14:hiddenLine xmlns:a14="http://schemas.microsoft.com/office/drawing/2010/main" xmlns="" w="9525">
+                <a14:hiddenLine xmlns="" xmlns:a14="http://schemas.microsoft.com/office/drawing/2010/main" w="9525">
                   <a:solidFill>
                     <a:srgbClr val="000000"/>
                   </a:solidFill>
@@ -6707,7 +6712,7 @@
             </a:ln>
             <a:extLst>
               <a:ext uri="{91240B29-F687-4f45-9708-019B960494DF}">
-                <a14:hiddenLine xmlns:a14="http://schemas.microsoft.com/office/drawing/2010/main" xmlns="" w="9525">
+                <a14:hiddenLine xmlns="" xmlns:a14="http://schemas.microsoft.com/office/drawing/2010/main" w="9525">
                   <a:solidFill>
                     <a:srgbClr val="000000"/>
                   </a:solidFill>
@@ -6797,7 +6802,7 @@
             </a:ln>
             <a:extLst>
               <a:ext uri="{91240B29-F687-4f45-9708-019B960494DF}">
-                <a14:hiddenLine xmlns:a14="http://schemas.microsoft.com/office/drawing/2010/main" xmlns="" w="9525">
+                <a14:hiddenLine xmlns="" xmlns:a14="http://schemas.microsoft.com/office/drawing/2010/main" w="9525">
                   <a:solidFill>
                     <a:srgbClr val="000000"/>
                   </a:solidFill>
@@ -6859,7 +6864,7 @@
             </a:ln>
             <a:extLst>
               <a:ext uri="{91240B29-F687-4f45-9708-019B960494DF}">
-                <a14:hiddenLine xmlns:a14="http://schemas.microsoft.com/office/drawing/2010/main" xmlns="" w="9525">
+                <a14:hiddenLine xmlns="" xmlns:a14="http://schemas.microsoft.com/office/drawing/2010/main" w="9525">
                   <a:solidFill>
                     <a:srgbClr val="000000"/>
                   </a:solidFill>
@@ -6949,7 +6954,7 @@
             </a:ln>
             <a:extLst>
               <a:ext uri="{91240B29-F687-4f45-9708-019B960494DF}">
-                <a14:hiddenLine xmlns:a14="http://schemas.microsoft.com/office/drawing/2010/main" xmlns="" w="9525">
+                <a14:hiddenLine xmlns="" xmlns:a14="http://schemas.microsoft.com/office/drawing/2010/main" w="9525">
                   <a:solidFill>
                     <a:srgbClr val="000000"/>
                   </a:solidFill>
@@ -7039,7 +7044,7 @@
             </a:ln>
             <a:extLst>
               <a:ext uri="{91240B29-F687-4f45-9708-019B960494DF}">
-                <a14:hiddenLine xmlns:a14="http://schemas.microsoft.com/office/drawing/2010/main" xmlns="" w="9525">
+                <a14:hiddenLine xmlns="" xmlns:a14="http://schemas.microsoft.com/office/drawing/2010/main" w="9525">
                   <a:solidFill>
                     <a:srgbClr val="000000"/>
                   </a:solidFill>
@@ -7104,7 +7109,7 @@
             </a:ln>
             <a:extLst>
               <a:ext uri="{91240B29-F687-4f45-9708-019B960494DF}">
-                <a14:hiddenLine xmlns:a14="http://schemas.microsoft.com/office/drawing/2010/main" xmlns="" w="9525">
+                <a14:hiddenLine xmlns="" xmlns:a14="http://schemas.microsoft.com/office/drawing/2010/main" w="9525">
                   <a:solidFill>
                     <a:srgbClr val="000000"/>
                   </a:solidFill>
@@ -7166,7 +7171,7 @@
             </a:ln>
             <a:extLst>
               <a:ext uri="{91240B29-F687-4f45-9708-019B960494DF}">
-                <a14:hiddenLine xmlns:a14="http://schemas.microsoft.com/office/drawing/2010/main" xmlns="" w="9525">
+                <a14:hiddenLine xmlns="" xmlns:a14="http://schemas.microsoft.com/office/drawing/2010/main" w="9525">
                   <a:solidFill>
                     <a:srgbClr val="000000"/>
                   </a:solidFill>
@@ -7256,7 +7261,7 @@
             </a:ln>
             <a:extLst>
               <a:ext uri="{91240B29-F687-4f45-9708-019B960494DF}">
-                <a14:hiddenLine xmlns:a14="http://schemas.microsoft.com/office/drawing/2010/main" xmlns="" w="9525">
+                <a14:hiddenLine xmlns="" xmlns:a14="http://schemas.microsoft.com/office/drawing/2010/main" w="9525">
                   <a:solidFill>
                     <a:srgbClr val="000000"/>
                   </a:solidFill>
@@ -7346,7 +7351,7 @@
             </a:ln>
             <a:extLst>
               <a:ext uri="{91240B29-F687-4f45-9708-019B960494DF}">
-                <a14:hiddenLine xmlns:a14="http://schemas.microsoft.com/office/drawing/2010/main" xmlns="" w="9525">
+                <a14:hiddenLine xmlns="" xmlns:a14="http://schemas.microsoft.com/office/drawing/2010/main" w="9525">
                   <a:solidFill>
                     <a:srgbClr val="000000"/>
                   </a:solidFill>
@@ -7408,7 +7413,7 @@
             </a:ln>
             <a:extLst>
               <a:ext uri="{91240B29-F687-4f45-9708-019B960494DF}">
-                <a14:hiddenLine xmlns:a14="http://schemas.microsoft.com/office/drawing/2010/main" xmlns="" w="9525">
+                <a14:hiddenLine xmlns="" xmlns:a14="http://schemas.microsoft.com/office/drawing/2010/main" w="9525">
                   <a:solidFill>
                     <a:srgbClr val="000000"/>
                   </a:solidFill>
@@ -7528,7 +7533,7 @@
             </a:ln>
             <a:extLst>
               <a:ext uri="{91240B29-F687-4f45-9708-019B960494DF}">
-                <a14:hiddenLine xmlns:a14="http://schemas.microsoft.com/office/drawing/2010/main" xmlns="" w="9525">
+                <a14:hiddenLine xmlns="" xmlns:a14="http://schemas.microsoft.com/office/drawing/2010/main" w="9525">
                   <a:solidFill>
                     <a:srgbClr val="000000"/>
                   </a:solidFill>
@@ -7596,7 +7601,7 @@
             </a:ln>
             <a:extLst>
               <a:ext uri="{91240B29-F687-4f45-9708-019B960494DF}">
-                <a14:hiddenLine xmlns:a14="http://schemas.microsoft.com/office/drawing/2010/main" xmlns="" w="9525">
+                <a14:hiddenLine xmlns="" xmlns:a14="http://schemas.microsoft.com/office/drawing/2010/main" w="9525">
                   <a:solidFill>
                     <a:srgbClr val="000000"/>
                   </a:solidFill>
@@ -7686,7 +7691,7 @@
             </a:ln>
             <a:extLst>
               <a:ext uri="{91240B29-F687-4f45-9708-019B960494DF}">
-                <a14:hiddenLine xmlns:a14="http://schemas.microsoft.com/office/drawing/2010/main" xmlns="" w="9525">
+                <a14:hiddenLine xmlns="" xmlns:a14="http://schemas.microsoft.com/office/drawing/2010/main" w="9525">
                   <a:solidFill>
                     <a:srgbClr val="000000"/>
                   </a:solidFill>
@@ -7826,7 +7831,7 @@
           <a:p>
             <a:fld id="{48A87A34-81AB-432B-8DAE-1953F412C126}" type="datetimeFigureOut">
               <a:rPr lang="en-US" dirty="0"/>
-              <a:t>10/3/2019</a:t>
+              <a:t>10/16/2019</a:t>
             </a:fld>
             <a:endParaRPr lang="en-US" dirty="0"/>
           </a:p>
@@ -8088,7 +8093,7 @@
           <a:p>
             <a:fld id="{48A87A34-81AB-432B-8DAE-1953F412C126}" type="datetimeFigureOut">
               <a:rPr lang="en-US" dirty="0"/>
-              <a:t>10/3/2019</a:t>
+              <a:t>10/16/2019</a:t>
             </a:fld>
             <a:endParaRPr lang="en-US" dirty="0"/>
           </a:p>
@@ -8279,7 +8284,7 @@
           <a:p>
             <a:fld id="{48A87A34-81AB-432B-8DAE-1953F412C126}" type="datetimeFigureOut">
               <a:rPr lang="en-US" dirty="0"/>
-              <a:t>10/3/2019</a:t>
+              <a:t>10/16/2019</a:t>
             </a:fld>
             <a:endParaRPr lang="en-US" dirty="0"/>
           </a:p>
@@ -8537,7 +8542,7 @@
           <a:p>
             <a:fld id="{48A87A34-81AB-432B-8DAE-1953F412C126}" type="datetimeFigureOut">
               <a:rPr lang="en-US" dirty="0"/>
-              <a:t>10/3/2019</a:t>
+              <a:t>10/16/2019</a:t>
             </a:fld>
             <a:endParaRPr lang="en-US" dirty="0"/>
           </a:p>
@@ -8966,7 +8971,7 @@
           <a:p>
             <a:fld id="{48A87A34-81AB-432B-8DAE-1953F412C126}" type="datetimeFigureOut">
               <a:rPr lang="en-US" dirty="0"/>
-              <a:t>10/3/2019</a:t>
+              <a:t>10/16/2019</a:t>
             </a:fld>
             <a:endParaRPr lang="en-US" dirty="0"/>
           </a:p>
@@ -9507,7 +9512,7 @@
           <a:p>
             <a:fld id="{48A87A34-81AB-432B-8DAE-1953F412C126}" type="datetimeFigureOut">
               <a:rPr lang="en-US" dirty="0"/>
-              <a:t>10/3/2019</a:t>
+              <a:t>10/16/2019</a:t>
             </a:fld>
             <a:endParaRPr lang="en-US" dirty="0"/>
           </a:p>
@@ -10222,7 +10227,7 @@
           <a:p>
             <a:fld id="{48A87A34-81AB-432B-8DAE-1953F412C126}" type="datetimeFigureOut">
               <a:rPr lang="en-US" dirty="0"/>
-              <a:t>10/3/2019</a:t>
+              <a:t>10/16/2019</a:t>
             </a:fld>
             <a:endParaRPr lang="en-US" dirty="0"/>
           </a:p>
@@ -10387,7 +10392,7 @@
           <a:p>
             <a:fld id="{48A87A34-81AB-432B-8DAE-1953F412C126}" type="datetimeFigureOut">
               <a:rPr lang="en-US" dirty="0"/>
-              <a:t>10/3/2019</a:t>
+              <a:t>10/16/2019</a:t>
             </a:fld>
             <a:endParaRPr lang="en-US" dirty="0"/>
           </a:p>
@@ -10562,7 +10567,7 @@
           <a:p>
             <a:fld id="{48A87A34-81AB-432B-8DAE-1953F412C126}" type="datetimeFigureOut">
               <a:rPr lang="en-US" dirty="0"/>
-              <a:t>10/3/2019</a:t>
+              <a:t>10/16/2019</a:t>
             </a:fld>
             <a:endParaRPr lang="en-US" dirty="0"/>
           </a:p>
@@ -10727,7 +10732,7 @@
           <a:p>
             <a:fld id="{48A87A34-81AB-432B-8DAE-1953F412C126}" type="datetimeFigureOut">
               <a:rPr lang="en-US" dirty="0"/>
-              <a:t>10/3/2019</a:t>
+              <a:t>10/16/2019</a:t>
             </a:fld>
             <a:endParaRPr lang="en-US" dirty="0"/>
           </a:p>
@@ -10972,7 +10977,7 @@
           <a:p>
             <a:fld id="{48A87A34-81AB-432B-8DAE-1953F412C126}" type="datetimeFigureOut">
               <a:rPr lang="en-US" dirty="0"/>
-              <a:t>10/3/2019</a:t>
+              <a:t>10/16/2019</a:t>
             </a:fld>
             <a:endParaRPr lang="en-US" dirty="0"/>
           </a:p>
@@ -11199,7 +11204,7 @@
           <a:p>
             <a:fld id="{48A87A34-81AB-432B-8DAE-1953F412C126}" type="datetimeFigureOut">
               <a:rPr lang="en-US" dirty="0"/>
-              <a:t>10/3/2019</a:t>
+              <a:t>10/16/2019</a:t>
             </a:fld>
             <a:endParaRPr lang="en-US" dirty="0"/>
           </a:p>
@@ -11575,7 +11580,7 @@
           <a:p>
             <a:fld id="{48A87A34-81AB-432B-8DAE-1953F412C126}" type="datetimeFigureOut">
               <a:rPr lang="en-US" dirty="0"/>
-              <a:t>10/3/2019</a:t>
+              <a:t>10/16/2019</a:t>
             </a:fld>
             <a:endParaRPr lang="en-US" dirty="0"/>
           </a:p>
@@ -11688,7 +11693,7 @@
           <a:p>
             <a:fld id="{48A87A34-81AB-432B-8DAE-1953F412C126}" type="datetimeFigureOut">
               <a:rPr lang="en-US" dirty="0"/>
-              <a:t>10/3/2019</a:t>
+              <a:t>10/16/2019</a:t>
             </a:fld>
             <a:endParaRPr lang="en-US" dirty="0"/>
           </a:p>
@@ -11778,7 +11783,7 @@
           <a:p>
             <a:fld id="{48A87A34-81AB-432B-8DAE-1953F412C126}" type="datetimeFigureOut">
               <a:rPr lang="en-US" dirty="0"/>
-              <a:t>10/3/2019</a:t>
+              <a:t>10/16/2019</a:t>
             </a:fld>
             <a:endParaRPr lang="en-US" dirty="0"/>
           </a:p>
@@ -12022,7 +12027,7 @@
           <a:p>
             <a:fld id="{48A87A34-81AB-432B-8DAE-1953F412C126}" type="datetimeFigureOut">
               <a:rPr lang="en-US" dirty="0"/>
-              <a:t>10/3/2019</a:t>
+              <a:t>10/16/2019</a:t>
             </a:fld>
             <a:endParaRPr lang="en-US" dirty="0"/>
           </a:p>
@@ -12297,7 +12302,7 @@
           <a:p>
             <a:fld id="{48A87A34-81AB-432B-8DAE-1953F412C126}" type="datetimeFigureOut">
               <a:rPr lang="en-US" dirty="0"/>
-              <a:t>10/3/2019</a:t>
+              <a:t>10/16/2019</a:t>
             </a:fld>
             <a:endParaRPr lang="en-US" dirty="0"/>
           </a:p>
@@ -12408,7 +12413,7 @@
           <a:noFill/>
           <a:extLst>
             <a:ext uri="{909E8E84-426E-40dd-AFC4-6F175D3DCCD1}">
-              <a14:hiddenFill xmlns:a14="http://schemas.microsoft.com/office/drawing/2010/main" xmlns="">
+              <a14:hiddenFill xmlns="" xmlns:a14="http://schemas.microsoft.com/office/drawing/2010/main">
                 <a:solidFill>
                   <a:srgbClr val="FFFFFF"/>
                 </a:solidFill>
@@ -12482,7 +12487,7 @@
               </a:ln>
               <a:extLst>
                 <a:ext uri="{91240B29-F687-4f45-9708-019B960494DF}">
-                  <a14:hiddenLine xmlns:a14="http://schemas.microsoft.com/office/drawing/2010/main" xmlns="" w="9525">
+                  <a14:hiddenLine xmlns="" xmlns:a14="http://schemas.microsoft.com/office/drawing/2010/main" w="9525">
                     <a:solidFill>
                       <a:srgbClr val="000000"/>
                     </a:solidFill>
@@ -12572,7 +12577,7 @@
               </a:ln>
               <a:extLst>
                 <a:ext uri="{91240B29-F687-4f45-9708-019B960494DF}">
-                  <a14:hiddenLine xmlns:a14="http://schemas.microsoft.com/office/drawing/2010/main" xmlns="" w="9525">
+                  <a14:hiddenLine xmlns="" xmlns:a14="http://schemas.microsoft.com/office/drawing/2010/main" w="9525">
                     <a:solidFill>
                       <a:srgbClr val="000000"/>
                     </a:solidFill>
@@ -12662,7 +12667,7 @@
               </a:ln>
               <a:extLst>
                 <a:ext uri="{91240B29-F687-4f45-9708-019B960494DF}">
-                  <a14:hiddenLine xmlns:a14="http://schemas.microsoft.com/office/drawing/2010/main" xmlns="" w="9525">
+                  <a14:hiddenLine xmlns="" xmlns:a14="http://schemas.microsoft.com/office/drawing/2010/main" w="9525">
                     <a:solidFill>
                       <a:srgbClr val="000000"/>
                     </a:solidFill>
@@ -12724,7 +12729,7 @@
               </a:ln>
               <a:extLst>
                 <a:ext uri="{91240B29-F687-4f45-9708-019B960494DF}">
-                  <a14:hiddenLine xmlns:a14="http://schemas.microsoft.com/office/drawing/2010/main" xmlns="" w="9525">
+                  <a14:hiddenLine xmlns="" xmlns:a14="http://schemas.microsoft.com/office/drawing/2010/main" w="9525">
                     <a:solidFill>
                       <a:srgbClr val="000000"/>
                     </a:solidFill>
@@ -12814,7 +12819,7 @@
               </a:ln>
               <a:extLst>
                 <a:ext uri="{91240B29-F687-4f45-9708-019B960494DF}">
-                  <a14:hiddenLine xmlns:a14="http://schemas.microsoft.com/office/drawing/2010/main" xmlns="" w="9525">
+                  <a14:hiddenLine xmlns="" xmlns:a14="http://schemas.microsoft.com/office/drawing/2010/main" w="9525">
                     <a:solidFill>
                       <a:srgbClr val="000000"/>
                     </a:solidFill>
@@ -12876,7 +12881,7 @@
               </a:ln>
               <a:extLst>
                 <a:ext uri="{91240B29-F687-4f45-9708-019B960494DF}">
-                  <a14:hiddenLine xmlns:a14="http://schemas.microsoft.com/office/drawing/2010/main" xmlns="" w="9525">
+                  <a14:hiddenLine xmlns="" xmlns:a14="http://schemas.microsoft.com/office/drawing/2010/main" w="9525">
                     <a:solidFill>
                       <a:srgbClr val="000000"/>
                     </a:solidFill>
@@ -12938,7 +12943,7 @@
               </a:ln>
               <a:extLst>
                 <a:ext uri="{91240B29-F687-4f45-9708-019B960494DF}">
-                  <a14:hiddenLine xmlns:a14="http://schemas.microsoft.com/office/drawing/2010/main" xmlns="" w="9525">
+                  <a14:hiddenLine xmlns="" xmlns:a14="http://schemas.microsoft.com/office/drawing/2010/main" w="9525">
                     <a:solidFill>
                       <a:srgbClr val="000000"/>
                     </a:solidFill>
@@ -13028,7 +13033,7 @@
               </a:ln>
               <a:extLst>
                 <a:ext uri="{91240B29-F687-4f45-9708-019B960494DF}">
-                  <a14:hiddenLine xmlns:a14="http://schemas.microsoft.com/office/drawing/2010/main" xmlns="" w="9525">
+                  <a14:hiddenLine xmlns="" xmlns:a14="http://schemas.microsoft.com/office/drawing/2010/main" w="9525">
                     <a:solidFill>
                       <a:srgbClr val="000000"/>
                     </a:solidFill>
@@ -13118,7 +13123,7 @@
               </a:ln>
               <a:extLst>
                 <a:ext uri="{91240B29-F687-4f45-9708-019B960494DF}">
-                  <a14:hiddenLine xmlns:a14="http://schemas.microsoft.com/office/drawing/2010/main" xmlns="" w="9525">
+                  <a14:hiddenLine xmlns="" xmlns:a14="http://schemas.microsoft.com/office/drawing/2010/main" w="9525">
                     <a:solidFill>
                       <a:srgbClr val="000000"/>
                     </a:solidFill>
@@ -13180,7 +13185,7 @@
               </a:ln>
               <a:extLst>
                 <a:ext uri="{91240B29-F687-4f45-9708-019B960494DF}">
-                  <a14:hiddenLine xmlns:a14="http://schemas.microsoft.com/office/drawing/2010/main" xmlns="" w="9525">
+                  <a14:hiddenLine xmlns="" xmlns:a14="http://schemas.microsoft.com/office/drawing/2010/main" w="9525">
                     <a:solidFill>
                       <a:srgbClr val="000000"/>
                     </a:solidFill>
@@ -13290,7 +13295,7 @@
               </a:ln>
               <a:extLst>
                 <a:ext uri="{91240B29-F687-4f45-9708-019B960494DF}">
-                  <a14:hiddenLine xmlns:a14="http://schemas.microsoft.com/office/drawing/2010/main" xmlns="" w="9525">
+                  <a14:hiddenLine xmlns="" xmlns:a14="http://schemas.microsoft.com/office/drawing/2010/main" w="9525">
                     <a:solidFill>
                       <a:srgbClr val="000000"/>
                     </a:solidFill>
@@ -13374,7 +13379,7 @@
               </a:ln>
               <a:extLst>
                 <a:ext uri="{91240B29-F687-4f45-9708-019B960494DF}">
-                  <a14:hiddenLine xmlns:a14="http://schemas.microsoft.com/office/drawing/2010/main" xmlns="" w="9525">
+                  <a14:hiddenLine xmlns="" xmlns:a14="http://schemas.microsoft.com/office/drawing/2010/main" w="9525">
                     <a:solidFill>
                       <a:srgbClr val="000000"/>
                     </a:solidFill>
@@ -13436,7 +13441,7 @@
               </a:ln>
               <a:extLst>
                 <a:ext uri="{91240B29-F687-4f45-9708-019B960494DF}">
-                  <a14:hiddenLine xmlns:a14="http://schemas.microsoft.com/office/drawing/2010/main" xmlns="" w="9525">
+                  <a14:hiddenLine xmlns="" xmlns:a14="http://schemas.microsoft.com/office/drawing/2010/main" w="9525">
                     <a:solidFill>
                       <a:srgbClr val="000000"/>
                     </a:solidFill>
@@ -13498,7 +13503,7 @@
               </a:ln>
               <a:extLst>
                 <a:ext uri="{91240B29-F687-4f45-9708-019B960494DF}">
-                  <a14:hiddenLine xmlns:a14="http://schemas.microsoft.com/office/drawing/2010/main" xmlns="" w="9525">
+                  <a14:hiddenLine xmlns="" xmlns:a14="http://schemas.microsoft.com/office/drawing/2010/main" w="9525">
                     <a:solidFill>
                       <a:srgbClr val="000000"/>
                     </a:solidFill>
@@ -13588,7 +13593,7 @@
               </a:ln>
               <a:extLst>
                 <a:ext uri="{91240B29-F687-4f45-9708-019B960494DF}">
-                  <a14:hiddenLine xmlns:a14="http://schemas.microsoft.com/office/drawing/2010/main" xmlns="" w="9525">
+                  <a14:hiddenLine xmlns="" xmlns:a14="http://schemas.microsoft.com/office/drawing/2010/main" w="9525">
                     <a:solidFill>
                       <a:srgbClr val="000000"/>
                     </a:solidFill>
@@ -13622,7 +13627,7 @@
               </a:ln>
               <a:extLst>
                 <a:ext uri="{91240B29-F687-4f45-9708-019B960494DF}">
-                  <a14:hiddenLine xmlns:a14="http://schemas.microsoft.com/office/drawing/2010/main" xmlns="" w="9525">
+                  <a14:hiddenLine xmlns="" xmlns:a14="http://schemas.microsoft.com/office/drawing/2010/main" w="9525">
                     <a:solidFill>
                       <a:srgbClr val="000000"/>
                     </a:solidFill>
@@ -13687,7 +13692,7 @@
               </a:ln>
               <a:extLst>
                 <a:ext uri="{91240B29-F687-4f45-9708-019B960494DF}">
-                  <a14:hiddenLine xmlns:a14="http://schemas.microsoft.com/office/drawing/2010/main" xmlns="" w="9525">
+                  <a14:hiddenLine xmlns="" xmlns:a14="http://schemas.microsoft.com/office/drawing/2010/main" w="9525">
                     <a:solidFill>
                       <a:srgbClr val="000000"/>
                     </a:solidFill>
@@ -13777,7 +13782,7 @@
               </a:ln>
               <a:extLst>
                 <a:ext uri="{91240B29-F687-4f45-9708-019B960494DF}">
-                  <a14:hiddenLine xmlns:a14="http://schemas.microsoft.com/office/drawing/2010/main" xmlns="" w="9525">
+                  <a14:hiddenLine xmlns="" xmlns:a14="http://schemas.microsoft.com/office/drawing/2010/main" w="9525">
                     <a:solidFill>
                       <a:srgbClr val="000000"/>
                     </a:solidFill>
@@ -13839,7 +13844,7 @@
               </a:ln>
               <a:extLst>
                 <a:ext uri="{91240B29-F687-4f45-9708-019B960494DF}">
-                  <a14:hiddenLine xmlns:a14="http://schemas.microsoft.com/office/drawing/2010/main" xmlns="" w="9525">
+                  <a14:hiddenLine xmlns="" xmlns:a14="http://schemas.microsoft.com/office/drawing/2010/main" w="9525">
                     <a:solidFill>
                       <a:srgbClr val="000000"/>
                     </a:solidFill>
@@ -13929,7 +13934,7 @@
               </a:ln>
               <a:extLst>
                 <a:ext uri="{91240B29-F687-4f45-9708-019B960494DF}">
-                  <a14:hiddenLine xmlns:a14="http://schemas.microsoft.com/office/drawing/2010/main" xmlns="" w="9525">
+                  <a14:hiddenLine xmlns="" xmlns:a14="http://schemas.microsoft.com/office/drawing/2010/main" w="9525">
                     <a:solidFill>
                       <a:srgbClr val="000000"/>
                     </a:solidFill>
@@ -13994,7 +13999,7 @@
               </a:ln>
               <a:extLst>
                 <a:ext uri="{91240B29-F687-4f45-9708-019B960494DF}">
-                  <a14:hiddenLine xmlns:a14="http://schemas.microsoft.com/office/drawing/2010/main" xmlns="" w="9525">
+                  <a14:hiddenLine xmlns="" xmlns:a14="http://schemas.microsoft.com/office/drawing/2010/main" w="9525">
                     <a:solidFill>
                       <a:srgbClr val="000000"/>
                     </a:solidFill>
@@ -14056,7 +14061,7 @@
               </a:ln>
               <a:extLst>
                 <a:ext uri="{91240B29-F687-4f45-9708-019B960494DF}">
-                  <a14:hiddenLine xmlns:a14="http://schemas.microsoft.com/office/drawing/2010/main" xmlns="" w="9525">
+                  <a14:hiddenLine xmlns="" xmlns:a14="http://schemas.microsoft.com/office/drawing/2010/main" w="9525">
                     <a:solidFill>
                       <a:srgbClr val="000000"/>
                     </a:solidFill>
@@ -14146,7 +14151,7 @@
               </a:ln>
               <a:extLst>
                 <a:ext uri="{91240B29-F687-4f45-9708-019B960494DF}">
-                  <a14:hiddenLine xmlns:a14="http://schemas.microsoft.com/office/drawing/2010/main" xmlns="" w="9525">
+                  <a14:hiddenLine xmlns="" xmlns:a14="http://schemas.microsoft.com/office/drawing/2010/main" w="9525">
                     <a:solidFill>
                       <a:srgbClr val="000000"/>
                     </a:solidFill>
@@ -14236,7 +14241,7 @@
               </a:ln>
               <a:extLst>
                 <a:ext uri="{91240B29-F687-4f45-9708-019B960494DF}">
-                  <a14:hiddenLine xmlns:a14="http://schemas.microsoft.com/office/drawing/2010/main" xmlns="" w="9525">
+                  <a14:hiddenLine xmlns="" xmlns:a14="http://schemas.microsoft.com/office/drawing/2010/main" w="9525">
                     <a:solidFill>
                       <a:srgbClr val="000000"/>
                     </a:solidFill>
@@ -14301,7 +14306,7 @@
               </a:ln>
               <a:extLst>
                 <a:ext uri="{91240B29-F687-4f45-9708-019B960494DF}">
-                  <a14:hiddenLine xmlns:a14="http://schemas.microsoft.com/office/drawing/2010/main" xmlns="" w="9525">
+                  <a14:hiddenLine xmlns="" xmlns:a14="http://schemas.microsoft.com/office/drawing/2010/main" w="9525">
                     <a:solidFill>
                       <a:srgbClr val="000000"/>
                     </a:solidFill>
@@ -14421,7 +14426,7 @@
               </a:ln>
               <a:extLst>
                 <a:ext uri="{91240B29-F687-4f45-9708-019B960494DF}">
-                  <a14:hiddenLine xmlns:a14="http://schemas.microsoft.com/office/drawing/2010/main" xmlns="" w="9525">
+                  <a14:hiddenLine xmlns="" xmlns:a14="http://schemas.microsoft.com/office/drawing/2010/main" w="9525">
                     <a:solidFill>
                       <a:srgbClr val="000000"/>
                     </a:solidFill>
@@ -14519,7 +14524,7 @@
               </a:ln>
               <a:extLst>
                 <a:ext uri="{91240B29-F687-4f45-9708-019B960494DF}">
-                  <a14:hiddenLine xmlns:a14="http://schemas.microsoft.com/office/drawing/2010/main" xmlns="" w="9525">
+                  <a14:hiddenLine xmlns="" xmlns:a14="http://schemas.microsoft.com/office/drawing/2010/main" w="9525">
                     <a:solidFill>
                       <a:srgbClr val="000000"/>
                     </a:solidFill>
@@ -14634,7 +14639,7 @@
               </a:ln>
               <a:extLst>
                 <a:ext uri="{91240B29-F687-4f45-9708-019B960494DF}">
-                  <a14:hiddenLine xmlns:a14="http://schemas.microsoft.com/office/drawing/2010/main" xmlns="" w="9525">
+                  <a14:hiddenLine xmlns="" xmlns:a14="http://schemas.microsoft.com/office/drawing/2010/main" w="9525">
                     <a:solidFill>
                       <a:srgbClr val="000000"/>
                     </a:solidFill>
@@ -14724,7 +14729,7 @@
               </a:ln>
               <a:extLst>
                 <a:ext uri="{91240B29-F687-4f45-9708-019B960494DF}">
-                  <a14:hiddenLine xmlns:a14="http://schemas.microsoft.com/office/drawing/2010/main" xmlns="" w="9525">
+                  <a14:hiddenLine xmlns="" xmlns:a14="http://schemas.microsoft.com/office/drawing/2010/main" w="9525">
                     <a:solidFill>
                       <a:srgbClr val="000000"/>
                     </a:solidFill>
@@ -14789,7 +14794,7 @@
               </a:ln>
               <a:extLst>
                 <a:ext uri="{91240B29-F687-4f45-9708-019B960494DF}">
-                  <a14:hiddenLine xmlns:a14="http://schemas.microsoft.com/office/drawing/2010/main" xmlns="" w="9525">
+                  <a14:hiddenLine xmlns="" xmlns:a14="http://schemas.microsoft.com/office/drawing/2010/main" w="9525">
                     <a:solidFill>
                       <a:srgbClr val="000000"/>
                     </a:solidFill>
@@ -14879,7 +14884,7 @@
               </a:ln>
               <a:extLst>
                 <a:ext uri="{91240B29-F687-4f45-9708-019B960494DF}">
-                  <a14:hiddenLine xmlns:a14="http://schemas.microsoft.com/office/drawing/2010/main" xmlns="" w="9525">
+                  <a14:hiddenLine xmlns="" xmlns:a14="http://schemas.microsoft.com/office/drawing/2010/main" w="9525">
                     <a:solidFill>
                       <a:srgbClr val="000000"/>
                     </a:solidFill>
@@ -14947,7 +14952,7 @@
               </a:ln>
               <a:extLst>
                 <a:ext uri="{91240B29-F687-4f45-9708-019B960494DF}">
-                  <a14:hiddenLine xmlns:a14="http://schemas.microsoft.com/office/drawing/2010/main" xmlns="" w="9525">
+                  <a14:hiddenLine xmlns="" xmlns:a14="http://schemas.microsoft.com/office/drawing/2010/main" w="9525">
                     <a:solidFill>
                       <a:srgbClr val="000000"/>
                     </a:solidFill>
@@ -15037,7 +15042,7 @@
               </a:ln>
               <a:extLst>
                 <a:ext uri="{91240B29-F687-4f45-9708-019B960494DF}">
-                  <a14:hiddenLine xmlns:a14="http://schemas.microsoft.com/office/drawing/2010/main" xmlns="" w="9525">
+                  <a14:hiddenLine xmlns="" xmlns:a14="http://schemas.microsoft.com/office/drawing/2010/main" w="9525">
                     <a:solidFill>
                       <a:srgbClr val="000000"/>
                     </a:solidFill>
@@ -15105,7 +15110,7 @@
               </a:ln>
               <a:extLst>
                 <a:ext uri="{91240B29-F687-4f45-9708-019B960494DF}">
-                  <a14:hiddenLine xmlns:a14="http://schemas.microsoft.com/office/drawing/2010/main" xmlns="" w="9525">
+                  <a14:hiddenLine xmlns="" xmlns:a14="http://schemas.microsoft.com/office/drawing/2010/main" w="9525">
                     <a:solidFill>
                       <a:srgbClr val="000000"/>
                     </a:solidFill>
@@ -15195,7 +15200,7 @@
               </a:ln>
               <a:extLst>
                 <a:ext uri="{91240B29-F687-4f45-9708-019B960494DF}">
-                  <a14:hiddenLine xmlns:a14="http://schemas.microsoft.com/office/drawing/2010/main" xmlns="" w="9525">
+                  <a14:hiddenLine xmlns="" xmlns:a14="http://schemas.microsoft.com/office/drawing/2010/main" w="9525">
                     <a:solidFill>
                       <a:srgbClr val="000000"/>
                     </a:solidFill>
@@ -15229,7 +15234,7 @@
               </a:ln>
               <a:extLst>
                 <a:ext uri="{91240B29-F687-4f45-9708-019B960494DF}">
-                  <a14:hiddenLine xmlns:a14="http://schemas.microsoft.com/office/drawing/2010/main" xmlns="" w="9525">
+                  <a14:hiddenLine xmlns="" xmlns:a14="http://schemas.microsoft.com/office/drawing/2010/main" w="9525">
                     <a:solidFill>
                       <a:srgbClr val="000000"/>
                     </a:solidFill>
@@ -15370,7 +15375,7 @@
             <a:fld id="{48A87A34-81AB-432B-8DAE-1953F412C126}" type="datetimeFigureOut">
               <a:rPr lang="en-US" dirty="0"/>
               <a:pPr/>
-              <a:t>10/3/2019</a:t>
+              <a:t>10/16/2019</a:t>
             </a:fld>
             <a:endParaRPr lang="en-US" dirty="0"/>
           </a:p>
@@ -15936,19 +15941,20 @@
           <a:p>
             <a:r>
               <a:rPr lang="en-US" dirty="0"/>
-              <a:t>Text Mining: Word Cloud</a:t>
+              <a:t>Text Mining</a:t>
+            </a:r>
+          </a:p>
+          <a:p>
+            <a:pPr lvl="1"/>
+            <a:r>
+              <a:rPr lang="en-US" dirty="0"/>
+              <a:t>Preprocessing: Term Frequency</a:t>
             </a:r>
           </a:p>
           <a:p>
             <a:r>
               <a:rPr lang="en-US" dirty="0"/>
-              <a:t>Preprocessing</a:t>
-            </a:r>
-          </a:p>
-          <a:p>
-            <a:r>
-              <a:rPr lang="en-US" dirty="0"/>
-              <a:t>5 Simple Steps to Create Word Clouds in R</a:t>
+              <a:t>5 Simple Steps to Create Term Frequency/Word Clouds in R</a:t>
             </a:r>
           </a:p>
         </p:txBody>
@@ -16006,7 +16012,7 @@
           <a:p>
             <a:r>
               <a:rPr lang="en-US" dirty="0"/>
-              <a:t>Text Mining: Word Cloud</a:t>
+              <a:t>Text Mining: Term Frequency</a:t>
             </a:r>
             <a:br>
               <a:rPr lang="en-US" dirty="0"/>
@@ -16038,7 +16044,19 @@
           <a:p>
             <a:r>
               <a:rPr lang="en-US" dirty="0"/>
-              <a:t>methods allow us to highlight the most frequently used keywords in a paragraph of texts. One can create a </a:t>
+              <a:t>methods allow us to highlight the </a:t>
+            </a:r>
+            <a:r>
+              <a:rPr lang="en-US" b="1" dirty="0">
+                <a:solidFill>
+                  <a:srgbClr val="FF0000"/>
+                </a:solidFill>
+              </a:rPr>
+              <a:t>most frequently used keywords </a:t>
+            </a:r>
+            <a:r>
+              <a:rPr lang="en-US" dirty="0"/>
+              <a:t>in a paragraph of texts. One can create a </a:t>
             </a:r>
             <a:r>
               <a:rPr lang="en-US" b="1" dirty="0"/>
@@ -16067,6 +16085,1281 @@
           </a:p>
         </p:txBody>
       </p:sp>
+      <p:pic>
+        <p:nvPicPr>
+          <p:cNvPr id="4" name="Picture 3">
+            <a:extLst>
+              <a:ext uri="{FF2B5EF4-FFF2-40B4-BE49-F238E27FC236}">
+                <a16:creationId xmlns:a16="http://schemas.microsoft.com/office/drawing/2014/main" id="{68AF916E-1AE6-49E5-A331-37339321500C}"/>
+              </a:ext>
+            </a:extLst>
+          </p:cNvPr>
+          <p:cNvPicPr>
+            <a:picLocks noChangeAspect="1"/>
+          </p:cNvPicPr>
+          <p:nvPr/>
+        </p:nvPicPr>
+        <p:blipFill>
+          <a:blip r:embed="rId2"/>
+          <a:stretch>
+            <a:fillRect/>
+          </a:stretch>
+        </p:blipFill>
+        <p:spPr>
+          <a:xfrm>
+            <a:off x="1141412" y="3731741"/>
+            <a:ext cx="4803265" cy="2924431"/>
+          </a:xfrm>
+          <a:prstGeom prst="rect">
+            <a:avLst/>
+          </a:prstGeom>
+        </p:spPr>
+      </p:pic>
+      <p:graphicFrame>
+        <p:nvGraphicFramePr>
+          <p:cNvPr id="5" name="Table 4">
+            <a:extLst>
+              <a:ext uri="{FF2B5EF4-FFF2-40B4-BE49-F238E27FC236}">
+                <a16:creationId xmlns:a16="http://schemas.microsoft.com/office/drawing/2014/main" id="{5A929660-AEB4-42C7-B816-134DC682C8AA}"/>
+              </a:ext>
+            </a:extLst>
+          </p:cNvPr>
+          <p:cNvGraphicFramePr>
+            <a:graphicFrameLocks noGrp="1"/>
+          </p:cNvGraphicFramePr>
+          <p:nvPr>
+            <p:extLst>
+              <p:ext uri="{D42A27DB-BD31-4B8C-83A1-F6EECF244321}">
+                <p14:modId xmlns:p14="http://schemas.microsoft.com/office/powerpoint/2010/main" val="2595721879"/>
+              </p:ext>
+            </p:extLst>
+          </p:nvPr>
+        </p:nvGraphicFramePr>
+        <p:xfrm>
+          <a:off x="6247325" y="3731741"/>
+          <a:ext cx="4803264" cy="2800861"/>
+        </p:xfrm>
+        <a:graphic>
+          <a:graphicData uri="http://schemas.openxmlformats.org/drawingml/2006/table">
+            <a:tbl>
+              <a:tblPr/>
+              <a:tblGrid>
+                <a:gridCol w="1601088">
+                  <a:extLst>
+                    <a:ext uri="{9D8B030D-6E8A-4147-A177-3AD203B41FA5}">
+                      <a16:colId xmlns:a16="http://schemas.microsoft.com/office/drawing/2014/main" val="1948798490"/>
+                    </a:ext>
+                  </a:extLst>
+                </a:gridCol>
+                <a:gridCol w="1601088">
+                  <a:extLst>
+                    <a:ext uri="{9D8B030D-6E8A-4147-A177-3AD203B41FA5}">
+                      <a16:colId xmlns:a16="http://schemas.microsoft.com/office/drawing/2014/main" val="4265241545"/>
+                    </a:ext>
+                  </a:extLst>
+                </a:gridCol>
+                <a:gridCol w="1601088">
+                  <a:extLst>
+                    <a:ext uri="{9D8B030D-6E8A-4147-A177-3AD203B41FA5}">
+                      <a16:colId xmlns:a16="http://schemas.microsoft.com/office/drawing/2014/main" val="967490356"/>
+                    </a:ext>
+                  </a:extLst>
+                </a:gridCol>
+              </a:tblGrid>
+              <a:tr h="638465">
+                <a:tc>
+                  <a:txBody>
+                    <a:bodyPr/>
+                    <a:lstStyle/>
+                    <a:p>
+                      <a:pPr algn="l"/>
+                      <a:r>
+                        <a:rPr lang="en-US" sz="1400" dirty="0">
+                          <a:solidFill>
+                            <a:srgbClr val="FFFF00"/>
+                          </a:solidFill>
+                          <a:effectLst/>
+                        </a:rPr>
+                        <a:t> </a:t>
+                      </a:r>
+                    </a:p>
+                    <a:p>
+                      <a:pPr algn="l"/>
+                      <a:r>
+                        <a:rPr lang="en-US" sz="1400" b="0" dirty="0">
+                          <a:solidFill>
+                            <a:srgbClr val="FFFF00"/>
+                          </a:solidFill>
+                          <a:effectLst/>
+                        </a:rPr>
+                        <a:t> </a:t>
+                      </a:r>
+                    </a:p>
+                  </a:txBody>
+                  <a:tcPr marL="43511" marR="43511" marT="34809" marB="21755" anchor="ctr">
+                    <a:lnL>
+                      <a:noFill/>
+                    </a:lnL>
+                    <a:lnR>
+                      <a:noFill/>
+                    </a:lnR>
+                    <a:lnT>
+                      <a:noFill/>
+                    </a:lnT>
+                    <a:lnB w="9525" cap="flat" cmpd="sng" algn="ctr">
+                      <a:solidFill>
+                        <a:srgbClr val="003B03"/>
+                      </a:solidFill>
+                      <a:prstDash val="solid"/>
+                      <a:round/>
+                      <a:headEnd type="none" w="med" len="med"/>
+                      <a:tailEnd type="none" w="med" len="med"/>
+                    </a:lnB>
+                  </a:tcPr>
+                </a:tc>
+                <a:tc>
+                  <a:txBody>
+                    <a:bodyPr/>
+                    <a:lstStyle/>
+                    <a:p>
+                      <a:pPr algn="l"/>
+                      <a:r>
+                        <a:rPr lang="en-US" sz="1400" dirty="0">
+                          <a:solidFill>
+                            <a:srgbClr val="FFFF00"/>
+                          </a:solidFill>
+                          <a:effectLst/>
+                        </a:rPr>
+                        <a:t>word</a:t>
+                      </a:r>
+                    </a:p>
+                  </a:txBody>
+                  <a:tcPr marL="43511" marR="43511" marT="34809" marB="21755" anchor="ctr">
+                    <a:lnL>
+                      <a:noFill/>
+                    </a:lnL>
+                    <a:lnR>
+                      <a:noFill/>
+                    </a:lnR>
+                    <a:lnT>
+                      <a:noFill/>
+                    </a:lnT>
+                    <a:lnB w="9525" cap="flat" cmpd="sng" algn="ctr">
+                      <a:solidFill>
+                        <a:srgbClr val="004703"/>
+                      </a:solidFill>
+                      <a:prstDash val="solid"/>
+                      <a:round/>
+                      <a:headEnd type="none" w="med" len="med"/>
+                      <a:tailEnd type="none" w="med" len="med"/>
+                    </a:lnB>
+                  </a:tcPr>
+                </a:tc>
+                <a:tc>
+                  <a:txBody>
+                    <a:bodyPr/>
+                    <a:lstStyle/>
+                    <a:p>
+                      <a:pPr algn="r"/>
+                      <a:r>
+                        <a:rPr lang="en-US" sz="1400" dirty="0" err="1">
+                          <a:solidFill>
+                            <a:srgbClr val="FFFF00"/>
+                          </a:solidFill>
+                          <a:effectLst/>
+                        </a:rPr>
+                        <a:t>freq</a:t>
+                      </a:r>
+                      <a:endParaRPr lang="en-US" sz="1400" dirty="0">
+                        <a:solidFill>
+                          <a:srgbClr val="FFFF00"/>
+                        </a:solidFill>
+                        <a:effectLst/>
+                      </a:endParaRPr>
+                    </a:p>
+                  </a:txBody>
+                  <a:tcPr marL="43511" marR="43511" marT="34809" marB="21755" anchor="ctr">
+                    <a:lnL>
+                      <a:noFill/>
+                    </a:lnL>
+                    <a:lnR>
+                      <a:noFill/>
+                    </a:lnR>
+                    <a:lnT>
+                      <a:noFill/>
+                    </a:lnT>
+                    <a:lnB w="9525" cap="flat" cmpd="sng" algn="ctr">
+                      <a:solidFill>
+                        <a:srgbClr val="C04403"/>
+                      </a:solidFill>
+                      <a:prstDash val="solid"/>
+                      <a:round/>
+                      <a:headEnd type="none" w="med" len="med"/>
+                      <a:tailEnd type="none" w="med" len="med"/>
+                    </a:lnB>
+                  </a:tcPr>
+                </a:tc>
+                <a:extLst>
+                  <a:ext uri="{0D108BD9-81ED-4DB2-BD59-A6C34878D82A}">
+                    <a16:rowId xmlns:a16="http://schemas.microsoft.com/office/drawing/2014/main" val="2683568182"/>
+                  </a:ext>
+                </a:extLst>
+              </a:tr>
+              <a:tr h="199390">
+                <a:tc>
+                  <a:txBody>
+                    <a:bodyPr/>
+                    <a:lstStyle/>
+                    <a:p>
+                      <a:pPr algn="l"/>
+                      <a:r>
+                        <a:rPr lang="en-US" sz="800" b="1" dirty="0">
+                          <a:solidFill>
+                            <a:srgbClr val="FFFF00"/>
+                          </a:solidFill>
+                          <a:effectLst/>
+                        </a:rPr>
+                        <a:t>treatment</a:t>
+                      </a:r>
+                    </a:p>
+                  </a:txBody>
+                  <a:tcPr marL="43511" marR="43511" marT="14504" marB="14504" anchor="ctr">
+                    <a:lnL>
+                      <a:noFill/>
+                    </a:lnL>
+                    <a:lnR>
+                      <a:noFill/>
+                    </a:lnR>
+                    <a:lnT w="9525" cap="flat" cmpd="sng" algn="ctr">
+                      <a:solidFill>
+                        <a:srgbClr val="003B03"/>
+                      </a:solidFill>
+                      <a:prstDash val="solid"/>
+                      <a:round/>
+                      <a:headEnd type="none" w="med" len="med"/>
+                      <a:tailEnd type="none" w="med" len="med"/>
+                    </a:lnT>
+                    <a:lnB>
+                      <a:noFill/>
+                    </a:lnB>
+                  </a:tcPr>
+                </a:tc>
+                <a:tc>
+                  <a:txBody>
+                    <a:bodyPr/>
+                    <a:lstStyle/>
+                    <a:p>
+                      <a:pPr algn="l"/>
+                      <a:r>
+                        <a:rPr lang="en-US" sz="800" b="1" dirty="0">
+                          <a:solidFill>
+                            <a:srgbClr val="FFFF00"/>
+                          </a:solidFill>
+                          <a:effectLst/>
+                        </a:rPr>
+                        <a:t>treatment</a:t>
+                      </a:r>
+                    </a:p>
+                  </a:txBody>
+                  <a:tcPr marL="43511" marR="43511" marT="14504" marB="14504" anchor="ctr">
+                    <a:lnL>
+                      <a:noFill/>
+                    </a:lnL>
+                    <a:lnR>
+                      <a:noFill/>
+                    </a:lnR>
+                    <a:lnT w="9525" cap="flat" cmpd="sng" algn="ctr">
+                      <a:solidFill>
+                        <a:srgbClr val="004703"/>
+                      </a:solidFill>
+                      <a:prstDash val="solid"/>
+                      <a:round/>
+                      <a:headEnd type="none" w="med" len="med"/>
+                      <a:tailEnd type="none" w="med" len="med"/>
+                    </a:lnT>
+                    <a:lnB>
+                      <a:noFill/>
+                    </a:lnB>
+                  </a:tcPr>
+                </a:tc>
+                <a:tc>
+                  <a:txBody>
+                    <a:bodyPr/>
+                    <a:lstStyle/>
+                    <a:p>
+                      <a:pPr algn="r"/>
+                      <a:r>
+                        <a:rPr lang="en-US" sz="800" b="1" dirty="0">
+                          <a:solidFill>
+                            <a:srgbClr val="FFFF00"/>
+                          </a:solidFill>
+                          <a:effectLst/>
+                        </a:rPr>
+                        <a:t>9</a:t>
+                      </a:r>
+                    </a:p>
+                  </a:txBody>
+                  <a:tcPr marL="43511" marR="43511" marT="14504" marB="14504" anchor="ctr">
+                    <a:lnL>
+                      <a:noFill/>
+                    </a:lnL>
+                    <a:lnR>
+                      <a:noFill/>
+                    </a:lnR>
+                    <a:lnT w="9525" cap="flat" cmpd="sng" algn="ctr">
+                      <a:solidFill>
+                        <a:srgbClr val="C04403"/>
+                      </a:solidFill>
+                      <a:prstDash val="solid"/>
+                      <a:round/>
+                      <a:headEnd type="none" w="med" len="med"/>
+                      <a:tailEnd type="none" w="med" len="med"/>
+                    </a:lnT>
+                    <a:lnB>
+                      <a:noFill/>
+                    </a:lnB>
+                  </a:tcPr>
+                </a:tc>
+                <a:extLst>
+                  <a:ext uri="{0D108BD9-81ED-4DB2-BD59-A6C34878D82A}">
+                    <a16:rowId xmlns:a16="http://schemas.microsoft.com/office/drawing/2014/main" val="3535132017"/>
+                  </a:ext>
+                </a:extLst>
+              </a:tr>
+              <a:tr h="199390">
+                <a:tc>
+                  <a:txBody>
+                    <a:bodyPr/>
+                    <a:lstStyle/>
+                    <a:p>
+                      <a:pPr algn="l"/>
+                      <a:r>
+                        <a:rPr lang="en-US" sz="800" b="1">
+                          <a:solidFill>
+                            <a:srgbClr val="FFFF00"/>
+                          </a:solidFill>
+                          <a:effectLst/>
+                        </a:rPr>
+                        <a:t>equipment</a:t>
+                      </a:r>
+                    </a:p>
+                  </a:txBody>
+                  <a:tcPr marL="43511" marR="43511" marT="14504" marB="14504" anchor="ctr">
+                    <a:lnL>
+                      <a:noFill/>
+                    </a:lnL>
+                    <a:lnR>
+                      <a:noFill/>
+                    </a:lnR>
+                    <a:lnT>
+                      <a:noFill/>
+                    </a:lnT>
+                    <a:lnB>
+                      <a:noFill/>
+                    </a:lnB>
+                  </a:tcPr>
+                </a:tc>
+                <a:tc>
+                  <a:txBody>
+                    <a:bodyPr/>
+                    <a:lstStyle/>
+                    <a:p>
+                      <a:pPr algn="l"/>
+                      <a:r>
+                        <a:rPr lang="en-US" sz="800" b="1" dirty="0">
+                          <a:solidFill>
+                            <a:srgbClr val="FFFF00"/>
+                          </a:solidFill>
+                          <a:effectLst/>
+                        </a:rPr>
+                        <a:t>equipment</a:t>
+                      </a:r>
+                    </a:p>
+                  </a:txBody>
+                  <a:tcPr marL="43511" marR="43511" marT="14504" marB="14504" anchor="ctr">
+                    <a:lnL>
+                      <a:noFill/>
+                    </a:lnL>
+                    <a:lnR>
+                      <a:noFill/>
+                    </a:lnR>
+                    <a:lnT>
+                      <a:noFill/>
+                    </a:lnT>
+                    <a:lnB>
+                      <a:noFill/>
+                    </a:lnB>
+                  </a:tcPr>
+                </a:tc>
+                <a:tc>
+                  <a:txBody>
+                    <a:bodyPr/>
+                    <a:lstStyle/>
+                    <a:p>
+                      <a:pPr algn="r"/>
+                      <a:r>
+                        <a:rPr lang="en-US" sz="800" b="1" dirty="0">
+                          <a:solidFill>
+                            <a:srgbClr val="FFFF00"/>
+                          </a:solidFill>
+                          <a:effectLst/>
+                        </a:rPr>
+                        <a:t>5</a:t>
+                      </a:r>
+                    </a:p>
+                  </a:txBody>
+                  <a:tcPr marL="43511" marR="43511" marT="14504" marB="14504" anchor="ctr">
+                    <a:lnL>
+                      <a:noFill/>
+                    </a:lnL>
+                    <a:lnR>
+                      <a:noFill/>
+                    </a:lnR>
+                    <a:lnT>
+                      <a:noFill/>
+                    </a:lnT>
+                    <a:lnB>
+                      <a:noFill/>
+                    </a:lnB>
+                  </a:tcPr>
+                </a:tc>
+                <a:extLst>
+                  <a:ext uri="{0D108BD9-81ED-4DB2-BD59-A6C34878D82A}">
+                    <a16:rowId xmlns:a16="http://schemas.microsoft.com/office/drawing/2014/main" val="1868416907"/>
+                  </a:ext>
+                </a:extLst>
+              </a:tr>
+              <a:tr h="199390">
+                <a:tc>
+                  <a:txBody>
+                    <a:bodyPr/>
+                    <a:lstStyle/>
+                    <a:p>
+                      <a:pPr algn="l"/>
+                      <a:r>
+                        <a:rPr lang="en-US" sz="800" b="1">
+                          <a:solidFill>
+                            <a:srgbClr val="FFFF00"/>
+                          </a:solidFill>
+                          <a:effectLst/>
+                        </a:rPr>
+                        <a:t>item</a:t>
+                      </a:r>
+                    </a:p>
+                  </a:txBody>
+                  <a:tcPr marL="43511" marR="43511" marT="14504" marB="14504" anchor="ctr">
+                    <a:lnL>
+                      <a:noFill/>
+                    </a:lnL>
+                    <a:lnR>
+                      <a:noFill/>
+                    </a:lnR>
+                    <a:lnT>
+                      <a:noFill/>
+                    </a:lnT>
+                    <a:lnB>
+                      <a:noFill/>
+                    </a:lnB>
+                  </a:tcPr>
+                </a:tc>
+                <a:tc>
+                  <a:txBody>
+                    <a:bodyPr/>
+                    <a:lstStyle/>
+                    <a:p>
+                      <a:pPr algn="l"/>
+                      <a:r>
+                        <a:rPr lang="en-US" sz="800" b="1" dirty="0">
+                          <a:solidFill>
+                            <a:srgbClr val="FFFF00"/>
+                          </a:solidFill>
+                          <a:effectLst/>
+                        </a:rPr>
+                        <a:t>item</a:t>
+                      </a:r>
+                    </a:p>
+                  </a:txBody>
+                  <a:tcPr marL="43511" marR="43511" marT="14504" marB="14504" anchor="ctr">
+                    <a:lnL>
+                      <a:noFill/>
+                    </a:lnL>
+                    <a:lnR>
+                      <a:noFill/>
+                    </a:lnR>
+                    <a:lnT>
+                      <a:noFill/>
+                    </a:lnT>
+                    <a:lnB>
+                      <a:noFill/>
+                    </a:lnB>
+                  </a:tcPr>
+                </a:tc>
+                <a:tc>
+                  <a:txBody>
+                    <a:bodyPr/>
+                    <a:lstStyle/>
+                    <a:p>
+                      <a:pPr algn="r"/>
+                      <a:r>
+                        <a:rPr lang="en-US" sz="800" b="1" dirty="0">
+                          <a:solidFill>
+                            <a:srgbClr val="FFFF00"/>
+                          </a:solidFill>
+                          <a:effectLst/>
+                        </a:rPr>
+                        <a:t>5</a:t>
+                      </a:r>
+                    </a:p>
+                  </a:txBody>
+                  <a:tcPr marL="43511" marR="43511" marT="14504" marB="14504" anchor="ctr">
+                    <a:lnL>
+                      <a:noFill/>
+                    </a:lnL>
+                    <a:lnR>
+                      <a:noFill/>
+                    </a:lnR>
+                    <a:lnT>
+                      <a:noFill/>
+                    </a:lnT>
+                    <a:lnB>
+                      <a:noFill/>
+                    </a:lnB>
+                  </a:tcPr>
+                </a:tc>
+                <a:extLst>
+                  <a:ext uri="{0D108BD9-81ED-4DB2-BD59-A6C34878D82A}">
+                    <a16:rowId xmlns:a16="http://schemas.microsoft.com/office/drawing/2014/main" val="1314885167"/>
+                  </a:ext>
+                </a:extLst>
+              </a:tr>
+              <a:tr h="199390">
+                <a:tc>
+                  <a:txBody>
+                    <a:bodyPr/>
+                    <a:lstStyle/>
+                    <a:p>
+                      <a:pPr algn="l"/>
+                      <a:r>
+                        <a:rPr lang="en-US" sz="800" b="1">
+                          <a:solidFill>
+                            <a:srgbClr val="FFFF00"/>
+                          </a:solidFill>
+                          <a:effectLst/>
+                        </a:rPr>
+                        <a:t>medication</a:t>
+                      </a:r>
+                    </a:p>
+                  </a:txBody>
+                  <a:tcPr marL="43511" marR="43511" marT="14504" marB="14504" anchor="ctr">
+                    <a:lnL>
+                      <a:noFill/>
+                    </a:lnL>
+                    <a:lnR>
+                      <a:noFill/>
+                    </a:lnR>
+                    <a:lnT>
+                      <a:noFill/>
+                    </a:lnT>
+                    <a:lnB>
+                      <a:noFill/>
+                    </a:lnB>
+                  </a:tcPr>
+                </a:tc>
+                <a:tc>
+                  <a:txBody>
+                    <a:bodyPr/>
+                    <a:lstStyle/>
+                    <a:p>
+                      <a:pPr algn="l"/>
+                      <a:r>
+                        <a:rPr lang="en-US" sz="800" b="1" dirty="0">
+                          <a:solidFill>
+                            <a:srgbClr val="FFFF00"/>
+                          </a:solidFill>
+                          <a:effectLst/>
+                        </a:rPr>
+                        <a:t>medication</a:t>
+                      </a:r>
+                    </a:p>
+                  </a:txBody>
+                  <a:tcPr marL="43511" marR="43511" marT="14504" marB="14504" anchor="ctr">
+                    <a:lnL>
+                      <a:noFill/>
+                    </a:lnL>
+                    <a:lnR>
+                      <a:noFill/>
+                    </a:lnR>
+                    <a:lnT>
+                      <a:noFill/>
+                    </a:lnT>
+                    <a:lnB>
+                      <a:noFill/>
+                    </a:lnB>
+                  </a:tcPr>
+                </a:tc>
+                <a:tc>
+                  <a:txBody>
+                    <a:bodyPr/>
+                    <a:lstStyle/>
+                    <a:p>
+                      <a:pPr algn="r"/>
+                      <a:r>
+                        <a:rPr lang="en-US" sz="800" b="1" dirty="0">
+                          <a:solidFill>
+                            <a:srgbClr val="FFFF00"/>
+                          </a:solidFill>
+                          <a:effectLst/>
+                        </a:rPr>
+                        <a:t>5</a:t>
+                      </a:r>
+                    </a:p>
+                  </a:txBody>
+                  <a:tcPr marL="43511" marR="43511" marT="14504" marB="14504" anchor="ctr">
+                    <a:lnL>
+                      <a:noFill/>
+                    </a:lnL>
+                    <a:lnR>
+                      <a:noFill/>
+                    </a:lnR>
+                    <a:lnT>
+                      <a:noFill/>
+                    </a:lnT>
+                    <a:lnB>
+                      <a:noFill/>
+                    </a:lnB>
+                  </a:tcPr>
+                </a:tc>
+                <a:extLst>
+                  <a:ext uri="{0D108BD9-81ED-4DB2-BD59-A6C34878D82A}">
+                    <a16:rowId xmlns:a16="http://schemas.microsoft.com/office/drawing/2014/main" val="3338987708"/>
+                  </a:ext>
+                </a:extLst>
+              </a:tr>
+              <a:tr h="199390">
+                <a:tc>
+                  <a:txBody>
+                    <a:bodyPr/>
+                    <a:lstStyle/>
+                    <a:p>
+                      <a:pPr algn="l"/>
+                      <a:r>
+                        <a:rPr lang="en-US" sz="800" b="1">
+                          <a:solidFill>
+                            <a:srgbClr val="FFFF00"/>
+                          </a:solidFill>
+                          <a:effectLst/>
+                        </a:rPr>
+                        <a:t>question</a:t>
+                      </a:r>
+                    </a:p>
+                  </a:txBody>
+                  <a:tcPr marL="43511" marR="43511" marT="14504" marB="14504" anchor="ctr">
+                    <a:lnL>
+                      <a:noFill/>
+                    </a:lnL>
+                    <a:lnR>
+                      <a:noFill/>
+                    </a:lnR>
+                    <a:lnT>
+                      <a:noFill/>
+                    </a:lnT>
+                    <a:lnB>
+                      <a:noFill/>
+                    </a:lnB>
+                  </a:tcPr>
+                </a:tc>
+                <a:tc>
+                  <a:txBody>
+                    <a:bodyPr/>
+                    <a:lstStyle/>
+                    <a:p>
+                      <a:pPr algn="l"/>
+                      <a:r>
+                        <a:rPr lang="en-US" sz="800" b="1" dirty="0">
+                          <a:solidFill>
+                            <a:srgbClr val="FFFF00"/>
+                          </a:solidFill>
+                          <a:effectLst/>
+                        </a:rPr>
+                        <a:t>question</a:t>
+                      </a:r>
+                    </a:p>
+                  </a:txBody>
+                  <a:tcPr marL="43511" marR="43511" marT="14504" marB="14504" anchor="ctr">
+                    <a:lnL>
+                      <a:noFill/>
+                    </a:lnL>
+                    <a:lnR>
+                      <a:noFill/>
+                    </a:lnR>
+                    <a:lnT>
+                      <a:noFill/>
+                    </a:lnT>
+                    <a:lnB>
+                      <a:noFill/>
+                    </a:lnB>
+                  </a:tcPr>
+                </a:tc>
+                <a:tc>
+                  <a:txBody>
+                    <a:bodyPr/>
+                    <a:lstStyle/>
+                    <a:p>
+                      <a:pPr algn="r"/>
+                      <a:r>
+                        <a:rPr lang="en-US" sz="800" b="1" dirty="0">
+                          <a:solidFill>
+                            <a:srgbClr val="FFFF00"/>
+                          </a:solidFill>
+                          <a:effectLst/>
+                        </a:rPr>
+                        <a:t>5</a:t>
+                      </a:r>
+                    </a:p>
+                  </a:txBody>
+                  <a:tcPr marL="43511" marR="43511" marT="14504" marB="14504" anchor="ctr">
+                    <a:lnL>
+                      <a:noFill/>
+                    </a:lnL>
+                    <a:lnR>
+                      <a:noFill/>
+                    </a:lnR>
+                    <a:lnT>
+                      <a:noFill/>
+                    </a:lnT>
+                    <a:lnB>
+                      <a:noFill/>
+                    </a:lnB>
+                  </a:tcPr>
+                </a:tc>
+                <a:extLst>
+                  <a:ext uri="{0D108BD9-81ED-4DB2-BD59-A6C34878D82A}">
+                    <a16:rowId xmlns:a16="http://schemas.microsoft.com/office/drawing/2014/main" val="1620679181"/>
+                  </a:ext>
+                </a:extLst>
+              </a:tr>
+              <a:tr h="199390">
+                <a:tc>
+                  <a:txBody>
+                    <a:bodyPr/>
+                    <a:lstStyle/>
+                    <a:p>
+                      <a:pPr algn="l"/>
+                      <a:r>
+                        <a:rPr lang="en-US" sz="800" b="1">
+                          <a:solidFill>
+                            <a:srgbClr val="FFFF00"/>
+                          </a:solidFill>
+                          <a:effectLst/>
+                        </a:rPr>
+                        <a:t>diagnosis</a:t>
+                      </a:r>
+                    </a:p>
+                  </a:txBody>
+                  <a:tcPr marL="43511" marR="43511" marT="14504" marB="14504" anchor="ctr">
+                    <a:lnL>
+                      <a:noFill/>
+                    </a:lnL>
+                    <a:lnR>
+                      <a:noFill/>
+                    </a:lnR>
+                    <a:lnT>
+                      <a:noFill/>
+                    </a:lnT>
+                    <a:lnB>
+                      <a:noFill/>
+                    </a:lnB>
+                  </a:tcPr>
+                </a:tc>
+                <a:tc>
+                  <a:txBody>
+                    <a:bodyPr/>
+                    <a:lstStyle/>
+                    <a:p>
+                      <a:pPr algn="l"/>
+                      <a:r>
+                        <a:rPr lang="en-US" sz="800" b="1" dirty="0">
+                          <a:solidFill>
+                            <a:srgbClr val="FFFF00"/>
+                          </a:solidFill>
+                          <a:effectLst/>
+                        </a:rPr>
+                        <a:t>diagnosis</a:t>
+                      </a:r>
+                    </a:p>
+                  </a:txBody>
+                  <a:tcPr marL="43511" marR="43511" marT="14504" marB="14504" anchor="ctr">
+                    <a:lnL>
+                      <a:noFill/>
+                    </a:lnL>
+                    <a:lnR>
+                      <a:noFill/>
+                    </a:lnR>
+                    <a:lnT>
+                      <a:noFill/>
+                    </a:lnT>
+                    <a:lnB>
+                      <a:noFill/>
+                    </a:lnB>
+                  </a:tcPr>
+                </a:tc>
+                <a:tc>
+                  <a:txBody>
+                    <a:bodyPr/>
+                    <a:lstStyle/>
+                    <a:p>
+                      <a:pPr algn="r"/>
+                      <a:r>
+                        <a:rPr lang="en-US" sz="800" b="1" dirty="0">
+                          <a:solidFill>
+                            <a:srgbClr val="FFFF00"/>
+                          </a:solidFill>
+                          <a:effectLst/>
+                        </a:rPr>
+                        <a:t>4</a:t>
+                      </a:r>
+                    </a:p>
+                  </a:txBody>
+                  <a:tcPr marL="43511" marR="43511" marT="14504" marB="14504" anchor="ctr">
+                    <a:lnL>
+                      <a:noFill/>
+                    </a:lnL>
+                    <a:lnR>
+                      <a:noFill/>
+                    </a:lnR>
+                    <a:lnT>
+                      <a:noFill/>
+                    </a:lnT>
+                    <a:lnB>
+                      <a:noFill/>
+                    </a:lnB>
+                  </a:tcPr>
+                </a:tc>
+                <a:extLst>
+                  <a:ext uri="{0D108BD9-81ED-4DB2-BD59-A6C34878D82A}">
+                    <a16:rowId xmlns:a16="http://schemas.microsoft.com/office/drawing/2014/main" val="2949839716"/>
+                  </a:ext>
+                </a:extLst>
+              </a:tr>
+              <a:tr h="199390">
+                <a:tc>
+                  <a:txBody>
+                    <a:bodyPr/>
+                    <a:lstStyle/>
+                    <a:p>
+                      <a:pPr algn="l"/>
+                      <a:r>
+                        <a:rPr lang="en-US" sz="800" b="1">
+                          <a:solidFill>
+                            <a:srgbClr val="FFFF00"/>
+                          </a:solidFill>
+                          <a:effectLst/>
+                        </a:rPr>
+                        <a:t>–</a:t>
+                      </a:r>
+                    </a:p>
+                  </a:txBody>
+                  <a:tcPr marL="43511" marR="43511" marT="14504" marB="14504" anchor="ctr">
+                    <a:lnL>
+                      <a:noFill/>
+                    </a:lnL>
+                    <a:lnR>
+                      <a:noFill/>
+                    </a:lnR>
+                    <a:lnT>
+                      <a:noFill/>
+                    </a:lnT>
+                    <a:lnB>
+                      <a:noFill/>
+                    </a:lnB>
+                  </a:tcPr>
+                </a:tc>
+                <a:tc>
+                  <a:txBody>
+                    <a:bodyPr/>
+                    <a:lstStyle/>
+                    <a:p>
+                      <a:pPr algn="l"/>
+                      <a:r>
+                        <a:rPr lang="en-US" sz="800" b="1" dirty="0">
+                          <a:solidFill>
+                            <a:srgbClr val="FFFF00"/>
+                          </a:solidFill>
+                          <a:effectLst/>
+                        </a:rPr>
+                        <a:t>–</a:t>
+                      </a:r>
+                    </a:p>
+                  </a:txBody>
+                  <a:tcPr marL="43511" marR="43511" marT="14504" marB="14504" anchor="ctr">
+                    <a:lnL>
+                      <a:noFill/>
+                    </a:lnL>
+                    <a:lnR>
+                      <a:noFill/>
+                    </a:lnR>
+                    <a:lnT>
+                      <a:noFill/>
+                    </a:lnT>
+                    <a:lnB>
+                      <a:noFill/>
+                    </a:lnB>
+                  </a:tcPr>
+                </a:tc>
+                <a:tc>
+                  <a:txBody>
+                    <a:bodyPr/>
+                    <a:lstStyle/>
+                    <a:p>
+                      <a:pPr algn="r"/>
+                      <a:r>
+                        <a:rPr lang="en-US" sz="800" b="1" dirty="0">
+                          <a:solidFill>
+                            <a:srgbClr val="FFFF00"/>
+                          </a:solidFill>
+                          <a:effectLst/>
+                        </a:rPr>
+                        <a:t>4</a:t>
+                      </a:r>
+                    </a:p>
+                  </a:txBody>
+                  <a:tcPr marL="43511" marR="43511" marT="14504" marB="14504" anchor="ctr">
+                    <a:lnL>
+                      <a:noFill/>
+                    </a:lnL>
+                    <a:lnR>
+                      <a:noFill/>
+                    </a:lnR>
+                    <a:lnT>
+                      <a:noFill/>
+                    </a:lnT>
+                    <a:lnB>
+                      <a:noFill/>
+                    </a:lnB>
+                  </a:tcPr>
+                </a:tc>
+                <a:extLst>
+                  <a:ext uri="{0D108BD9-81ED-4DB2-BD59-A6C34878D82A}">
+                    <a16:rowId xmlns:a16="http://schemas.microsoft.com/office/drawing/2014/main" val="248134397"/>
+                  </a:ext>
+                </a:extLst>
+              </a:tr>
+              <a:tr h="199390">
+                <a:tc>
+                  <a:txBody>
+                    <a:bodyPr/>
+                    <a:lstStyle/>
+                    <a:p>
+                      <a:pPr algn="l"/>
+                      <a:r>
+                        <a:rPr lang="en-US" sz="800" b="1">
+                          <a:solidFill>
+                            <a:srgbClr val="FFFF00"/>
+                          </a:solidFill>
+                          <a:effectLst/>
+                        </a:rPr>
+                        <a:t>information</a:t>
+                      </a:r>
+                    </a:p>
+                  </a:txBody>
+                  <a:tcPr marL="43511" marR="43511" marT="14504" marB="14504" anchor="ctr">
+                    <a:lnL>
+                      <a:noFill/>
+                    </a:lnL>
+                    <a:lnR>
+                      <a:noFill/>
+                    </a:lnR>
+                    <a:lnT>
+                      <a:noFill/>
+                    </a:lnT>
+                    <a:lnB>
+                      <a:noFill/>
+                    </a:lnB>
+                  </a:tcPr>
+                </a:tc>
+                <a:tc>
+                  <a:txBody>
+                    <a:bodyPr/>
+                    <a:lstStyle/>
+                    <a:p>
+                      <a:pPr algn="l"/>
+                      <a:r>
+                        <a:rPr lang="en-US" sz="800" b="1" dirty="0">
+                          <a:solidFill>
+                            <a:srgbClr val="FFFF00"/>
+                          </a:solidFill>
+                          <a:effectLst/>
+                        </a:rPr>
+                        <a:t>information</a:t>
+                      </a:r>
+                    </a:p>
+                  </a:txBody>
+                  <a:tcPr marL="43511" marR="43511" marT="14504" marB="14504" anchor="ctr">
+                    <a:lnL>
+                      <a:noFill/>
+                    </a:lnL>
+                    <a:lnR>
+                      <a:noFill/>
+                    </a:lnR>
+                    <a:lnT>
+                      <a:noFill/>
+                    </a:lnT>
+                    <a:lnB>
+                      <a:noFill/>
+                    </a:lnB>
+                  </a:tcPr>
+                </a:tc>
+                <a:tc>
+                  <a:txBody>
+                    <a:bodyPr/>
+                    <a:lstStyle/>
+                    <a:p>
+                      <a:pPr algn="r"/>
+                      <a:r>
+                        <a:rPr lang="en-US" sz="800" b="1" dirty="0">
+                          <a:solidFill>
+                            <a:srgbClr val="FFFF00"/>
+                          </a:solidFill>
+                          <a:effectLst/>
+                        </a:rPr>
+                        <a:t>4</a:t>
+                      </a:r>
+                    </a:p>
+                  </a:txBody>
+                  <a:tcPr marL="43511" marR="43511" marT="14504" marB="14504" anchor="ctr">
+                    <a:lnL>
+                      <a:noFill/>
+                    </a:lnL>
+                    <a:lnR>
+                      <a:noFill/>
+                    </a:lnR>
+                    <a:lnT>
+                      <a:noFill/>
+                    </a:lnT>
+                    <a:lnB>
+                      <a:noFill/>
+                    </a:lnB>
+                  </a:tcPr>
+                </a:tc>
+                <a:extLst>
+                  <a:ext uri="{0D108BD9-81ED-4DB2-BD59-A6C34878D82A}">
+                    <a16:rowId xmlns:a16="http://schemas.microsoft.com/office/drawing/2014/main" val="1593792637"/>
+                  </a:ext>
+                </a:extLst>
+              </a:tr>
+              <a:tr h="199390">
+                <a:tc>
+                  <a:txBody>
+                    <a:bodyPr/>
+                    <a:lstStyle/>
+                    <a:p>
+                      <a:pPr algn="l"/>
+                      <a:r>
+                        <a:rPr lang="en-US" sz="800" b="1">
+                          <a:solidFill>
+                            <a:srgbClr val="FFFF00"/>
+                          </a:solidFill>
+                          <a:effectLst/>
+                        </a:rPr>
+                        <a:t>patient’s</a:t>
+                      </a:r>
+                    </a:p>
+                  </a:txBody>
+                  <a:tcPr marL="43511" marR="43511" marT="14504" marB="14504" anchor="ctr">
+                    <a:lnL>
+                      <a:noFill/>
+                    </a:lnL>
+                    <a:lnR>
+                      <a:noFill/>
+                    </a:lnR>
+                    <a:lnT>
+                      <a:noFill/>
+                    </a:lnT>
+                    <a:lnB>
+                      <a:noFill/>
+                    </a:lnB>
+                  </a:tcPr>
+                </a:tc>
+                <a:tc>
+                  <a:txBody>
+                    <a:bodyPr/>
+                    <a:lstStyle/>
+                    <a:p>
+                      <a:pPr algn="l"/>
+                      <a:r>
+                        <a:rPr lang="en-US" sz="800" b="1" dirty="0">
+                          <a:solidFill>
+                            <a:srgbClr val="FFFF00"/>
+                          </a:solidFill>
+                          <a:effectLst/>
+                        </a:rPr>
+                        <a:t>patient’s</a:t>
+                      </a:r>
+                    </a:p>
+                  </a:txBody>
+                  <a:tcPr marL="43511" marR="43511" marT="14504" marB="14504" anchor="ctr">
+                    <a:lnL>
+                      <a:noFill/>
+                    </a:lnL>
+                    <a:lnR>
+                      <a:noFill/>
+                    </a:lnR>
+                    <a:lnT>
+                      <a:noFill/>
+                    </a:lnT>
+                    <a:lnB>
+                      <a:noFill/>
+                    </a:lnB>
+                  </a:tcPr>
+                </a:tc>
+                <a:tc>
+                  <a:txBody>
+                    <a:bodyPr/>
+                    <a:lstStyle/>
+                    <a:p>
+                      <a:pPr algn="r"/>
+                      <a:r>
+                        <a:rPr lang="en-US" sz="800" b="1" dirty="0">
+                          <a:solidFill>
+                            <a:srgbClr val="FFFF00"/>
+                          </a:solidFill>
+                          <a:effectLst/>
+                        </a:rPr>
+                        <a:t>4</a:t>
+                      </a:r>
+                    </a:p>
+                  </a:txBody>
+                  <a:tcPr marL="43511" marR="43511" marT="14504" marB="14504" anchor="ctr">
+                    <a:lnL>
+                      <a:noFill/>
+                    </a:lnL>
+                    <a:lnR>
+                      <a:noFill/>
+                    </a:lnR>
+                    <a:lnT>
+                      <a:noFill/>
+                    </a:lnT>
+                    <a:lnB>
+                      <a:noFill/>
+                    </a:lnB>
+                  </a:tcPr>
+                </a:tc>
+                <a:extLst>
+                  <a:ext uri="{0D108BD9-81ED-4DB2-BD59-A6C34878D82A}">
+                    <a16:rowId xmlns:a16="http://schemas.microsoft.com/office/drawing/2014/main" val="2372894181"/>
+                  </a:ext>
+                </a:extLst>
+              </a:tr>
+              <a:tr h="367886">
+                <a:tc>
+                  <a:txBody>
+                    <a:bodyPr/>
+                    <a:lstStyle/>
+                    <a:p>
+                      <a:pPr algn="l"/>
+                      <a:r>
+                        <a:rPr lang="en-US" sz="800" b="1" i="0">
+                          <a:solidFill>
+                            <a:srgbClr val="FFFF00"/>
+                          </a:solidFill>
+                          <a:effectLst/>
+                          <a:latin typeface="Lucida Sans" panose="020B0602030504090204" pitchFamily="34" charset="0"/>
+                        </a:rPr>
+                        <a:t>medical</a:t>
+                      </a:r>
+                    </a:p>
+                  </a:txBody>
+                  <a:tcPr marL="43511" marR="43511" marT="14504" marB="14504" anchor="ctr">
+                    <a:lnL>
+                      <a:noFill/>
+                    </a:lnL>
+                    <a:lnR>
+                      <a:noFill/>
+                    </a:lnR>
+                    <a:lnT>
+                      <a:noFill/>
+                    </a:lnT>
+                    <a:lnB>
+                      <a:noFill/>
+                    </a:lnB>
+                  </a:tcPr>
+                </a:tc>
+                <a:tc>
+                  <a:txBody>
+                    <a:bodyPr/>
+                    <a:lstStyle/>
+                    <a:p>
+                      <a:pPr algn="l"/>
+                      <a:r>
+                        <a:rPr lang="en-US" sz="800" b="1" i="0">
+                          <a:solidFill>
+                            <a:srgbClr val="FFFF00"/>
+                          </a:solidFill>
+                          <a:effectLst/>
+                          <a:latin typeface="Lucida Sans" panose="020B0602030504090204" pitchFamily="34" charset="0"/>
+                        </a:rPr>
+                        <a:t>medical</a:t>
+                      </a:r>
+                    </a:p>
+                  </a:txBody>
+                  <a:tcPr marL="43511" marR="43511" marT="14504" marB="14504" anchor="ctr">
+                    <a:lnL>
+                      <a:noFill/>
+                    </a:lnL>
+                    <a:lnR>
+                      <a:noFill/>
+                    </a:lnR>
+                    <a:lnT>
+                      <a:noFill/>
+                    </a:lnT>
+                    <a:lnB>
+                      <a:noFill/>
+                    </a:lnB>
+                  </a:tcPr>
+                </a:tc>
+                <a:tc>
+                  <a:txBody>
+                    <a:bodyPr/>
+                    <a:lstStyle/>
+                    <a:p>
+                      <a:pPr algn="r"/>
+                      <a:r>
+                        <a:rPr lang="en-US" sz="800" b="1" i="0" dirty="0">
+                          <a:solidFill>
+                            <a:srgbClr val="FFFF00"/>
+                          </a:solidFill>
+                          <a:effectLst/>
+                          <a:latin typeface="Lucida Sans" panose="020B0602030504090204" pitchFamily="34" charset="0"/>
+                        </a:rPr>
+                        <a:t>3</a:t>
+                      </a:r>
+                    </a:p>
+                  </a:txBody>
+                  <a:tcPr marL="43511" marR="43511" marT="14504" marB="14504" anchor="ctr">
+                    <a:lnL>
+                      <a:noFill/>
+                    </a:lnL>
+                    <a:lnR>
+                      <a:noFill/>
+                    </a:lnR>
+                    <a:lnT>
+                      <a:noFill/>
+                    </a:lnT>
+                    <a:lnB>
+                      <a:noFill/>
+                    </a:lnB>
+                  </a:tcPr>
+                </a:tc>
+                <a:extLst>
+                  <a:ext uri="{0D108BD9-81ED-4DB2-BD59-A6C34878D82A}">
+                    <a16:rowId xmlns:a16="http://schemas.microsoft.com/office/drawing/2014/main" val="1159962743"/>
+                  </a:ext>
+                </a:extLst>
+              </a:tr>
+            </a:tbl>
+          </a:graphicData>
+        </a:graphic>
+      </p:graphicFrame>
     </p:spTree>
     <p:extLst>
       <p:ext uri="{BB962C8B-B14F-4D97-AF65-F5344CB8AC3E}">
@@ -16337,7 +17630,7 @@
             <p:ph idx="1"/>
             <p:extLst>
               <p:ext uri="{D42A27DB-BD31-4B8C-83A1-F6EECF244321}">
-                <p14:modId xmlns:p14="http://schemas.microsoft.com/office/powerpoint/2010/main" val="2470850578"/>
+                <p14:modId xmlns:p14="http://schemas.microsoft.com/office/powerpoint/2010/main" val="2625330710"/>
               </p:ext>
             </p:extLst>
           </p:nvPr>

--- a/Text Mining with R.pptx
+++ b/Text Mining with R.pptx
@@ -6,10 +6,11 @@
   </p:sldMasterIdLst>
   <p:sldIdLst>
     <p:sldId id="256" r:id="rId2"/>
-    <p:sldId id="257" r:id="rId3"/>
-    <p:sldId id="258" r:id="rId4"/>
-    <p:sldId id="259" r:id="rId5"/>
-    <p:sldId id="260" r:id="rId6"/>
+    <p:sldId id="261" r:id="rId3"/>
+    <p:sldId id="257" r:id="rId4"/>
+    <p:sldId id="258" r:id="rId5"/>
+    <p:sldId id="259" r:id="rId6"/>
+    <p:sldId id="260" r:id="rId7"/>
   </p:sldIdLst>
   <p:sldSz cx="12192000" cy="6858000"/>
   <p:notesSz cx="6858000" cy="9144000"/>
@@ -922,7 +923,11 @@
         <a:p>
           <a:r>
             <a:rPr lang="en-US" b="1" dirty="0"/>
-            <a:t>Step 1: Create a text file</a:t>
+            <a:t>Step 1: </a:t>
+          </a:r>
+          <a:r>
+            <a:rPr lang="en-US" b="1"/>
+            <a:t>Source file</a:t>
           </a:r>
           <a:endParaRPr lang="en-US" dirty="0"/>
         </a:p>
@@ -1547,7 +1552,11 @@
           </a:pPr>
           <a:r>
             <a:rPr lang="en-US" sz="1700" b="1" kern="1200" dirty="0"/>
-            <a:t>Step 1: Create a text file</a:t>
+            <a:t>Step 1: </a:t>
+          </a:r>
+          <a:r>
+            <a:rPr lang="en-US" sz="1700" b="1" kern="1200"/>
+            <a:t>Source file</a:t>
           </a:r>
           <a:endParaRPr lang="en-US" sz="1700" kern="1200" dirty="0"/>
         </a:p>
@@ -3605,7 +3614,7 @@
           <a:noFill/>
           <a:extLst>
             <a:ext uri="{909E8E84-426E-40dd-AFC4-6F175D3DCCD1}">
-              <a14:hiddenFill xmlns="" xmlns:a14="http://schemas.microsoft.com/office/drawing/2010/main">
+              <a14:hiddenFill xmlns:a14="http://schemas.microsoft.com/office/drawing/2010/main" xmlns="">
                 <a:solidFill>
                   <a:srgbClr val="FFFFFF"/>
                 </a:solidFill>
@@ -3665,7 +3674,7 @@
             </a:ln>
             <a:extLst>
               <a:ext uri="{91240B29-F687-4f45-9708-019B960494DF}">
-                <a14:hiddenLine xmlns="" xmlns:a14="http://schemas.microsoft.com/office/drawing/2010/main" w="9525">
+                <a14:hiddenLine xmlns:a14="http://schemas.microsoft.com/office/drawing/2010/main" xmlns="" w="9525">
                   <a:solidFill>
                     <a:srgbClr val="000000"/>
                   </a:solidFill>
@@ -3755,7 +3764,7 @@
             </a:ln>
             <a:extLst>
               <a:ext uri="{91240B29-F687-4f45-9708-019B960494DF}">
-                <a14:hiddenLine xmlns="" xmlns:a14="http://schemas.microsoft.com/office/drawing/2010/main" w="9525">
+                <a14:hiddenLine xmlns:a14="http://schemas.microsoft.com/office/drawing/2010/main" xmlns="" w="9525">
                   <a:solidFill>
                     <a:srgbClr val="000000"/>
                   </a:solidFill>
@@ -3845,7 +3854,7 @@
             </a:ln>
             <a:extLst>
               <a:ext uri="{91240B29-F687-4f45-9708-019B960494DF}">
-                <a14:hiddenLine xmlns="" xmlns:a14="http://schemas.microsoft.com/office/drawing/2010/main" w="9525">
+                <a14:hiddenLine xmlns:a14="http://schemas.microsoft.com/office/drawing/2010/main" xmlns="" w="9525">
                   <a:solidFill>
                     <a:srgbClr val="000000"/>
                   </a:solidFill>
@@ -3879,7 +3888,7 @@
             </a:ln>
             <a:extLst>
               <a:ext uri="{91240B29-F687-4f45-9708-019B960494DF}">
-                <a14:hiddenLine xmlns="" xmlns:a14="http://schemas.microsoft.com/office/drawing/2010/main" w="9525">
+                <a14:hiddenLine xmlns:a14="http://schemas.microsoft.com/office/drawing/2010/main" xmlns="" w="9525">
                   <a:solidFill>
                     <a:srgbClr val="000000"/>
                   </a:solidFill>
@@ -3969,7 +3978,7 @@
             </a:ln>
             <a:extLst>
               <a:ext uri="{91240B29-F687-4f45-9708-019B960494DF}">
-                <a14:hiddenLine xmlns="" xmlns:a14="http://schemas.microsoft.com/office/drawing/2010/main" w="9525">
+                <a14:hiddenLine xmlns:a14="http://schemas.microsoft.com/office/drawing/2010/main" xmlns="" w="9525">
                   <a:solidFill>
                     <a:srgbClr val="000000"/>
                   </a:solidFill>
@@ -4031,7 +4040,7 @@
             </a:ln>
             <a:extLst>
               <a:ext uri="{91240B29-F687-4f45-9708-019B960494DF}">
-                <a14:hiddenLine xmlns="" xmlns:a14="http://schemas.microsoft.com/office/drawing/2010/main" w="9525">
+                <a14:hiddenLine xmlns:a14="http://schemas.microsoft.com/office/drawing/2010/main" xmlns="" w="9525">
                   <a:solidFill>
                     <a:srgbClr val="000000"/>
                   </a:solidFill>
@@ -4093,7 +4102,7 @@
             </a:ln>
             <a:extLst>
               <a:ext uri="{91240B29-F687-4f45-9708-019B960494DF}">
-                <a14:hiddenLine xmlns="" xmlns:a14="http://schemas.microsoft.com/office/drawing/2010/main" w="9525">
+                <a14:hiddenLine xmlns:a14="http://schemas.microsoft.com/office/drawing/2010/main" xmlns="" w="9525">
                   <a:solidFill>
                     <a:srgbClr val="000000"/>
                   </a:solidFill>
@@ -4183,7 +4192,7 @@
             </a:ln>
             <a:extLst>
               <a:ext uri="{91240B29-F687-4f45-9708-019B960494DF}">
-                <a14:hiddenLine xmlns="" xmlns:a14="http://schemas.microsoft.com/office/drawing/2010/main" w="9525">
+                <a14:hiddenLine xmlns:a14="http://schemas.microsoft.com/office/drawing/2010/main" xmlns="" w="9525">
                   <a:solidFill>
                     <a:srgbClr val="000000"/>
                   </a:solidFill>
@@ -4245,7 +4254,7 @@
             </a:ln>
             <a:extLst>
               <a:ext uri="{91240B29-F687-4f45-9708-019B960494DF}">
-                <a14:hiddenLine xmlns="" xmlns:a14="http://schemas.microsoft.com/office/drawing/2010/main" w="9525">
+                <a14:hiddenLine xmlns:a14="http://schemas.microsoft.com/office/drawing/2010/main" xmlns="" w="9525">
                   <a:solidFill>
                     <a:srgbClr val="000000"/>
                   </a:solidFill>
@@ -4307,7 +4316,7 @@
             </a:ln>
             <a:extLst>
               <a:ext uri="{91240B29-F687-4f45-9708-019B960494DF}">
-                <a14:hiddenLine xmlns="" xmlns:a14="http://schemas.microsoft.com/office/drawing/2010/main" w="9525">
+                <a14:hiddenLine xmlns:a14="http://schemas.microsoft.com/office/drawing/2010/main" xmlns="" w="9525">
                   <a:solidFill>
                     <a:srgbClr val="000000"/>
                   </a:solidFill>
@@ -4397,7 +4406,7 @@
             </a:ln>
             <a:extLst>
               <a:ext uri="{91240B29-F687-4f45-9708-019B960494DF}">
-                <a14:hiddenLine xmlns="" xmlns:a14="http://schemas.microsoft.com/office/drawing/2010/main" w="9525">
+                <a14:hiddenLine xmlns:a14="http://schemas.microsoft.com/office/drawing/2010/main" xmlns="" w="9525">
                   <a:solidFill>
                     <a:srgbClr val="000000"/>
                   </a:solidFill>
@@ -4487,7 +4496,7 @@
             </a:ln>
             <a:extLst>
               <a:ext uri="{91240B29-F687-4f45-9708-019B960494DF}">
-                <a14:hiddenLine xmlns="" xmlns:a14="http://schemas.microsoft.com/office/drawing/2010/main" w="9525">
+                <a14:hiddenLine xmlns:a14="http://schemas.microsoft.com/office/drawing/2010/main" xmlns="" w="9525">
                   <a:solidFill>
                     <a:srgbClr val="000000"/>
                   </a:solidFill>
@@ -4549,7 +4558,7 @@
             </a:ln>
             <a:extLst>
               <a:ext uri="{91240B29-F687-4f45-9708-019B960494DF}">
-                <a14:hiddenLine xmlns="" xmlns:a14="http://schemas.microsoft.com/office/drawing/2010/main" w="9525">
+                <a14:hiddenLine xmlns:a14="http://schemas.microsoft.com/office/drawing/2010/main" xmlns="" w="9525">
                   <a:solidFill>
                     <a:srgbClr val="000000"/>
                   </a:solidFill>
@@ -4659,7 +4668,7 @@
             </a:ln>
             <a:extLst>
               <a:ext uri="{91240B29-F687-4f45-9708-019B960494DF}">
-                <a14:hiddenLine xmlns="" xmlns:a14="http://schemas.microsoft.com/office/drawing/2010/main" w="9525">
+                <a14:hiddenLine xmlns:a14="http://schemas.microsoft.com/office/drawing/2010/main" xmlns="" w="9525">
                   <a:solidFill>
                     <a:srgbClr val="000000"/>
                   </a:solidFill>
@@ -4721,7 +4730,7 @@
             </a:ln>
             <a:extLst>
               <a:ext uri="{91240B29-F687-4f45-9708-019B960494DF}">
-                <a14:hiddenLine xmlns="" xmlns:a14="http://schemas.microsoft.com/office/drawing/2010/main" w="9525">
+                <a14:hiddenLine xmlns:a14="http://schemas.microsoft.com/office/drawing/2010/main" xmlns="" w="9525">
                   <a:solidFill>
                     <a:srgbClr val="000000"/>
                   </a:solidFill>
@@ -4811,7 +4820,7 @@
             </a:ln>
             <a:extLst>
               <a:ext uri="{91240B29-F687-4f45-9708-019B960494DF}">
-                <a14:hiddenLine xmlns="" xmlns:a14="http://schemas.microsoft.com/office/drawing/2010/main" w="9525">
+                <a14:hiddenLine xmlns:a14="http://schemas.microsoft.com/office/drawing/2010/main" xmlns="" w="9525">
                   <a:solidFill>
                     <a:srgbClr val="000000"/>
                   </a:solidFill>
@@ -4901,7 +4910,7 @@
             </a:ln>
             <a:extLst>
               <a:ext uri="{91240B29-F687-4f45-9708-019B960494DF}">
-                <a14:hiddenLine xmlns="" xmlns:a14="http://schemas.microsoft.com/office/drawing/2010/main" w="9525">
+                <a14:hiddenLine xmlns:a14="http://schemas.microsoft.com/office/drawing/2010/main" xmlns="" w="9525">
                   <a:solidFill>
                     <a:srgbClr val="000000"/>
                   </a:solidFill>
@@ -4963,7 +4972,7 @@
             </a:ln>
             <a:extLst>
               <a:ext uri="{91240B29-F687-4f45-9708-019B960494DF}">
-                <a14:hiddenLine xmlns="" xmlns:a14="http://schemas.microsoft.com/office/drawing/2010/main" w="9525">
+                <a14:hiddenLine xmlns:a14="http://schemas.microsoft.com/office/drawing/2010/main" xmlns="" w="9525">
                   <a:solidFill>
                     <a:srgbClr val="000000"/>
                   </a:solidFill>
@@ -5053,7 +5062,7 @@
             </a:ln>
             <a:extLst>
               <a:ext uri="{91240B29-F687-4f45-9708-019B960494DF}">
-                <a14:hiddenLine xmlns="" xmlns:a14="http://schemas.microsoft.com/office/drawing/2010/main" w="9525">
+                <a14:hiddenLine xmlns:a14="http://schemas.microsoft.com/office/drawing/2010/main" xmlns="" w="9525">
                   <a:solidFill>
                     <a:srgbClr val="000000"/>
                   </a:solidFill>
@@ -5143,7 +5152,7 @@
             </a:ln>
             <a:extLst>
               <a:ext uri="{91240B29-F687-4f45-9708-019B960494DF}">
-                <a14:hiddenLine xmlns="" xmlns:a14="http://schemas.microsoft.com/office/drawing/2010/main" w="9525">
+                <a14:hiddenLine xmlns:a14="http://schemas.microsoft.com/office/drawing/2010/main" xmlns="" w="9525">
                   <a:solidFill>
                     <a:srgbClr val="000000"/>
                   </a:solidFill>
@@ -5199,7 +5208,7 @@
             </a:ln>
             <a:extLst>
               <a:ext uri="{91240B29-F687-4f45-9708-019B960494DF}">
-                <a14:hiddenLine xmlns="" xmlns:a14="http://schemas.microsoft.com/office/drawing/2010/main" w="9525">
+                <a14:hiddenLine xmlns:a14="http://schemas.microsoft.com/office/drawing/2010/main" xmlns="" w="9525">
                   <a:solidFill>
                     <a:srgbClr val="000000"/>
                   </a:solidFill>
@@ -5289,7 +5298,7 @@
             </a:ln>
             <a:extLst>
               <a:ext uri="{91240B29-F687-4f45-9708-019B960494DF}">
-                <a14:hiddenLine xmlns="" xmlns:a14="http://schemas.microsoft.com/office/drawing/2010/main" w="9525">
+                <a14:hiddenLine xmlns:a14="http://schemas.microsoft.com/office/drawing/2010/main" xmlns="" w="9525">
                   <a:solidFill>
                     <a:srgbClr val="000000"/>
                   </a:solidFill>
@@ -5345,7 +5354,7 @@
             </a:ln>
             <a:extLst>
               <a:ext uri="{91240B29-F687-4f45-9708-019B960494DF}">
-                <a14:hiddenLine xmlns="" xmlns:a14="http://schemas.microsoft.com/office/drawing/2010/main" w="9525">
+                <a14:hiddenLine xmlns:a14="http://schemas.microsoft.com/office/drawing/2010/main" xmlns="" w="9525">
                   <a:solidFill>
                     <a:srgbClr val="000000"/>
                   </a:solidFill>
@@ -5435,7 +5444,7 @@
             </a:ln>
             <a:extLst>
               <a:ext uri="{91240B29-F687-4f45-9708-019B960494DF}">
-                <a14:hiddenLine xmlns="" xmlns:a14="http://schemas.microsoft.com/office/drawing/2010/main" w="9525">
+                <a14:hiddenLine xmlns:a14="http://schemas.microsoft.com/office/drawing/2010/main" xmlns="" w="9525">
                   <a:solidFill>
                     <a:srgbClr val="000000"/>
                   </a:solidFill>
@@ -5503,7 +5512,7 @@
             </a:ln>
             <a:extLst>
               <a:ext uri="{91240B29-F687-4f45-9708-019B960494DF}">
-                <a14:hiddenLine xmlns="" xmlns:a14="http://schemas.microsoft.com/office/drawing/2010/main" w="9525">
+                <a14:hiddenLine xmlns:a14="http://schemas.microsoft.com/office/drawing/2010/main" xmlns="" w="9525">
                   <a:solidFill>
                     <a:srgbClr val="000000"/>
                   </a:solidFill>
@@ -5593,7 +5602,7 @@
             </a:ln>
             <a:extLst>
               <a:ext uri="{91240B29-F687-4f45-9708-019B960494DF}">
-                <a14:hiddenLine xmlns="" xmlns:a14="http://schemas.microsoft.com/office/drawing/2010/main" w="9525">
+                <a14:hiddenLine xmlns:a14="http://schemas.microsoft.com/office/drawing/2010/main" xmlns="" w="9525">
                   <a:solidFill>
                     <a:srgbClr val="000000"/>
                   </a:solidFill>
@@ -5661,7 +5670,7 @@
             </a:ln>
             <a:extLst>
               <a:ext uri="{91240B29-F687-4f45-9708-019B960494DF}">
-                <a14:hiddenLine xmlns="" xmlns:a14="http://schemas.microsoft.com/office/drawing/2010/main" w="9525">
+                <a14:hiddenLine xmlns:a14="http://schemas.microsoft.com/office/drawing/2010/main" xmlns="" w="9525">
                   <a:solidFill>
                     <a:srgbClr val="000000"/>
                   </a:solidFill>
@@ -5751,7 +5760,7 @@
             </a:ln>
             <a:extLst>
               <a:ext uri="{91240B29-F687-4f45-9708-019B960494DF}">
-                <a14:hiddenLine xmlns="" xmlns:a14="http://schemas.microsoft.com/office/drawing/2010/main" w="9525">
+                <a14:hiddenLine xmlns:a14="http://schemas.microsoft.com/office/drawing/2010/main" xmlns="" w="9525">
                   <a:solidFill>
                     <a:srgbClr val="000000"/>
                   </a:solidFill>
@@ -5785,7 +5794,7 @@
             </a:ln>
             <a:extLst>
               <a:ext uri="{91240B29-F687-4f45-9708-019B960494DF}">
-                <a14:hiddenLine xmlns="" xmlns:a14="http://schemas.microsoft.com/office/drawing/2010/main" w="9525">
+                <a14:hiddenLine xmlns:a14="http://schemas.microsoft.com/office/drawing/2010/main" xmlns="" w="9525">
                   <a:solidFill>
                     <a:srgbClr val="000000"/>
                   </a:solidFill>
@@ -5875,7 +5884,7 @@
             </a:ln>
             <a:extLst>
               <a:ext uri="{91240B29-F687-4f45-9708-019B960494DF}">
-                <a14:hiddenLine xmlns="" xmlns:a14="http://schemas.microsoft.com/office/drawing/2010/main" w="9525">
+                <a14:hiddenLine xmlns:a14="http://schemas.microsoft.com/office/drawing/2010/main" xmlns="" w="9525">
                   <a:solidFill>
                     <a:srgbClr val="000000"/>
                   </a:solidFill>
@@ -5937,7 +5946,7 @@
             </a:ln>
             <a:extLst>
               <a:ext uri="{91240B29-F687-4f45-9708-019B960494DF}">
-                <a14:hiddenLine xmlns="" xmlns:a14="http://schemas.microsoft.com/office/drawing/2010/main" w="9525">
+                <a14:hiddenLine xmlns:a14="http://schemas.microsoft.com/office/drawing/2010/main" xmlns="" w="9525">
                   <a:solidFill>
                     <a:srgbClr val="000000"/>
                   </a:solidFill>
@@ -5999,7 +6008,7 @@
             </a:ln>
             <a:extLst>
               <a:ext uri="{91240B29-F687-4f45-9708-019B960494DF}">
-                <a14:hiddenLine xmlns="" xmlns:a14="http://schemas.microsoft.com/office/drawing/2010/main" w="9525">
+                <a14:hiddenLine xmlns:a14="http://schemas.microsoft.com/office/drawing/2010/main" xmlns="" w="9525">
                   <a:solidFill>
                     <a:srgbClr val="000000"/>
                   </a:solidFill>
@@ -6089,7 +6098,7 @@
             </a:ln>
             <a:extLst>
               <a:ext uri="{91240B29-F687-4f45-9708-019B960494DF}">
-                <a14:hiddenLine xmlns="" xmlns:a14="http://schemas.microsoft.com/office/drawing/2010/main" w="9525">
+                <a14:hiddenLine xmlns:a14="http://schemas.microsoft.com/office/drawing/2010/main" xmlns="" w="9525">
                   <a:solidFill>
                     <a:srgbClr val="000000"/>
                   </a:solidFill>
@@ -6157,7 +6166,7 @@
             </a:ln>
             <a:extLst>
               <a:ext uri="{91240B29-F687-4f45-9708-019B960494DF}">
-                <a14:hiddenLine xmlns="" xmlns:a14="http://schemas.microsoft.com/office/drawing/2010/main" w="9525">
+                <a14:hiddenLine xmlns:a14="http://schemas.microsoft.com/office/drawing/2010/main" xmlns="" w="9525">
                   <a:solidFill>
                     <a:srgbClr val="000000"/>
                   </a:solidFill>
@@ -6219,7 +6228,7 @@
             </a:ln>
             <a:extLst>
               <a:ext uri="{91240B29-F687-4f45-9708-019B960494DF}">
-                <a14:hiddenLine xmlns="" xmlns:a14="http://schemas.microsoft.com/office/drawing/2010/main" w="9525">
+                <a14:hiddenLine xmlns:a14="http://schemas.microsoft.com/office/drawing/2010/main" xmlns="" w="9525">
                   <a:solidFill>
                     <a:srgbClr val="000000"/>
                   </a:solidFill>
@@ -6309,7 +6318,7 @@
             </a:ln>
             <a:extLst>
               <a:ext uri="{91240B29-F687-4f45-9708-019B960494DF}">
-                <a14:hiddenLine xmlns="" xmlns:a14="http://schemas.microsoft.com/office/drawing/2010/main" w="9525">
+                <a14:hiddenLine xmlns:a14="http://schemas.microsoft.com/office/drawing/2010/main" xmlns="" w="9525">
                   <a:solidFill>
                     <a:srgbClr val="000000"/>
                   </a:solidFill>
@@ -6371,7 +6380,7 @@
             </a:ln>
             <a:extLst>
               <a:ext uri="{91240B29-F687-4f45-9708-019B960494DF}">
-                <a14:hiddenLine xmlns="" xmlns:a14="http://schemas.microsoft.com/office/drawing/2010/main" w="9525">
+                <a14:hiddenLine xmlns:a14="http://schemas.microsoft.com/office/drawing/2010/main" xmlns="" w="9525">
                   <a:solidFill>
                     <a:srgbClr val="000000"/>
                   </a:solidFill>
@@ -6461,7 +6470,7 @@
             </a:ln>
             <a:extLst>
               <a:ext uri="{91240B29-F687-4f45-9708-019B960494DF}">
-                <a14:hiddenLine xmlns="" xmlns:a14="http://schemas.microsoft.com/office/drawing/2010/main" w="9525">
+                <a14:hiddenLine xmlns:a14="http://schemas.microsoft.com/office/drawing/2010/main" xmlns="" w="9525">
                   <a:solidFill>
                     <a:srgbClr val="000000"/>
                   </a:solidFill>
@@ -6523,7 +6532,7 @@
             </a:ln>
             <a:extLst>
               <a:ext uri="{91240B29-F687-4f45-9708-019B960494DF}">
-                <a14:hiddenLine xmlns="" xmlns:a14="http://schemas.microsoft.com/office/drawing/2010/main" w="9525">
+                <a14:hiddenLine xmlns:a14="http://schemas.microsoft.com/office/drawing/2010/main" xmlns="" w="9525">
                   <a:solidFill>
                     <a:srgbClr val="000000"/>
                   </a:solidFill>
@@ -6613,7 +6622,7 @@
             </a:ln>
             <a:extLst>
               <a:ext uri="{91240B29-F687-4f45-9708-019B960494DF}">
-                <a14:hiddenLine xmlns="" xmlns:a14="http://schemas.microsoft.com/office/drawing/2010/main" w="9525">
+                <a14:hiddenLine xmlns:a14="http://schemas.microsoft.com/office/drawing/2010/main" xmlns="" w="9525">
                   <a:solidFill>
                     <a:srgbClr val="000000"/>
                   </a:solidFill>
@@ -6647,7 +6656,7 @@
             </a:ln>
             <a:extLst>
               <a:ext uri="{91240B29-F687-4f45-9708-019B960494DF}">
-                <a14:hiddenLine xmlns="" xmlns:a14="http://schemas.microsoft.com/office/drawing/2010/main" w="9525">
+                <a14:hiddenLine xmlns:a14="http://schemas.microsoft.com/office/drawing/2010/main" xmlns="" w="9525">
                   <a:solidFill>
                     <a:srgbClr val="000000"/>
                   </a:solidFill>
@@ -6712,7 +6721,7 @@
             </a:ln>
             <a:extLst>
               <a:ext uri="{91240B29-F687-4f45-9708-019B960494DF}">
-                <a14:hiddenLine xmlns="" xmlns:a14="http://schemas.microsoft.com/office/drawing/2010/main" w="9525">
+                <a14:hiddenLine xmlns:a14="http://schemas.microsoft.com/office/drawing/2010/main" xmlns="" w="9525">
                   <a:solidFill>
                     <a:srgbClr val="000000"/>
                   </a:solidFill>
@@ -6802,7 +6811,7 @@
             </a:ln>
             <a:extLst>
               <a:ext uri="{91240B29-F687-4f45-9708-019B960494DF}">
-                <a14:hiddenLine xmlns="" xmlns:a14="http://schemas.microsoft.com/office/drawing/2010/main" w="9525">
+                <a14:hiddenLine xmlns:a14="http://schemas.microsoft.com/office/drawing/2010/main" xmlns="" w="9525">
                   <a:solidFill>
                     <a:srgbClr val="000000"/>
                   </a:solidFill>
@@ -6864,7 +6873,7 @@
             </a:ln>
             <a:extLst>
               <a:ext uri="{91240B29-F687-4f45-9708-019B960494DF}">
-                <a14:hiddenLine xmlns="" xmlns:a14="http://schemas.microsoft.com/office/drawing/2010/main" w="9525">
+                <a14:hiddenLine xmlns:a14="http://schemas.microsoft.com/office/drawing/2010/main" xmlns="" w="9525">
                   <a:solidFill>
                     <a:srgbClr val="000000"/>
                   </a:solidFill>
@@ -6954,7 +6963,7 @@
             </a:ln>
             <a:extLst>
               <a:ext uri="{91240B29-F687-4f45-9708-019B960494DF}">
-                <a14:hiddenLine xmlns="" xmlns:a14="http://schemas.microsoft.com/office/drawing/2010/main" w="9525">
+                <a14:hiddenLine xmlns:a14="http://schemas.microsoft.com/office/drawing/2010/main" xmlns="" w="9525">
                   <a:solidFill>
                     <a:srgbClr val="000000"/>
                   </a:solidFill>
@@ -7044,7 +7053,7 @@
             </a:ln>
             <a:extLst>
               <a:ext uri="{91240B29-F687-4f45-9708-019B960494DF}">
-                <a14:hiddenLine xmlns="" xmlns:a14="http://schemas.microsoft.com/office/drawing/2010/main" w="9525">
+                <a14:hiddenLine xmlns:a14="http://schemas.microsoft.com/office/drawing/2010/main" xmlns="" w="9525">
                   <a:solidFill>
                     <a:srgbClr val="000000"/>
                   </a:solidFill>
@@ -7109,7 +7118,7 @@
             </a:ln>
             <a:extLst>
               <a:ext uri="{91240B29-F687-4f45-9708-019B960494DF}">
-                <a14:hiddenLine xmlns="" xmlns:a14="http://schemas.microsoft.com/office/drawing/2010/main" w="9525">
+                <a14:hiddenLine xmlns:a14="http://schemas.microsoft.com/office/drawing/2010/main" xmlns="" w="9525">
                   <a:solidFill>
                     <a:srgbClr val="000000"/>
                   </a:solidFill>
@@ -7171,7 +7180,7 @@
             </a:ln>
             <a:extLst>
               <a:ext uri="{91240B29-F687-4f45-9708-019B960494DF}">
-                <a14:hiddenLine xmlns="" xmlns:a14="http://schemas.microsoft.com/office/drawing/2010/main" w="9525">
+                <a14:hiddenLine xmlns:a14="http://schemas.microsoft.com/office/drawing/2010/main" xmlns="" w="9525">
                   <a:solidFill>
                     <a:srgbClr val="000000"/>
                   </a:solidFill>
@@ -7261,7 +7270,7 @@
             </a:ln>
             <a:extLst>
               <a:ext uri="{91240B29-F687-4f45-9708-019B960494DF}">
-                <a14:hiddenLine xmlns="" xmlns:a14="http://schemas.microsoft.com/office/drawing/2010/main" w="9525">
+                <a14:hiddenLine xmlns:a14="http://schemas.microsoft.com/office/drawing/2010/main" xmlns="" w="9525">
                   <a:solidFill>
                     <a:srgbClr val="000000"/>
                   </a:solidFill>
@@ -7351,7 +7360,7 @@
             </a:ln>
             <a:extLst>
               <a:ext uri="{91240B29-F687-4f45-9708-019B960494DF}">
-                <a14:hiddenLine xmlns="" xmlns:a14="http://schemas.microsoft.com/office/drawing/2010/main" w="9525">
+                <a14:hiddenLine xmlns:a14="http://schemas.microsoft.com/office/drawing/2010/main" xmlns="" w="9525">
                   <a:solidFill>
                     <a:srgbClr val="000000"/>
                   </a:solidFill>
@@ -7413,7 +7422,7 @@
             </a:ln>
             <a:extLst>
               <a:ext uri="{91240B29-F687-4f45-9708-019B960494DF}">
-                <a14:hiddenLine xmlns="" xmlns:a14="http://schemas.microsoft.com/office/drawing/2010/main" w="9525">
+                <a14:hiddenLine xmlns:a14="http://schemas.microsoft.com/office/drawing/2010/main" xmlns="" w="9525">
                   <a:solidFill>
                     <a:srgbClr val="000000"/>
                   </a:solidFill>
@@ -7533,7 +7542,7 @@
             </a:ln>
             <a:extLst>
               <a:ext uri="{91240B29-F687-4f45-9708-019B960494DF}">
-                <a14:hiddenLine xmlns="" xmlns:a14="http://schemas.microsoft.com/office/drawing/2010/main" w="9525">
+                <a14:hiddenLine xmlns:a14="http://schemas.microsoft.com/office/drawing/2010/main" xmlns="" w="9525">
                   <a:solidFill>
                     <a:srgbClr val="000000"/>
                   </a:solidFill>
@@ -7601,7 +7610,7 @@
             </a:ln>
             <a:extLst>
               <a:ext uri="{91240B29-F687-4f45-9708-019B960494DF}">
-                <a14:hiddenLine xmlns="" xmlns:a14="http://schemas.microsoft.com/office/drawing/2010/main" w="9525">
+                <a14:hiddenLine xmlns:a14="http://schemas.microsoft.com/office/drawing/2010/main" xmlns="" w="9525">
                   <a:solidFill>
                     <a:srgbClr val="000000"/>
                   </a:solidFill>
@@ -7691,7 +7700,7 @@
             </a:ln>
             <a:extLst>
               <a:ext uri="{91240B29-F687-4f45-9708-019B960494DF}">
-                <a14:hiddenLine xmlns="" xmlns:a14="http://schemas.microsoft.com/office/drawing/2010/main" w="9525">
+                <a14:hiddenLine xmlns:a14="http://schemas.microsoft.com/office/drawing/2010/main" xmlns="" w="9525">
                   <a:solidFill>
                     <a:srgbClr val="000000"/>
                   </a:solidFill>
@@ -7831,7 +7840,7 @@
           <a:p>
             <a:fld id="{48A87A34-81AB-432B-8DAE-1953F412C126}" type="datetimeFigureOut">
               <a:rPr lang="en-US" dirty="0"/>
-              <a:t>10/16/2019</a:t>
+              <a:t>10/28/2019</a:t>
             </a:fld>
             <a:endParaRPr lang="en-US" dirty="0"/>
           </a:p>
@@ -8093,7 +8102,7 @@
           <a:p>
             <a:fld id="{48A87A34-81AB-432B-8DAE-1953F412C126}" type="datetimeFigureOut">
               <a:rPr lang="en-US" dirty="0"/>
-              <a:t>10/16/2019</a:t>
+              <a:t>10/28/2019</a:t>
             </a:fld>
             <a:endParaRPr lang="en-US" dirty="0"/>
           </a:p>
@@ -8284,7 +8293,7 @@
           <a:p>
             <a:fld id="{48A87A34-81AB-432B-8DAE-1953F412C126}" type="datetimeFigureOut">
               <a:rPr lang="en-US" dirty="0"/>
-              <a:t>10/16/2019</a:t>
+              <a:t>10/28/2019</a:t>
             </a:fld>
             <a:endParaRPr lang="en-US" dirty="0"/>
           </a:p>
@@ -8542,7 +8551,7 @@
           <a:p>
             <a:fld id="{48A87A34-81AB-432B-8DAE-1953F412C126}" type="datetimeFigureOut">
               <a:rPr lang="en-US" dirty="0"/>
-              <a:t>10/16/2019</a:t>
+              <a:t>10/28/2019</a:t>
             </a:fld>
             <a:endParaRPr lang="en-US" dirty="0"/>
           </a:p>
@@ -8971,7 +8980,7 @@
           <a:p>
             <a:fld id="{48A87A34-81AB-432B-8DAE-1953F412C126}" type="datetimeFigureOut">
               <a:rPr lang="en-US" dirty="0"/>
-              <a:t>10/16/2019</a:t>
+              <a:t>10/28/2019</a:t>
             </a:fld>
             <a:endParaRPr lang="en-US" dirty="0"/>
           </a:p>
@@ -9512,7 +9521,7 @@
           <a:p>
             <a:fld id="{48A87A34-81AB-432B-8DAE-1953F412C126}" type="datetimeFigureOut">
               <a:rPr lang="en-US" dirty="0"/>
-              <a:t>10/16/2019</a:t>
+              <a:t>10/28/2019</a:t>
             </a:fld>
             <a:endParaRPr lang="en-US" dirty="0"/>
           </a:p>
@@ -10227,7 +10236,7 @@
           <a:p>
             <a:fld id="{48A87A34-81AB-432B-8DAE-1953F412C126}" type="datetimeFigureOut">
               <a:rPr lang="en-US" dirty="0"/>
-              <a:t>10/16/2019</a:t>
+              <a:t>10/28/2019</a:t>
             </a:fld>
             <a:endParaRPr lang="en-US" dirty="0"/>
           </a:p>
@@ -10392,7 +10401,7 @@
           <a:p>
             <a:fld id="{48A87A34-81AB-432B-8DAE-1953F412C126}" type="datetimeFigureOut">
               <a:rPr lang="en-US" dirty="0"/>
-              <a:t>10/16/2019</a:t>
+              <a:t>10/28/2019</a:t>
             </a:fld>
             <a:endParaRPr lang="en-US" dirty="0"/>
           </a:p>
@@ -10567,7 +10576,7 @@
           <a:p>
             <a:fld id="{48A87A34-81AB-432B-8DAE-1953F412C126}" type="datetimeFigureOut">
               <a:rPr lang="en-US" dirty="0"/>
-              <a:t>10/16/2019</a:t>
+              <a:t>10/28/2019</a:t>
             </a:fld>
             <a:endParaRPr lang="en-US" dirty="0"/>
           </a:p>
@@ -10732,7 +10741,7 @@
           <a:p>
             <a:fld id="{48A87A34-81AB-432B-8DAE-1953F412C126}" type="datetimeFigureOut">
               <a:rPr lang="en-US" dirty="0"/>
-              <a:t>10/16/2019</a:t>
+              <a:t>10/28/2019</a:t>
             </a:fld>
             <a:endParaRPr lang="en-US" dirty="0"/>
           </a:p>
@@ -10977,7 +10986,7 @@
           <a:p>
             <a:fld id="{48A87A34-81AB-432B-8DAE-1953F412C126}" type="datetimeFigureOut">
               <a:rPr lang="en-US" dirty="0"/>
-              <a:t>10/16/2019</a:t>
+              <a:t>10/28/2019</a:t>
             </a:fld>
             <a:endParaRPr lang="en-US" dirty="0"/>
           </a:p>
@@ -11204,7 +11213,7 @@
           <a:p>
             <a:fld id="{48A87A34-81AB-432B-8DAE-1953F412C126}" type="datetimeFigureOut">
               <a:rPr lang="en-US" dirty="0"/>
-              <a:t>10/16/2019</a:t>
+              <a:t>10/28/2019</a:t>
             </a:fld>
             <a:endParaRPr lang="en-US" dirty="0"/>
           </a:p>
@@ -11580,7 +11589,7 @@
           <a:p>
             <a:fld id="{48A87A34-81AB-432B-8DAE-1953F412C126}" type="datetimeFigureOut">
               <a:rPr lang="en-US" dirty="0"/>
-              <a:t>10/16/2019</a:t>
+              <a:t>10/28/2019</a:t>
             </a:fld>
             <a:endParaRPr lang="en-US" dirty="0"/>
           </a:p>
@@ -11693,7 +11702,7 @@
           <a:p>
             <a:fld id="{48A87A34-81AB-432B-8DAE-1953F412C126}" type="datetimeFigureOut">
               <a:rPr lang="en-US" dirty="0"/>
-              <a:t>10/16/2019</a:t>
+              <a:t>10/28/2019</a:t>
             </a:fld>
             <a:endParaRPr lang="en-US" dirty="0"/>
           </a:p>
@@ -11783,7 +11792,7 @@
           <a:p>
             <a:fld id="{48A87A34-81AB-432B-8DAE-1953F412C126}" type="datetimeFigureOut">
               <a:rPr lang="en-US" dirty="0"/>
-              <a:t>10/16/2019</a:t>
+              <a:t>10/28/2019</a:t>
             </a:fld>
             <a:endParaRPr lang="en-US" dirty="0"/>
           </a:p>
@@ -12027,7 +12036,7 @@
           <a:p>
             <a:fld id="{48A87A34-81AB-432B-8DAE-1953F412C126}" type="datetimeFigureOut">
               <a:rPr lang="en-US" dirty="0"/>
-              <a:t>10/16/2019</a:t>
+              <a:t>10/28/2019</a:t>
             </a:fld>
             <a:endParaRPr lang="en-US" dirty="0"/>
           </a:p>
@@ -12302,7 +12311,7 @@
           <a:p>
             <a:fld id="{48A87A34-81AB-432B-8DAE-1953F412C126}" type="datetimeFigureOut">
               <a:rPr lang="en-US" dirty="0"/>
-              <a:t>10/16/2019</a:t>
+              <a:t>10/28/2019</a:t>
             </a:fld>
             <a:endParaRPr lang="en-US" dirty="0"/>
           </a:p>
@@ -12413,7 +12422,7 @@
           <a:noFill/>
           <a:extLst>
             <a:ext uri="{909E8E84-426E-40dd-AFC4-6F175D3DCCD1}">
-              <a14:hiddenFill xmlns="" xmlns:a14="http://schemas.microsoft.com/office/drawing/2010/main">
+              <a14:hiddenFill xmlns:a14="http://schemas.microsoft.com/office/drawing/2010/main" xmlns="">
                 <a:solidFill>
                   <a:srgbClr val="FFFFFF"/>
                 </a:solidFill>
@@ -12487,7 +12496,7 @@
               </a:ln>
               <a:extLst>
                 <a:ext uri="{91240B29-F687-4f45-9708-019B960494DF}">
-                  <a14:hiddenLine xmlns="" xmlns:a14="http://schemas.microsoft.com/office/drawing/2010/main" w="9525">
+                  <a14:hiddenLine xmlns:a14="http://schemas.microsoft.com/office/drawing/2010/main" xmlns="" w="9525">
                     <a:solidFill>
                       <a:srgbClr val="000000"/>
                     </a:solidFill>
@@ -12577,7 +12586,7 @@
               </a:ln>
               <a:extLst>
                 <a:ext uri="{91240B29-F687-4f45-9708-019B960494DF}">
-                  <a14:hiddenLine xmlns="" xmlns:a14="http://schemas.microsoft.com/office/drawing/2010/main" w="9525">
+                  <a14:hiddenLine xmlns:a14="http://schemas.microsoft.com/office/drawing/2010/main" xmlns="" w="9525">
                     <a:solidFill>
                       <a:srgbClr val="000000"/>
                     </a:solidFill>
@@ -12667,7 +12676,7 @@
               </a:ln>
               <a:extLst>
                 <a:ext uri="{91240B29-F687-4f45-9708-019B960494DF}">
-                  <a14:hiddenLine xmlns="" xmlns:a14="http://schemas.microsoft.com/office/drawing/2010/main" w="9525">
+                  <a14:hiddenLine xmlns:a14="http://schemas.microsoft.com/office/drawing/2010/main" xmlns="" w="9525">
                     <a:solidFill>
                       <a:srgbClr val="000000"/>
                     </a:solidFill>
@@ -12729,7 +12738,7 @@
               </a:ln>
               <a:extLst>
                 <a:ext uri="{91240B29-F687-4f45-9708-019B960494DF}">
-                  <a14:hiddenLine xmlns="" xmlns:a14="http://schemas.microsoft.com/office/drawing/2010/main" w="9525">
+                  <a14:hiddenLine xmlns:a14="http://schemas.microsoft.com/office/drawing/2010/main" xmlns="" w="9525">
                     <a:solidFill>
                       <a:srgbClr val="000000"/>
                     </a:solidFill>
@@ -12819,7 +12828,7 @@
               </a:ln>
               <a:extLst>
                 <a:ext uri="{91240B29-F687-4f45-9708-019B960494DF}">
-                  <a14:hiddenLine xmlns="" xmlns:a14="http://schemas.microsoft.com/office/drawing/2010/main" w="9525">
+                  <a14:hiddenLine xmlns:a14="http://schemas.microsoft.com/office/drawing/2010/main" xmlns="" w="9525">
                     <a:solidFill>
                       <a:srgbClr val="000000"/>
                     </a:solidFill>
@@ -12881,7 +12890,7 @@
               </a:ln>
               <a:extLst>
                 <a:ext uri="{91240B29-F687-4f45-9708-019B960494DF}">
-                  <a14:hiddenLine xmlns="" xmlns:a14="http://schemas.microsoft.com/office/drawing/2010/main" w="9525">
+                  <a14:hiddenLine xmlns:a14="http://schemas.microsoft.com/office/drawing/2010/main" xmlns="" w="9525">
                     <a:solidFill>
                       <a:srgbClr val="000000"/>
                     </a:solidFill>
@@ -12943,7 +12952,7 @@
               </a:ln>
               <a:extLst>
                 <a:ext uri="{91240B29-F687-4f45-9708-019B960494DF}">
-                  <a14:hiddenLine xmlns="" xmlns:a14="http://schemas.microsoft.com/office/drawing/2010/main" w="9525">
+                  <a14:hiddenLine xmlns:a14="http://schemas.microsoft.com/office/drawing/2010/main" xmlns="" w="9525">
                     <a:solidFill>
                       <a:srgbClr val="000000"/>
                     </a:solidFill>
@@ -13033,7 +13042,7 @@
               </a:ln>
               <a:extLst>
                 <a:ext uri="{91240B29-F687-4f45-9708-019B960494DF}">
-                  <a14:hiddenLine xmlns="" xmlns:a14="http://schemas.microsoft.com/office/drawing/2010/main" w="9525">
+                  <a14:hiddenLine xmlns:a14="http://schemas.microsoft.com/office/drawing/2010/main" xmlns="" w="9525">
                     <a:solidFill>
                       <a:srgbClr val="000000"/>
                     </a:solidFill>
@@ -13123,7 +13132,7 @@
               </a:ln>
               <a:extLst>
                 <a:ext uri="{91240B29-F687-4f45-9708-019B960494DF}">
-                  <a14:hiddenLine xmlns="" xmlns:a14="http://schemas.microsoft.com/office/drawing/2010/main" w="9525">
+                  <a14:hiddenLine xmlns:a14="http://schemas.microsoft.com/office/drawing/2010/main" xmlns="" w="9525">
                     <a:solidFill>
                       <a:srgbClr val="000000"/>
                     </a:solidFill>
@@ -13185,7 +13194,7 @@
               </a:ln>
               <a:extLst>
                 <a:ext uri="{91240B29-F687-4f45-9708-019B960494DF}">
-                  <a14:hiddenLine xmlns="" xmlns:a14="http://schemas.microsoft.com/office/drawing/2010/main" w="9525">
+                  <a14:hiddenLine xmlns:a14="http://schemas.microsoft.com/office/drawing/2010/main" xmlns="" w="9525">
                     <a:solidFill>
                       <a:srgbClr val="000000"/>
                     </a:solidFill>
@@ -13295,7 +13304,7 @@
               </a:ln>
               <a:extLst>
                 <a:ext uri="{91240B29-F687-4f45-9708-019B960494DF}">
-                  <a14:hiddenLine xmlns="" xmlns:a14="http://schemas.microsoft.com/office/drawing/2010/main" w="9525">
+                  <a14:hiddenLine xmlns:a14="http://schemas.microsoft.com/office/drawing/2010/main" xmlns="" w="9525">
                     <a:solidFill>
                       <a:srgbClr val="000000"/>
                     </a:solidFill>
@@ -13379,7 +13388,7 @@
               </a:ln>
               <a:extLst>
                 <a:ext uri="{91240B29-F687-4f45-9708-019B960494DF}">
-                  <a14:hiddenLine xmlns="" xmlns:a14="http://schemas.microsoft.com/office/drawing/2010/main" w="9525">
+                  <a14:hiddenLine xmlns:a14="http://schemas.microsoft.com/office/drawing/2010/main" xmlns="" w="9525">
                     <a:solidFill>
                       <a:srgbClr val="000000"/>
                     </a:solidFill>
@@ -13441,7 +13450,7 @@
               </a:ln>
               <a:extLst>
                 <a:ext uri="{91240B29-F687-4f45-9708-019B960494DF}">
-                  <a14:hiddenLine xmlns="" xmlns:a14="http://schemas.microsoft.com/office/drawing/2010/main" w="9525">
+                  <a14:hiddenLine xmlns:a14="http://schemas.microsoft.com/office/drawing/2010/main" xmlns="" w="9525">
                     <a:solidFill>
                       <a:srgbClr val="000000"/>
                     </a:solidFill>
@@ -13503,7 +13512,7 @@
               </a:ln>
               <a:extLst>
                 <a:ext uri="{91240B29-F687-4f45-9708-019B960494DF}">
-                  <a14:hiddenLine xmlns="" xmlns:a14="http://schemas.microsoft.com/office/drawing/2010/main" w="9525">
+                  <a14:hiddenLine xmlns:a14="http://schemas.microsoft.com/office/drawing/2010/main" xmlns="" w="9525">
                     <a:solidFill>
                       <a:srgbClr val="000000"/>
                     </a:solidFill>
@@ -13593,7 +13602,7 @@
               </a:ln>
               <a:extLst>
                 <a:ext uri="{91240B29-F687-4f45-9708-019B960494DF}">
-                  <a14:hiddenLine xmlns="" xmlns:a14="http://schemas.microsoft.com/office/drawing/2010/main" w="9525">
+                  <a14:hiddenLine xmlns:a14="http://schemas.microsoft.com/office/drawing/2010/main" xmlns="" w="9525">
                     <a:solidFill>
                       <a:srgbClr val="000000"/>
                     </a:solidFill>
@@ -13627,7 +13636,7 @@
               </a:ln>
               <a:extLst>
                 <a:ext uri="{91240B29-F687-4f45-9708-019B960494DF}">
-                  <a14:hiddenLine xmlns="" xmlns:a14="http://schemas.microsoft.com/office/drawing/2010/main" w="9525">
+                  <a14:hiddenLine xmlns:a14="http://schemas.microsoft.com/office/drawing/2010/main" xmlns="" w="9525">
                     <a:solidFill>
                       <a:srgbClr val="000000"/>
                     </a:solidFill>
@@ -13692,7 +13701,7 @@
               </a:ln>
               <a:extLst>
                 <a:ext uri="{91240B29-F687-4f45-9708-019B960494DF}">
-                  <a14:hiddenLine xmlns="" xmlns:a14="http://schemas.microsoft.com/office/drawing/2010/main" w="9525">
+                  <a14:hiddenLine xmlns:a14="http://schemas.microsoft.com/office/drawing/2010/main" xmlns="" w="9525">
                     <a:solidFill>
                       <a:srgbClr val="000000"/>
                     </a:solidFill>
@@ -13782,7 +13791,7 @@
               </a:ln>
               <a:extLst>
                 <a:ext uri="{91240B29-F687-4f45-9708-019B960494DF}">
-                  <a14:hiddenLine xmlns="" xmlns:a14="http://schemas.microsoft.com/office/drawing/2010/main" w="9525">
+                  <a14:hiddenLine xmlns:a14="http://schemas.microsoft.com/office/drawing/2010/main" xmlns="" w="9525">
                     <a:solidFill>
                       <a:srgbClr val="000000"/>
                     </a:solidFill>
@@ -13844,7 +13853,7 @@
               </a:ln>
               <a:extLst>
                 <a:ext uri="{91240B29-F687-4f45-9708-019B960494DF}">
-                  <a14:hiddenLine xmlns="" xmlns:a14="http://schemas.microsoft.com/office/drawing/2010/main" w="9525">
+                  <a14:hiddenLine xmlns:a14="http://schemas.microsoft.com/office/drawing/2010/main" xmlns="" w="9525">
                     <a:solidFill>
                       <a:srgbClr val="000000"/>
                     </a:solidFill>
@@ -13934,7 +13943,7 @@
               </a:ln>
               <a:extLst>
                 <a:ext uri="{91240B29-F687-4f45-9708-019B960494DF}">
-                  <a14:hiddenLine xmlns="" xmlns:a14="http://schemas.microsoft.com/office/drawing/2010/main" w="9525">
+                  <a14:hiddenLine xmlns:a14="http://schemas.microsoft.com/office/drawing/2010/main" xmlns="" w="9525">
                     <a:solidFill>
                       <a:srgbClr val="000000"/>
                     </a:solidFill>
@@ -13999,7 +14008,7 @@
               </a:ln>
               <a:extLst>
                 <a:ext uri="{91240B29-F687-4f45-9708-019B960494DF}">
-                  <a14:hiddenLine xmlns="" xmlns:a14="http://schemas.microsoft.com/office/drawing/2010/main" w="9525">
+                  <a14:hiddenLine xmlns:a14="http://schemas.microsoft.com/office/drawing/2010/main" xmlns="" w="9525">
                     <a:solidFill>
                       <a:srgbClr val="000000"/>
                     </a:solidFill>
@@ -14061,7 +14070,7 @@
               </a:ln>
               <a:extLst>
                 <a:ext uri="{91240B29-F687-4f45-9708-019B960494DF}">
-                  <a14:hiddenLine xmlns="" xmlns:a14="http://schemas.microsoft.com/office/drawing/2010/main" w="9525">
+                  <a14:hiddenLine xmlns:a14="http://schemas.microsoft.com/office/drawing/2010/main" xmlns="" w="9525">
                     <a:solidFill>
                       <a:srgbClr val="000000"/>
                     </a:solidFill>
@@ -14151,7 +14160,7 @@
               </a:ln>
               <a:extLst>
                 <a:ext uri="{91240B29-F687-4f45-9708-019B960494DF}">
-                  <a14:hiddenLine xmlns="" xmlns:a14="http://schemas.microsoft.com/office/drawing/2010/main" w="9525">
+                  <a14:hiddenLine xmlns:a14="http://schemas.microsoft.com/office/drawing/2010/main" xmlns="" w="9525">
                     <a:solidFill>
                       <a:srgbClr val="000000"/>
                     </a:solidFill>
@@ -14241,7 +14250,7 @@
               </a:ln>
               <a:extLst>
                 <a:ext uri="{91240B29-F687-4f45-9708-019B960494DF}">
-                  <a14:hiddenLine xmlns="" xmlns:a14="http://schemas.microsoft.com/office/drawing/2010/main" w="9525">
+                  <a14:hiddenLine xmlns:a14="http://schemas.microsoft.com/office/drawing/2010/main" xmlns="" w="9525">
                     <a:solidFill>
                       <a:srgbClr val="000000"/>
                     </a:solidFill>
@@ -14306,7 +14315,7 @@
               </a:ln>
               <a:extLst>
                 <a:ext uri="{91240B29-F687-4f45-9708-019B960494DF}">
-                  <a14:hiddenLine xmlns="" xmlns:a14="http://schemas.microsoft.com/office/drawing/2010/main" w="9525">
+                  <a14:hiddenLine xmlns:a14="http://schemas.microsoft.com/office/drawing/2010/main" xmlns="" w="9525">
                     <a:solidFill>
                       <a:srgbClr val="000000"/>
                     </a:solidFill>
@@ -14426,7 +14435,7 @@
               </a:ln>
               <a:extLst>
                 <a:ext uri="{91240B29-F687-4f45-9708-019B960494DF}">
-                  <a14:hiddenLine xmlns="" xmlns:a14="http://schemas.microsoft.com/office/drawing/2010/main" w="9525">
+                  <a14:hiddenLine xmlns:a14="http://schemas.microsoft.com/office/drawing/2010/main" xmlns="" w="9525">
                     <a:solidFill>
                       <a:srgbClr val="000000"/>
                     </a:solidFill>
@@ -14524,7 +14533,7 @@
               </a:ln>
               <a:extLst>
                 <a:ext uri="{91240B29-F687-4f45-9708-019B960494DF}">
-                  <a14:hiddenLine xmlns="" xmlns:a14="http://schemas.microsoft.com/office/drawing/2010/main" w="9525">
+                  <a14:hiddenLine xmlns:a14="http://schemas.microsoft.com/office/drawing/2010/main" xmlns="" w="9525">
                     <a:solidFill>
                       <a:srgbClr val="000000"/>
                     </a:solidFill>
@@ -14639,7 +14648,7 @@
               </a:ln>
               <a:extLst>
                 <a:ext uri="{91240B29-F687-4f45-9708-019B960494DF}">
-                  <a14:hiddenLine xmlns="" xmlns:a14="http://schemas.microsoft.com/office/drawing/2010/main" w="9525">
+                  <a14:hiddenLine xmlns:a14="http://schemas.microsoft.com/office/drawing/2010/main" xmlns="" w="9525">
                     <a:solidFill>
                       <a:srgbClr val="000000"/>
                     </a:solidFill>
@@ -14729,7 +14738,7 @@
               </a:ln>
               <a:extLst>
                 <a:ext uri="{91240B29-F687-4f45-9708-019B960494DF}">
-                  <a14:hiddenLine xmlns="" xmlns:a14="http://schemas.microsoft.com/office/drawing/2010/main" w="9525">
+                  <a14:hiddenLine xmlns:a14="http://schemas.microsoft.com/office/drawing/2010/main" xmlns="" w="9525">
                     <a:solidFill>
                       <a:srgbClr val="000000"/>
                     </a:solidFill>
@@ -14794,7 +14803,7 @@
               </a:ln>
               <a:extLst>
                 <a:ext uri="{91240B29-F687-4f45-9708-019B960494DF}">
-                  <a14:hiddenLine xmlns="" xmlns:a14="http://schemas.microsoft.com/office/drawing/2010/main" w="9525">
+                  <a14:hiddenLine xmlns:a14="http://schemas.microsoft.com/office/drawing/2010/main" xmlns="" w="9525">
                     <a:solidFill>
                       <a:srgbClr val="000000"/>
                     </a:solidFill>
@@ -14884,7 +14893,7 @@
               </a:ln>
               <a:extLst>
                 <a:ext uri="{91240B29-F687-4f45-9708-019B960494DF}">
-                  <a14:hiddenLine xmlns="" xmlns:a14="http://schemas.microsoft.com/office/drawing/2010/main" w="9525">
+                  <a14:hiddenLine xmlns:a14="http://schemas.microsoft.com/office/drawing/2010/main" xmlns="" w="9525">
                     <a:solidFill>
                       <a:srgbClr val="000000"/>
                     </a:solidFill>
@@ -14952,7 +14961,7 @@
               </a:ln>
               <a:extLst>
                 <a:ext uri="{91240B29-F687-4f45-9708-019B960494DF}">
-                  <a14:hiddenLine xmlns="" xmlns:a14="http://schemas.microsoft.com/office/drawing/2010/main" w="9525">
+                  <a14:hiddenLine xmlns:a14="http://schemas.microsoft.com/office/drawing/2010/main" xmlns="" w="9525">
                     <a:solidFill>
                       <a:srgbClr val="000000"/>
                     </a:solidFill>
@@ -15042,7 +15051,7 @@
               </a:ln>
               <a:extLst>
                 <a:ext uri="{91240B29-F687-4f45-9708-019B960494DF}">
-                  <a14:hiddenLine xmlns="" xmlns:a14="http://schemas.microsoft.com/office/drawing/2010/main" w="9525">
+                  <a14:hiddenLine xmlns:a14="http://schemas.microsoft.com/office/drawing/2010/main" xmlns="" w="9525">
                     <a:solidFill>
                       <a:srgbClr val="000000"/>
                     </a:solidFill>
@@ -15110,7 +15119,7 @@
               </a:ln>
               <a:extLst>
                 <a:ext uri="{91240B29-F687-4f45-9708-019B960494DF}">
-                  <a14:hiddenLine xmlns="" xmlns:a14="http://schemas.microsoft.com/office/drawing/2010/main" w="9525">
+                  <a14:hiddenLine xmlns:a14="http://schemas.microsoft.com/office/drawing/2010/main" xmlns="" w="9525">
                     <a:solidFill>
                       <a:srgbClr val="000000"/>
                     </a:solidFill>
@@ -15200,7 +15209,7 @@
               </a:ln>
               <a:extLst>
                 <a:ext uri="{91240B29-F687-4f45-9708-019B960494DF}">
-                  <a14:hiddenLine xmlns="" xmlns:a14="http://schemas.microsoft.com/office/drawing/2010/main" w="9525">
+                  <a14:hiddenLine xmlns:a14="http://schemas.microsoft.com/office/drawing/2010/main" xmlns="" w="9525">
                     <a:solidFill>
                       <a:srgbClr val="000000"/>
                     </a:solidFill>
@@ -15234,7 +15243,7 @@
               </a:ln>
               <a:extLst>
                 <a:ext uri="{91240B29-F687-4f45-9708-019B960494DF}">
-                  <a14:hiddenLine xmlns="" xmlns:a14="http://schemas.microsoft.com/office/drawing/2010/main" w="9525">
+                  <a14:hiddenLine xmlns:a14="http://schemas.microsoft.com/office/drawing/2010/main" xmlns="" w="9525">
                     <a:solidFill>
                       <a:srgbClr val="000000"/>
                     </a:solidFill>
@@ -15375,7 +15384,7 @@
             <a:fld id="{48A87A34-81AB-432B-8DAE-1953F412C126}" type="datetimeFigureOut">
               <a:rPr lang="en-US" dirty="0"/>
               <a:pPr/>
-              <a:t>10/16/2019</a:t>
+              <a:t>10/28/2019</a:t>
             </a:fld>
             <a:endParaRPr lang="en-US" dirty="0"/>
           </a:p>
@@ -15894,6 +15903,229 @@
           <p:cNvPr id="2" name="Title 1">
             <a:extLst>
               <a:ext uri="{FF2B5EF4-FFF2-40B4-BE49-F238E27FC236}">
+                <a16:creationId xmlns:a16="http://schemas.microsoft.com/office/drawing/2014/main" id="{BC76F511-F98A-46F9-9A00-E0CD6076AF63}"/>
+              </a:ext>
+            </a:extLst>
+          </p:cNvPr>
+          <p:cNvSpPr>
+            <a:spLocks noGrp="1"/>
+          </p:cNvSpPr>
+          <p:nvPr>
+            <p:ph type="title"/>
+          </p:nvPr>
+        </p:nvSpPr>
+        <p:spPr>
+          <a:xfrm>
+            <a:off x="1141413" y="618518"/>
+            <a:ext cx="9905998" cy="905482"/>
+          </a:xfrm>
+        </p:spPr>
+        <p:txBody>
+          <a:bodyPr/>
+          <a:lstStyle/>
+          <a:p>
+            <a:r>
+              <a:rPr lang="en-US" dirty="0"/>
+              <a:t>Purpose: Healthcare Fraud Detection</a:t>
+            </a:r>
+          </a:p>
+        </p:txBody>
+      </p:sp>
+      <p:pic>
+        <p:nvPicPr>
+          <p:cNvPr id="5" name="Content Placeholder 4">
+            <a:extLst>
+              <a:ext uri="{FF2B5EF4-FFF2-40B4-BE49-F238E27FC236}">
+                <a16:creationId xmlns:a16="http://schemas.microsoft.com/office/drawing/2014/main" id="{16CA520C-BC54-4694-8CA8-A813187D3BCB}"/>
+              </a:ext>
+            </a:extLst>
+          </p:cNvPr>
+          <p:cNvPicPr>
+            <a:picLocks noGrp="1" noChangeAspect="1"/>
+          </p:cNvPicPr>
+          <p:nvPr>
+            <p:ph idx="1"/>
+          </p:nvPr>
+        </p:nvPicPr>
+        <p:blipFill>
+          <a:blip r:embed="rId2"/>
+          <a:stretch>
+            <a:fillRect/>
+          </a:stretch>
+        </p:blipFill>
+        <p:spPr>
+          <a:xfrm>
+            <a:off x="1141413" y="2164450"/>
+            <a:ext cx="10094998" cy="1352550"/>
+          </a:xfrm>
+        </p:spPr>
+      </p:pic>
+      <p:sp>
+        <p:nvSpPr>
+          <p:cNvPr id="6" name="Flowchart: Direct Access Storage 5">
+            <a:extLst>
+              <a:ext uri="{FF2B5EF4-FFF2-40B4-BE49-F238E27FC236}">
+                <a16:creationId xmlns:a16="http://schemas.microsoft.com/office/drawing/2014/main" id="{B7B6E588-522B-460C-BCAD-19D68581218B}"/>
+              </a:ext>
+            </a:extLst>
+          </p:cNvPr>
+          <p:cNvSpPr/>
+          <p:nvPr/>
+        </p:nvSpPr>
+        <p:spPr>
+          <a:xfrm>
+            <a:off x="2024190" y="4818621"/>
+            <a:ext cx="4729035" cy="685800"/>
+          </a:xfrm>
+          <a:prstGeom prst="flowChartMagneticDrum">
+            <a:avLst/>
+          </a:prstGeom>
+        </p:spPr>
+        <p:style>
+          <a:lnRef idx="2">
+            <a:schemeClr val="accent1">
+              <a:shade val="50000"/>
+            </a:schemeClr>
+          </a:lnRef>
+          <a:fillRef idx="1">
+            <a:schemeClr val="accent1"/>
+          </a:fillRef>
+          <a:effectRef idx="0">
+            <a:schemeClr val="accent1"/>
+          </a:effectRef>
+          <a:fontRef idx="minor">
+            <a:schemeClr val="lt1"/>
+          </a:fontRef>
+        </p:style>
+        <p:txBody>
+          <a:bodyPr rtlCol="0" anchor="ctr"/>
+          <a:lstStyle/>
+          <a:p>
+            <a:pPr algn="ctr"/>
+            <a:r>
+              <a:rPr lang="en-US" dirty="0"/>
+              <a:t>Text - Preprocessing</a:t>
+            </a:r>
+          </a:p>
+        </p:txBody>
+      </p:sp>
+      <p:cxnSp>
+        <p:nvCxnSpPr>
+          <p:cNvPr id="8" name="Straight Arrow Connector 7">
+            <a:extLst>
+              <a:ext uri="{FF2B5EF4-FFF2-40B4-BE49-F238E27FC236}">
+                <a16:creationId xmlns:a16="http://schemas.microsoft.com/office/drawing/2014/main" id="{A070215D-662D-4360-9EDB-712FCBD3B272}"/>
+              </a:ext>
+            </a:extLst>
+          </p:cNvPr>
+          <p:cNvCxnSpPr>
+            <a:cxnSpLocks/>
+          </p:cNvCxnSpPr>
+          <p:nvPr/>
+        </p:nvCxnSpPr>
+        <p:spPr>
+          <a:xfrm flipH="1">
+            <a:off x="2133600" y="3535535"/>
+            <a:ext cx="1485900" cy="1407940"/>
+          </a:xfrm>
+          <a:prstGeom prst="straightConnector1">
+            <a:avLst/>
+          </a:prstGeom>
+          <a:ln>
+            <a:tailEnd type="triangle"/>
+          </a:ln>
+        </p:spPr>
+        <p:style>
+          <a:lnRef idx="1">
+            <a:schemeClr val="accent1"/>
+          </a:lnRef>
+          <a:fillRef idx="0">
+            <a:schemeClr val="accent1"/>
+          </a:fillRef>
+          <a:effectRef idx="0">
+            <a:schemeClr val="accent1"/>
+          </a:effectRef>
+          <a:fontRef idx="minor">
+            <a:schemeClr val="tx1"/>
+          </a:fontRef>
+        </p:style>
+      </p:cxnSp>
+      <p:cxnSp>
+        <p:nvCxnSpPr>
+          <p:cNvPr id="9" name="Straight Arrow Connector 8">
+            <a:extLst>
+              <a:ext uri="{FF2B5EF4-FFF2-40B4-BE49-F238E27FC236}">
+                <a16:creationId xmlns:a16="http://schemas.microsoft.com/office/drawing/2014/main" id="{79E9EC49-B274-443D-B1B9-29092A1808E5}"/>
+              </a:ext>
+            </a:extLst>
+          </p:cNvPr>
+          <p:cNvCxnSpPr>
+            <a:cxnSpLocks/>
+          </p:cNvCxnSpPr>
+          <p:nvPr/>
+        </p:nvCxnSpPr>
+        <p:spPr>
+          <a:xfrm>
+            <a:off x="3619500" y="3517000"/>
+            <a:ext cx="2000250" cy="1301621"/>
+          </a:xfrm>
+          <a:prstGeom prst="straightConnector1">
+            <a:avLst/>
+          </a:prstGeom>
+          <a:ln>
+            <a:tailEnd type="triangle"/>
+          </a:ln>
+        </p:spPr>
+        <p:style>
+          <a:lnRef idx="1">
+            <a:schemeClr val="accent1"/>
+          </a:lnRef>
+          <a:fillRef idx="0">
+            <a:schemeClr val="accent1"/>
+          </a:fillRef>
+          <a:effectRef idx="0">
+            <a:schemeClr val="accent1"/>
+          </a:effectRef>
+          <a:fontRef idx="minor">
+            <a:schemeClr val="tx1"/>
+          </a:fontRef>
+        </p:style>
+      </p:cxnSp>
+    </p:spTree>
+    <p:extLst>
+      <p:ext uri="{BB962C8B-B14F-4D97-AF65-F5344CB8AC3E}">
+        <p14:creationId xmlns:p14="http://schemas.microsoft.com/office/powerpoint/2010/main" val="3057008923"/>
+      </p:ext>
+    </p:extLst>
+  </p:cSld>
+  <p:clrMapOvr>
+    <a:masterClrMapping/>
+  </p:clrMapOvr>
+</p:sld>
+</file>
+
+<file path=ppt/slides/slide3.xml><?xml version="1.0" encoding="utf-8"?>
+<p:sld xmlns:a="http://schemas.openxmlformats.org/drawingml/2006/main" xmlns:r="http://schemas.openxmlformats.org/officeDocument/2006/relationships" xmlns:p="http://schemas.openxmlformats.org/presentationml/2006/main">
+  <p:cSld>
+    <p:spTree>
+      <p:nvGrpSpPr>
+        <p:cNvPr id="1" name=""/>
+        <p:cNvGrpSpPr/>
+        <p:nvPr/>
+      </p:nvGrpSpPr>
+      <p:grpSpPr>
+        <a:xfrm>
+          <a:off x="0" y="0"/>
+          <a:ext cx="0" cy="0"/>
+          <a:chOff x="0" y="0"/>
+          <a:chExt cx="0" cy="0"/>
+        </a:xfrm>
+      </p:grpSpPr>
+      <p:sp>
+        <p:nvSpPr>
+          <p:cNvPr id="2" name="Title 1">
+            <a:extLst>
+              <a:ext uri="{FF2B5EF4-FFF2-40B4-BE49-F238E27FC236}">
                 <a16:creationId xmlns:a16="http://schemas.microsoft.com/office/drawing/2014/main" id="{F6D09ACF-8485-4B78-A074-C827C7F33CC5}"/>
               </a:ext>
             </a:extLst>
@@ -15972,7 +16204,7 @@
 </p:sld>
 </file>
 
-<file path=ppt/slides/slide3.xml><?xml version="1.0" encoding="utf-8"?>
+<file path=ppt/slides/slide4.xml><?xml version="1.0" encoding="utf-8"?>
 <p:sld xmlns:a="http://schemas.openxmlformats.org/drawingml/2006/main" xmlns:r="http://schemas.openxmlformats.org/officeDocument/2006/relationships" xmlns:p="http://schemas.openxmlformats.org/presentationml/2006/main">
   <p:cSld>
     <p:spTree>
@@ -16005,9 +16237,16 @@
             <p:ph type="title"/>
           </p:nvPr>
         </p:nvSpPr>
-        <p:spPr/>
+        <p:spPr>
+          <a:xfrm>
+            <a:off x="1141413" y="201828"/>
+            <a:ext cx="9905998" cy="1791729"/>
+          </a:xfrm>
+        </p:spPr>
         <p:txBody>
-          <a:bodyPr/>
+          <a:bodyPr>
+            <a:normAutofit/>
+          </a:bodyPr>
           <a:lstStyle/>
           <a:p>
             <a:r>
@@ -17373,7 +17612,7 @@
 </p:sld>
 </file>
 
-<file path=ppt/slides/slide4.xml><?xml version="1.0" encoding="utf-8"?>
+<file path=ppt/slides/slide5.xml><?xml version="1.0" encoding="utf-8"?>
 <p:sld xmlns:a="http://schemas.openxmlformats.org/drawingml/2006/main" xmlns:r="http://schemas.openxmlformats.org/officeDocument/2006/relationships" xmlns:p="http://schemas.openxmlformats.org/presentationml/2006/main">
   <p:cSld>
     <p:spTree>
@@ -17565,7 +17804,7 @@
 </p:sld>
 </file>
 
-<file path=ppt/slides/slide5.xml><?xml version="1.0" encoding="utf-8"?>
+<file path=ppt/slides/slide6.xml><?xml version="1.0" encoding="utf-8"?>
 <p:sld xmlns:a="http://schemas.openxmlformats.org/drawingml/2006/main" xmlns:r="http://schemas.openxmlformats.org/officeDocument/2006/relationships" xmlns:p="http://schemas.openxmlformats.org/presentationml/2006/main">
   <p:cSld>
     <p:spTree>
@@ -17630,7 +17869,7 @@
             <p:ph idx="1"/>
             <p:extLst>
               <p:ext uri="{D42A27DB-BD31-4B8C-83A1-F6EECF244321}">
-                <p14:modId xmlns:p14="http://schemas.microsoft.com/office/powerpoint/2010/main" val="2625330710"/>
+                <p14:modId xmlns:p14="http://schemas.microsoft.com/office/powerpoint/2010/main" val="2103560698"/>
               </p:ext>
             </p:extLst>
           </p:nvPr>

--- a/Text Mining with R.pptx
+++ b/Text Mining with R.pptx
@@ -11,6 +11,11 @@
     <p:sldId id="258" r:id="rId5"/>
     <p:sldId id="259" r:id="rId6"/>
     <p:sldId id="260" r:id="rId7"/>
+    <p:sldId id="262" r:id="rId8"/>
+    <p:sldId id="263" r:id="rId9"/>
+    <p:sldId id="264" r:id="rId10"/>
+    <p:sldId id="266" r:id="rId11"/>
+    <p:sldId id="265" r:id="rId12"/>
   </p:sldIdLst>
   <p:sldSz cx="12192000" cy="6858000"/>
   <p:notesSz cx="6858000" cy="9144000"/>
@@ -922,12 +927,10 @@
         <a:lstStyle/>
         <a:p>
           <a:r>
-            <a:rPr lang="en-US" b="1" dirty="0"/>
-            <a:t>Step 1: </a:t>
-          </a:r>
-          <a:r>
-            <a:rPr lang="en-US" b="1"/>
-            <a:t>Source file</a:t>
+            <a:rPr lang="en-US" b="1" dirty="0">
+              <a:hlinkClick xmlns:r="http://schemas.openxmlformats.org/officeDocument/2006/relationships" r:id="rId1" action="ppaction://hlinksldjump"/>
+            </a:rPr>
+            <a:t>Step 1: Source file</a:t>
           </a:r>
           <a:endParaRPr lang="en-US" dirty="0"/>
         </a:p>
@@ -963,10 +966,12 @@
         <a:lstStyle/>
         <a:p>
           <a:r>
-            <a:rPr lang="en-US" b="1"/>
+            <a:rPr lang="en-US" b="1" dirty="0">
+              <a:hlinkClick xmlns:r="http://schemas.openxmlformats.org/officeDocument/2006/relationships" r:id="rId2" action="ppaction://hlinksldjump"/>
+            </a:rPr>
             <a:t>Step 2 : Install and load the required packages</a:t>
           </a:r>
-          <a:endParaRPr lang="en-US"/>
+          <a:endParaRPr lang="en-US" dirty="0"/>
         </a:p>
       </dgm:t>
     </dgm:pt>
@@ -1000,10 +1005,12 @@
         <a:lstStyle/>
         <a:p>
           <a:r>
-            <a:rPr lang="en-US" b="1"/>
+            <a:rPr lang="en-US" b="1" dirty="0">
+              <a:hlinkClick xmlns:r="http://schemas.openxmlformats.org/officeDocument/2006/relationships" r:id="rId3" action="ppaction://hlinksldjump"/>
+            </a:rPr>
             <a:t>Step 3 : Text mining</a:t>
           </a:r>
-          <a:endParaRPr lang="en-US"/>
+          <a:endParaRPr lang="en-US" dirty="0"/>
         </a:p>
       </dgm:t>
     </dgm:pt>
@@ -1037,10 +1044,12 @@
         <a:lstStyle/>
         <a:p>
           <a:r>
-            <a:rPr lang="en-US" b="1"/>
+            <a:rPr lang="en-US" b="1" dirty="0">
+              <a:hlinkClick xmlns:r="http://schemas.openxmlformats.org/officeDocument/2006/relationships" r:id="rId4" action="ppaction://hlinksldjump"/>
+            </a:rPr>
             <a:t>Step 4 : Build a term-document matrix</a:t>
           </a:r>
-          <a:endParaRPr lang="en-US"/>
+          <a:endParaRPr lang="en-US" dirty="0"/>
         </a:p>
       </dgm:t>
     </dgm:pt>
@@ -1074,10 +1083,12 @@
         <a:lstStyle/>
         <a:p>
           <a:r>
-            <a:rPr lang="en-US" b="1"/>
+            <a:rPr lang="en-US" b="1" dirty="0">
+              <a:hlinkClick xmlns:r="http://schemas.openxmlformats.org/officeDocument/2006/relationships" r:id="rId5" action="ppaction://hlinksldjump"/>
+            </a:rPr>
             <a:t>Step 5 : Generate the Word cloud</a:t>
           </a:r>
-          <a:endParaRPr lang="en-US"/>
+          <a:endParaRPr lang="en-US" dirty="0"/>
         </a:p>
       </dgm:t>
     </dgm:pt>
@@ -1551,12 +1562,10 @@
             <a:buNone/>
           </a:pPr>
           <a:r>
-            <a:rPr lang="en-US" sz="1700" b="1" kern="1200" dirty="0"/>
-            <a:t>Step 1: </a:t>
-          </a:r>
-          <a:r>
-            <a:rPr lang="en-US" sz="1700" b="1" kern="1200"/>
-            <a:t>Source file</a:t>
+            <a:rPr lang="en-US" sz="1700" b="1" kern="1200" dirty="0">
+              <a:hlinkClick xmlns:r="http://schemas.openxmlformats.org/officeDocument/2006/relationships" r:id=""/>
+            </a:rPr>
+            <a:t>Step 1: Source file</a:t>
           </a:r>
           <a:endParaRPr lang="en-US" sz="1700" kern="1200" dirty="0"/>
         </a:p>
@@ -1715,10 +1724,12 @@
             <a:buNone/>
           </a:pPr>
           <a:r>
-            <a:rPr lang="en-US" sz="1700" b="1" kern="1200"/>
+            <a:rPr lang="en-US" sz="1700" b="1" kern="1200" dirty="0">
+              <a:hlinkClick xmlns:r="http://schemas.openxmlformats.org/officeDocument/2006/relationships" r:id=""/>
+            </a:rPr>
             <a:t>Step 2 : Install and load the required packages</a:t>
           </a:r>
-          <a:endParaRPr lang="en-US" sz="1700" kern="1200"/>
+          <a:endParaRPr lang="en-US" sz="1700" kern="1200" dirty="0"/>
         </a:p>
       </dsp:txBody>
       <dsp:txXfrm>
@@ -1875,10 +1886,12 @@
             <a:buNone/>
           </a:pPr>
           <a:r>
-            <a:rPr lang="en-US" sz="1700" b="1" kern="1200"/>
+            <a:rPr lang="en-US" sz="1700" b="1" kern="1200" dirty="0">
+              <a:hlinkClick xmlns:r="http://schemas.openxmlformats.org/officeDocument/2006/relationships" r:id=""/>
+            </a:rPr>
             <a:t>Step 3 : Text mining</a:t>
           </a:r>
-          <a:endParaRPr lang="en-US" sz="1700" kern="1200"/>
+          <a:endParaRPr lang="en-US" sz="1700" kern="1200" dirty="0"/>
         </a:p>
       </dsp:txBody>
       <dsp:txXfrm>
@@ -2035,10 +2048,12 @@
             <a:buNone/>
           </a:pPr>
           <a:r>
-            <a:rPr lang="en-US" sz="1700" b="1" kern="1200"/>
+            <a:rPr lang="en-US" sz="1700" b="1" kern="1200" dirty="0">
+              <a:hlinkClick xmlns:r="http://schemas.openxmlformats.org/officeDocument/2006/relationships" r:id=""/>
+            </a:rPr>
             <a:t>Step 4 : Build a term-document matrix</a:t>
           </a:r>
-          <a:endParaRPr lang="en-US" sz="1700" kern="1200"/>
+          <a:endParaRPr lang="en-US" sz="1700" kern="1200" dirty="0"/>
         </a:p>
       </dsp:txBody>
       <dsp:txXfrm>
@@ -2195,10 +2210,12 @@
             <a:buNone/>
           </a:pPr>
           <a:r>
-            <a:rPr lang="en-US" sz="1700" b="1" kern="1200"/>
+            <a:rPr lang="en-US" sz="1700" b="1" kern="1200" dirty="0">
+              <a:hlinkClick xmlns:r="http://schemas.openxmlformats.org/officeDocument/2006/relationships" r:id=""/>
+            </a:rPr>
             <a:t>Step 5 : Generate the Word cloud</a:t>
           </a:r>
-          <a:endParaRPr lang="en-US" sz="1700" kern="1200"/>
+          <a:endParaRPr lang="en-US" sz="1700" kern="1200" dirty="0"/>
         </a:p>
       </dsp:txBody>
       <dsp:txXfrm>
@@ -3614,7 +3631,7 @@
           <a:noFill/>
           <a:extLst>
             <a:ext uri="{909E8E84-426E-40dd-AFC4-6F175D3DCCD1}">
-              <a14:hiddenFill xmlns:a14="http://schemas.microsoft.com/office/drawing/2010/main" xmlns="">
+              <a14:hiddenFill xmlns="" xmlns:a14="http://schemas.microsoft.com/office/drawing/2010/main">
                 <a:solidFill>
                   <a:srgbClr val="FFFFFF"/>
                 </a:solidFill>
@@ -3674,7 +3691,7 @@
             </a:ln>
             <a:extLst>
               <a:ext uri="{91240B29-F687-4f45-9708-019B960494DF}">
-                <a14:hiddenLine xmlns:a14="http://schemas.microsoft.com/office/drawing/2010/main" xmlns="" w="9525">
+                <a14:hiddenLine xmlns="" xmlns:a14="http://schemas.microsoft.com/office/drawing/2010/main" w="9525">
                   <a:solidFill>
                     <a:srgbClr val="000000"/>
                   </a:solidFill>
@@ -3764,7 +3781,7 @@
             </a:ln>
             <a:extLst>
               <a:ext uri="{91240B29-F687-4f45-9708-019B960494DF}">
-                <a14:hiddenLine xmlns:a14="http://schemas.microsoft.com/office/drawing/2010/main" xmlns="" w="9525">
+                <a14:hiddenLine xmlns="" xmlns:a14="http://schemas.microsoft.com/office/drawing/2010/main" w="9525">
                   <a:solidFill>
                     <a:srgbClr val="000000"/>
                   </a:solidFill>
@@ -3854,7 +3871,7 @@
             </a:ln>
             <a:extLst>
               <a:ext uri="{91240B29-F687-4f45-9708-019B960494DF}">
-                <a14:hiddenLine xmlns:a14="http://schemas.microsoft.com/office/drawing/2010/main" xmlns="" w="9525">
+                <a14:hiddenLine xmlns="" xmlns:a14="http://schemas.microsoft.com/office/drawing/2010/main" w="9525">
                   <a:solidFill>
                     <a:srgbClr val="000000"/>
                   </a:solidFill>
@@ -3888,7 +3905,7 @@
             </a:ln>
             <a:extLst>
               <a:ext uri="{91240B29-F687-4f45-9708-019B960494DF}">
-                <a14:hiddenLine xmlns:a14="http://schemas.microsoft.com/office/drawing/2010/main" xmlns="" w="9525">
+                <a14:hiddenLine xmlns="" xmlns:a14="http://schemas.microsoft.com/office/drawing/2010/main" w="9525">
                   <a:solidFill>
                     <a:srgbClr val="000000"/>
                   </a:solidFill>
@@ -3978,7 +3995,7 @@
             </a:ln>
             <a:extLst>
               <a:ext uri="{91240B29-F687-4f45-9708-019B960494DF}">
-                <a14:hiddenLine xmlns:a14="http://schemas.microsoft.com/office/drawing/2010/main" xmlns="" w="9525">
+                <a14:hiddenLine xmlns="" xmlns:a14="http://schemas.microsoft.com/office/drawing/2010/main" w="9525">
                   <a:solidFill>
                     <a:srgbClr val="000000"/>
                   </a:solidFill>
@@ -4040,7 +4057,7 @@
             </a:ln>
             <a:extLst>
               <a:ext uri="{91240B29-F687-4f45-9708-019B960494DF}">
-                <a14:hiddenLine xmlns:a14="http://schemas.microsoft.com/office/drawing/2010/main" xmlns="" w="9525">
+                <a14:hiddenLine xmlns="" xmlns:a14="http://schemas.microsoft.com/office/drawing/2010/main" w="9525">
                   <a:solidFill>
                     <a:srgbClr val="000000"/>
                   </a:solidFill>
@@ -4102,7 +4119,7 @@
             </a:ln>
             <a:extLst>
               <a:ext uri="{91240B29-F687-4f45-9708-019B960494DF}">
-                <a14:hiddenLine xmlns:a14="http://schemas.microsoft.com/office/drawing/2010/main" xmlns="" w="9525">
+                <a14:hiddenLine xmlns="" xmlns:a14="http://schemas.microsoft.com/office/drawing/2010/main" w="9525">
                   <a:solidFill>
                     <a:srgbClr val="000000"/>
                   </a:solidFill>
@@ -4192,7 +4209,7 @@
             </a:ln>
             <a:extLst>
               <a:ext uri="{91240B29-F687-4f45-9708-019B960494DF}">
-                <a14:hiddenLine xmlns:a14="http://schemas.microsoft.com/office/drawing/2010/main" xmlns="" w="9525">
+                <a14:hiddenLine xmlns="" xmlns:a14="http://schemas.microsoft.com/office/drawing/2010/main" w="9525">
                   <a:solidFill>
                     <a:srgbClr val="000000"/>
                   </a:solidFill>
@@ -4254,7 +4271,7 @@
             </a:ln>
             <a:extLst>
               <a:ext uri="{91240B29-F687-4f45-9708-019B960494DF}">
-                <a14:hiddenLine xmlns:a14="http://schemas.microsoft.com/office/drawing/2010/main" xmlns="" w="9525">
+                <a14:hiddenLine xmlns="" xmlns:a14="http://schemas.microsoft.com/office/drawing/2010/main" w="9525">
                   <a:solidFill>
                     <a:srgbClr val="000000"/>
                   </a:solidFill>
@@ -4316,7 +4333,7 @@
             </a:ln>
             <a:extLst>
               <a:ext uri="{91240B29-F687-4f45-9708-019B960494DF}">
-                <a14:hiddenLine xmlns:a14="http://schemas.microsoft.com/office/drawing/2010/main" xmlns="" w="9525">
+                <a14:hiddenLine xmlns="" xmlns:a14="http://schemas.microsoft.com/office/drawing/2010/main" w="9525">
                   <a:solidFill>
                     <a:srgbClr val="000000"/>
                   </a:solidFill>
@@ -4406,7 +4423,7 @@
             </a:ln>
             <a:extLst>
               <a:ext uri="{91240B29-F687-4f45-9708-019B960494DF}">
-                <a14:hiddenLine xmlns:a14="http://schemas.microsoft.com/office/drawing/2010/main" xmlns="" w="9525">
+                <a14:hiddenLine xmlns="" xmlns:a14="http://schemas.microsoft.com/office/drawing/2010/main" w="9525">
                   <a:solidFill>
                     <a:srgbClr val="000000"/>
                   </a:solidFill>
@@ -4496,7 +4513,7 @@
             </a:ln>
             <a:extLst>
               <a:ext uri="{91240B29-F687-4f45-9708-019B960494DF}">
-                <a14:hiddenLine xmlns:a14="http://schemas.microsoft.com/office/drawing/2010/main" xmlns="" w="9525">
+                <a14:hiddenLine xmlns="" xmlns:a14="http://schemas.microsoft.com/office/drawing/2010/main" w="9525">
                   <a:solidFill>
                     <a:srgbClr val="000000"/>
                   </a:solidFill>
@@ -4558,7 +4575,7 @@
             </a:ln>
             <a:extLst>
               <a:ext uri="{91240B29-F687-4f45-9708-019B960494DF}">
-                <a14:hiddenLine xmlns:a14="http://schemas.microsoft.com/office/drawing/2010/main" xmlns="" w="9525">
+                <a14:hiddenLine xmlns="" xmlns:a14="http://schemas.microsoft.com/office/drawing/2010/main" w="9525">
                   <a:solidFill>
                     <a:srgbClr val="000000"/>
                   </a:solidFill>
@@ -4668,7 +4685,7 @@
             </a:ln>
             <a:extLst>
               <a:ext uri="{91240B29-F687-4f45-9708-019B960494DF}">
-                <a14:hiddenLine xmlns:a14="http://schemas.microsoft.com/office/drawing/2010/main" xmlns="" w="9525">
+                <a14:hiddenLine xmlns="" xmlns:a14="http://schemas.microsoft.com/office/drawing/2010/main" w="9525">
                   <a:solidFill>
                     <a:srgbClr val="000000"/>
                   </a:solidFill>
@@ -4730,7 +4747,7 @@
             </a:ln>
             <a:extLst>
               <a:ext uri="{91240B29-F687-4f45-9708-019B960494DF}">
-                <a14:hiddenLine xmlns:a14="http://schemas.microsoft.com/office/drawing/2010/main" xmlns="" w="9525">
+                <a14:hiddenLine xmlns="" xmlns:a14="http://schemas.microsoft.com/office/drawing/2010/main" w="9525">
                   <a:solidFill>
                     <a:srgbClr val="000000"/>
                   </a:solidFill>
@@ -4820,7 +4837,7 @@
             </a:ln>
             <a:extLst>
               <a:ext uri="{91240B29-F687-4f45-9708-019B960494DF}">
-                <a14:hiddenLine xmlns:a14="http://schemas.microsoft.com/office/drawing/2010/main" xmlns="" w="9525">
+                <a14:hiddenLine xmlns="" xmlns:a14="http://schemas.microsoft.com/office/drawing/2010/main" w="9525">
                   <a:solidFill>
                     <a:srgbClr val="000000"/>
                   </a:solidFill>
@@ -4910,7 +4927,7 @@
             </a:ln>
             <a:extLst>
               <a:ext uri="{91240B29-F687-4f45-9708-019B960494DF}">
-                <a14:hiddenLine xmlns:a14="http://schemas.microsoft.com/office/drawing/2010/main" xmlns="" w="9525">
+                <a14:hiddenLine xmlns="" xmlns:a14="http://schemas.microsoft.com/office/drawing/2010/main" w="9525">
                   <a:solidFill>
                     <a:srgbClr val="000000"/>
                   </a:solidFill>
@@ -4972,7 +4989,7 @@
             </a:ln>
             <a:extLst>
               <a:ext uri="{91240B29-F687-4f45-9708-019B960494DF}">
-                <a14:hiddenLine xmlns:a14="http://schemas.microsoft.com/office/drawing/2010/main" xmlns="" w="9525">
+                <a14:hiddenLine xmlns="" xmlns:a14="http://schemas.microsoft.com/office/drawing/2010/main" w="9525">
                   <a:solidFill>
                     <a:srgbClr val="000000"/>
                   </a:solidFill>
@@ -5062,7 +5079,7 @@
             </a:ln>
             <a:extLst>
               <a:ext uri="{91240B29-F687-4f45-9708-019B960494DF}">
-                <a14:hiddenLine xmlns:a14="http://schemas.microsoft.com/office/drawing/2010/main" xmlns="" w="9525">
+                <a14:hiddenLine xmlns="" xmlns:a14="http://schemas.microsoft.com/office/drawing/2010/main" w="9525">
                   <a:solidFill>
                     <a:srgbClr val="000000"/>
                   </a:solidFill>
@@ -5152,7 +5169,7 @@
             </a:ln>
             <a:extLst>
               <a:ext uri="{91240B29-F687-4f45-9708-019B960494DF}">
-                <a14:hiddenLine xmlns:a14="http://schemas.microsoft.com/office/drawing/2010/main" xmlns="" w="9525">
+                <a14:hiddenLine xmlns="" xmlns:a14="http://schemas.microsoft.com/office/drawing/2010/main" w="9525">
                   <a:solidFill>
                     <a:srgbClr val="000000"/>
                   </a:solidFill>
@@ -5208,7 +5225,7 @@
             </a:ln>
             <a:extLst>
               <a:ext uri="{91240B29-F687-4f45-9708-019B960494DF}">
-                <a14:hiddenLine xmlns:a14="http://schemas.microsoft.com/office/drawing/2010/main" xmlns="" w="9525">
+                <a14:hiddenLine xmlns="" xmlns:a14="http://schemas.microsoft.com/office/drawing/2010/main" w="9525">
                   <a:solidFill>
                     <a:srgbClr val="000000"/>
                   </a:solidFill>
@@ -5298,7 +5315,7 @@
             </a:ln>
             <a:extLst>
               <a:ext uri="{91240B29-F687-4f45-9708-019B960494DF}">
-                <a14:hiddenLine xmlns:a14="http://schemas.microsoft.com/office/drawing/2010/main" xmlns="" w="9525">
+                <a14:hiddenLine xmlns="" xmlns:a14="http://schemas.microsoft.com/office/drawing/2010/main" w="9525">
                   <a:solidFill>
                     <a:srgbClr val="000000"/>
                   </a:solidFill>
@@ -5354,7 +5371,7 @@
             </a:ln>
             <a:extLst>
               <a:ext uri="{91240B29-F687-4f45-9708-019B960494DF}">
-                <a14:hiddenLine xmlns:a14="http://schemas.microsoft.com/office/drawing/2010/main" xmlns="" w="9525">
+                <a14:hiddenLine xmlns="" xmlns:a14="http://schemas.microsoft.com/office/drawing/2010/main" w="9525">
                   <a:solidFill>
                     <a:srgbClr val="000000"/>
                   </a:solidFill>
@@ -5444,7 +5461,7 @@
             </a:ln>
             <a:extLst>
               <a:ext uri="{91240B29-F687-4f45-9708-019B960494DF}">
-                <a14:hiddenLine xmlns:a14="http://schemas.microsoft.com/office/drawing/2010/main" xmlns="" w="9525">
+                <a14:hiddenLine xmlns="" xmlns:a14="http://schemas.microsoft.com/office/drawing/2010/main" w="9525">
                   <a:solidFill>
                     <a:srgbClr val="000000"/>
                   </a:solidFill>
@@ -5512,7 +5529,7 @@
             </a:ln>
             <a:extLst>
               <a:ext uri="{91240B29-F687-4f45-9708-019B960494DF}">
-                <a14:hiddenLine xmlns:a14="http://schemas.microsoft.com/office/drawing/2010/main" xmlns="" w="9525">
+                <a14:hiddenLine xmlns="" xmlns:a14="http://schemas.microsoft.com/office/drawing/2010/main" w="9525">
                   <a:solidFill>
                     <a:srgbClr val="000000"/>
                   </a:solidFill>
@@ -5602,7 +5619,7 @@
             </a:ln>
             <a:extLst>
               <a:ext uri="{91240B29-F687-4f45-9708-019B960494DF}">
-                <a14:hiddenLine xmlns:a14="http://schemas.microsoft.com/office/drawing/2010/main" xmlns="" w="9525">
+                <a14:hiddenLine xmlns="" xmlns:a14="http://schemas.microsoft.com/office/drawing/2010/main" w="9525">
                   <a:solidFill>
                     <a:srgbClr val="000000"/>
                   </a:solidFill>
@@ -5670,7 +5687,7 @@
             </a:ln>
             <a:extLst>
               <a:ext uri="{91240B29-F687-4f45-9708-019B960494DF}">
-                <a14:hiddenLine xmlns:a14="http://schemas.microsoft.com/office/drawing/2010/main" xmlns="" w="9525">
+                <a14:hiddenLine xmlns="" xmlns:a14="http://schemas.microsoft.com/office/drawing/2010/main" w="9525">
                   <a:solidFill>
                     <a:srgbClr val="000000"/>
                   </a:solidFill>
@@ -5760,7 +5777,7 @@
             </a:ln>
             <a:extLst>
               <a:ext uri="{91240B29-F687-4f45-9708-019B960494DF}">
-                <a14:hiddenLine xmlns:a14="http://schemas.microsoft.com/office/drawing/2010/main" xmlns="" w="9525">
+                <a14:hiddenLine xmlns="" xmlns:a14="http://schemas.microsoft.com/office/drawing/2010/main" w="9525">
                   <a:solidFill>
                     <a:srgbClr val="000000"/>
                   </a:solidFill>
@@ -5794,7 +5811,7 @@
             </a:ln>
             <a:extLst>
               <a:ext uri="{91240B29-F687-4f45-9708-019B960494DF}">
-                <a14:hiddenLine xmlns:a14="http://schemas.microsoft.com/office/drawing/2010/main" xmlns="" w="9525">
+                <a14:hiddenLine xmlns="" xmlns:a14="http://schemas.microsoft.com/office/drawing/2010/main" w="9525">
                   <a:solidFill>
                     <a:srgbClr val="000000"/>
                   </a:solidFill>
@@ -5884,7 +5901,7 @@
             </a:ln>
             <a:extLst>
               <a:ext uri="{91240B29-F687-4f45-9708-019B960494DF}">
-                <a14:hiddenLine xmlns:a14="http://schemas.microsoft.com/office/drawing/2010/main" xmlns="" w="9525">
+                <a14:hiddenLine xmlns="" xmlns:a14="http://schemas.microsoft.com/office/drawing/2010/main" w="9525">
                   <a:solidFill>
                     <a:srgbClr val="000000"/>
                   </a:solidFill>
@@ -5946,7 +5963,7 @@
             </a:ln>
             <a:extLst>
               <a:ext uri="{91240B29-F687-4f45-9708-019B960494DF}">
-                <a14:hiddenLine xmlns:a14="http://schemas.microsoft.com/office/drawing/2010/main" xmlns="" w="9525">
+                <a14:hiddenLine xmlns="" xmlns:a14="http://schemas.microsoft.com/office/drawing/2010/main" w="9525">
                   <a:solidFill>
                     <a:srgbClr val="000000"/>
                   </a:solidFill>
@@ -6008,7 +6025,7 @@
             </a:ln>
             <a:extLst>
               <a:ext uri="{91240B29-F687-4f45-9708-019B960494DF}">
-                <a14:hiddenLine xmlns:a14="http://schemas.microsoft.com/office/drawing/2010/main" xmlns="" w="9525">
+                <a14:hiddenLine xmlns="" xmlns:a14="http://schemas.microsoft.com/office/drawing/2010/main" w="9525">
                   <a:solidFill>
                     <a:srgbClr val="000000"/>
                   </a:solidFill>
@@ -6098,7 +6115,7 @@
             </a:ln>
             <a:extLst>
               <a:ext uri="{91240B29-F687-4f45-9708-019B960494DF}">
-                <a14:hiddenLine xmlns:a14="http://schemas.microsoft.com/office/drawing/2010/main" xmlns="" w="9525">
+                <a14:hiddenLine xmlns="" xmlns:a14="http://schemas.microsoft.com/office/drawing/2010/main" w="9525">
                   <a:solidFill>
                     <a:srgbClr val="000000"/>
                   </a:solidFill>
@@ -6166,7 +6183,7 @@
             </a:ln>
             <a:extLst>
               <a:ext uri="{91240B29-F687-4f45-9708-019B960494DF}">
-                <a14:hiddenLine xmlns:a14="http://schemas.microsoft.com/office/drawing/2010/main" xmlns="" w="9525">
+                <a14:hiddenLine xmlns="" xmlns:a14="http://schemas.microsoft.com/office/drawing/2010/main" w="9525">
                   <a:solidFill>
                     <a:srgbClr val="000000"/>
                   </a:solidFill>
@@ -6228,7 +6245,7 @@
             </a:ln>
             <a:extLst>
               <a:ext uri="{91240B29-F687-4f45-9708-019B960494DF}">
-                <a14:hiddenLine xmlns:a14="http://schemas.microsoft.com/office/drawing/2010/main" xmlns="" w="9525">
+                <a14:hiddenLine xmlns="" xmlns:a14="http://schemas.microsoft.com/office/drawing/2010/main" w="9525">
                   <a:solidFill>
                     <a:srgbClr val="000000"/>
                   </a:solidFill>
@@ -6318,7 +6335,7 @@
             </a:ln>
             <a:extLst>
               <a:ext uri="{91240B29-F687-4f45-9708-019B960494DF}">
-                <a14:hiddenLine xmlns:a14="http://schemas.microsoft.com/office/drawing/2010/main" xmlns="" w="9525">
+                <a14:hiddenLine xmlns="" xmlns:a14="http://schemas.microsoft.com/office/drawing/2010/main" w="9525">
                   <a:solidFill>
                     <a:srgbClr val="000000"/>
                   </a:solidFill>
@@ -6380,7 +6397,7 @@
             </a:ln>
             <a:extLst>
               <a:ext uri="{91240B29-F687-4f45-9708-019B960494DF}">
-                <a14:hiddenLine xmlns:a14="http://schemas.microsoft.com/office/drawing/2010/main" xmlns="" w="9525">
+                <a14:hiddenLine xmlns="" xmlns:a14="http://schemas.microsoft.com/office/drawing/2010/main" w="9525">
                   <a:solidFill>
                     <a:srgbClr val="000000"/>
                   </a:solidFill>
@@ -6470,7 +6487,7 @@
             </a:ln>
             <a:extLst>
               <a:ext uri="{91240B29-F687-4f45-9708-019B960494DF}">
-                <a14:hiddenLine xmlns:a14="http://schemas.microsoft.com/office/drawing/2010/main" xmlns="" w="9525">
+                <a14:hiddenLine xmlns="" xmlns:a14="http://schemas.microsoft.com/office/drawing/2010/main" w="9525">
                   <a:solidFill>
                     <a:srgbClr val="000000"/>
                   </a:solidFill>
@@ -6532,7 +6549,7 @@
             </a:ln>
             <a:extLst>
               <a:ext uri="{91240B29-F687-4f45-9708-019B960494DF}">
-                <a14:hiddenLine xmlns:a14="http://schemas.microsoft.com/office/drawing/2010/main" xmlns="" w="9525">
+                <a14:hiddenLine xmlns="" xmlns:a14="http://schemas.microsoft.com/office/drawing/2010/main" w="9525">
                   <a:solidFill>
                     <a:srgbClr val="000000"/>
                   </a:solidFill>
@@ -6622,7 +6639,7 @@
             </a:ln>
             <a:extLst>
               <a:ext uri="{91240B29-F687-4f45-9708-019B960494DF}">
-                <a14:hiddenLine xmlns:a14="http://schemas.microsoft.com/office/drawing/2010/main" xmlns="" w="9525">
+                <a14:hiddenLine xmlns="" xmlns:a14="http://schemas.microsoft.com/office/drawing/2010/main" w="9525">
                   <a:solidFill>
                     <a:srgbClr val="000000"/>
                   </a:solidFill>
@@ -6656,7 +6673,7 @@
             </a:ln>
             <a:extLst>
               <a:ext uri="{91240B29-F687-4f45-9708-019B960494DF}">
-                <a14:hiddenLine xmlns:a14="http://schemas.microsoft.com/office/drawing/2010/main" xmlns="" w="9525">
+                <a14:hiddenLine xmlns="" xmlns:a14="http://schemas.microsoft.com/office/drawing/2010/main" w="9525">
                   <a:solidFill>
                     <a:srgbClr val="000000"/>
                   </a:solidFill>
@@ -6721,7 +6738,7 @@
             </a:ln>
             <a:extLst>
               <a:ext uri="{91240B29-F687-4f45-9708-019B960494DF}">
-                <a14:hiddenLine xmlns:a14="http://schemas.microsoft.com/office/drawing/2010/main" xmlns="" w="9525">
+                <a14:hiddenLine xmlns="" xmlns:a14="http://schemas.microsoft.com/office/drawing/2010/main" w="9525">
                   <a:solidFill>
                     <a:srgbClr val="000000"/>
                   </a:solidFill>
@@ -6811,7 +6828,7 @@
             </a:ln>
             <a:extLst>
               <a:ext uri="{91240B29-F687-4f45-9708-019B960494DF}">
-                <a14:hiddenLine xmlns:a14="http://schemas.microsoft.com/office/drawing/2010/main" xmlns="" w="9525">
+                <a14:hiddenLine xmlns="" xmlns:a14="http://schemas.microsoft.com/office/drawing/2010/main" w="9525">
                   <a:solidFill>
                     <a:srgbClr val="000000"/>
                   </a:solidFill>
@@ -6873,7 +6890,7 @@
             </a:ln>
             <a:extLst>
               <a:ext uri="{91240B29-F687-4f45-9708-019B960494DF}">
-                <a14:hiddenLine xmlns:a14="http://schemas.microsoft.com/office/drawing/2010/main" xmlns="" w="9525">
+                <a14:hiddenLine xmlns="" xmlns:a14="http://schemas.microsoft.com/office/drawing/2010/main" w="9525">
                   <a:solidFill>
                     <a:srgbClr val="000000"/>
                   </a:solidFill>
@@ -6963,7 +6980,7 @@
             </a:ln>
             <a:extLst>
               <a:ext uri="{91240B29-F687-4f45-9708-019B960494DF}">
-                <a14:hiddenLine xmlns:a14="http://schemas.microsoft.com/office/drawing/2010/main" xmlns="" w="9525">
+                <a14:hiddenLine xmlns="" xmlns:a14="http://schemas.microsoft.com/office/drawing/2010/main" w="9525">
                   <a:solidFill>
                     <a:srgbClr val="000000"/>
                   </a:solidFill>
@@ -7053,7 +7070,7 @@
             </a:ln>
             <a:extLst>
               <a:ext uri="{91240B29-F687-4f45-9708-019B960494DF}">
-                <a14:hiddenLine xmlns:a14="http://schemas.microsoft.com/office/drawing/2010/main" xmlns="" w="9525">
+                <a14:hiddenLine xmlns="" xmlns:a14="http://schemas.microsoft.com/office/drawing/2010/main" w="9525">
                   <a:solidFill>
                     <a:srgbClr val="000000"/>
                   </a:solidFill>
@@ -7118,7 +7135,7 @@
             </a:ln>
             <a:extLst>
               <a:ext uri="{91240B29-F687-4f45-9708-019B960494DF}">
-                <a14:hiddenLine xmlns:a14="http://schemas.microsoft.com/office/drawing/2010/main" xmlns="" w="9525">
+                <a14:hiddenLine xmlns="" xmlns:a14="http://schemas.microsoft.com/office/drawing/2010/main" w="9525">
                   <a:solidFill>
                     <a:srgbClr val="000000"/>
                   </a:solidFill>
@@ -7180,7 +7197,7 @@
             </a:ln>
             <a:extLst>
               <a:ext uri="{91240B29-F687-4f45-9708-019B960494DF}">
-                <a14:hiddenLine xmlns:a14="http://schemas.microsoft.com/office/drawing/2010/main" xmlns="" w="9525">
+                <a14:hiddenLine xmlns="" xmlns:a14="http://schemas.microsoft.com/office/drawing/2010/main" w="9525">
                   <a:solidFill>
                     <a:srgbClr val="000000"/>
                   </a:solidFill>
@@ -7270,7 +7287,7 @@
             </a:ln>
             <a:extLst>
               <a:ext uri="{91240B29-F687-4f45-9708-019B960494DF}">
-                <a14:hiddenLine xmlns:a14="http://schemas.microsoft.com/office/drawing/2010/main" xmlns="" w="9525">
+                <a14:hiddenLine xmlns="" xmlns:a14="http://schemas.microsoft.com/office/drawing/2010/main" w="9525">
                   <a:solidFill>
                     <a:srgbClr val="000000"/>
                   </a:solidFill>
@@ -7360,7 +7377,7 @@
             </a:ln>
             <a:extLst>
               <a:ext uri="{91240B29-F687-4f45-9708-019B960494DF}">
-                <a14:hiddenLine xmlns:a14="http://schemas.microsoft.com/office/drawing/2010/main" xmlns="" w="9525">
+                <a14:hiddenLine xmlns="" xmlns:a14="http://schemas.microsoft.com/office/drawing/2010/main" w="9525">
                   <a:solidFill>
                     <a:srgbClr val="000000"/>
                   </a:solidFill>
@@ -7422,7 +7439,7 @@
             </a:ln>
             <a:extLst>
               <a:ext uri="{91240B29-F687-4f45-9708-019B960494DF}">
-                <a14:hiddenLine xmlns:a14="http://schemas.microsoft.com/office/drawing/2010/main" xmlns="" w="9525">
+                <a14:hiddenLine xmlns="" xmlns:a14="http://schemas.microsoft.com/office/drawing/2010/main" w="9525">
                   <a:solidFill>
                     <a:srgbClr val="000000"/>
                   </a:solidFill>
@@ -7542,7 +7559,7 @@
             </a:ln>
             <a:extLst>
               <a:ext uri="{91240B29-F687-4f45-9708-019B960494DF}">
-                <a14:hiddenLine xmlns:a14="http://schemas.microsoft.com/office/drawing/2010/main" xmlns="" w="9525">
+                <a14:hiddenLine xmlns="" xmlns:a14="http://schemas.microsoft.com/office/drawing/2010/main" w="9525">
                   <a:solidFill>
                     <a:srgbClr val="000000"/>
                   </a:solidFill>
@@ -7610,7 +7627,7 @@
             </a:ln>
             <a:extLst>
               <a:ext uri="{91240B29-F687-4f45-9708-019B960494DF}">
-                <a14:hiddenLine xmlns:a14="http://schemas.microsoft.com/office/drawing/2010/main" xmlns="" w="9525">
+                <a14:hiddenLine xmlns="" xmlns:a14="http://schemas.microsoft.com/office/drawing/2010/main" w="9525">
                   <a:solidFill>
                     <a:srgbClr val="000000"/>
                   </a:solidFill>
@@ -7700,7 +7717,7 @@
             </a:ln>
             <a:extLst>
               <a:ext uri="{91240B29-F687-4f45-9708-019B960494DF}">
-                <a14:hiddenLine xmlns:a14="http://schemas.microsoft.com/office/drawing/2010/main" xmlns="" w="9525">
+                <a14:hiddenLine xmlns="" xmlns:a14="http://schemas.microsoft.com/office/drawing/2010/main" w="9525">
                   <a:solidFill>
                     <a:srgbClr val="000000"/>
                   </a:solidFill>
@@ -7840,7 +7857,7 @@
           <a:p>
             <a:fld id="{48A87A34-81AB-432B-8DAE-1953F412C126}" type="datetimeFigureOut">
               <a:rPr lang="en-US" dirty="0"/>
-              <a:t>10/28/2019</a:t>
+              <a:t>11/10/2019</a:t>
             </a:fld>
             <a:endParaRPr lang="en-US" dirty="0"/>
           </a:p>
@@ -8102,7 +8119,7 @@
           <a:p>
             <a:fld id="{48A87A34-81AB-432B-8DAE-1953F412C126}" type="datetimeFigureOut">
               <a:rPr lang="en-US" dirty="0"/>
-              <a:t>10/28/2019</a:t>
+              <a:t>11/10/2019</a:t>
             </a:fld>
             <a:endParaRPr lang="en-US" dirty="0"/>
           </a:p>
@@ -8293,7 +8310,7 @@
           <a:p>
             <a:fld id="{48A87A34-81AB-432B-8DAE-1953F412C126}" type="datetimeFigureOut">
               <a:rPr lang="en-US" dirty="0"/>
-              <a:t>10/28/2019</a:t>
+              <a:t>11/10/2019</a:t>
             </a:fld>
             <a:endParaRPr lang="en-US" dirty="0"/>
           </a:p>
@@ -8551,7 +8568,7 @@
           <a:p>
             <a:fld id="{48A87A34-81AB-432B-8DAE-1953F412C126}" type="datetimeFigureOut">
               <a:rPr lang="en-US" dirty="0"/>
-              <a:t>10/28/2019</a:t>
+              <a:t>11/10/2019</a:t>
             </a:fld>
             <a:endParaRPr lang="en-US" dirty="0"/>
           </a:p>
@@ -8980,7 +8997,7 @@
           <a:p>
             <a:fld id="{48A87A34-81AB-432B-8DAE-1953F412C126}" type="datetimeFigureOut">
               <a:rPr lang="en-US" dirty="0"/>
-              <a:t>10/28/2019</a:t>
+              <a:t>11/10/2019</a:t>
             </a:fld>
             <a:endParaRPr lang="en-US" dirty="0"/>
           </a:p>
@@ -9521,7 +9538,7 @@
           <a:p>
             <a:fld id="{48A87A34-81AB-432B-8DAE-1953F412C126}" type="datetimeFigureOut">
               <a:rPr lang="en-US" dirty="0"/>
-              <a:t>10/28/2019</a:t>
+              <a:t>11/10/2019</a:t>
             </a:fld>
             <a:endParaRPr lang="en-US" dirty="0"/>
           </a:p>
@@ -10236,7 +10253,7 @@
           <a:p>
             <a:fld id="{48A87A34-81AB-432B-8DAE-1953F412C126}" type="datetimeFigureOut">
               <a:rPr lang="en-US" dirty="0"/>
-              <a:t>10/28/2019</a:t>
+              <a:t>11/10/2019</a:t>
             </a:fld>
             <a:endParaRPr lang="en-US" dirty="0"/>
           </a:p>
@@ -10401,7 +10418,7 @@
           <a:p>
             <a:fld id="{48A87A34-81AB-432B-8DAE-1953F412C126}" type="datetimeFigureOut">
               <a:rPr lang="en-US" dirty="0"/>
-              <a:t>10/28/2019</a:t>
+              <a:t>11/10/2019</a:t>
             </a:fld>
             <a:endParaRPr lang="en-US" dirty="0"/>
           </a:p>
@@ -10576,7 +10593,7 @@
           <a:p>
             <a:fld id="{48A87A34-81AB-432B-8DAE-1953F412C126}" type="datetimeFigureOut">
               <a:rPr lang="en-US" dirty="0"/>
-              <a:t>10/28/2019</a:t>
+              <a:t>11/10/2019</a:t>
             </a:fld>
             <a:endParaRPr lang="en-US" dirty="0"/>
           </a:p>
@@ -10741,7 +10758,7 @@
           <a:p>
             <a:fld id="{48A87A34-81AB-432B-8DAE-1953F412C126}" type="datetimeFigureOut">
               <a:rPr lang="en-US" dirty="0"/>
-              <a:t>10/28/2019</a:t>
+              <a:t>11/10/2019</a:t>
             </a:fld>
             <a:endParaRPr lang="en-US" dirty="0"/>
           </a:p>
@@ -10986,7 +11003,7 @@
           <a:p>
             <a:fld id="{48A87A34-81AB-432B-8DAE-1953F412C126}" type="datetimeFigureOut">
               <a:rPr lang="en-US" dirty="0"/>
-              <a:t>10/28/2019</a:t>
+              <a:t>11/10/2019</a:t>
             </a:fld>
             <a:endParaRPr lang="en-US" dirty="0"/>
           </a:p>
@@ -11213,7 +11230,7 @@
           <a:p>
             <a:fld id="{48A87A34-81AB-432B-8DAE-1953F412C126}" type="datetimeFigureOut">
               <a:rPr lang="en-US" dirty="0"/>
-              <a:t>10/28/2019</a:t>
+              <a:t>11/10/2019</a:t>
             </a:fld>
             <a:endParaRPr lang="en-US" dirty="0"/>
           </a:p>
@@ -11589,7 +11606,7 @@
           <a:p>
             <a:fld id="{48A87A34-81AB-432B-8DAE-1953F412C126}" type="datetimeFigureOut">
               <a:rPr lang="en-US" dirty="0"/>
-              <a:t>10/28/2019</a:t>
+              <a:t>11/10/2019</a:t>
             </a:fld>
             <a:endParaRPr lang="en-US" dirty="0"/>
           </a:p>
@@ -11702,7 +11719,7 @@
           <a:p>
             <a:fld id="{48A87A34-81AB-432B-8DAE-1953F412C126}" type="datetimeFigureOut">
               <a:rPr lang="en-US" dirty="0"/>
-              <a:t>10/28/2019</a:t>
+              <a:t>11/10/2019</a:t>
             </a:fld>
             <a:endParaRPr lang="en-US" dirty="0"/>
           </a:p>
@@ -11792,7 +11809,7 @@
           <a:p>
             <a:fld id="{48A87A34-81AB-432B-8DAE-1953F412C126}" type="datetimeFigureOut">
               <a:rPr lang="en-US" dirty="0"/>
-              <a:t>10/28/2019</a:t>
+              <a:t>11/10/2019</a:t>
             </a:fld>
             <a:endParaRPr lang="en-US" dirty="0"/>
           </a:p>
@@ -12036,7 +12053,7 @@
           <a:p>
             <a:fld id="{48A87A34-81AB-432B-8DAE-1953F412C126}" type="datetimeFigureOut">
               <a:rPr lang="en-US" dirty="0"/>
-              <a:t>10/28/2019</a:t>
+              <a:t>11/10/2019</a:t>
             </a:fld>
             <a:endParaRPr lang="en-US" dirty="0"/>
           </a:p>
@@ -12311,7 +12328,7 @@
           <a:p>
             <a:fld id="{48A87A34-81AB-432B-8DAE-1953F412C126}" type="datetimeFigureOut">
               <a:rPr lang="en-US" dirty="0"/>
-              <a:t>10/28/2019</a:t>
+              <a:t>11/10/2019</a:t>
             </a:fld>
             <a:endParaRPr lang="en-US" dirty="0"/>
           </a:p>
@@ -12422,7 +12439,7 @@
           <a:noFill/>
           <a:extLst>
             <a:ext uri="{909E8E84-426E-40dd-AFC4-6F175D3DCCD1}">
-              <a14:hiddenFill xmlns:a14="http://schemas.microsoft.com/office/drawing/2010/main" xmlns="">
+              <a14:hiddenFill xmlns="" xmlns:a14="http://schemas.microsoft.com/office/drawing/2010/main">
                 <a:solidFill>
                   <a:srgbClr val="FFFFFF"/>
                 </a:solidFill>
@@ -12496,7 +12513,7 @@
               </a:ln>
               <a:extLst>
                 <a:ext uri="{91240B29-F687-4f45-9708-019B960494DF}">
-                  <a14:hiddenLine xmlns:a14="http://schemas.microsoft.com/office/drawing/2010/main" xmlns="" w="9525">
+                  <a14:hiddenLine xmlns="" xmlns:a14="http://schemas.microsoft.com/office/drawing/2010/main" w="9525">
                     <a:solidFill>
                       <a:srgbClr val="000000"/>
                     </a:solidFill>
@@ -12586,7 +12603,7 @@
               </a:ln>
               <a:extLst>
                 <a:ext uri="{91240B29-F687-4f45-9708-019B960494DF}">
-                  <a14:hiddenLine xmlns:a14="http://schemas.microsoft.com/office/drawing/2010/main" xmlns="" w="9525">
+                  <a14:hiddenLine xmlns="" xmlns:a14="http://schemas.microsoft.com/office/drawing/2010/main" w="9525">
                     <a:solidFill>
                       <a:srgbClr val="000000"/>
                     </a:solidFill>
@@ -12676,7 +12693,7 @@
               </a:ln>
               <a:extLst>
                 <a:ext uri="{91240B29-F687-4f45-9708-019B960494DF}">
-                  <a14:hiddenLine xmlns:a14="http://schemas.microsoft.com/office/drawing/2010/main" xmlns="" w="9525">
+                  <a14:hiddenLine xmlns="" xmlns:a14="http://schemas.microsoft.com/office/drawing/2010/main" w="9525">
                     <a:solidFill>
                       <a:srgbClr val="000000"/>
                     </a:solidFill>
@@ -12738,7 +12755,7 @@
               </a:ln>
               <a:extLst>
                 <a:ext uri="{91240B29-F687-4f45-9708-019B960494DF}">
-                  <a14:hiddenLine xmlns:a14="http://schemas.microsoft.com/office/drawing/2010/main" xmlns="" w="9525">
+                  <a14:hiddenLine xmlns="" xmlns:a14="http://schemas.microsoft.com/office/drawing/2010/main" w="9525">
                     <a:solidFill>
                       <a:srgbClr val="000000"/>
                     </a:solidFill>
@@ -12828,7 +12845,7 @@
               </a:ln>
               <a:extLst>
                 <a:ext uri="{91240B29-F687-4f45-9708-019B960494DF}">
-                  <a14:hiddenLine xmlns:a14="http://schemas.microsoft.com/office/drawing/2010/main" xmlns="" w="9525">
+                  <a14:hiddenLine xmlns="" xmlns:a14="http://schemas.microsoft.com/office/drawing/2010/main" w="9525">
                     <a:solidFill>
                       <a:srgbClr val="000000"/>
                     </a:solidFill>
@@ -12890,7 +12907,7 @@
               </a:ln>
               <a:extLst>
                 <a:ext uri="{91240B29-F687-4f45-9708-019B960494DF}">
-                  <a14:hiddenLine xmlns:a14="http://schemas.microsoft.com/office/drawing/2010/main" xmlns="" w="9525">
+                  <a14:hiddenLine xmlns="" xmlns:a14="http://schemas.microsoft.com/office/drawing/2010/main" w="9525">
                     <a:solidFill>
                       <a:srgbClr val="000000"/>
                     </a:solidFill>
@@ -12952,7 +12969,7 @@
               </a:ln>
               <a:extLst>
                 <a:ext uri="{91240B29-F687-4f45-9708-019B960494DF}">
-                  <a14:hiddenLine xmlns:a14="http://schemas.microsoft.com/office/drawing/2010/main" xmlns="" w="9525">
+                  <a14:hiddenLine xmlns="" xmlns:a14="http://schemas.microsoft.com/office/drawing/2010/main" w="9525">
                     <a:solidFill>
                       <a:srgbClr val="000000"/>
                     </a:solidFill>
@@ -13042,7 +13059,7 @@
               </a:ln>
               <a:extLst>
                 <a:ext uri="{91240B29-F687-4f45-9708-019B960494DF}">
-                  <a14:hiddenLine xmlns:a14="http://schemas.microsoft.com/office/drawing/2010/main" xmlns="" w="9525">
+                  <a14:hiddenLine xmlns="" xmlns:a14="http://schemas.microsoft.com/office/drawing/2010/main" w="9525">
                     <a:solidFill>
                       <a:srgbClr val="000000"/>
                     </a:solidFill>
@@ -13132,7 +13149,7 @@
               </a:ln>
               <a:extLst>
                 <a:ext uri="{91240B29-F687-4f45-9708-019B960494DF}">
-                  <a14:hiddenLine xmlns:a14="http://schemas.microsoft.com/office/drawing/2010/main" xmlns="" w="9525">
+                  <a14:hiddenLine xmlns="" xmlns:a14="http://schemas.microsoft.com/office/drawing/2010/main" w="9525">
                     <a:solidFill>
                       <a:srgbClr val="000000"/>
                     </a:solidFill>
@@ -13194,7 +13211,7 @@
               </a:ln>
               <a:extLst>
                 <a:ext uri="{91240B29-F687-4f45-9708-019B960494DF}">
-                  <a14:hiddenLine xmlns:a14="http://schemas.microsoft.com/office/drawing/2010/main" xmlns="" w="9525">
+                  <a14:hiddenLine xmlns="" xmlns:a14="http://schemas.microsoft.com/office/drawing/2010/main" w="9525">
                     <a:solidFill>
                       <a:srgbClr val="000000"/>
                     </a:solidFill>
@@ -13304,7 +13321,7 @@
               </a:ln>
               <a:extLst>
                 <a:ext uri="{91240B29-F687-4f45-9708-019B960494DF}">
-                  <a14:hiddenLine xmlns:a14="http://schemas.microsoft.com/office/drawing/2010/main" xmlns="" w="9525">
+                  <a14:hiddenLine xmlns="" xmlns:a14="http://schemas.microsoft.com/office/drawing/2010/main" w="9525">
                     <a:solidFill>
                       <a:srgbClr val="000000"/>
                     </a:solidFill>
@@ -13388,7 +13405,7 @@
               </a:ln>
               <a:extLst>
                 <a:ext uri="{91240B29-F687-4f45-9708-019B960494DF}">
-                  <a14:hiddenLine xmlns:a14="http://schemas.microsoft.com/office/drawing/2010/main" xmlns="" w="9525">
+                  <a14:hiddenLine xmlns="" xmlns:a14="http://schemas.microsoft.com/office/drawing/2010/main" w="9525">
                     <a:solidFill>
                       <a:srgbClr val="000000"/>
                     </a:solidFill>
@@ -13450,7 +13467,7 @@
               </a:ln>
               <a:extLst>
                 <a:ext uri="{91240B29-F687-4f45-9708-019B960494DF}">
-                  <a14:hiddenLine xmlns:a14="http://schemas.microsoft.com/office/drawing/2010/main" xmlns="" w="9525">
+                  <a14:hiddenLine xmlns="" xmlns:a14="http://schemas.microsoft.com/office/drawing/2010/main" w="9525">
                     <a:solidFill>
                       <a:srgbClr val="000000"/>
                     </a:solidFill>
@@ -13512,7 +13529,7 @@
               </a:ln>
               <a:extLst>
                 <a:ext uri="{91240B29-F687-4f45-9708-019B960494DF}">
-                  <a14:hiddenLine xmlns:a14="http://schemas.microsoft.com/office/drawing/2010/main" xmlns="" w="9525">
+                  <a14:hiddenLine xmlns="" xmlns:a14="http://schemas.microsoft.com/office/drawing/2010/main" w="9525">
                     <a:solidFill>
                       <a:srgbClr val="000000"/>
                     </a:solidFill>
@@ -13602,7 +13619,7 @@
               </a:ln>
               <a:extLst>
                 <a:ext uri="{91240B29-F687-4f45-9708-019B960494DF}">
-                  <a14:hiddenLine xmlns:a14="http://schemas.microsoft.com/office/drawing/2010/main" xmlns="" w="9525">
+                  <a14:hiddenLine xmlns="" xmlns:a14="http://schemas.microsoft.com/office/drawing/2010/main" w="9525">
                     <a:solidFill>
                       <a:srgbClr val="000000"/>
                     </a:solidFill>
@@ -13636,7 +13653,7 @@
               </a:ln>
               <a:extLst>
                 <a:ext uri="{91240B29-F687-4f45-9708-019B960494DF}">
-                  <a14:hiddenLine xmlns:a14="http://schemas.microsoft.com/office/drawing/2010/main" xmlns="" w="9525">
+                  <a14:hiddenLine xmlns="" xmlns:a14="http://schemas.microsoft.com/office/drawing/2010/main" w="9525">
                     <a:solidFill>
                       <a:srgbClr val="000000"/>
                     </a:solidFill>
@@ -13701,7 +13718,7 @@
               </a:ln>
               <a:extLst>
                 <a:ext uri="{91240B29-F687-4f45-9708-019B960494DF}">
-                  <a14:hiddenLine xmlns:a14="http://schemas.microsoft.com/office/drawing/2010/main" xmlns="" w="9525">
+                  <a14:hiddenLine xmlns="" xmlns:a14="http://schemas.microsoft.com/office/drawing/2010/main" w="9525">
                     <a:solidFill>
                       <a:srgbClr val="000000"/>
                     </a:solidFill>
@@ -13791,7 +13808,7 @@
               </a:ln>
               <a:extLst>
                 <a:ext uri="{91240B29-F687-4f45-9708-019B960494DF}">
-                  <a14:hiddenLine xmlns:a14="http://schemas.microsoft.com/office/drawing/2010/main" xmlns="" w="9525">
+                  <a14:hiddenLine xmlns="" xmlns:a14="http://schemas.microsoft.com/office/drawing/2010/main" w="9525">
                     <a:solidFill>
                       <a:srgbClr val="000000"/>
                     </a:solidFill>
@@ -13853,7 +13870,7 @@
               </a:ln>
               <a:extLst>
                 <a:ext uri="{91240B29-F687-4f45-9708-019B960494DF}">
-                  <a14:hiddenLine xmlns:a14="http://schemas.microsoft.com/office/drawing/2010/main" xmlns="" w="9525">
+                  <a14:hiddenLine xmlns="" xmlns:a14="http://schemas.microsoft.com/office/drawing/2010/main" w="9525">
                     <a:solidFill>
                       <a:srgbClr val="000000"/>
                     </a:solidFill>
@@ -13943,7 +13960,7 @@
               </a:ln>
               <a:extLst>
                 <a:ext uri="{91240B29-F687-4f45-9708-019B960494DF}">
-                  <a14:hiddenLine xmlns:a14="http://schemas.microsoft.com/office/drawing/2010/main" xmlns="" w="9525">
+                  <a14:hiddenLine xmlns="" xmlns:a14="http://schemas.microsoft.com/office/drawing/2010/main" w="9525">
                     <a:solidFill>
                       <a:srgbClr val="000000"/>
                     </a:solidFill>
@@ -14008,7 +14025,7 @@
               </a:ln>
               <a:extLst>
                 <a:ext uri="{91240B29-F687-4f45-9708-019B960494DF}">
-                  <a14:hiddenLine xmlns:a14="http://schemas.microsoft.com/office/drawing/2010/main" xmlns="" w="9525">
+                  <a14:hiddenLine xmlns="" xmlns:a14="http://schemas.microsoft.com/office/drawing/2010/main" w="9525">
                     <a:solidFill>
                       <a:srgbClr val="000000"/>
                     </a:solidFill>
@@ -14070,7 +14087,7 @@
               </a:ln>
               <a:extLst>
                 <a:ext uri="{91240B29-F687-4f45-9708-019B960494DF}">
-                  <a14:hiddenLine xmlns:a14="http://schemas.microsoft.com/office/drawing/2010/main" xmlns="" w="9525">
+                  <a14:hiddenLine xmlns="" xmlns:a14="http://schemas.microsoft.com/office/drawing/2010/main" w="9525">
                     <a:solidFill>
                       <a:srgbClr val="000000"/>
                     </a:solidFill>
@@ -14160,7 +14177,7 @@
               </a:ln>
               <a:extLst>
                 <a:ext uri="{91240B29-F687-4f45-9708-019B960494DF}">
-                  <a14:hiddenLine xmlns:a14="http://schemas.microsoft.com/office/drawing/2010/main" xmlns="" w="9525">
+                  <a14:hiddenLine xmlns="" xmlns:a14="http://schemas.microsoft.com/office/drawing/2010/main" w="9525">
                     <a:solidFill>
                       <a:srgbClr val="000000"/>
                     </a:solidFill>
@@ -14250,7 +14267,7 @@
               </a:ln>
               <a:extLst>
                 <a:ext uri="{91240B29-F687-4f45-9708-019B960494DF}">
-                  <a14:hiddenLine xmlns:a14="http://schemas.microsoft.com/office/drawing/2010/main" xmlns="" w="9525">
+                  <a14:hiddenLine xmlns="" xmlns:a14="http://schemas.microsoft.com/office/drawing/2010/main" w="9525">
                     <a:solidFill>
                       <a:srgbClr val="000000"/>
                     </a:solidFill>
@@ -14315,7 +14332,7 @@
               </a:ln>
               <a:extLst>
                 <a:ext uri="{91240B29-F687-4f45-9708-019B960494DF}">
-                  <a14:hiddenLine xmlns:a14="http://schemas.microsoft.com/office/drawing/2010/main" xmlns="" w="9525">
+                  <a14:hiddenLine xmlns="" xmlns:a14="http://schemas.microsoft.com/office/drawing/2010/main" w="9525">
                     <a:solidFill>
                       <a:srgbClr val="000000"/>
                     </a:solidFill>
@@ -14435,7 +14452,7 @@
               </a:ln>
               <a:extLst>
                 <a:ext uri="{91240B29-F687-4f45-9708-019B960494DF}">
-                  <a14:hiddenLine xmlns:a14="http://schemas.microsoft.com/office/drawing/2010/main" xmlns="" w="9525">
+                  <a14:hiddenLine xmlns="" xmlns:a14="http://schemas.microsoft.com/office/drawing/2010/main" w="9525">
                     <a:solidFill>
                       <a:srgbClr val="000000"/>
                     </a:solidFill>
@@ -14533,7 +14550,7 @@
               </a:ln>
               <a:extLst>
                 <a:ext uri="{91240B29-F687-4f45-9708-019B960494DF}">
-                  <a14:hiddenLine xmlns:a14="http://schemas.microsoft.com/office/drawing/2010/main" xmlns="" w="9525">
+                  <a14:hiddenLine xmlns="" xmlns:a14="http://schemas.microsoft.com/office/drawing/2010/main" w="9525">
                     <a:solidFill>
                       <a:srgbClr val="000000"/>
                     </a:solidFill>
@@ -14648,7 +14665,7 @@
               </a:ln>
               <a:extLst>
                 <a:ext uri="{91240B29-F687-4f45-9708-019B960494DF}">
-                  <a14:hiddenLine xmlns:a14="http://schemas.microsoft.com/office/drawing/2010/main" xmlns="" w="9525">
+                  <a14:hiddenLine xmlns="" xmlns:a14="http://schemas.microsoft.com/office/drawing/2010/main" w="9525">
                     <a:solidFill>
                       <a:srgbClr val="000000"/>
                     </a:solidFill>
@@ -14738,7 +14755,7 @@
               </a:ln>
               <a:extLst>
                 <a:ext uri="{91240B29-F687-4f45-9708-019B960494DF}">
-                  <a14:hiddenLine xmlns:a14="http://schemas.microsoft.com/office/drawing/2010/main" xmlns="" w="9525">
+                  <a14:hiddenLine xmlns="" xmlns:a14="http://schemas.microsoft.com/office/drawing/2010/main" w="9525">
                     <a:solidFill>
                       <a:srgbClr val="000000"/>
                     </a:solidFill>
@@ -14803,7 +14820,7 @@
               </a:ln>
               <a:extLst>
                 <a:ext uri="{91240B29-F687-4f45-9708-019B960494DF}">
-                  <a14:hiddenLine xmlns:a14="http://schemas.microsoft.com/office/drawing/2010/main" xmlns="" w="9525">
+                  <a14:hiddenLine xmlns="" xmlns:a14="http://schemas.microsoft.com/office/drawing/2010/main" w="9525">
                     <a:solidFill>
                       <a:srgbClr val="000000"/>
                     </a:solidFill>
@@ -14893,7 +14910,7 @@
               </a:ln>
               <a:extLst>
                 <a:ext uri="{91240B29-F687-4f45-9708-019B960494DF}">
-                  <a14:hiddenLine xmlns:a14="http://schemas.microsoft.com/office/drawing/2010/main" xmlns="" w="9525">
+                  <a14:hiddenLine xmlns="" xmlns:a14="http://schemas.microsoft.com/office/drawing/2010/main" w="9525">
                     <a:solidFill>
                       <a:srgbClr val="000000"/>
                     </a:solidFill>
@@ -14961,7 +14978,7 @@
               </a:ln>
               <a:extLst>
                 <a:ext uri="{91240B29-F687-4f45-9708-019B960494DF}">
-                  <a14:hiddenLine xmlns:a14="http://schemas.microsoft.com/office/drawing/2010/main" xmlns="" w="9525">
+                  <a14:hiddenLine xmlns="" xmlns:a14="http://schemas.microsoft.com/office/drawing/2010/main" w="9525">
                     <a:solidFill>
                       <a:srgbClr val="000000"/>
                     </a:solidFill>
@@ -15051,7 +15068,7 @@
               </a:ln>
               <a:extLst>
                 <a:ext uri="{91240B29-F687-4f45-9708-019B960494DF}">
-                  <a14:hiddenLine xmlns:a14="http://schemas.microsoft.com/office/drawing/2010/main" xmlns="" w="9525">
+                  <a14:hiddenLine xmlns="" xmlns:a14="http://schemas.microsoft.com/office/drawing/2010/main" w="9525">
                     <a:solidFill>
                       <a:srgbClr val="000000"/>
                     </a:solidFill>
@@ -15119,7 +15136,7 @@
               </a:ln>
               <a:extLst>
                 <a:ext uri="{91240B29-F687-4f45-9708-019B960494DF}">
-                  <a14:hiddenLine xmlns:a14="http://schemas.microsoft.com/office/drawing/2010/main" xmlns="" w="9525">
+                  <a14:hiddenLine xmlns="" xmlns:a14="http://schemas.microsoft.com/office/drawing/2010/main" w="9525">
                     <a:solidFill>
                       <a:srgbClr val="000000"/>
                     </a:solidFill>
@@ -15209,7 +15226,7 @@
               </a:ln>
               <a:extLst>
                 <a:ext uri="{91240B29-F687-4f45-9708-019B960494DF}">
-                  <a14:hiddenLine xmlns:a14="http://schemas.microsoft.com/office/drawing/2010/main" xmlns="" w="9525">
+                  <a14:hiddenLine xmlns="" xmlns:a14="http://schemas.microsoft.com/office/drawing/2010/main" w="9525">
                     <a:solidFill>
                       <a:srgbClr val="000000"/>
                     </a:solidFill>
@@ -15243,7 +15260,7 @@
               </a:ln>
               <a:extLst>
                 <a:ext uri="{91240B29-F687-4f45-9708-019B960494DF}">
-                  <a14:hiddenLine xmlns:a14="http://schemas.microsoft.com/office/drawing/2010/main" xmlns="" w="9525">
+                  <a14:hiddenLine xmlns="" xmlns:a14="http://schemas.microsoft.com/office/drawing/2010/main" w="9525">
                     <a:solidFill>
                       <a:srgbClr val="000000"/>
                     </a:solidFill>
@@ -15384,7 +15401,7 @@
             <a:fld id="{48A87A34-81AB-432B-8DAE-1953F412C126}" type="datetimeFigureOut">
               <a:rPr lang="en-US" dirty="0"/>
               <a:pPr/>
-              <a:t>10/28/2019</a:t>
+              <a:t>11/10/2019</a:t>
             </a:fld>
             <a:endParaRPr lang="en-US" dirty="0"/>
           </a:p>
@@ -15881,6 +15898,244 @@
 </p:sld>
 </file>
 
+<file path=ppt/slides/slide10.xml><?xml version="1.0" encoding="utf-8"?>
+<p:sld xmlns:a="http://schemas.openxmlformats.org/drawingml/2006/main" xmlns:r="http://schemas.openxmlformats.org/officeDocument/2006/relationships" xmlns:p="http://schemas.openxmlformats.org/presentationml/2006/main">
+  <p:cSld>
+    <p:spTree>
+      <p:nvGrpSpPr>
+        <p:cNvPr id="1" name=""/>
+        <p:cNvGrpSpPr/>
+        <p:nvPr/>
+      </p:nvGrpSpPr>
+      <p:grpSpPr>
+        <a:xfrm>
+          <a:off x="0" y="0"/>
+          <a:ext cx="0" cy="0"/>
+          <a:chOff x="0" y="0"/>
+          <a:chExt cx="0" cy="0"/>
+        </a:xfrm>
+      </p:grpSpPr>
+      <p:sp>
+        <p:nvSpPr>
+          <p:cNvPr id="3" name="Content Placeholder 2">
+            <a:extLst>
+              <a:ext uri="{FF2B5EF4-FFF2-40B4-BE49-F238E27FC236}">
+                <a16:creationId xmlns:a16="http://schemas.microsoft.com/office/drawing/2014/main" id="{267BC10D-F0ED-480B-95FB-328069621D16}"/>
+              </a:ext>
+            </a:extLst>
+          </p:cNvPr>
+          <p:cNvSpPr>
+            <a:spLocks noGrp="1"/>
+          </p:cNvSpPr>
+          <p:nvPr>
+            <p:ph idx="1"/>
+          </p:nvPr>
+        </p:nvSpPr>
+        <p:spPr>
+          <a:xfrm>
+            <a:off x="1141412" y="365760"/>
+            <a:ext cx="9905999" cy="6063916"/>
+          </a:xfrm>
+        </p:spPr>
+        <p:txBody>
+          <a:bodyPr/>
+          <a:lstStyle/>
+          <a:p>
+            <a:pPr marL="0" indent="0">
+              <a:buNone/>
+            </a:pPr>
+            <a:r>
+              <a:rPr lang="en-US" b="1" dirty="0">
+                <a:hlinkClick r:id="rId2" action="ppaction://hlinksldjump"/>
+              </a:rPr>
+              <a:t>Step 4 : Build a term-document matrix</a:t>
+            </a:r>
+            <a:endParaRPr lang="en-US" dirty="0"/>
+          </a:p>
+          <a:p>
+            <a:pPr marL="0" indent="0">
+              <a:buNone/>
+            </a:pPr>
+            <a:r>
+              <a:rPr lang="en-US" dirty="0"/>
+              <a:t>dtm &lt;- TermDocumentMatrix(docs)</a:t>
+            </a:r>
+          </a:p>
+          <a:p>
+            <a:pPr marL="0" indent="0">
+              <a:buNone/>
+            </a:pPr>
+            <a:r>
+              <a:rPr lang="en-US" dirty="0"/>
+              <a:t>m &lt;- as.matrix(dtm)</a:t>
+            </a:r>
+          </a:p>
+          <a:p>
+            <a:pPr marL="0" indent="0">
+              <a:buNone/>
+            </a:pPr>
+            <a:r>
+              <a:rPr lang="en-US" dirty="0"/>
+              <a:t>v &lt;- sort(rowSums(m),decreasing=TRUE)</a:t>
+            </a:r>
+          </a:p>
+          <a:p>
+            <a:pPr marL="0" indent="0">
+              <a:buNone/>
+            </a:pPr>
+            <a:r>
+              <a:rPr lang="en-US" dirty="0"/>
+              <a:t>d &lt;- data.frame(word = names(v),freq=v)</a:t>
+            </a:r>
+          </a:p>
+          <a:p>
+            <a:endParaRPr lang="en-US" dirty="0"/>
+          </a:p>
+        </p:txBody>
+      </p:sp>
+    </p:spTree>
+    <p:extLst>
+      <p:ext uri="{BB962C8B-B14F-4D97-AF65-F5344CB8AC3E}">
+        <p14:creationId xmlns:p14="http://schemas.microsoft.com/office/powerpoint/2010/main" val="954788028"/>
+      </p:ext>
+    </p:extLst>
+  </p:cSld>
+  <p:clrMapOvr>
+    <a:masterClrMapping/>
+  </p:clrMapOvr>
+</p:sld>
+</file>
+
+<file path=ppt/slides/slide11.xml><?xml version="1.0" encoding="utf-8"?>
+<p:sld xmlns:a="http://schemas.openxmlformats.org/drawingml/2006/main" xmlns:r="http://schemas.openxmlformats.org/officeDocument/2006/relationships" xmlns:p="http://schemas.openxmlformats.org/presentationml/2006/main">
+  <p:cSld>
+    <p:spTree>
+      <p:nvGrpSpPr>
+        <p:cNvPr id="1" name=""/>
+        <p:cNvGrpSpPr/>
+        <p:nvPr/>
+      </p:nvGrpSpPr>
+      <p:grpSpPr>
+        <a:xfrm>
+          <a:off x="0" y="0"/>
+          <a:ext cx="0" cy="0"/>
+          <a:chOff x="0" y="0"/>
+          <a:chExt cx="0" cy="0"/>
+        </a:xfrm>
+      </p:grpSpPr>
+      <p:pic>
+        <p:nvPicPr>
+          <p:cNvPr id="6" name="Content Placeholder 5">
+            <a:extLst>
+              <a:ext uri="{FF2B5EF4-FFF2-40B4-BE49-F238E27FC236}">
+                <a16:creationId xmlns:a16="http://schemas.microsoft.com/office/drawing/2014/main" id="{7E00476E-FE8B-4E6D-B2DD-04DD0D7C9FFF}"/>
+              </a:ext>
+            </a:extLst>
+          </p:cNvPr>
+          <p:cNvPicPr>
+            <a:picLocks noGrp="1" noChangeAspect="1"/>
+          </p:cNvPicPr>
+          <p:nvPr>
+            <p:ph idx="1"/>
+          </p:nvPr>
+        </p:nvPicPr>
+        <p:blipFill>
+          <a:blip r:embed="rId2"/>
+          <a:stretch>
+            <a:fillRect/>
+          </a:stretch>
+        </p:blipFill>
+        <p:spPr>
+          <a:xfrm>
+            <a:off x="1325597" y="271939"/>
+            <a:ext cx="8324850" cy="2305050"/>
+          </a:xfrm>
+          <a:prstGeom prst="rect">
+            <a:avLst/>
+          </a:prstGeom>
+        </p:spPr>
+      </p:pic>
+      <p:pic>
+        <p:nvPicPr>
+          <p:cNvPr id="7" name="Picture 6">
+            <a:extLst>
+              <a:ext uri="{FF2B5EF4-FFF2-40B4-BE49-F238E27FC236}">
+                <a16:creationId xmlns:a16="http://schemas.microsoft.com/office/drawing/2014/main" id="{6CCB5FA2-F0D0-4833-BA92-011CB35B1CE8}"/>
+              </a:ext>
+            </a:extLst>
+          </p:cNvPr>
+          <p:cNvPicPr>
+            <a:picLocks noChangeAspect="1"/>
+          </p:cNvPicPr>
+          <p:nvPr/>
+        </p:nvPicPr>
+        <p:blipFill>
+          <a:blip r:embed="rId3"/>
+          <a:stretch>
+            <a:fillRect/>
+          </a:stretch>
+        </p:blipFill>
+        <p:spPr>
+          <a:xfrm>
+            <a:off x="4995512" y="2671268"/>
+            <a:ext cx="6657257" cy="4114286"/>
+          </a:xfrm>
+          <a:prstGeom prst="rect">
+            <a:avLst/>
+          </a:prstGeom>
+        </p:spPr>
+      </p:pic>
+      <p:sp>
+        <p:nvSpPr>
+          <p:cNvPr id="8" name="Rectangle 7">
+            <a:extLst>
+              <a:ext uri="{FF2B5EF4-FFF2-40B4-BE49-F238E27FC236}">
+                <a16:creationId xmlns:a16="http://schemas.microsoft.com/office/drawing/2014/main" id="{5CB6AFB2-88FC-495A-BCB8-A3A9A194E4D0}"/>
+              </a:ext>
+            </a:extLst>
+          </p:cNvPr>
+          <p:cNvSpPr/>
+          <p:nvPr/>
+        </p:nvSpPr>
+        <p:spPr>
+          <a:xfrm>
+            <a:off x="968808" y="2984452"/>
+            <a:ext cx="3304944" cy="369332"/>
+          </a:xfrm>
+          <a:prstGeom prst="rect">
+            <a:avLst/>
+          </a:prstGeom>
+        </p:spPr>
+        <p:txBody>
+          <a:bodyPr wrap="none">
+            <a:spAutoFit/>
+          </a:bodyPr>
+          <a:lstStyle/>
+          <a:p>
+            <a:pPr lvl="0"/>
+            <a:r>
+              <a:rPr lang="en-US" b="1" dirty="0">
+                <a:hlinkClick r:id="rId4" action="ppaction://hlinksldjump"/>
+              </a:rPr>
+              <a:t>Step 5 : Generate the Word cloud</a:t>
+            </a:r>
+            <a:endParaRPr lang="en-US" dirty="0"/>
+          </a:p>
+        </p:txBody>
+      </p:sp>
+    </p:spTree>
+    <p:extLst>
+      <p:ext uri="{BB962C8B-B14F-4D97-AF65-F5344CB8AC3E}">
+        <p14:creationId xmlns:p14="http://schemas.microsoft.com/office/powerpoint/2010/main" val="4099722085"/>
+      </p:ext>
+    </p:extLst>
+  </p:cSld>
+  <p:clrMapOvr>
+    <a:masterClrMapping/>
+  </p:clrMapOvr>
+</p:sld>
+</file>
+
 <file path=ppt/slides/slide2.xml><?xml version="1.0" encoding="utf-8"?>
 <p:sld xmlns:a="http://schemas.openxmlformats.org/drawingml/2006/main" xmlns:r="http://schemas.openxmlformats.org/officeDocument/2006/relationships" xmlns:p="http://schemas.openxmlformats.org/presentationml/2006/main">
   <p:cSld>
@@ -16501,7 +16756,7 @@
                     <a:p>
                       <a:pPr algn="r"/>
                       <a:r>
-                        <a:rPr lang="en-US" sz="1400" dirty="0" err="1">
+                        <a:rPr lang="en-US" sz="1400" dirty="0">
                           <a:solidFill>
                             <a:srgbClr val="FFFF00"/>
                           </a:solidFill>
@@ -16509,12 +16764,6 @@
                         </a:rPr>
                         <a:t>freq</a:t>
                       </a:r>
-                      <a:endParaRPr lang="en-US" sz="1400" dirty="0">
-                        <a:solidFill>
-                          <a:srgbClr val="FFFF00"/>
-                        </a:solidFill>
-                        <a:effectLst/>
-                      </a:endParaRPr>
                     </a:p>
                   </a:txBody>
                   <a:tcPr marL="43511" marR="43511" marT="34809" marB="21755" anchor="ctr">
@@ -17869,7 +18118,7 @@
             <p:ph idx="1"/>
             <p:extLst>
               <p:ext uri="{D42A27DB-BD31-4B8C-83A1-F6EECF244321}">
-                <p14:modId xmlns:p14="http://schemas.microsoft.com/office/powerpoint/2010/main" val="2103560698"/>
+                <p14:modId xmlns:p14="http://schemas.microsoft.com/office/powerpoint/2010/main" val="478957495"/>
               </p:ext>
             </p:extLst>
           </p:nvPr>
@@ -17888,6 +18137,479 @@
     <p:extLst>
       <p:ext uri="{BB962C8B-B14F-4D97-AF65-F5344CB8AC3E}">
         <p14:creationId xmlns:p14="http://schemas.microsoft.com/office/powerpoint/2010/main" val="3196618216"/>
+      </p:ext>
+    </p:extLst>
+  </p:cSld>
+  <p:clrMapOvr>
+    <a:masterClrMapping/>
+  </p:clrMapOvr>
+</p:sld>
+</file>
+
+<file path=ppt/slides/slide7.xml><?xml version="1.0" encoding="utf-8"?>
+<p:sld xmlns:a="http://schemas.openxmlformats.org/drawingml/2006/main" xmlns:r="http://schemas.openxmlformats.org/officeDocument/2006/relationships" xmlns:p="http://schemas.openxmlformats.org/presentationml/2006/main">
+  <p:cSld>
+    <p:spTree>
+      <p:nvGrpSpPr>
+        <p:cNvPr id="1" name=""/>
+        <p:cNvGrpSpPr/>
+        <p:nvPr/>
+      </p:nvGrpSpPr>
+      <p:grpSpPr>
+        <a:xfrm>
+          <a:off x="0" y="0"/>
+          <a:ext cx="0" cy="0"/>
+          <a:chOff x="0" y="0"/>
+          <a:chExt cx="0" cy="0"/>
+        </a:xfrm>
+      </p:grpSpPr>
+      <p:sp>
+        <p:nvSpPr>
+          <p:cNvPr id="3" name="Content Placeholder 2">
+            <a:extLst>
+              <a:ext uri="{FF2B5EF4-FFF2-40B4-BE49-F238E27FC236}">
+                <a16:creationId xmlns:a16="http://schemas.microsoft.com/office/drawing/2014/main" id="{0A7C42F8-4423-464A-84D3-300DD2CBF299}"/>
+              </a:ext>
+            </a:extLst>
+          </p:cNvPr>
+          <p:cNvSpPr>
+            <a:spLocks noGrp="1"/>
+          </p:cNvSpPr>
+          <p:nvPr>
+            <p:ph idx="1"/>
+          </p:nvPr>
+        </p:nvSpPr>
+        <p:spPr>
+          <a:xfrm>
+            <a:off x="1141412" y="163629"/>
+            <a:ext cx="9905999" cy="5627572"/>
+          </a:xfrm>
+        </p:spPr>
+        <p:txBody>
+          <a:bodyPr>
+            <a:normAutofit fontScale="47500" lnSpcReduction="20000"/>
+          </a:bodyPr>
+          <a:lstStyle/>
+          <a:p>
+            <a:r>
+              <a:rPr lang="en-US" b="1" dirty="0">
+                <a:hlinkClick r:id="rId2" action="ppaction://hlinksldjump"/>
+              </a:rPr>
+              <a:t>Step 1: Source file</a:t>
+            </a:r>
+            <a:endParaRPr lang="en-US" dirty="0"/>
+          </a:p>
+          <a:p>
+            <a:r>
+              <a:rPr lang="en-US" dirty="0"/>
+              <a:t>Metadata:  corpus specific: 1, document level (indexed): 0</a:t>
+            </a:r>
+          </a:p>
+          <a:p>
+            <a:r>
+              <a:rPr lang="en-US" dirty="0"/>
+              <a:t>Content:  documents: 24</a:t>
+            </a:r>
+          </a:p>
+          <a:p>
+            <a:r>
+              <a:rPr lang="en-US" dirty="0"/>
+              <a:t>  To Whom It May Concern:                                                                                                        </a:t>
+            </a:r>
+          </a:p>
+          <a:p>
+            <a:r>
+              <a:rPr lang="en-US" dirty="0"/>
+              <a:t> I am writing on behalf of my patient,  (patient name) to document the medical necessity of                                     </a:t>
+            </a:r>
+          </a:p>
+          <a:p>
+            <a:r>
+              <a:rPr lang="en-US" dirty="0"/>
+              <a:t> (treatment/medication/equipment â€“ item in question) for the treatment of (specific diagnosis).                               </a:t>
+            </a:r>
+          </a:p>
+          <a:p>
+            <a:r>
+              <a:rPr lang="en-US" dirty="0"/>
+              <a:t> This letter provides information about the patients medical history and diagnosis and a statement                              </a:t>
+            </a:r>
+          </a:p>
+          <a:p>
+            <a:r>
+              <a:rPr lang="en-US" dirty="0"/>
+              <a:t>  summarizing my treatment rationale.                                                                                            </a:t>
+            </a:r>
+          </a:p>
+          <a:p>
+            <a:r>
+              <a:rPr lang="en-US" dirty="0"/>
+              <a:t>  </a:t>
+            </a:r>
+            <a:r>
+              <a:rPr lang="en-US" dirty="0" err="1"/>
+              <a:t>Patientâ</a:t>
+            </a:r>
+            <a:r>
+              <a:rPr lang="en-US" dirty="0"/>
+              <a:t>€™s History and Diagnosis:  (Include information here regarding the </a:t>
+            </a:r>
+            <a:r>
+              <a:rPr lang="en-US" dirty="0" err="1"/>
+              <a:t>patientâ</a:t>
+            </a:r>
+            <a:r>
+              <a:rPr lang="en-US" dirty="0"/>
+              <a:t>€™s condition and specific diagnosis.      </a:t>
+            </a:r>
+          </a:p>
+          <a:p>
+            <a:r>
+              <a:rPr lang="en-US" dirty="0"/>
+              <a:t> Also include the </a:t>
+            </a:r>
+            <a:r>
+              <a:rPr lang="en-US" dirty="0" err="1"/>
+              <a:t>patientâ</a:t>
+            </a:r>
+            <a:r>
+              <a:rPr lang="en-US" dirty="0"/>
+              <a:t>€™s history related to their condition)                                                               </a:t>
+            </a:r>
+          </a:p>
+          <a:p>
+            <a:r>
+              <a:rPr lang="en-US" dirty="0"/>
+              <a:t> Treatment Rationale: (Include information on the treatment up to this point,                                                   </a:t>
+            </a:r>
+          </a:p>
+          <a:p>
+            <a:r>
+              <a:rPr lang="en-US" dirty="0"/>
+              <a:t> course of care and why the treatment/medication/equipment (item in question) is necessary and how you expect that it will help </a:t>
+            </a:r>
+          </a:p>
+          <a:p>
+            <a:r>
+              <a:rPr lang="en-US" dirty="0"/>
+              <a:t> the patient.)                                                                                                                  </a:t>
+            </a:r>
+          </a:p>
+          <a:p>
+            <a:r>
+              <a:rPr lang="en-US" dirty="0"/>
+              <a:t> Duration: (Length of time treatment/medication/equipment (item in question) is necessary â€“ not to exceed 12 months)          </a:t>
+            </a:r>
+          </a:p>
+          <a:p>
+            <a:r>
+              <a:rPr lang="en-US" dirty="0"/>
+              <a:t> Summary: In summary, (treatment/medication/equipment â€“ item in question)                                                     </a:t>
+            </a:r>
+          </a:p>
+          <a:p>
+            <a:r>
+              <a:rPr lang="en-US" dirty="0"/>
+              <a:t> is medically necessary for this </a:t>
+            </a:r>
+            <a:r>
+              <a:rPr lang="en-US" dirty="0" err="1"/>
+              <a:t>patientâ</a:t>
+            </a:r>
+            <a:r>
+              <a:rPr lang="en-US" dirty="0"/>
+              <a:t>€™s medical condition.                                                                 </a:t>
+            </a:r>
+          </a:p>
+          <a:p>
+            <a:r>
+              <a:rPr lang="en-US" dirty="0"/>
+              <a:t>Please contact me if any additional information is required to ensure the prompt approval of                                   </a:t>
+            </a:r>
+          </a:p>
+          <a:p>
+            <a:r>
+              <a:rPr lang="en-US" dirty="0"/>
+              <a:t> (treatment/medication/equipment â€“ item in question).                                                                         </a:t>
+            </a:r>
+          </a:p>
+          <a:p>
+            <a:r>
+              <a:rPr lang="en-US" dirty="0"/>
+              <a:t> Sincerely,  (Physicians name and signature) Your licensed provider must complete, sign and date the letter.                    </a:t>
+            </a:r>
+          </a:p>
+        </p:txBody>
+      </p:sp>
+    </p:spTree>
+    <p:extLst>
+      <p:ext uri="{BB962C8B-B14F-4D97-AF65-F5344CB8AC3E}">
+        <p14:creationId xmlns:p14="http://schemas.microsoft.com/office/powerpoint/2010/main" val="4199299541"/>
+      </p:ext>
+    </p:extLst>
+  </p:cSld>
+  <p:clrMapOvr>
+    <a:masterClrMapping/>
+  </p:clrMapOvr>
+</p:sld>
+</file>
+
+<file path=ppt/slides/slide8.xml><?xml version="1.0" encoding="utf-8"?>
+<p:sld xmlns:a="http://schemas.openxmlformats.org/drawingml/2006/main" xmlns:r="http://schemas.openxmlformats.org/officeDocument/2006/relationships" xmlns:p="http://schemas.openxmlformats.org/presentationml/2006/main">
+  <p:cSld>
+    <p:spTree>
+      <p:nvGrpSpPr>
+        <p:cNvPr id="1" name=""/>
+        <p:cNvGrpSpPr/>
+        <p:nvPr/>
+      </p:nvGrpSpPr>
+      <p:grpSpPr>
+        <a:xfrm>
+          <a:off x="0" y="0"/>
+          <a:ext cx="0" cy="0"/>
+          <a:chOff x="0" y="0"/>
+          <a:chExt cx="0" cy="0"/>
+        </a:xfrm>
+      </p:grpSpPr>
+      <p:sp>
+        <p:nvSpPr>
+          <p:cNvPr id="3" name="Content Placeholder 2">
+            <a:extLst>
+              <a:ext uri="{FF2B5EF4-FFF2-40B4-BE49-F238E27FC236}">
+                <a16:creationId xmlns:a16="http://schemas.microsoft.com/office/drawing/2014/main" id="{8836EF8D-1C42-4A84-A82F-68D5BE2BC557}"/>
+              </a:ext>
+            </a:extLst>
+          </p:cNvPr>
+          <p:cNvSpPr>
+            <a:spLocks noGrp="1"/>
+          </p:cNvSpPr>
+          <p:nvPr>
+            <p:ph idx="1"/>
+          </p:nvPr>
+        </p:nvSpPr>
+        <p:spPr/>
+        <p:txBody>
+          <a:bodyPr/>
+          <a:lstStyle/>
+          <a:p>
+            <a:r>
+              <a:rPr lang="en-US" b="1" dirty="0">
+                <a:hlinkClick r:id="rId2" action="ppaction://hlinksldjump"/>
+              </a:rPr>
+              <a:t>Step 2 : Install and load the required packages</a:t>
+            </a:r>
+            <a:endParaRPr lang="en-US" dirty="0"/>
+          </a:p>
+          <a:p>
+            <a:r>
+              <a:rPr lang="en-US" dirty="0"/>
+              <a:t>library("tm")</a:t>
+            </a:r>
+          </a:p>
+          <a:p>
+            <a:r>
+              <a:rPr lang="en-US" dirty="0"/>
+              <a:t>library("</a:t>
+            </a:r>
+            <a:r>
+              <a:rPr lang="en-US" dirty="0" err="1"/>
+              <a:t>SnowballC</a:t>
+            </a:r>
+            <a:r>
+              <a:rPr lang="en-US" dirty="0"/>
+              <a:t>")</a:t>
+            </a:r>
+          </a:p>
+          <a:p>
+            <a:r>
+              <a:rPr lang="en-US" dirty="0"/>
+              <a:t>library("</a:t>
+            </a:r>
+            <a:r>
+              <a:rPr lang="en-US" dirty="0" err="1"/>
+              <a:t>wordcloud</a:t>
+            </a:r>
+            <a:r>
+              <a:rPr lang="en-US" dirty="0"/>
+              <a:t>")</a:t>
+            </a:r>
+          </a:p>
+          <a:p>
+            <a:r>
+              <a:rPr lang="en-US" dirty="0"/>
+              <a:t>library("</a:t>
+            </a:r>
+            <a:r>
+              <a:rPr lang="en-US" dirty="0" err="1"/>
+              <a:t>RColorBrewer</a:t>
+            </a:r>
+            <a:r>
+              <a:rPr lang="en-US" dirty="0"/>
+              <a:t>")</a:t>
+            </a:r>
+          </a:p>
+        </p:txBody>
+      </p:sp>
+    </p:spTree>
+    <p:extLst>
+      <p:ext uri="{BB962C8B-B14F-4D97-AF65-F5344CB8AC3E}">
+        <p14:creationId xmlns:p14="http://schemas.microsoft.com/office/powerpoint/2010/main" val="1920402654"/>
+      </p:ext>
+    </p:extLst>
+  </p:cSld>
+  <p:clrMapOvr>
+    <a:masterClrMapping/>
+  </p:clrMapOvr>
+</p:sld>
+</file>
+
+<file path=ppt/slides/slide9.xml><?xml version="1.0" encoding="utf-8"?>
+<p:sld xmlns:a="http://schemas.openxmlformats.org/drawingml/2006/main" xmlns:r="http://schemas.openxmlformats.org/officeDocument/2006/relationships" xmlns:p="http://schemas.openxmlformats.org/presentationml/2006/main">
+  <p:cSld>
+    <p:spTree>
+      <p:nvGrpSpPr>
+        <p:cNvPr id="1" name=""/>
+        <p:cNvGrpSpPr/>
+        <p:nvPr/>
+      </p:nvGrpSpPr>
+      <p:grpSpPr>
+        <a:xfrm>
+          <a:off x="0" y="0"/>
+          <a:ext cx="0" cy="0"/>
+          <a:chOff x="0" y="0"/>
+          <a:chExt cx="0" cy="0"/>
+        </a:xfrm>
+      </p:grpSpPr>
+      <p:sp>
+        <p:nvSpPr>
+          <p:cNvPr id="3" name="Content Placeholder 2">
+            <a:extLst>
+              <a:ext uri="{FF2B5EF4-FFF2-40B4-BE49-F238E27FC236}">
+                <a16:creationId xmlns:a16="http://schemas.microsoft.com/office/drawing/2014/main" id="{159C3F40-9DE9-40FC-AF95-C83CD6E8DAA8}"/>
+              </a:ext>
+            </a:extLst>
+          </p:cNvPr>
+          <p:cNvSpPr>
+            <a:spLocks noGrp="1"/>
+          </p:cNvSpPr>
+          <p:nvPr>
+            <p:ph idx="1"/>
+          </p:nvPr>
+        </p:nvSpPr>
+        <p:spPr>
+          <a:xfrm>
+            <a:off x="1141412" y="173254"/>
+            <a:ext cx="9905999" cy="6516303"/>
+          </a:xfrm>
+        </p:spPr>
+        <p:txBody>
+          <a:bodyPr>
+            <a:normAutofit/>
+          </a:bodyPr>
+          <a:lstStyle/>
+          <a:p>
+            <a:r>
+              <a:rPr lang="en-US" b="1" dirty="0">
+                <a:hlinkClick r:id="rId2" action="ppaction://hlinksldjump"/>
+              </a:rPr>
+              <a:t>Step 3 : Text mining</a:t>
+            </a:r>
+            <a:endParaRPr lang="en-US" dirty="0"/>
+          </a:p>
+          <a:p>
+            <a:r>
+              <a:rPr lang="en-US" dirty="0">
+                <a:solidFill>
+                  <a:srgbClr val="FFFF00"/>
+                </a:solidFill>
+              </a:rPr>
+              <a:t># Load the data as a corpus  </a:t>
+            </a:r>
+          </a:p>
+          <a:p>
+            <a:r>
+              <a:rPr lang="en-US" dirty="0"/>
+              <a:t>docs &lt;- Corpus(</a:t>
+            </a:r>
+            <a:r>
+              <a:rPr lang="en-US" dirty="0" err="1"/>
+              <a:t>VectorSource</a:t>
+            </a:r>
+            <a:r>
+              <a:rPr lang="en-US" dirty="0"/>
+              <a:t>(text))</a:t>
+            </a:r>
+          </a:p>
+          <a:p>
+            <a:r>
+              <a:rPr lang="en-US" dirty="0">
+                <a:solidFill>
+                  <a:srgbClr val="FFFF00"/>
+                </a:solidFill>
+              </a:rPr>
+              <a:t>#Clean Text</a:t>
+            </a:r>
+          </a:p>
+          <a:p>
+            <a:pPr marL="0" indent="0">
+              <a:buNone/>
+            </a:pPr>
+            <a:endParaRPr lang="en-US" dirty="0"/>
+          </a:p>
+          <a:p>
+            <a:pPr marL="0" indent="0">
+              <a:buNone/>
+            </a:pPr>
+            <a:endParaRPr lang="en-US" dirty="0"/>
+          </a:p>
+          <a:p>
+            <a:pPr marL="0" indent="0">
+              <a:buNone/>
+            </a:pPr>
+            <a:endParaRPr lang="en-US" dirty="0"/>
+          </a:p>
+          <a:p>
+            <a:pPr marL="0" indent="0">
+              <a:buNone/>
+            </a:pPr>
+            <a:endParaRPr lang="en-US" dirty="0"/>
+          </a:p>
+        </p:txBody>
+      </p:sp>
+      <p:pic>
+        <p:nvPicPr>
+          <p:cNvPr id="4" name="Picture 3">
+            <a:extLst>
+              <a:ext uri="{FF2B5EF4-FFF2-40B4-BE49-F238E27FC236}">
+                <a16:creationId xmlns:a16="http://schemas.microsoft.com/office/drawing/2014/main" id="{F465DA36-901E-4924-9FFC-A104C615E02F}"/>
+              </a:ext>
+            </a:extLst>
+          </p:cNvPr>
+          <p:cNvPicPr>
+            <a:picLocks noChangeAspect="1"/>
+          </p:cNvPicPr>
+          <p:nvPr/>
+        </p:nvPicPr>
+        <p:blipFill>
+          <a:blip r:embed="rId3"/>
+          <a:stretch>
+            <a:fillRect/>
+          </a:stretch>
+        </p:blipFill>
+        <p:spPr>
+          <a:xfrm>
+            <a:off x="1141412" y="2413459"/>
+            <a:ext cx="5413392" cy="2031082"/>
+          </a:xfrm>
+          <a:prstGeom prst="rect">
+            <a:avLst/>
+          </a:prstGeom>
+        </p:spPr>
+      </p:pic>
+    </p:spTree>
+    <p:extLst>
+      <p:ext uri="{BB962C8B-B14F-4D97-AF65-F5344CB8AC3E}">
+        <p14:creationId xmlns:p14="http://schemas.microsoft.com/office/powerpoint/2010/main" val="2252722217"/>
       </p:ext>
     </p:extLst>
   </p:cSld>

--- a/Text Mining with R.pptx
+++ b/Text Mining with R.pptx
@@ -1563,7 +1563,7 @@
           </a:pPr>
           <a:r>
             <a:rPr lang="en-US" sz="1700" b="1" kern="1200" dirty="0">
-              <a:hlinkClick xmlns:r="http://schemas.openxmlformats.org/officeDocument/2006/relationships" r:id=""/>
+              <a:hlinkClick xmlns:r="http://schemas.openxmlformats.org/officeDocument/2006/relationships" r:id="" action="ppaction://hlinksldjump"/>
             </a:rPr>
             <a:t>Step 1: Source file</a:t>
           </a:r>
@@ -1725,7 +1725,7 @@
           </a:pPr>
           <a:r>
             <a:rPr lang="en-US" sz="1700" b="1" kern="1200" dirty="0">
-              <a:hlinkClick xmlns:r="http://schemas.openxmlformats.org/officeDocument/2006/relationships" r:id=""/>
+              <a:hlinkClick xmlns:r="http://schemas.openxmlformats.org/officeDocument/2006/relationships" r:id="" action="ppaction://hlinksldjump"/>
             </a:rPr>
             <a:t>Step 2 : Install and load the required packages</a:t>
           </a:r>
@@ -1887,7 +1887,7 @@
           </a:pPr>
           <a:r>
             <a:rPr lang="en-US" sz="1700" b="1" kern="1200" dirty="0">
-              <a:hlinkClick xmlns:r="http://schemas.openxmlformats.org/officeDocument/2006/relationships" r:id=""/>
+              <a:hlinkClick xmlns:r="http://schemas.openxmlformats.org/officeDocument/2006/relationships" r:id="" action="ppaction://hlinksldjump"/>
             </a:rPr>
             <a:t>Step 3 : Text mining</a:t>
           </a:r>
@@ -2049,7 +2049,7 @@
           </a:pPr>
           <a:r>
             <a:rPr lang="en-US" sz="1700" b="1" kern="1200" dirty="0">
-              <a:hlinkClick xmlns:r="http://schemas.openxmlformats.org/officeDocument/2006/relationships" r:id=""/>
+              <a:hlinkClick xmlns:r="http://schemas.openxmlformats.org/officeDocument/2006/relationships" r:id="" action="ppaction://hlinksldjump"/>
             </a:rPr>
             <a:t>Step 4 : Build a term-document matrix</a:t>
           </a:r>
@@ -2211,7 +2211,7 @@
           </a:pPr>
           <a:r>
             <a:rPr lang="en-US" sz="1700" b="1" kern="1200" dirty="0">
-              <a:hlinkClick xmlns:r="http://schemas.openxmlformats.org/officeDocument/2006/relationships" r:id=""/>
+              <a:hlinkClick xmlns:r="http://schemas.openxmlformats.org/officeDocument/2006/relationships" r:id="" action="ppaction://hlinksldjump"/>
             </a:rPr>
             <a:t>Step 5 : Generate the Word cloud</a:t>
           </a:r>
@@ -3631,7 +3631,7 @@
           <a:noFill/>
           <a:extLst>
             <a:ext uri="{909E8E84-426E-40dd-AFC4-6F175D3DCCD1}">
-              <a14:hiddenFill xmlns="" xmlns:a14="http://schemas.microsoft.com/office/drawing/2010/main">
+              <a14:hiddenFill xmlns:a14="http://schemas.microsoft.com/office/drawing/2010/main" xmlns="">
                 <a:solidFill>
                   <a:srgbClr val="FFFFFF"/>
                 </a:solidFill>
@@ -3691,7 +3691,7 @@
             </a:ln>
             <a:extLst>
               <a:ext uri="{91240B29-F687-4f45-9708-019B960494DF}">
-                <a14:hiddenLine xmlns="" xmlns:a14="http://schemas.microsoft.com/office/drawing/2010/main" w="9525">
+                <a14:hiddenLine xmlns:a14="http://schemas.microsoft.com/office/drawing/2010/main" xmlns="" w="9525">
                   <a:solidFill>
                     <a:srgbClr val="000000"/>
                   </a:solidFill>
@@ -3781,7 +3781,7 @@
             </a:ln>
             <a:extLst>
               <a:ext uri="{91240B29-F687-4f45-9708-019B960494DF}">
-                <a14:hiddenLine xmlns="" xmlns:a14="http://schemas.microsoft.com/office/drawing/2010/main" w="9525">
+                <a14:hiddenLine xmlns:a14="http://schemas.microsoft.com/office/drawing/2010/main" xmlns="" w="9525">
                   <a:solidFill>
                     <a:srgbClr val="000000"/>
                   </a:solidFill>
@@ -3871,7 +3871,7 @@
             </a:ln>
             <a:extLst>
               <a:ext uri="{91240B29-F687-4f45-9708-019B960494DF}">
-                <a14:hiddenLine xmlns="" xmlns:a14="http://schemas.microsoft.com/office/drawing/2010/main" w="9525">
+                <a14:hiddenLine xmlns:a14="http://schemas.microsoft.com/office/drawing/2010/main" xmlns="" w="9525">
                   <a:solidFill>
                     <a:srgbClr val="000000"/>
                   </a:solidFill>
@@ -3905,7 +3905,7 @@
             </a:ln>
             <a:extLst>
               <a:ext uri="{91240B29-F687-4f45-9708-019B960494DF}">
-                <a14:hiddenLine xmlns="" xmlns:a14="http://schemas.microsoft.com/office/drawing/2010/main" w="9525">
+                <a14:hiddenLine xmlns:a14="http://schemas.microsoft.com/office/drawing/2010/main" xmlns="" w="9525">
                   <a:solidFill>
                     <a:srgbClr val="000000"/>
                   </a:solidFill>
@@ -3995,7 +3995,7 @@
             </a:ln>
             <a:extLst>
               <a:ext uri="{91240B29-F687-4f45-9708-019B960494DF}">
-                <a14:hiddenLine xmlns="" xmlns:a14="http://schemas.microsoft.com/office/drawing/2010/main" w="9525">
+                <a14:hiddenLine xmlns:a14="http://schemas.microsoft.com/office/drawing/2010/main" xmlns="" w="9525">
                   <a:solidFill>
                     <a:srgbClr val="000000"/>
                   </a:solidFill>
@@ -4057,7 +4057,7 @@
             </a:ln>
             <a:extLst>
               <a:ext uri="{91240B29-F687-4f45-9708-019B960494DF}">
-                <a14:hiddenLine xmlns="" xmlns:a14="http://schemas.microsoft.com/office/drawing/2010/main" w="9525">
+                <a14:hiddenLine xmlns:a14="http://schemas.microsoft.com/office/drawing/2010/main" xmlns="" w="9525">
                   <a:solidFill>
                     <a:srgbClr val="000000"/>
                   </a:solidFill>
@@ -4119,7 +4119,7 @@
             </a:ln>
             <a:extLst>
               <a:ext uri="{91240B29-F687-4f45-9708-019B960494DF}">
-                <a14:hiddenLine xmlns="" xmlns:a14="http://schemas.microsoft.com/office/drawing/2010/main" w="9525">
+                <a14:hiddenLine xmlns:a14="http://schemas.microsoft.com/office/drawing/2010/main" xmlns="" w="9525">
                   <a:solidFill>
                     <a:srgbClr val="000000"/>
                   </a:solidFill>
@@ -4209,7 +4209,7 @@
             </a:ln>
             <a:extLst>
               <a:ext uri="{91240B29-F687-4f45-9708-019B960494DF}">
-                <a14:hiddenLine xmlns="" xmlns:a14="http://schemas.microsoft.com/office/drawing/2010/main" w="9525">
+                <a14:hiddenLine xmlns:a14="http://schemas.microsoft.com/office/drawing/2010/main" xmlns="" w="9525">
                   <a:solidFill>
                     <a:srgbClr val="000000"/>
                   </a:solidFill>
@@ -4271,7 +4271,7 @@
             </a:ln>
             <a:extLst>
               <a:ext uri="{91240B29-F687-4f45-9708-019B960494DF}">
-                <a14:hiddenLine xmlns="" xmlns:a14="http://schemas.microsoft.com/office/drawing/2010/main" w="9525">
+                <a14:hiddenLine xmlns:a14="http://schemas.microsoft.com/office/drawing/2010/main" xmlns="" w="9525">
                   <a:solidFill>
                     <a:srgbClr val="000000"/>
                   </a:solidFill>
@@ -4333,7 +4333,7 @@
             </a:ln>
             <a:extLst>
               <a:ext uri="{91240B29-F687-4f45-9708-019B960494DF}">
-                <a14:hiddenLine xmlns="" xmlns:a14="http://schemas.microsoft.com/office/drawing/2010/main" w="9525">
+                <a14:hiddenLine xmlns:a14="http://schemas.microsoft.com/office/drawing/2010/main" xmlns="" w="9525">
                   <a:solidFill>
                     <a:srgbClr val="000000"/>
                   </a:solidFill>
@@ -4423,7 +4423,7 @@
             </a:ln>
             <a:extLst>
               <a:ext uri="{91240B29-F687-4f45-9708-019B960494DF}">
-                <a14:hiddenLine xmlns="" xmlns:a14="http://schemas.microsoft.com/office/drawing/2010/main" w="9525">
+                <a14:hiddenLine xmlns:a14="http://schemas.microsoft.com/office/drawing/2010/main" xmlns="" w="9525">
                   <a:solidFill>
                     <a:srgbClr val="000000"/>
                   </a:solidFill>
@@ -4513,7 +4513,7 @@
             </a:ln>
             <a:extLst>
               <a:ext uri="{91240B29-F687-4f45-9708-019B960494DF}">
-                <a14:hiddenLine xmlns="" xmlns:a14="http://schemas.microsoft.com/office/drawing/2010/main" w="9525">
+                <a14:hiddenLine xmlns:a14="http://schemas.microsoft.com/office/drawing/2010/main" xmlns="" w="9525">
                   <a:solidFill>
                     <a:srgbClr val="000000"/>
                   </a:solidFill>
@@ -4575,7 +4575,7 @@
             </a:ln>
             <a:extLst>
               <a:ext uri="{91240B29-F687-4f45-9708-019B960494DF}">
-                <a14:hiddenLine xmlns="" xmlns:a14="http://schemas.microsoft.com/office/drawing/2010/main" w="9525">
+                <a14:hiddenLine xmlns:a14="http://schemas.microsoft.com/office/drawing/2010/main" xmlns="" w="9525">
                   <a:solidFill>
                     <a:srgbClr val="000000"/>
                   </a:solidFill>
@@ -4685,7 +4685,7 @@
             </a:ln>
             <a:extLst>
               <a:ext uri="{91240B29-F687-4f45-9708-019B960494DF}">
-                <a14:hiddenLine xmlns="" xmlns:a14="http://schemas.microsoft.com/office/drawing/2010/main" w="9525">
+                <a14:hiddenLine xmlns:a14="http://schemas.microsoft.com/office/drawing/2010/main" xmlns="" w="9525">
                   <a:solidFill>
                     <a:srgbClr val="000000"/>
                   </a:solidFill>
@@ -4747,7 +4747,7 @@
             </a:ln>
             <a:extLst>
               <a:ext uri="{91240B29-F687-4f45-9708-019B960494DF}">
-                <a14:hiddenLine xmlns="" xmlns:a14="http://schemas.microsoft.com/office/drawing/2010/main" w="9525">
+                <a14:hiddenLine xmlns:a14="http://schemas.microsoft.com/office/drawing/2010/main" xmlns="" w="9525">
                   <a:solidFill>
                     <a:srgbClr val="000000"/>
                   </a:solidFill>
@@ -4837,7 +4837,7 @@
             </a:ln>
             <a:extLst>
               <a:ext uri="{91240B29-F687-4f45-9708-019B960494DF}">
-                <a14:hiddenLine xmlns="" xmlns:a14="http://schemas.microsoft.com/office/drawing/2010/main" w="9525">
+                <a14:hiddenLine xmlns:a14="http://schemas.microsoft.com/office/drawing/2010/main" xmlns="" w="9525">
                   <a:solidFill>
                     <a:srgbClr val="000000"/>
                   </a:solidFill>
@@ -4927,7 +4927,7 @@
             </a:ln>
             <a:extLst>
               <a:ext uri="{91240B29-F687-4f45-9708-019B960494DF}">
-                <a14:hiddenLine xmlns="" xmlns:a14="http://schemas.microsoft.com/office/drawing/2010/main" w="9525">
+                <a14:hiddenLine xmlns:a14="http://schemas.microsoft.com/office/drawing/2010/main" xmlns="" w="9525">
                   <a:solidFill>
                     <a:srgbClr val="000000"/>
                   </a:solidFill>
@@ -4989,7 +4989,7 @@
             </a:ln>
             <a:extLst>
               <a:ext uri="{91240B29-F687-4f45-9708-019B960494DF}">
-                <a14:hiddenLine xmlns="" xmlns:a14="http://schemas.microsoft.com/office/drawing/2010/main" w="9525">
+                <a14:hiddenLine xmlns:a14="http://schemas.microsoft.com/office/drawing/2010/main" xmlns="" w="9525">
                   <a:solidFill>
                     <a:srgbClr val="000000"/>
                   </a:solidFill>
@@ -5079,7 +5079,7 @@
             </a:ln>
             <a:extLst>
               <a:ext uri="{91240B29-F687-4f45-9708-019B960494DF}">
-                <a14:hiddenLine xmlns="" xmlns:a14="http://schemas.microsoft.com/office/drawing/2010/main" w="9525">
+                <a14:hiddenLine xmlns:a14="http://schemas.microsoft.com/office/drawing/2010/main" xmlns="" w="9525">
                   <a:solidFill>
                     <a:srgbClr val="000000"/>
                   </a:solidFill>
@@ -5169,7 +5169,7 @@
             </a:ln>
             <a:extLst>
               <a:ext uri="{91240B29-F687-4f45-9708-019B960494DF}">
-                <a14:hiddenLine xmlns="" xmlns:a14="http://schemas.microsoft.com/office/drawing/2010/main" w="9525">
+                <a14:hiddenLine xmlns:a14="http://schemas.microsoft.com/office/drawing/2010/main" xmlns="" w="9525">
                   <a:solidFill>
                     <a:srgbClr val="000000"/>
                   </a:solidFill>
@@ -5225,7 +5225,7 @@
             </a:ln>
             <a:extLst>
               <a:ext uri="{91240B29-F687-4f45-9708-019B960494DF}">
-                <a14:hiddenLine xmlns="" xmlns:a14="http://schemas.microsoft.com/office/drawing/2010/main" w="9525">
+                <a14:hiddenLine xmlns:a14="http://schemas.microsoft.com/office/drawing/2010/main" xmlns="" w="9525">
                   <a:solidFill>
                     <a:srgbClr val="000000"/>
                   </a:solidFill>
@@ -5315,7 +5315,7 @@
             </a:ln>
             <a:extLst>
               <a:ext uri="{91240B29-F687-4f45-9708-019B960494DF}">
-                <a14:hiddenLine xmlns="" xmlns:a14="http://schemas.microsoft.com/office/drawing/2010/main" w="9525">
+                <a14:hiddenLine xmlns:a14="http://schemas.microsoft.com/office/drawing/2010/main" xmlns="" w="9525">
                   <a:solidFill>
                     <a:srgbClr val="000000"/>
                   </a:solidFill>
@@ -5371,7 +5371,7 @@
             </a:ln>
             <a:extLst>
               <a:ext uri="{91240B29-F687-4f45-9708-019B960494DF}">
-                <a14:hiddenLine xmlns="" xmlns:a14="http://schemas.microsoft.com/office/drawing/2010/main" w="9525">
+                <a14:hiddenLine xmlns:a14="http://schemas.microsoft.com/office/drawing/2010/main" xmlns="" w="9525">
                   <a:solidFill>
                     <a:srgbClr val="000000"/>
                   </a:solidFill>
@@ -5461,7 +5461,7 @@
             </a:ln>
             <a:extLst>
               <a:ext uri="{91240B29-F687-4f45-9708-019B960494DF}">
-                <a14:hiddenLine xmlns="" xmlns:a14="http://schemas.microsoft.com/office/drawing/2010/main" w="9525">
+                <a14:hiddenLine xmlns:a14="http://schemas.microsoft.com/office/drawing/2010/main" xmlns="" w="9525">
                   <a:solidFill>
                     <a:srgbClr val="000000"/>
                   </a:solidFill>
@@ -5529,7 +5529,7 @@
             </a:ln>
             <a:extLst>
               <a:ext uri="{91240B29-F687-4f45-9708-019B960494DF}">
-                <a14:hiddenLine xmlns="" xmlns:a14="http://schemas.microsoft.com/office/drawing/2010/main" w="9525">
+                <a14:hiddenLine xmlns:a14="http://schemas.microsoft.com/office/drawing/2010/main" xmlns="" w="9525">
                   <a:solidFill>
                     <a:srgbClr val="000000"/>
                   </a:solidFill>
@@ -5619,7 +5619,7 @@
             </a:ln>
             <a:extLst>
               <a:ext uri="{91240B29-F687-4f45-9708-019B960494DF}">
-                <a14:hiddenLine xmlns="" xmlns:a14="http://schemas.microsoft.com/office/drawing/2010/main" w="9525">
+                <a14:hiddenLine xmlns:a14="http://schemas.microsoft.com/office/drawing/2010/main" xmlns="" w="9525">
                   <a:solidFill>
                     <a:srgbClr val="000000"/>
                   </a:solidFill>
@@ -5687,7 +5687,7 @@
             </a:ln>
             <a:extLst>
               <a:ext uri="{91240B29-F687-4f45-9708-019B960494DF}">
-                <a14:hiddenLine xmlns="" xmlns:a14="http://schemas.microsoft.com/office/drawing/2010/main" w="9525">
+                <a14:hiddenLine xmlns:a14="http://schemas.microsoft.com/office/drawing/2010/main" xmlns="" w="9525">
                   <a:solidFill>
                     <a:srgbClr val="000000"/>
                   </a:solidFill>
@@ -5777,7 +5777,7 @@
             </a:ln>
             <a:extLst>
               <a:ext uri="{91240B29-F687-4f45-9708-019B960494DF}">
-                <a14:hiddenLine xmlns="" xmlns:a14="http://schemas.microsoft.com/office/drawing/2010/main" w="9525">
+                <a14:hiddenLine xmlns:a14="http://schemas.microsoft.com/office/drawing/2010/main" xmlns="" w="9525">
                   <a:solidFill>
                     <a:srgbClr val="000000"/>
                   </a:solidFill>
@@ -5811,7 +5811,7 @@
             </a:ln>
             <a:extLst>
               <a:ext uri="{91240B29-F687-4f45-9708-019B960494DF}">
-                <a14:hiddenLine xmlns="" xmlns:a14="http://schemas.microsoft.com/office/drawing/2010/main" w="9525">
+                <a14:hiddenLine xmlns:a14="http://schemas.microsoft.com/office/drawing/2010/main" xmlns="" w="9525">
                   <a:solidFill>
                     <a:srgbClr val="000000"/>
                   </a:solidFill>
@@ -5901,7 +5901,7 @@
             </a:ln>
             <a:extLst>
               <a:ext uri="{91240B29-F687-4f45-9708-019B960494DF}">
-                <a14:hiddenLine xmlns="" xmlns:a14="http://schemas.microsoft.com/office/drawing/2010/main" w="9525">
+                <a14:hiddenLine xmlns:a14="http://schemas.microsoft.com/office/drawing/2010/main" xmlns="" w="9525">
                   <a:solidFill>
                     <a:srgbClr val="000000"/>
                   </a:solidFill>
@@ -5963,7 +5963,7 @@
             </a:ln>
             <a:extLst>
               <a:ext uri="{91240B29-F687-4f45-9708-019B960494DF}">
-                <a14:hiddenLine xmlns="" xmlns:a14="http://schemas.microsoft.com/office/drawing/2010/main" w="9525">
+                <a14:hiddenLine xmlns:a14="http://schemas.microsoft.com/office/drawing/2010/main" xmlns="" w="9525">
                   <a:solidFill>
                     <a:srgbClr val="000000"/>
                   </a:solidFill>
@@ -6025,7 +6025,7 @@
             </a:ln>
             <a:extLst>
               <a:ext uri="{91240B29-F687-4f45-9708-019B960494DF}">
-                <a14:hiddenLine xmlns="" xmlns:a14="http://schemas.microsoft.com/office/drawing/2010/main" w="9525">
+                <a14:hiddenLine xmlns:a14="http://schemas.microsoft.com/office/drawing/2010/main" xmlns="" w="9525">
                   <a:solidFill>
                     <a:srgbClr val="000000"/>
                   </a:solidFill>
@@ -6115,7 +6115,7 @@
             </a:ln>
             <a:extLst>
               <a:ext uri="{91240B29-F687-4f45-9708-019B960494DF}">
-                <a14:hiddenLine xmlns="" xmlns:a14="http://schemas.microsoft.com/office/drawing/2010/main" w="9525">
+                <a14:hiddenLine xmlns:a14="http://schemas.microsoft.com/office/drawing/2010/main" xmlns="" w="9525">
                   <a:solidFill>
                     <a:srgbClr val="000000"/>
                   </a:solidFill>
@@ -6183,7 +6183,7 @@
             </a:ln>
             <a:extLst>
               <a:ext uri="{91240B29-F687-4f45-9708-019B960494DF}">
-                <a14:hiddenLine xmlns="" xmlns:a14="http://schemas.microsoft.com/office/drawing/2010/main" w="9525">
+                <a14:hiddenLine xmlns:a14="http://schemas.microsoft.com/office/drawing/2010/main" xmlns="" w="9525">
                   <a:solidFill>
                     <a:srgbClr val="000000"/>
                   </a:solidFill>
@@ -6245,7 +6245,7 @@
             </a:ln>
             <a:extLst>
               <a:ext uri="{91240B29-F687-4f45-9708-019B960494DF}">
-                <a14:hiddenLine xmlns="" xmlns:a14="http://schemas.microsoft.com/office/drawing/2010/main" w="9525">
+                <a14:hiddenLine xmlns:a14="http://schemas.microsoft.com/office/drawing/2010/main" xmlns="" w="9525">
                   <a:solidFill>
                     <a:srgbClr val="000000"/>
                   </a:solidFill>
@@ -6335,7 +6335,7 @@
             </a:ln>
             <a:extLst>
               <a:ext uri="{91240B29-F687-4f45-9708-019B960494DF}">
-                <a14:hiddenLine xmlns="" xmlns:a14="http://schemas.microsoft.com/office/drawing/2010/main" w="9525">
+                <a14:hiddenLine xmlns:a14="http://schemas.microsoft.com/office/drawing/2010/main" xmlns="" w="9525">
                   <a:solidFill>
                     <a:srgbClr val="000000"/>
                   </a:solidFill>
@@ -6397,7 +6397,7 @@
             </a:ln>
             <a:extLst>
               <a:ext uri="{91240B29-F687-4f45-9708-019B960494DF}">
-                <a14:hiddenLine xmlns="" xmlns:a14="http://schemas.microsoft.com/office/drawing/2010/main" w="9525">
+                <a14:hiddenLine xmlns:a14="http://schemas.microsoft.com/office/drawing/2010/main" xmlns="" w="9525">
                   <a:solidFill>
                     <a:srgbClr val="000000"/>
                   </a:solidFill>
@@ -6487,7 +6487,7 @@
             </a:ln>
             <a:extLst>
               <a:ext uri="{91240B29-F687-4f45-9708-019B960494DF}">
-                <a14:hiddenLine xmlns="" xmlns:a14="http://schemas.microsoft.com/office/drawing/2010/main" w="9525">
+                <a14:hiddenLine xmlns:a14="http://schemas.microsoft.com/office/drawing/2010/main" xmlns="" w="9525">
                   <a:solidFill>
                     <a:srgbClr val="000000"/>
                   </a:solidFill>
@@ -6549,7 +6549,7 @@
             </a:ln>
             <a:extLst>
               <a:ext uri="{91240B29-F687-4f45-9708-019B960494DF}">
-                <a14:hiddenLine xmlns="" xmlns:a14="http://schemas.microsoft.com/office/drawing/2010/main" w="9525">
+                <a14:hiddenLine xmlns:a14="http://schemas.microsoft.com/office/drawing/2010/main" xmlns="" w="9525">
                   <a:solidFill>
                     <a:srgbClr val="000000"/>
                   </a:solidFill>
@@ -6639,7 +6639,7 @@
             </a:ln>
             <a:extLst>
               <a:ext uri="{91240B29-F687-4f45-9708-019B960494DF}">
-                <a14:hiddenLine xmlns="" xmlns:a14="http://schemas.microsoft.com/office/drawing/2010/main" w="9525">
+                <a14:hiddenLine xmlns:a14="http://schemas.microsoft.com/office/drawing/2010/main" xmlns="" w="9525">
                   <a:solidFill>
                     <a:srgbClr val="000000"/>
                   </a:solidFill>
@@ -6673,7 +6673,7 @@
             </a:ln>
             <a:extLst>
               <a:ext uri="{91240B29-F687-4f45-9708-019B960494DF}">
-                <a14:hiddenLine xmlns="" xmlns:a14="http://schemas.microsoft.com/office/drawing/2010/main" w="9525">
+                <a14:hiddenLine xmlns:a14="http://schemas.microsoft.com/office/drawing/2010/main" xmlns="" w="9525">
                   <a:solidFill>
                     <a:srgbClr val="000000"/>
                   </a:solidFill>
@@ -6738,7 +6738,7 @@
             </a:ln>
             <a:extLst>
               <a:ext uri="{91240B29-F687-4f45-9708-019B960494DF}">
-                <a14:hiddenLine xmlns="" xmlns:a14="http://schemas.microsoft.com/office/drawing/2010/main" w="9525">
+                <a14:hiddenLine xmlns:a14="http://schemas.microsoft.com/office/drawing/2010/main" xmlns="" w="9525">
                   <a:solidFill>
                     <a:srgbClr val="000000"/>
                   </a:solidFill>
@@ -6828,7 +6828,7 @@
             </a:ln>
             <a:extLst>
               <a:ext uri="{91240B29-F687-4f45-9708-019B960494DF}">
-                <a14:hiddenLine xmlns="" xmlns:a14="http://schemas.microsoft.com/office/drawing/2010/main" w="9525">
+                <a14:hiddenLine xmlns:a14="http://schemas.microsoft.com/office/drawing/2010/main" xmlns="" w="9525">
                   <a:solidFill>
                     <a:srgbClr val="000000"/>
                   </a:solidFill>
@@ -6890,7 +6890,7 @@
             </a:ln>
             <a:extLst>
               <a:ext uri="{91240B29-F687-4f45-9708-019B960494DF}">
-                <a14:hiddenLine xmlns="" xmlns:a14="http://schemas.microsoft.com/office/drawing/2010/main" w="9525">
+                <a14:hiddenLine xmlns:a14="http://schemas.microsoft.com/office/drawing/2010/main" xmlns="" w="9525">
                   <a:solidFill>
                     <a:srgbClr val="000000"/>
                   </a:solidFill>
@@ -6980,7 +6980,7 @@
             </a:ln>
             <a:extLst>
               <a:ext uri="{91240B29-F687-4f45-9708-019B960494DF}">
-                <a14:hiddenLine xmlns="" xmlns:a14="http://schemas.microsoft.com/office/drawing/2010/main" w="9525">
+                <a14:hiddenLine xmlns:a14="http://schemas.microsoft.com/office/drawing/2010/main" xmlns="" w="9525">
                   <a:solidFill>
                     <a:srgbClr val="000000"/>
                   </a:solidFill>
@@ -7070,7 +7070,7 @@
             </a:ln>
             <a:extLst>
               <a:ext uri="{91240B29-F687-4f45-9708-019B960494DF}">
-                <a14:hiddenLine xmlns="" xmlns:a14="http://schemas.microsoft.com/office/drawing/2010/main" w="9525">
+                <a14:hiddenLine xmlns:a14="http://schemas.microsoft.com/office/drawing/2010/main" xmlns="" w="9525">
                   <a:solidFill>
                     <a:srgbClr val="000000"/>
                   </a:solidFill>
@@ -7135,7 +7135,7 @@
             </a:ln>
             <a:extLst>
               <a:ext uri="{91240B29-F687-4f45-9708-019B960494DF}">
-                <a14:hiddenLine xmlns="" xmlns:a14="http://schemas.microsoft.com/office/drawing/2010/main" w="9525">
+                <a14:hiddenLine xmlns:a14="http://schemas.microsoft.com/office/drawing/2010/main" xmlns="" w="9525">
                   <a:solidFill>
                     <a:srgbClr val="000000"/>
                   </a:solidFill>
@@ -7197,7 +7197,7 @@
             </a:ln>
             <a:extLst>
               <a:ext uri="{91240B29-F687-4f45-9708-019B960494DF}">
-                <a14:hiddenLine xmlns="" xmlns:a14="http://schemas.microsoft.com/office/drawing/2010/main" w="9525">
+                <a14:hiddenLine xmlns:a14="http://schemas.microsoft.com/office/drawing/2010/main" xmlns="" w="9525">
                   <a:solidFill>
                     <a:srgbClr val="000000"/>
                   </a:solidFill>
@@ -7287,7 +7287,7 @@
             </a:ln>
             <a:extLst>
               <a:ext uri="{91240B29-F687-4f45-9708-019B960494DF}">
-                <a14:hiddenLine xmlns="" xmlns:a14="http://schemas.microsoft.com/office/drawing/2010/main" w="9525">
+                <a14:hiddenLine xmlns:a14="http://schemas.microsoft.com/office/drawing/2010/main" xmlns="" w="9525">
                   <a:solidFill>
                     <a:srgbClr val="000000"/>
                   </a:solidFill>
@@ -7377,7 +7377,7 @@
             </a:ln>
             <a:extLst>
               <a:ext uri="{91240B29-F687-4f45-9708-019B960494DF}">
-                <a14:hiddenLine xmlns="" xmlns:a14="http://schemas.microsoft.com/office/drawing/2010/main" w="9525">
+                <a14:hiddenLine xmlns:a14="http://schemas.microsoft.com/office/drawing/2010/main" xmlns="" w="9525">
                   <a:solidFill>
                     <a:srgbClr val="000000"/>
                   </a:solidFill>
@@ -7439,7 +7439,7 @@
             </a:ln>
             <a:extLst>
               <a:ext uri="{91240B29-F687-4f45-9708-019B960494DF}">
-                <a14:hiddenLine xmlns="" xmlns:a14="http://schemas.microsoft.com/office/drawing/2010/main" w="9525">
+                <a14:hiddenLine xmlns:a14="http://schemas.microsoft.com/office/drawing/2010/main" xmlns="" w="9525">
                   <a:solidFill>
                     <a:srgbClr val="000000"/>
                   </a:solidFill>
@@ -7559,7 +7559,7 @@
             </a:ln>
             <a:extLst>
               <a:ext uri="{91240B29-F687-4f45-9708-019B960494DF}">
-                <a14:hiddenLine xmlns="" xmlns:a14="http://schemas.microsoft.com/office/drawing/2010/main" w="9525">
+                <a14:hiddenLine xmlns:a14="http://schemas.microsoft.com/office/drawing/2010/main" xmlns="" w="9525">
                   <a:solidFill>
                     <a:srgbClr val="000000"/>
                   </a:solidFill>
@@ -7627,7 +7627,7 @@
             </a:ln>
             <a:extLst>
               <a:ext uri="{91240B29-F687-4f45-9708-019B960494DF}">
-                <a14:hiddenLine xmlns="" xmlns:a14="http://schemas.microsoft.com/office/drawing/2010/main" w="9525">
+                <a14:hiddenLine xmlns:a14="http://schemas.microsoft.com/office/drawing/2010/main" xmlns="" w="9525">
                   <a:solidFill>
                     <a:srgbClr val="000000"/>
                   </a:solidFill>
@@ -7717,7 +7717,7 @@
             </a:ln>
             <a:extLst>
               <a:ext uri="{91240B29-F687-4f45-9708-019B960494DF}">
-                <a14:hiddenLine xmlns="" xmlns:a14="http://schemas.microsoft.com/office/drawing/2010/main" w="9525">
+                <a14:hiddenLine xmlns:a14="http://schemas.microsoft.com/office/drawing/2010/main" xmlns="" w="9525">
                   <a:solidFill>
                     <a:srgbClr val="000000"/>
                   </a:solidFill>
@@ -7857,7 +7857,7 @@
           <a:p>
             <a:fld id="{48A87A34-81AB-432B-8DAE-1953F412C126}" type="datetimeFigureOut">
               <a:rPr lang="en-US" dirty="0"/>
-              <a:t>11/10/2019</a:t>
+              <a:t>11/13/2019</a:t>
             </a:fld>
             <a:endParaRPr lang="en-US" dirty="0"/>
           </a:p>
@@ -8119,7 +8119,7 @@
           <a:p>
             <a:fld id="{48A87A34-81AB-432B-8DAE-1953F412C126}" type="datetimeFigureOut">
               <a:rPr lang="en-US" dirty="0"/>
-              <a:t>11/10/2019</a:t>
+              <a:t>11/13/2019</a:t>
             </a:fld>
             <a:endParaRPr lang="en-US" dirty="0"/>
           </a:p>
@@ -8310,7 +8310,7 @@
           <a:p>
             <a:fld id="{48A87A34-81AB-432B-8DAE-1953F412C126}" type="datetimeFigureOut">
               <a:rPr lang="en-US" dirty="0"/>
-              <a:t>11/10/2019</a:t>
+              <a:t>11/13/2019</a:t>
             </a:fld>
             <a:endParaRPr lang="en-US" dirty="0"/>
           </a:p>
@@ -8568,7 +8568,7 @@
           <a:p>
             <a:fld id="{48A87A34-81AB-432B-8DAE-1953F412C126}" type="datetimeFigureOut">
               <a:rPr lang="en-US" dirty="0"/>
-              <a:t>11/10/2019</a:t>
+              <a:t>11/13/2019</a:t>
             </a:fld>
             <a:endParaRPr lang="en-US" dirty="0"/>
           </a:p>
@@ -8997,7 +8997,7 @@
           <a:p>
             <a:fld id="{48A87A34-81AB-432B-8DAE-1953F412C126}" type="datetimeFigureOut">
               <a:rPr lang="en-US" dirty="0"/>
-              <a:t>11/10/2019</a:t>
+              <a:t>11/13/2019</a:t>
             </a:fld>
             <a:endParaRPr lang="en-US" dirty="0"/>
           </a:p>
@@ -9538,7 +9538,7 @@
           <a:p>
             <a:fld id="{48A87A34-81AB-432B-8DAE-1953F412C126}" type="datetimeFigureOut">
               <a:rPr lang="en-US" dirty="0"/>
-              <a:t>11/10/2019</a:t>
+              <a:t>11/13/2019</a:t>
             </a:fld>
             <a:endParaRPr lang="en-US" dirty="0"/>
           </a:p>
@@ -10253,7 +10253,7 @@
           <a:p>
             <a:fld id="{48A87A34-81AB-432B-8DAE-1953F412C126}" type="datetimeFigureOut">
               <a:rPr lang="en-US" dirty="0"/>
-              <a:t>11/10/2019</a:t>
+              <a:t>11/13/2019</a:t>
             </a:fld>
             <a:endParaRPr lang="en-US" dirty="0"/>
           </a:p>
@@ -10418,7 +10418,7 @@
           <a:p>
             <a:fld id="{48A87A34-81AB-432B-8DAE-1953F412C126}" type="datetimeFigureOut">
               <a:rPr lang="en-US" dirty="0"/>
-              <a:t>11/10/2019</a:t>
+              <a:t>11/13/2019</a:t>
             </a:fld>
             <a:endParaRPr lang="en-US" dirty="0"/>
           </a:p>
@@ -10593,7 +10593,7 @@
           <a:p>
             <a:fld id="{48A87A34-81AB-432B-8DAE-1953F412C126}" type="datetimeFigureOut">
               <a:rPr lang="en-US" dirty="0"/>
-              <a:t>11/10/2019</a:t>
+              <a:t>11/13/2019</a:t>
             </a:fld>
             <a:endParaRPr lang="en-US" dirty="0"/>
           </a:p>
@@ -10758,7 +10758,7 @@
           <a:p>
             <a:fld id="{48A87A34-81AB-432B-8DAE-1953F412C126}" type="datetimeFigureOut">
               <a:rPr lang="en-US" dirty="0"/>
-              <a:t>11/10/2019</a:t>
+              <a:t>11/13/2019</a:t>
             </a:fld>
             <a:endParaRPr lang="en-US" dirty="0"/>
           </a:p>
@@ -11003,7 +11003,7 @@
           <a:p>
             <a:fld id="{48A87A34-81AB-432B-8DAE-1953F412C126}" type="datetimeFigureOut">
               <a:rPr lang="en-US" dirty="0"/>
-              <a:t>11/10/2019</a:t>
+              <a:t>11/13/2019</a:t>
             </a:fld>
             <a:endParaRPr lang="en-US" dirty="0"/>
           </a:p>
@@ -11230,7 +11230,7 @@
           <a:p>
             <a:fld id="{48A87A34-81AB-432B-8DAE-1953F412C126}" type="datetimeFigureOut">
               <a:rPr lang="en-US" dirty="0"/>
-              <a:t>11/10/2019</a:t>
+              <a:t>11/13/2019</a:t>
             </a:fld>
             <a:endParaRPr lang="en-US" dirty="0"/>
           </a:p>
@@ -11606,7 +11606,7 @@
           <a:p>
             <a:fld id="{48A87A34-81AB-432B-8DAE-1953F412C126}" type="datetimeFigureOut">
               <a:rPr lang="en-US" dirty="0"/>
-              <a:t>11/10/2019</a:t>
+              <a:t>11/13/2019</a:t>
             </a:fld>
             <a:endParaRPr lang="en-US" dirty="0"/>
           </a:p>
@@ -11719,7 +11719,7 @@
           <a:p>
             <a:fld id="{48A87A34-81AB-432B-8DAE-1953F412C126}" type="datetimeFigureOut">
               <a:rPr lang="en-US" dirty="0"/>
-              <a:t>11/10/2019</a:t>
+              <a:t>11/13/2019</a:t>
             </a:fld>
             <a:endParaRPr lang="en-US" dirty="0"/>
           </a:p>
@@ -11809,7 +11809,7 @@
           <a:p>
             <a:fld id="{48A87A34-81AB-432B-8DAE-1953F412C126}" type="datetimeFigureOut">
               <a:rPr lang="en-US" dirty="0"/>
-              <a:t>11/10/2019</a:t>
+              <a:t>11/13/2019</a:t>
             </a:fld>
             <a:endParaRPr lang="en-US" dirty="0"/>
           </a:p>
@@ -12053,7 +12053,7 @@
           <a:p>
             <a:fld id="{48A87A34-81AB-432B-8DAE-1953F412C126}" type="datetimeFigureOut">
               <a:rPr lang="en-US" dirty="0"/>
-              <a:t>11/10/2019</a:t>
+              <a:t>11/13/2019</a:t>
             </a:fld>
             <a:endParaRPr lang="en-US" dirty="0"/>
           </a:p>
@@ -12328,7 +12328,7 @@
           <a:p>
             <a:fld id="{48A87A34-81AB-432B-8DAE-1953F412C126}" type="datetimeFigureOut">
               <a:rPr lang="en-US" dirty="0"/>
-              <a:t>11/10/2019</a:t>
+              <a:t>11/13/2019</a:t>
             </a:fld>
             <a:endParaRPr lang="en-US" dirty="0"/>
           </a:p>
@@ -12439,7 +12439,7 @@
           <a:noFill/>
           <a:extLst>
             <a:ext uri="{909E8E84-426E-40dd-AFC4-6F175D3DCCD1}">
-              <a14:hiddenFill xmlns="" xmlns:a14="http://schemas.microsoft.com/office/drawing/2010/main">
+              <a14:hiddenFill xmlns:a14="http://schemas.microsoft.com/office/drawing/2010/main" xmlns="">
                 <a:solidFill>
                   <a:srgbClr val="FFFFFF"/>
                 </a:solidFill>
@@ -12513,7 +12513,7 @@
               </a:ln>
               <a:extLst>
                 <a:ext uri="{91240B29-F687-4f45-9708-019B960494DF}">
-                  <a14:hiddenLine xmlns="" xmlns:a14="http://schemas.microsoft.com/office/drawing/2010/main" w="9525">
+                  <a14:hiddenLine xmlns:a14="http://schemas.microsoft.com/office/drawing/2010/main" xmlns="" w="9525">
                     <a:solidFill>
                       <a:srgbClr val="000000"/>
                     </a:solidFill>
@@ -12603,7 +12603,7 @@
               </a:ln>
               <a:extLst>
                 <a:ext uri="{91240B29-F687-4f45-9708-019B960494DF}">
-                  <a14:hiddenLine xmlns="" xmlns:a14="http://schemas.microsoft.com/office/drawing/2010/main" w="9525">
+                  <a14:hiddenLine xmlns:a14="http://schemas.microsoft.com/office/drawing/2010/main" xmlns="" w="9525">
                     <a:solidFill>
                       <a:srgbClr val="000000"/>
                     </a:solidFill>
@@ -12693,7 +12693,7 @@
               </a:ln>
               <a:extLst>
                 <a:ext uri="{91240B29-F687-4f45-9708-019B960494DF}">
-                  <a14:hiddenLine xmlns="" xmlns:a14="http://schemas.microsoft.com/office/drawing/2010/main" w="9525">
+                  <a14:hiddenLine xmlns:a14="http://schemas.microsoft.com/office/drawing/2010/main" xmlns="" w="9525">
                     <a:solidFill>
                       <a:srgbClr val="000000"/>
                     </a:solidFill>
@@ -12755,7 +12755,7 @@
               </a:ln>
               <a:extLst>
                 <a:ext uri="{91240B29-F687-4f45-9708-019B960494DF}">
-                  <a14:hiddenLine xmlns="" xmlns:a14="http://schemas.microsoft.com/office/drawing/2010/main" w="9525">
+                  <a14:hiddenLine xmlns:a14="http://schemas.microsoft.com/office/drawing/2010/main" xmlns="" w="9525">
                     <a:solidFill>
                       <a:srgbClr val="000000"/>
                     </a:solidFill>
@@ -12845,7 +12845,7 @@
               </a:ln>
               <a:extLst>
                 <a:ext uri="{91240B29-F687-4f45-9708-019B960494DF}">
-                  <a14:hiddenLine xmlns="" xmlns:a14="http://schemas.microsoft.com/office/drawing/2010/main" w="9525">
+                  <a14:hiddenLine xmlns:a14="http://schemas.microsoft.com/office/drawing/2010/main" xmlns="" w="9525">
                     <a:solidFill>
                       <a:srgbClr val="000000"/>
                     </a:solidFill>
@@ -12907,7 +12907,7 @@
               </a:ln>
               <a:extLst>
                 <a:ext uri="{91240B29-F687-4f45-9708-019B960494DF}">
-                  <a14:hiddenLine xmlns="" xmlns:a14="http://schemas.microsoft.com/office/drawing/2010/main" w="9525">
+                  <a14:hiddenLine xmlns:a14="http://schemas.microsoft.com/office/drawing/2010/main" xmlns="" w="9525">
                     <a:solidFill>
                       <a:srgbClr val="000000"/>
                     </a:solidFill>
@@ -12969,7 +12969,7 @@
               </a:ln>
               <a:extLst>
                 <a:ext uri="{91240B29-F687-4f45-9708-019B960494DF}">
-                  <a14:hiddenLine xmlns="" xmlns:a14="http://schemas.microsoft.com/office/drawing/2010/main" w="9525">
+                  <a14:hiddenLine xmlns:a14="http://schemas.microsoft.com/office/drawing/2010/main" xmlns="" w="9525">
                     <a:solidFill>
                       <a:srgbClr val="000000"/>
                     </a:solidFill>
@@ -13059,7 +13059,7 @@
               </a:ln>
               <a:extLst>
                 <a:ext uri="{91240B29-F687-4f45-9708-019B960494DF}">
-                  <a14:hiddenLine xmlns="" xmlns:a14="http://schemas.microsoft.com/office/drawing/2010/main" w="9525">
+                  <a14:hiddenLine xmlns:a14="http://schemas.microsoft.com/office/drawing/2010/main" xmlns="" w="9525">
                     <a:solidFill>
                       <a:srgbClr val="000000"/>
                     </a:solidFill>
@@ -13149,7 +13149,7 @@
               </a:ln>
               <a:extLst>
                 <a:ext uri="{91240B29-F687-4f45-9708-019B960494DF}">
-                  <a14:hiddenLine xmlns="" xmlns:a14="http://schemas.microsoft.com/office/drawing/2010/main" w="9525">
+                  <a14:hiddenLine xmlns:a14="http://schemas.microsoft.com/office/drawing/2010/main" xmlns="" w="9525">
                     <a:solidFill>
                       <a:srgbClr val="000000"/>
                     </a:solidFill>
@@ -13211,7 +13211,7 @@
               </a:ln>
               <a:extLst>
                 <a:ext uri="{91240B29-F687-4f45-9708-019B960494DF}">
-                  <a14:hiddenLine xmlns="" xmlns:a14="http://schemas.microsoft.com/office/drawing/2010/main" w="9525">
+                  <a14:hiddenLine xmlns:a14="http://schemas.microsoft.com/office/drawing/2010/main" xmlns="" w="9525">
                     <a:solidFill>
                       <a:srgbClr val="000000"/>
                     </a:solidFill>
@@ -13321,7 +13321,7 @@
               </a:ln>
               <a:extLst>
                 <a:ext uri="{91240B29-F687-4f45-9708-019B960494DF}">
-                  <a14:hiddenLine xmlns="" xmlns:a14="http://schemas.microsoft.com/office/drawing/2010/main" w="9525">
+                  <a14:hiddenLine xmlns:a14="http://schemas.microsoft.com/office/drawing/2010/main" xmlns="" w="9525">
                     <a:solidFill>
                       <a:srgbClr val="000000"/>
                     </a:solidFill>
@@ -13405,7 +13405,7 @@
               </a:ln>
               <a:extLst>
                 <a:ext uri="{91240B29-F687-4f45-9708-019B960494DF}">
-                  <a14:hiddenLine xmlns="" xmlns:a14="http://schemas.microsoft.com/office/drawing/2010/main" w="9525">
+                  <a14:hiddenLine xmlns:a14="http://schemas.microsoft.com/office/drawing/2010/main" xmlns="" w="9525">
                     <a:solidFill>
                       <a:srgbClr val="000000"/>
                     </a:solidFill>
@@ -13467,7 +13467,7 @@
               </a:ln>
               <a:extLst>
                 <a:ext uri="{91240B29-F687-4f45-9708-019B960494DF}">
-                  <a14:hiddenLine xmlns="" xmlns:a14="http://schemas.microsoft.com/office/drawing/2010/main" w="9525">
+                  <a14:hiddenLine xmlns:a14="http://schemas.microsoft.com/office/drawing/2010/main" xmlns="" w="9525">
                     <a:solidFill>
                       <a:srgbClr val="000000"/>
                     </a:solidFill>
@@ -13529,7 +13529,7 @@
               </a:ln>
               <a:extLst>
                 <a:ext uri="{91240B29-F687-4f45-9708-019B960494DF}">
-                  <a14:hiddenLine xmlns="" xmlns:a14="http://schemas.microsoft.com/office/drawing/2010/main" w="9525">
+                  <a14:hiddenLine xmlns:a14="http://schemas.microsoft.com/office/drawing/2010/main" xmlns="" w="9525">
                     <a:solidFill>
                       <a:srgbClr val="000000"/>
                     </a:solidFill>
@@ -13619,7 +13619,7 @@
               </a:ln>
               <a:extLst>
                 <a:ext uri="{91240B29-F687-4f45-9708-019B960494DF}">
-                  <a14:hiddenLine xmlns="" xmlns:a14="http://schemas.microsoft.com/office/drawing/2010/main" w="9525">
+                  <a14:hiddenLine xmlns:a14="http://schemas.microsoft.com/office/drawing/2010/main" xmlns="" w="9525">
                     <a:solidFill>
                       <a:srgbClr val="000000"/>
                     </a:solidFill>
@@ -13653,7 +13653,7 @@
               </a:ln>
               <a:extLst>
                 <a:ext uri="{91240B29-F687-4f45-9708-019B960494DF}">
-                  <a14:hiddenLine xmlns="" xmlns:a14="http://schemas.microsoft.com/office/drawing/2010/main" w="9525">
+                  <a14:hiddenLine xmlns:a14="http://schemas.microsoft.com/office/drawing/2010/main" xmlns="" w="9525">
                     <a:solidFill>
                       <a:srgbClr val="000000"/>
                     </a:solidFill>
@@ -13718,7 +13718,7 @@
               </a:ln>
               <a:extLst>
                 <a:ext uri="{91240B29-F687-4f45-9708-019B960494DF}">
-                  <a14:hiddenLine xmlns="" xmlns:a14="http://schemas.microsoft.com/office/drawing/2010/main" w="9525">
+                  <a14:hiddenLine xmlns:a14="http://schemas.microsoft.com/office/drawing/2010/main" xmlns="" w="9525">
                     <a:solidFill>
                       <a:srgbClr val="000000"/>
                     </a:solidFill>
@@ -13808,7 +13808,7 @@
               </a:ln>
               <a:extLst>
                 <a:ext uri="{91240B29-F687-4f45-9708-019B960494DF}">
-                  <a14:hiddenLine xmlns="" xmlns:a14="http://schemas.microsoft.com/office/drawing/2010/main" w="9525">
+                  <a14:hiddenLine xmlns:a14="http://schemas.microsoft.com/office/drawing/2010/main" xmlns="" w="9525">
                     <a:solidFill>
                       <a:srgbClr val="000000"/>
                     </a:solidFill>
@@ -13870,7 +13870,7 @@
               </a:ln>
               <a:extLst>
                 <a:ext uri="{91240B29-F687-4f45-9708-019B960494DF}">
-                  <a14:hiddenLine xmlns="" xmlns:a14="http://schemas.microsoft.com/office/drawing/2010/main" w="9525">
+                  <a14:hiddenLine xmlns:a14="http://schemas.microsoft.com/office/drawing/2010/main" xmlns="" w="9525">
                     <a:solidFill>
                       <a:srgbClr val="000000"/>
                     </a:solidFill>
@@ -13960,7 +13960,7 @@
               </a:ln>
               <a:extLst>
                 <a:ext uri="{91240B29-F687-4f45-9708-019B960494DF}">
-                  <a14:hiddenLine xmlns="" xmlns:a14="http://schemas.microsoft.com/office/drawing/2010/main" w="9525">
+                  <a14:hiddenLine xmlns:a14="http://schemas.microsoft.com/office/drawing/2010/main" xmlns="" w="9525">
                     <a:solidFill>
                       <a:srgbClr val="000000"/>
                     </a:solidFill>
@@ -14025,7 +14025,7 @@
               </a:ln>
               <a:extLst>
                 <a:ext uri="{91240B29-F687-4f45-9708-019B960494DF}">
-                  <a14:hiddenLine xmlns="" xmlns:a14="http://schemas.microsoft.com/office/drawing/2010/main" w="9525">
+                  <a14:hiddenLine xmlns:a14="http://schemas.microsoft.com/office/drawing/2010/main" xmlns="" w="9525">
                     <a:solidFill>
                       <a:srgbClr val="000000"/>
                     </a:solidFill>
@@ -14087,7 +14087,7 @@
               </a:ln>
               <a:extLst>
                 <a:ext uri="{91240B29-F687-4f45-9708-019B960494DF}">
-                  <a14:hiddenLine xmlns="" xmlns:a14="http://schemas.microsoft.com/office/drawing/2010/main" w="9525">
+                  <a14:hiddenLine xmlns:a14="http://schemas.microsoft.com/office/drawing/2010/main" xmlns="" w="9525">
                     <a:solidFill>
                       <a:srgbClr val="000000"/>
                     </a:solidFill>
@@ -14177,7 +14177,7 @@
               </a:ln>
               <a:extLst>
                 <a:ext uri="{91240B29-F687-4f45-9708-019B960494DF}">
-                  <a14:hiddenLine xmlns="" xmlns:a14="http://schemas.microsoft.com/office/drawing/2010/main" w="9525">
+                  <a14:hiddenLine xmlns:a14="http://schemas.microsoft.com/office/drawing/2010/main" xmlns="" w="9525">
                     <a:solidFill>
                       <a:srgbClr val="000000"/>
                     </a:solidFill>
@@ -14267,7 +14267,7 @@
               </a:ln>
               <a:extLst>
                 <a:ext uri="{91240B29-F687-4f45-9708-019B960494DF}">
-                  <a14:hiddenLine xmlns="" xmlns:a14="http://schemas.microsoft.com/office/drawing/2010/main" w="9525">
+                  <a14:hiddenLine xmlns:a14="http://schemas.microsoft.com/office/drawing/2010/main" xmlns="" w="9525">
                     <a:solidFill>
                       <a:srgbClr val="000000"/>
                     </a:solidFill>
@@ -14332,7 +14332,7 @@
               </a:ln>
               <a:extLst>
                 <a:ext uri="{91240B29-F687-4f45-9708-019B960494DF}">
-                  <a14:hiddenLine xmlns="" xmlns:a14="http://schemas.microsoft.com/office/drawing/2010/main" w="9525">
+                  <a14:hiddenLine xmlns:a14="http://schemas.microsoft.com/office/drawing/2010/main" xmlns="" w="9525">
                     <a:solidFill>
                       <a:srgbClr val="000000"/>
                     </a:solidFill>
@@ -14452,7 +14452,7 @@
               </a:ln>
               <a:extLst>
                 <a:ext uri="{91240B29-F687-4f45-9708-019B960494DF}">
-                  <a14:hiddenLine xmlns="" xmlns:a14="http://schemas.microsoft.com/office/drawing/2010/main" w="9525">
+                  <a14:hiddenLine xmlns:a14="http://schemas.microsoft.com/office/drawing/2010/main" xmlns="" w="9525">
                     <a:solidFill>
                       <a:srgbClr val="000000"/>
                     </a:solidFill>
@@ -14550,7 +14550,7 @@
               </a:ln>
               <a:extLst>
                 <a:ext uri="{91240B29-F687-4f45-9708-019B960494DF}">
-                  <a14:hiddenLine xmlns="" xmlns:a14="http://schemas.microsoft.com/office/drawing/2010/main" w="9525">
+                  <a14:hiddenLine xmlns:a14="http://schemas.microsoft.com/office/drawing/2010/main" xmlns="" w="9525">
                     <a:solidFill>
                       <a:srgbClr val="000000"/>
                     </a:solidFill>
@@ -14665,7 +14665,7 @@
               </a:ln>
               <a:extLst>
                 <a:ext uri="{91240B29-F687-4f45-9708-019B960494DF}">
-                  <a14:hiddenLine xmlns="" xmlns:a14="http://schemas.microsoft.com/office/drawing/2010/main" w="9525">
+                  <a14:hiddenLine xmlns:a14="http://schemas.microsoft.com/office/drawing/2010/main" xmlns="" w="9525">
                     <a:solidFill>
                       <a:srgbClr val="000000"/>
                     </a:solidFill>
@@ -14755,7 +14755,7 @@
               </a:ln>
               <a:extLst>
                 <a:ext uri="{91240B29-F687-4f45-9708-019B960494DF}">
-                  <a14:hiddenLine xmlns="" xmlns:a14="http://schemas.microsoft.com/office/drawing/2010/main" w="9525">
+                  <a14:hiddenLine xmlns:a14="http://schemas.microsoft.com/office/drawing/2010/main" xmlns="" w="9525">
                     <a:solidFill>
                       <a:srgbClr val="000000"/>
                     </a:solidFill>
@@ -14820,7 +14820,7 @@
               </a:ln>
               <a:extLst>
                 <a:ext uri="{91240B29-F687-4f45-9708-019B960494DF}">
-                  <a14:hiddenLine xmlns="" xmlns:a14="http://schemas.microsoft.com/office/drawing/2010/main" w="9525">
+                  <a14:hiddenLine xmlns:a14="http://schemas.microsoft.com/office/drawing/2010/main" xmlns="" w="9525">
                     <a:solidFill>
                       <a:srgbClr val="000000"/>
                     </a:solidFill>
@@ -14910,7 +14910,7 @@
               </a:ln>
               <a:extLst>
                 <a:ext uri="{91240B29-F687-4f45-9708-019B960494DF}">
-                  <a14:hiddenLine xmlns="" xmlns:a14="http://schemas.microsoft.com/office/drawing/2010/main" w="9525">
+                  <a14:hiddenLine xmlns:a14="http://schemas.microsoft.com/office/drawing/2010/main" xmlns="" w="9525">
                     <a:solidFill>
                       <a:srgbClr val="000000"/>
                     </a:solidFill>
@@ -14978,7 +14978,7 @@
               </a:ln>
               <a:extLst>
                 <a:ext uri="{91240B29-F687-4f45-9708-019B960494DF}">
-                  <a14:hiddenLine xmlns="" xmlns:a14="http://schemas.microsoft.com/office/drawing/2010/main" w="9525">
+                  <a14:hiddenLine xmlns:a14="http://schemas.microsoft.com/office/drawing/2010/main" xmlns="" w="9525">
                     <a:solidFill>
                       <a:srgbClr val="000000"/>
                     </a:solidFill>
@@ -15068,7 +15068,7 @@
               </a:ln>
               <a:extLst>
                 <a:ext uri="{91240B29-F687-4f45-9708-019B960494DF}">
-                  <a14:hiddenLine xmlns="" xmlns:a14="http://schemas.microsoft.com/office/drawing/2010/main" w="9525">
+                  <a14:hiddenLine xmlns:a14="http://schemas.microsoft.com/office/drawing/2010/main" xmlns="" w="9525">
                     <a:solidFill>
                       <a:srgbClr val="000000"/>
                     </a:solidFill>
@@ -15136,7 +15136,7 @@
               </a:ln>
               <a:extLst>
                 <a:ext uri="{91240B29-F687-4f45-9708-019B960494DF}">
-                  <a14:hiddenLine xmlns="" xmlns:a14="http://schemas.microsoft.com/office/drawing/2010/main" w="9525">
+                  <a14:hiddenLine xmlns:a14="http://schemas.microsoft.com/office/drawing/2010/main" xmlns="" w="9525">
                     <a:solidFill>
                       <a:srgbClr val="000000"/>
                     </a:solidFill>
@@ -15226,7 +15226,7 @@
               </a:ln>
               <a:extLst>
                 <a:ext uri="{91240B29-F687-4f45-9708-019B960494DF}">
-                  <a14:hiddenLine xmlns="" xmlns:a14="http://schemas.microsoft.com/office/drawing/2010/main" w="9525">
+                  <a14:hiddenLine xmlns:a14="http://schemas.microsoft.com/office/drawing/2010/main" xmlns="" w="9525">
                     <a:solidFill>
                       <a:srgbClr val="000000"/>
                     </a:solidFill>
@@ -15260,7 +15260,7 @@
               </a:ln>
               <a:extLst>
                 <a:ext uri="{91240B29-F687-4f45-9708-019B960494DF}">
-                  <a14:hiddenLine xmlns="" xmlns:a14="http://schemas.microsoft.com/office/drawing/2010/main" w="9525">
+                  <a14:hiddenLine xmlns:a14="http://schemas.microsoft.com/office/drawing/2010/main" xmlns="" w="9525">
                     <a:solidFill>
                       <a:srgbClr val="000000"/>
                     </a:solidFill>
@@ -15401,7 +15401,7 @@
             <a:fld id="{48A87A34-81AB-432B-8DAE-1953F412C126}" type="datetimeFigureOut">
               <a:rPr lang="en-US" dirty="0"/>
               <a:pPr/>
-              <a:t>11/10/2019</a:t>
+              <a:t>11/13/2019</a:t>
             </a:fld>
             <a:endParaRPr lang="en-US" dirty="0"/>
           </a:p>
@@ -18187,7 +18187,7 @@
         </p:spPr>
         <p:txBody>
           <a:bodyPr>
-            <a:normAutofit fontScale="47500" lnSpcReduction="20000"/>
+            <a:normAutofit/>
           </a:bodyPr>
           <a:lstStyle/>
           <a:p>
@@ -18197,150 +18197,43 @@
               </a:rPr>
               <a:t>Step 1: Source file</a:t>
             </a:r>
+            <a:endParaRPr lang="en-US" b="1" dirty="0"/>
+          </a:p>
+          <a:p>
             <a:endParaRPr lang="en-US" dirty="0"/>
-          </a:p>
-          <a:p>
-            <a:r>
-              <a:rPr lang="en-US" dirty="0"/>
-              <a:t>Metadata:  corpus specific: 1, document level (indexed): 0</a:t>
-            </a:r>
-          </a:p>
-          <a:p>
-            <a:r>
-              <a:rPr lang="en-US" dirty="0"/>
-              <a:t>Content:  documents: 24</a:t>
-            </a:r>
-          </a:p>
-          <a:p>
-            <a:r>
-              <a:rPr lang="en-US" dirty="0"/>
-              <a:t>  To Whom It May Concern:                                                                                                        </a:t>
-            </a:r>
-          </a:p>
-          <a:p>
-            <a:r>
-              <a:rPr lang="en-US" dirty="0"/>
-              <a:t> I am writing on behalf of my patient,  (patient name) to document the medical necessity of                                     </a:t>
-            </a:r>
-          </a:p>
-          <a:p>
-            <a:r>
-              <a:rPr lang="en-US" dirty="0"/>
-              <a:t> (treatment/medication/equipment â€“ item in question) for the treatment of (specific diagnosis).                               </a:t>
-            </a:r>
-          </a:p>
-          <a:p>
-            <a:r>
-              <a:rPr lang="en-US" dirty="0"/>
-              <a:t> This letter provides information about the patients medical history and diagnosis and a statement                              </a:t>
-            </a:r>
-          </a:p>
-          <a:p>
-            <a:r>
-              <a:rPr lang="en-US" dirty="0"/>
-              <a:t>  summarizing my treatment rationale.                                                                                            </a:t>
-            </a:r>
-          </a:p>
-          <a:p>
-            <a:r>
-              <a:rPr lang="en-US" dirty="0"/>
-              <a:t>  </a:t>
-            </a:r>
-            <a:r>
-              <a:rPr lang="en-US" dirty="0" err="1"/>
-              <a:t>Patientâ</a:t>
-            </a:r>
-            <a:r>
-              <a:rPr lang="en-US" dirty="0"/>
-              <a:t>€™s History and Diagnosis:  (Include information here regarding the </a:t>
-            </a:r>
-            <a:r>
-              <a:rPr lang="en-US" dirty="0" err="1"/>
-              <a:t>patientâ</a:t>
-            </a:r>
-            <a:r>
-              <a:rPr lang="en-US" dirty="0"/>
-              <a:t>€™s condition and specific diagnosis.      </a:t>
-            </a:r>
-          </a:p>
-          <a:p>
-            <a:r>
-              <a:rPr lang="en-US" dirty="0"/>
-              <a:t> Also include the </a:t>
-            </a:r>
-            <a:r>
-              <a:rPr lang="en-US" dirty="0" err="1"/>
-              <a:t>patientâ</a:t>
-            </a:r>
-            <a:r>
-              <a:rPr lang="en-US" dirty="0"/>
-              <a:t>€™s history related to their condition)                                                               </a:t>
-            </a:r>
-          </a:p>
-          <a:p>
-            <a:r>
-              <a:rPr lang="en-US" dirty="0"/>
-              <a:t> Treatment Rationale: (Include information on the treatment up to this point,                                                   </a:t>
-            </a:r>
-          </a:p>
-          <a:p>
-            <a:r>
-              <a:rPr lang="en-US" dirty="0"/>
-              <a:t> course of care and why the treatment/medication/equipment (item in question) is necessary and how you expect that it will help </a:t>
-            </a:r>
-          </a:p>
-          <a:p>
-            <a:r>
-              <a:rPr lang="en-US" dirty="0"/>
-              <a:t> the patient.)                                                                                                                  </a:t>
-            </a:r>
-          </a:p>
-          <a:p>
-            <a:r>
-              <a:rPr lang="en-US" dirty="0"/>
-              <a:t> Duration: (Length of time treatment/medication/equipment (item in question) is necessary â€“ not to exceed 12 months)          </a:t>
-            </a:r>
-          </a:p>
-          <a:p>
-            <a:r>
-              <a:rPr lang="en-US" dirty="0"/>
-              <a:t> Summary: In summary, (treatment/medication/equipment â€“ item in question)                                                     </a:t>
-            </a:r>
-          </a:p>
-          <a:p>
-            <a:r>
-              <a:rPr lang="en-US" dirty="0"/>
-              <a:t> is medically necessary for this </a:t>
-            </a:r>
-            <a:r>
-              <a:rPr lang="en-US" dirty="0" err="1"/>
-              <a:t>patientâ</a:t>
-            </a:r>
-            <a:r>
-              <a:rPr lang="en-US" dirty="0"/>
-              <a:t>€™s medical condition.                                                                 </a:t>
-            </a:r>
-          </a:p>
-          <a:p>
-            <a:r>
-              <a:rPr lang="en-US" dirty="0"/>
-              <a:t>Please contact me if any additional information is required to ensure the prompt approval of                                   </a:t>
-            </a:r>
-          </a:p>
-          <a:p>
-            <a:r>
-              <a:rPr lang="en-US" dirty="0"/>
-              <a:t> (treatment/medication/equipment â€“ item in question).                                                                         </a:t>
-            </a:r>
-          </a:p>
-          <a:p>
-            <a:r>
-              <a:rPr lang="en-US" dirty="0"/>
-              <a:t> Sincerely,  (Physicians name and signature) Your licensed provider must complete, sign and date the letter.                    </a:t>
-            </a:r>
           </a:p>
         </p:txBody>
       </p:sp>
+      <p:pic>
+        <p:nvPicPr>
+          <p:cNvPr id="2" name="Picture 1">
+            <a:extLst>
+              <a:ext uri="{FF2B5EF4-FFF2-40B4-BE49-F238E27FC236}">
+                <a16:creationId xmlns:a16="http://schemas.microsoft.com/office/drawing/2014/main" id="{B6F24D39-AFD2-4064-A25D-3611700FD9DF}"/>
+              </a:ext>
+            </a:extLst>
+          </p:cNvPr>
+          <p:cNvPicPr>
+            <a:picLocks noChangeAspect="1"/>
+          </p:cNvPicPr>
+          <p:nvPr/>
+        </p:nvPicPr>
+        <p:blipFill>
+          <a:blip r:embed="rId3"/>
+          <a:stretch>
+            <a:fillRect/>
+          </a:stretch>
+        </p:blipFill>
+        <p:spPr>
+          <a:xfrm>
+            <a:off x="828675" y="1276350"/>
+            <a:ext cx="10534650" cy="4305300"/>
+          </a:xfrm>
+          <a:prstGeom prst="rect">
+            <a:avLst/>
+          </a:prstGeom>
+        </p:spPr>
+      </p:pic>
     </p:spTree>
     <p:extLst>
       <p:ext uri="{BB962C8B-B14F-4D97-AF65-F5344CB8AC3E}">

--- a/Text Mining with R.pptx
+++ b/Text Mining with R.pptx
@@ -8,14 +8,13 @@
     <p:sldId id="256" r:id="rId2"/>
     <p:sldId id="261" r:id="rId3"/>
     <p:sldId id="257" r:id="rId4"/>
-    <p:sldId id="258" r:id="rId5"/>
-    <p:sldId id="259" r:id="rId6"/>
-    <p:sldId id="260" r:id="rId7"/>
-    <p:sldId id="262" r:id="rId8"/>
-    <p:sldId id="263" r:id="rId9"/>
-    <p:sldId id="264" r:id="rId10"/>
-    <p:sldId id="266" r:id="rId11"/>
-    <p:sldId id="265" r:id="rId12"/>
+    <p:sldId id="259" r:id="rId5"/>
+    <p:sldId id="260" r:id="rId6"/>
+    <p:sldId id="262" r:id="rId7"/>
+    <p:sldId id="263" r:id="rId8"/>
+    <p:sldId id="264" r:id="rId9"/>
+    <p:sldId id="266" r:id="rId10"/>
+    <p:sldId id="265" r:id="rId11"/>
   </p:sldIdLst>
   <p:sldSz cx="12192000" cy="6858000"/>
   <p:notesSz cx="6858000" cy="9144000"/>
@@ -3631,7 +3630,7 @@
           <a:noFill/>
           <a:extLst>
             <a:ext uri="{909E8E84-426E-40dd-AFC4-6F175D3DCCD1}">
-              <a14:hiddenFill xmlns:a14="http://schemas.microsoft.com/office/drawing/2010/main" xmlns="">
+              <a14:hiddenFill xmlns="" xmlns:a14="http://schemas.microsoft.com/office/drawing/2010/main">
                 <a:solidFill>
                   <a:srgbClr val="FFFFFF"/>
                 </a:solidFill>
@@ -3691,7 +3690,7 @@
             </a:ln>
             <a:extLst>
               <a:ext uri="{91240B29-F687-4f45-9708-019B960494DF}">
-                <a14:hiddenLine xmlns:a14="http://schemas.microsoft.com/office/drawing/2010/main" xmlns="" w="9525">
+                <a14:hiddenLine xmlns="" xmlns:a14="http://schemas.microsoft.com/office/drawing/2010/main" w="9525">
                   <a:solidFill>
                     <a:srgbClr val="000000"/>
                   </a:solidFill>
@@ -3781,7 +3780,7 @@
             </a:ln>
             <a:extLst>
               <a:ext uri="{91240B29-F687-4f45-9708-019B960494DF}">
-                <a14:hiddenLine xmlns:a14="http://schemas.microsoft.com/office/drawing/2010/main" xmlns="" w="9525">
+                <a14:hiddenLine xmlns="" xmlns:a14="http://schemas.microsoft.com/office/drawing/2010/main" w="9525">
                   <a:solidFill>
                     <a:srgbClr val="000000"/>
                   </a:solidFill>
@@ -3871,7 +3870,7 @@
             </a:ln>
             <a:extLst>
               <a:ext uri="{91240B29-F687-4f45-9708-019B960494DF}">
-                <a14:hiddenLine xmlns:a14="http://schemas.microsoft.com/office/drawing/2010/main" xmlns="" w="9525">
+                <a14:hiddenLine xmlns="" xmlns:a14="http://schemas.microsoft.com/office/drawing/2010/main" w="9525">
                   <a:solidFill>
                     <a:srgbClr val="000000"/>
                   </a:solidFill>
@@ -3905,7 +3904,7 @@
             </a:ln>
             <a:extLst>
               <a:ext uri="{91240B29-F687-4f45-9708-019B960494DF}">
-                <a14:hiddenLine xmlns:a14="http://schemas.microsoft.com/office/drawing/2010/main" xmlns="" w="9525">
+                <a14:hiddenLine xmlns="" xmlns:a14="http://schemas.microsoft.com/office/drawing/2010/main" w="9525">
                   <a:solidFill>
                     <a:srgbClr val="000000"/>
                   </a:solidFill>
@@ -3995,7 +3994,7 @@
             </a:ln>
             <a:extLst>
               <a:ext uri="{91240B29-F687-4f45-9708-019B960494DF}">
-                <a14:hiddenLine xmlns:a14="http://schemas.microsoft.com/office/drawing/2010/main" xmlns="" w="9525">
+                <a14:hiddenLine xmlns="" xmlns:a14="http://schemas.microsoft.com/office/drawing/2010/main" w="9525">
                   <a:solidFill>
                     <a:srgbClr val="000000"/>
                   </a:solidFill>
@@ -4057,7 +4056,7 @@
             </a:ln>
             <a:extLst>
               <a:ext uri="{91240B29-F687-4f45-9708-019B960494DF}">
-                <a14:hiddenLine xmlns:a14="http://schemas.microsoft.com/office/drawing/2010/main" xmlns="" w="9525">
+                <a14:hiddenLine xmlns="" xmlns:a14="http://schemas.microsoft.com/office/drawing/2010/main" w="9525">
                   <a:solidFill>
                     <a:srgbClr val="000000"/>
                   </a:solidFill>
@@ -4119,7 +4118,7 @@
             </a:ln>
             <a:extLst>
               <a:ext uri="{91240B29-F687-4f45-9708-019B960494DF}">
-                <a14:hiddenLine xmlns:a14="http://schemas.microsoft.com/office/drawing/2010/main" xmlns="" w="9525">
+                <a14:hiddenLine xmlns="" xmlns:a14="http://schemas.microsoft.com/office/drawing/2010/main" w="9525">
                   <a:solidFill>
                     <a:srgbClr val="000000"/>
                   </a:solidFill>
@@ -4209,7 +4208,7 @@
             </a:ln>
             <a:extLst>
               <a:ext uri="{91240B29-F687-4f45-9708-019B960494DF}">
-                <a14:hiddenLine xmlns:a14="http://schemas.microsoft.com/office/drawing/2010/main" xmlns="" w="9525">
+                <a14:hiddenLine xmlns="" xmlns:a14="http://schemas.microsoft.com/office/drawing/2010/main" w="9525">
                   <a:solidFill>
                     <a:srgbClr val="000000"/>
                   </a:solidFill>
@@ -4271,7 +4270,7 @@
             </a:ln>
             <a:extLst>
               <a:ext uri="{91240B29-F687-4f45-9708-019B960494DF}">
-                <a14:hiddenLine xmlns:a14="http://schemas.microsoft.com/office/drawing/2010/main" xmlns="" w="9525">
+                <a14:hiddenLine xmlns="" xmlns:a14="http://schemas.microsoft.com/office/drawing/2010/main" w="9525">
                   <a:solidFill>
                     <a:srgbClr val="000000"/>
                   </a:solidFill>
@@ -4333,7 +4332,7 @@
             </a:ln>
             <a:extLst>
               <a:ext uri="{91240B29-F687-4f45-9708-019B960494DF}">
-                <a14:hiddenLine xmlns:a14="http://schemas.microsoft.com/office/drawing/2010/main" xmlns="" w="9525">
+                <a14:hiddenLine xmlns="" xmlns:a14="http://schemas.microsoft.com/office/drawing/2010/main" w="9525">
                   <a:solidFill>
                     <a:srgbClr val="000000"/>
                   </a:solidFill>
@@ -4423,7 +4422,7 @@
             </a:ln>
             <a:extLst>
               <a:ext uri="{91240B29-F687-4f45-9708-019B960494DF}">
-                <a14:hiddenLine xmlns:a14="http://schemas.microsoft.com/office/drawing/2010/main" xmlns="" w="9525">
+                <a14:hiddenLine xmlns="" xmlns:a14="http://schemas.microsoft.com/office/drawing/2010/main" w="9525">
                   <a:solidFill>
                     <a:srgbClr val="000000"/>
                   </a:solidFill>
@@ -4513,7 +4512,7 @@
             </a:ln>
             <a:extLst>
               <a:ext uri="{91240B29-F687-4f45-9708-019B960494DF}">
-                <a14:hiddenLine xmlns:a14="http://schemas.microsoft.com/office/drawing/2010/main" xmlns="" w="9525">
+                <a14:hiddenLine xmlns="" xmlns:a14="http://schemas.microsoft.com/office/drawing/2010/main" w="9525">
                   <a:solidFill>
                     <a:srgbClr val="000000"/>
                   </a:solidFill>
@@ -4575,7 +4574,7 @@
             </a:ln>
             <a:extLst>
               <a:ext uri="{91240B29-F687-4f45-9708-019B960494DF}">
-                <a14:hiddenLine xmlns:a14="http://schemas.microsoft.com/office/drawing/2010/main" xmlns="" w="9525">
+                <a14:hiddenLine xmlns="" xmlns:a14="http://schemas.microsoft.com/office/drawing/2010/main" w="9525">
                   <a:solidFill>
                     <a:srgbClr val="000000"/>
                   </a:solidFill>
@@ -4685,7 +4684,7 @@
             </a:ln>
             <a:extLst>
               <a:ext uri="{91240B29-F687-4f45-9708-019B960494DF}">
-                <a14:hiddenLine xmlns:a14="http://schemas.microsoft.com/office/drawing/2010/main" xmlns="" w="9525">
+                <a14:hiddenLine xmlns="" xmlns:a14="http://schemas.microsoft.com/office/drawing/2010/main" w="9525">
                   <a:solidFill>
                     <a:srgbClr val="000000"/>
                   </a:solidFill>
@@ -4747,7 +4746,7 @@
             </a:ln>
             <a:extLst>
               <a:ext uri="{91240B29-F687-4f45-9708-019B960494DF}">
-                <a14:hiddenLine xmlns:a14="http://schemas.microsoft.com/office/drawing/2010/main" xmlns="" w="9525">
+                <a14:hiddenLine xmlns="" xmlns:a14="http://schemas.microsoft.com/office/drawing/2010/main" w="9525">
                   <a:solidFill>
                     <a:srgbClr val="000000"/>
                   </a:solidFill>
@@ -4837,7 +4836,7 @@
             </a:ln>
             <a:extLst>
               <a:ext uri="{91240B29-F687-4f45-9708-019B960494DF}">
-                <a14:hiddenLine xmlns:a14="http://schemas.microsoft.com/office/drawing/2010/main" xmlns="" w="9525">
+                <a14:hiddenLine xmlns="" xmlns:a14="http://schemas.microsoft.com/office/drawing/2010/main" w="9525">
                   <a:solidFill>
                     <a:srgbClr val="000000"/>
                   </a:solidFill>
@@ -4927,7 +4926,7 @@
             </a:ln>
             <a:extLst>
               <a:ext uri="{91240B29-F687-4f45-9708-019B960494DF}">
-                <a14:hiddenLine xmlns:a14="http://schemas.microsoft.com/office/drawing/2010/main" xmlns="" w="9525">
+                <a14:hiddenLine xmlns="" xmlns:a14="http://schemas.microsoft.com/office/drawing/2010/main" w="9525">
                   <a:solidFill>
                     <a:srgbClr val="000000"/>
                   </a:solidFill>
@@ -4989,7 +4988,7 @@
             </a:ln>
             <a:extLst>
               <a:ext uri="{91240B29-F687-4f45-9708-019B960494DF}">
-                <a14:hiddenLine xmlns:a14="http://schemas.microsoft.com/office/drawing/2010/main" xmlns="" w="9525">
+                <a14:hiddenLine xmlns="" xmlns:a14="http://schemas.microsoft.com/office/drawing/2010/main" w="9525">
                   <a:solidFill>
                     <a:srgbClr val="000000"/>
                   </a:solidFill>
@@ -5079,7 +5078,7 @@
             </a:ln>
             <a:extLst>
               <a:ext uri="{91240B29-F687-4f45-9708-019B960494DF}">
-                <a14:hiddenLine xmlns:a14="http://schemas.microsoft.com/office/drawing/2010/main" xmlns="" w="9525">
+                <a14:hiddenLine xmlns="" xmlns:a14="http://schemas.microsoft.com/office/drawing/2010/main" w="9525">
                   <a:solidFill>
                     <a:srgbClr val="000000"/>
                   </a:solidFill>
@@ -5169,7 +5168,7 @@
             </a:ln>
             <a:extLst>
               <a:ext uri="{91240B29-F687-4f45-9708-019B960494DF}">
-                <a14:hiddenLine xmlns:a14="http://schemas.microsoft.com/office/drawing/2010/main" xmlns="" w="9525">
+                <a14:hiddenLine xmlns="" xmlns:a14="http://schemas.microsoft.com/office/drawing/2010/main" w="9525">
                   <a:solidFill>
                     <a:srgbClr val="000000"/>
                   </a:solidFill>
@@ -5225,7 +5224,7 @@
             </a:ln>
             <a:extLst>
               <a:ext uri="{91240B29-F687-4f45-9708-019B960494DF}">
-                <a14:hiddenLine xmlns:a14="http://schemas.microsoft.com/office/drawing/2010/main" xmlns="" w="9525">
+                <a14:hiddenLine xmlns="" xmlns:a14="http://schemas.microsoft.com/office/drawing/2010/main" w="9525">
                   <a:solidFill>
                     <a:srgbClr val="000000"/>
                   </a:solidFill>
@@ -5315,7 +5314,7 @@
             </a:ln>
             <a:extLst>
               <a:ext uri="{91240B29-F687-4f45-9708-019B960494DF}">
-                <a14:hiddenLine xmlns:a14="http://schemas.microsoft.com/office/drawing/2010/main" xmlns="" w="9525">
+                <a14:hiddenLine xmlns="" xmlns:a14="http://schemas.microsoft.com/office/drawing/2010/main" w="9525">
                   <a:solidFill>
                     <a:srgbClr val="000000"/>
                   </a:solidFill>
@@ -5371,7 +5370,7 @@
             </a:ln>
             <a:extLst>
               <a:ext uri="{91240B29-F687-4f45-9708-019B960494DF}">
-                <a14:hiddenLine xmlns:a14="http://schemas.microsoft.com/office/drawing/2010/main" xmlns="" w="9525">
+                <a14:hiddenLine xmlns="" xmlns:a14="http://schemas.microsoft.com/office/drawing/2010/main" w="9525">
                   <a:solidFill>
                     <a:srgbClr val="000000"/>
                   </a:solidFill>
@@ -5461,7 +5460,7 @@
             </a:ln>
             <a:extLst>
               <a:ext uri="{91240B29-F687-4f45-9708-019B960494DF}">
-                <a14:hiddenLine xmlns:a14="http://schemas.microsoft.com/office/drawing/2010/main" xmlns="" w="9525">
+                <a14:hiddenLine xmlns="" xmlns:a14="http://schemas.microsoft.com/office/drawing/2010/main" w="9525">
                   <a:solidFill>
                     <a:srgbClr val="000000"/>
                   </a:solidFill>
@@ -5529,7 +5528,7 @@
             </a:ln>
             <a:extLst>
               <a:ext uri="{91240B29-F687-4f45-9708-019B960494DF}">
-                <a14:hiddenLine xmlns:a14="http://schemas.microsoft.com/office/drawing/2010/main" xmlns="" w="9525">
+                <a14:hiddenLine xmlns="" xmlns:a14="http://schemas.microsoft.com/office/drawing/2010/main" w="9525">
                   <a:solidFill>
                     <a:srgbClr val="000000"/>
                   </a:solidFill>
@@ -5619,7 +5618,7 @@
             </a:ln>
             <a:extLst>
               <a:ext uri="{91240B29-F687-4f45-9708-019B960494DF}">
-                <a14:hiddenLine xmlns:a14="http://schemas.microsoft.com/office/drawing/2010/main" xmlns="" w="9525">
+                <a14:hiddenLine xmlns="" xmlns:a14="http://schemas.microsoft.com/office/drawing/2010/main" w="9525">
                   <a:solidFill>
                     <a:srgbClr val="000000"/>
                   </a:solidFill>
@@ -5687,7 +5686,7 @@
             </a:ln>
             <a:extLst>
               <a:ext uri="{91240B29-F687-4f45-9708-019B960494DF}">
-                <a14:hiddenLine xmlns:a14="http://schemas.microsoft.com/office/drawing/2010/main" xmlns="" w="9525">
+                <a14:hiddenLine xmlns="" xmlns:a14="http://schemas.microsoft.com/office/drawing/2010/main" w="9525">
                   <a:solidFill>
                     <a:srgbClr val="000000"/>
                   </a:solidFill>
@@ -5777,7 +5776,7 @@
             </a:ln>
             <a:extLst>
               <a:ext uri="{91240B29-F687-4f45-9708-019B960494DF}">
-                <a14:hiddenLine xmlns:a14="http://schemas.microsoft.com/office/drawing/2010/main" xmlns="" w="9525">
+                <a14:hiddenLine xmlns="" xmlns:a14="http://schemas.microsoft.com/office/drawing/2010/main" w="9525">
                   <a:solidFill>
                     <a:srgbClr val="000000"/>
                   </a:solidFill>
@@ -5811,7 +5810,7 @@
             </a:ln>
             <a:extLst>
               <a:ext uri="{91240B29-F687-4f45-9708-019B960494DF}">
-                <a14:hiddenLine xmlns:a14="http://schemas.microsoft.com/office/drawing/2010/main" xmlns="" w="9525">
+                <a14:hiddenLine xmlns="" xmlns:a14="http://schemas.microsoft.com/office/drawing/2010/main" w="9525">
                   <a:solidFill>
                     <a:srgbClr val="000000"/>
                   </a:solidFill>
@@ -5901,7 +5900,7 @@
             </a:ln>
             <a:extLst>
               <a:ext uri="{91240B29-F687-4f45-9708-019B960494DF}">
-                <a14:hiddenLine xmlns:a14="http://schemas.microsoft.com/office/drawing/2010/main" xmlns="" w="9525">
+                <a14:hiddenLine xmlns="" xmlns:a14="http://schemas.microsoft.com/office/drawing/2010/main" w="9525">
                   <a:solidFill>
                     <a:srgbClr val="000000"/>
                   </a:solidFill>
@@ -5963,7 +5962,7 @@
             </a:ln>
             <a:extLst>
               <a:ext uri="{91240B29-F687-4f45-9708-019B960494DF}">
-                <a14:hiddenLine xmlns:a14="http://schemas.microsoft.com/office/drawing/2010/main" xmlns="" w="9525">
+                <a14:hiddenLine xmlns="" xmlns:a14="http://schemas.microsoft.com/office/drawing/2010/main" w="9525">
                   <a:solidFill>
                     <a:srgbClr val="000000"/>
                   </a:solidFill>
@@ -6025,7 +6024,7 @@
             </a:ln>
             <a:extLst>
               <a:ext uri="{91240B29-F687-4f45-9708-019B960494DF}">
-                <a14:hiddenLine xmlns:a14="http://schemas.microsoft.com/office/drawing/2010/main" xmlns="" w="9525">
+                <a14:hiddenLine xmlns="" xmlns:a14="http://schemas.microsoft.com/office/drawing/2010/main" w="9525">
                   <a:solidFill>
                     <a:srgbClr val="000000"/>
                   </a:solidFill>
@@ -6115,7 +6114,7 @@
             </a:ln>
             <a:extLst>
               <a:ext uri="{91240B29-F687-4f45-9708-019B960494DF}">
-                <a14:hiddenLine xmlns:a14="http://schemas.microsoft.com/office/drawing/2010/main" xmlns="" w="9525">
+                <a14:hiddenLine xmlns="" xmlns:a14="http://schemas.microsoft.com/office/drawing/2010/main" w="9525">
                   <a:solidFill>
                     <a:srgbClr val="000000"/>
                   </a:solidFill>
@@ -6183,7 +6182,7 @@
             </a:ln>
             <a:extLst>
               <a:ext uri="{91240B29-F687-4f45-9708-019B960494DF}">
-                <a14:hiddenLine xmlns:a14="http://schemas.microsoft.com/office/drawing/2010/main" xmlns="" w="9525">
+                <a14:hiddenLine xmlns="" xmlns:a14="http://schemas.microsoft.com/office/drawing/2010/main" w="9525">
                   <a:solidFill>
                     <a:srgbClr val="000000"/>
                   </a:solidFill>
@@ -6245,7 +6244,7 @@
             </a:ln>
             <a:extLst>
               <a:ext uri="{91240B29-F687-4f45-9708-019B960494DF}">
-                <a14:hiddenLine xmlns:a14="http://schemas.microsoft.com/office/drawing/2010/main" xmlns="" w="9525">
+                <a14:hiddenLine xmlns="" xmlns:a14="http://schemas.microsoft.com/office/drawing/2010/main" w="9525">
                   <a:solidFill>
                     <a:srgbClr val="000000"/>
                   </a:solidFill>
@@ -6335,7 +6334,7 @@
             </a:ln>
             <a:extLst>
               <a:ext uri="{91240B29-F687-4f45-9708-019B960494DF}">
-                <a14:hiddenLine xmlns:a14="http://schemas.microsoft.com/office/drawing/2010/main" xmlns="" w="9525">
+                <a14:hiddenLine xmlns="" xmlns:a14="http://schemas.microsoft.com/office/drawing/2010/main" w="9525">
                   <a:solidFill>
                     <a:srgbClr val="000000"/>
                   </a:solidFill>
@@ -6397,7 +6396,7 @@
             </a:ln>
             <a:extLst>
               <a:ext uri="{91240B29-F687-4f45-9708-019B960494DF}">
-                <a14:hiddenLine xmlns:a14="http://schemas.microsoft.com/office/drawing/2010/main" xmlns="" w="9525">
+                <a14:hiddenLine xmlns="" xmlns:a14="http://schemas.microsoft.com/office/drawing/2010/main" w="9525">
                   <a:solidFill>
                     <a:srgbClr val="000000"/>
                   </a:solidFill>
@@ -6487,7 +6486,7 @@
             </a:ln>
             <a:extLst>
               <a:ext uri="{91240B29-F687-4f45-9708-019B960494DF}">
-                <a14:hiddenLine xmlns:a14="http://schemas.microsoft.com/office/drawing/2010/main" xmlns="" w="9525">
+                <a14:hiddenLine xmlns="" xmlns:a14="http://schemas.microsoft.com/office/drawing/2010/main" w="9525">
                   <a:solidFill>
                     <a:srgbClr val="000000"/>
                   </a:solidFill>
@@ -6549,7 +6548,7 @@
             </a:ln>
             <a:extLst>
               <a:ext uri="{91240B29-F687-4f45-9708-019B960494DF}">
-                <a14:hiddenLine xmlns:a14="http://schemas.microsoft.com/office/drawing/2010/main" xmlns="" w="9525">
+                <a14:hiddenLine xmlns="" xmlns:a14="http://schemas.microsoft.com/office/drawing/2010/main" w="9525">
                   <a:solidFill>
                     <a:srgbClr val="000000"/>
                   </a:solidFill>
@@ -6639,7 +6638,7 @@
             </a:ln>
             <a:extLst>
               <a:ext uri="{91240B29-F687-4f45-9708-019B960494DF}">
-                <a14:hiddenLine xmlns:a14="http://schemas.microsoft.com/office/drawing/2010/main" xmlns="" w="9525">
+                <a14:hiddenLine xmlns="" xmlns:a14="http://schemas.microsoft.com/office/drawing/2010/main" w="9525">
                   <a:solidFill>
                     <a:srgbClr val="000000"/>
                   </a:solidFill>
@@ -6673,7 +6672,7 @@
             </a:ln>
             <a:extLst>
               <a:ext uri="{91240B29-F687-4f45-9708-019B960494DF}">
-                <a14:hiddenLine xmlns:a14="http://schemas.microsoft.com/office/drawing/2010/main" xmlns="" w="9525">
+                <a14:hiddenLine xmlns="" xmlns:a14="http://schemas.microsoft.com/office/drawing/2010/main" w="9525">
                   <a:solidFill>
                     <a:srgbClr val="000000"/>
                   </a:solidFill>
@@ -6738,7 +6737,7 @@
             </a:ln>
             <a:extLst>
               <a:ext uri="{91240B29-F687-4f45-9708-019B960494DF}">
-                <a14:hiddenLine xmlns:a14="http://schemas.microsoft.com/office/drawing/2010/main" xmlns="" w="9525">
+                <a14:hiddenLine xmlns="" xmlns:a14="http://schemas.microsoft.com/office/drawing/2010/main" w="9525">
                   <a:solidFill>
                     <a:srgbClr val="000000"/>
                   </a:solidFill>
@@ -6828,7 +6827,7 @@
             </a:ln>
             <a:extLst>
               <a:ext uri="{91240B29-F687-4f45-9708-019B960494DF}">
-                <a14:hiddenLine xmlns:a14="http://schemas.microsoft.com/office/drawing/2010/main" xmlns="" w="9525">
+                <a14:hiddenLine xmlns="" xmlns:a14="http://schemas.microsoft.com/office/drawing/2010/main" w="9525">
                   <a:solidFill>
                     <a:srgbClr val="000000"/>
                   </a:solidFill>
@@ -6890,7 +6889,7 @@
             </a:ln>
             <a:extLst>
               <a:ext uri="{91240B29-F687-4f45-9708-019B960494DF}">
-                <a14:hiddenLine xmlns:a14="http://schemas.microsoft.com/office/drawing/2010/main" xmlns="" w="9525">
+                <a14:hiddenLine xmlns="" xmlns:a14="http://schemas.microsoft.com/office/drawing/2010/main" w="9525">
                   <a:solidFill>
                     <a:srgbClr val="000000"/>
                   </a:solidFill>
@@ -6980,7 +6979,7 @@
             </a:ln>
             <a:extLst>
               <a:ext uri="{91240B29-F687-4f45-9708-019B960494DF}">
-                <a14:hiddenLine xmlns:a14="http://schemas.microsoft.com/office/drawing/2010/main" xmlns="" w="9525">
+                <a14:hiddenLine xmlns="" xmlns:a14="http://schemas.microsoft.com/office/drawing/2010/main" w="9525">
                   <a:solidFill>
                     <a:srgbClr val="000000"/>
                   </a:solidFill>
@@ -7070,7 +7069,7 @@
             </a:ln>
             <a:extLst>
               <a:ext uri="{91240B29-F687-4f45-9708-019B960494DF}">
-                <a14:hiddenLine xmlns:a14="http://schemas.microsoft.com/office/drawing/2010/main" xmlns="" w="9525">
+                <a14:hiddenLine xmlns="" xmlns:a14="http://schemas.microsoft.com/office/drawing/2010/main" w="9525">
                   <a:solidFill>
                     <a:srgbClr val="000000"/>
                   </a:solidFill>
@@ -7135,7 +7134,7 @@
             </a:ln>
             <a:extLst>
               <a:ext uri="{91240B29-F687-4f45-9708-019B960494DF}">
-                <a14:hiddenLine xmlns:a14="http://schemas.microsoft.com/office/drawing/2010/main" xmlns="" w="9525">
+                <a14:hiddenLine xmlns="" xmlns:a14="http://schemas.microsoft.com/office/drawing/2010/main" w="9525">
                   <a:solidFill>
                     <a:srgbClr val="000000"/>
                   </a:solidFill>
@@ -7197,7 +7196,7 @@
             </a:ln>
             <a:extLst>
               <a:ext uri="{91240B29-F687-4f45-9708-019B960494DF}">
-                <a14:hiddenLine xmlns:a14="http://schemas.microsoft.com/office/drawing/2010/main" xmlns="" w="9525">
+                <a14:hiddenLine xmlns="" xmlns:a14="http://schemas.microsoft.com/office/drawing/2010/main" w="9525">
                   <a:solidFill>
                     <a:srgbClr val="000000"/>
                   </a:solidFill>
@@ -7287,7 +7286,7 @@
             </a:ln>
             <a:extLst>
               <a:ext uri="{91240B29-F687-4f45-9708-019B960494DF}">
-                <a14:hiddenLine xmlns:a14="http://schemas.microsoft.com/office/drawing/2010/main" xmlns="" w="9525">
+                <a14:hiddenLine xmlns="" xmlns:a14="http://schemas.microsoft.com/office/drawing/2010/main" w="9525">
                   <a:solidFill>
                     <a:srgbClr val="000000"/>
                   </a:solidFill>
@@ -7377,7 +7376,7 @@
             </a:ln>
             <a:extLst>
               <a:ext uri="{91240B29-F687-4f45-9708-019B960494DF}">
-                <a14:hiddenLine xmlns:a14="http://schemas.microsoft.com/office/drawing/2010/main" xmlns="" w="9525">
+                <a14:hiddenLine xmlns="" xmlns:a14="http://schemas.microsoft.com/office/drawing/2010/main" w="9525">
                   <a:solidFill>
                     <a:srgbClr val="000000"/>
                   </a:solidFill>
@@ -7439,7 +7438,7 @@
             </a:ln>
             <a:extLst>
               <a:ext uri="{91240B29-F687-4f45-9708-019B960494DF}">
-                <a14:hiddenLine xmlns:a14="http://schemas.microsoft.com/office/drawing/2010/main" xmlns="" w="9525">
+                <a14:hiddenLine xmlns="" xmlns:a14="http://schemas.microsoft.com/office/drawing/2010/main" w="9525">
                   <a:solidFill>
                     <a:srgbClr val="000000"/>
                   </a:solidFill>
@@ -7559,7 +7558,7 @@
             </a:ln>
             <a:extLst>
               <a:ext uri="{91240B29-F687-4f45-9708-019B960494DF}">
-                <a14:hiddenLine xmlns:a14="http://schemas.microsoft.com/office/drawing/2010/main" xmlns="" w="9525">
+                <a14:hiddenLine xmlns="" xmlns:a14="http://schemas.microsoft.com/office/drawing/2010/main" w="9525">
                   <a:solidFill>
                     <a:srgbClr val="000000"/>
                   </a:solidFill>
@@ -7627,7 +7626,7 @@
             </a:ln>
             <a:extLst>
               <a:ext uri="{91240B29-F687-4f45-9708-019B960494DF}">
-                <a14:hiddenLine xmlns:a14="http://schemas.microsoft.com/office/drawing/2010/main" xmlns="" w="9525">
+                <a14:hiddenLine xmlns="" xmlns:a14="http://schemas.microsoft.com/office/drawing/2010/main" w="9525">
                   <a:solidFill>
                     <a:srgbClr val="000000"/>
                   </a:solidFill>
@@ -7717,7 +7716,7 @@
             </a:ln>
             <a:extLst>
               <a:ext uri="{91240B29-F687-4f45-9708-019B960494DF}">
-                <a14:hiddenLine xmlns:a14="http://schemas.microsoft.com/office/drawing/2010/main" xmlns="" w="9525">
+                <a14:hiddenLine xmlns="" xmlns:a14="http://schemas.microsoft.com/office/drawing/2010/main" w="9525">
                   <a:solidFill>
                     <a:srgbClr val="000000"/>
                   </a:solidFill>
@@ -7857,7 +7856,7 @@
           <a:p>
             <a:fld id="{48A87A34-81AB-432B-8DAE-1953F412C126}" type="datetimeFigureOut">
               <a:rPr lang="en-US" dirty="0"/>
-              <a:t>11/13/2019</a:t>
+              <a:t>11/14/2019</a:t>
             </a:fld>
             <a:endParaRPr lang="en-US" dirty="0"/>
           </a:p>
@@ -8119,7 +8118,7 @@
           <a:p>
             <a:fld id="{48A87A34-81AB-432B-8DAE-1953F412C126}" type="datetimeFigureOut">
               <a:rPr lang="en-US" dirty="0"/>
-              <a:t>11/13/2019</a:t>
+              <a:t>11/14/2019</a:t>
             </a:fld>
             <a:endParaRPr lang="en-US" dirty="0"/>
           </a:p>
@@ -8310,7 +8309,7 @@
           <a:p>
             <a:fld id="{48A87A34-81AB-432B-8DAE-1953F412C126}" type="datetimeFigureOut">
               <a:rPr lang="en-US" dirty="0"/>
-              <a:t>11/13/2019</a:t>
+              <a:t>11/14/2019</a:t>
             </a:fld>
             <a:endParaRPr lang="en-US" dirty="0"/>
           </a:p>
@@ -8568,7 +8567,7 @@
           <a:p>
             <a:fld id="{48A87A34-81AB-432B-8DAE-1953F412C126}" type="datetimeFigureOut">
               <a:rPr lang="en-US" dirty="0"/>
-              <a:t>11/13/2019</a:t>
+              <a:t>11/14/2019</a:t>
             </a:fld>
             <a:endParaRPr lang="en-US" dirty="0"/>
           </a:p>
@@ -8997,7 +8996,7 @@
           <a:p>
             <a:fld id="{48A87A34-81AB-432B-8DAE-1953F412C126}" type="datetimeFigureOut">
               <a:rPr lang="en-US" dirty="0"/>
-              <a:t>11/13/2019</a:t>
+              <a:t>11/14/2019</a:t>
             </a:fld>
             <a:endParaRPr lang="en-US" dirty="0"/>
           </a:p>
@@ -9538,7 +9537,7 @@
           <a:p>
             <a:fld id="{48A87A34-81AB-432B-8DAE-1953F412C126}" type="datetimeFigureOut">
               <a:rPr lang="en-US" dirty="0"/>
-              <a:t>11/13/2019</a:t>
+              <a:t>11/14/2019</a:t>
             </a:fld>
             <a:endParaRPr lang="en-US" dirty="0"/>
           </a:p>
@@ -10253,7 +10252,7 @@
           <a:p>
             <a:fld id="{48A87A34-81AB-432B-8DAE-1953F412C126}" type="datetimeFigureOut">
               <a:rPr lang="en-US" dirty="0"/>
-              <a:t>11/13/2019</a:t>
+              <a:t>11/14/2019</a:t>
             </a:fld>
             <a:endParaRPr lang="en-US" dirty="0"/>
           </a:p>
@@ -10418,7 +10417,7 @@
           <a:p>
             <a:fld id="{48A87A34-81AB-432B-8DAE-1953F412C126}" type="datetimeFigureOut">
               <a:rPr lang="en-US" dirty="0"/>
-              <a:t>11/13/2019</a:t>
+              <a:t>11/14/2019</a:t>
             </a:fld>
             <a:endParaRPr lang="en-US" dirty="0"/>
           </a:p>
@@ -10593,7 +10592,7 @@
           <a:p>
             <a:fld id="{48A87A34-81AB-432B-8DAE-1953F412C126}" type="datetimeFigureOut">
               <a:rPr lang="en-US" dirty="0"/>
-              <a:t>11/13/2019</a:t>
+              <a:t>11/14/2019</a:t>
             </a:fld>
             <a:endParaRPr lang="en-US" dirty="0"/>
           </a:p>
@@ -10758,7 +10757,7 @@
           <a:p>
             <a:fld id="{48A87A34-81AB-432B-8DAE-1953F412C126}" type="datetimeFigureOut">
               <a:rPr lang="en-US" dirty="0"/>
-              <a:t>11/13/2019</a:t>
+              <a:t>11/14/2019</a:t>
             </a:fld>
             <a:endParaRPr lang="en-US" dirty="0"/>
           </a:p>
@@ -11003,7 +11002,7 @@
           <a:p>
             <a:fld id="{48A87A34-81AB-432B-8DAE-1953F412C126}" type="datetimeFigureOut">
               <a:rPr lang="en-US" dirty="0"/>
-              <a:t>11/13/2019</a:t>
+              <a:t>11/14/2019</a:t>
             </a:fld>
             <a:endParaRPr lang="en-US" dirty="0"/>
           </a:p>
@@ -11230,7 +11229,7 @@
           <a:p>
             <a:fld id="{48A87A34-81AB-432B-8DAE-1953F412C126}" type="datetimeFigureOut">
               <a:rPr lang="en-US" dirty="0"/>
-              <a:t>11/13/2019</a:t>
+              <a:t>11/14/2019</a:t>
             </a:fld>
             <a:endParaRPr lang="en-US" dirty="0"/>
           </a:p>
@@ -11606,7 +11605,7 @@
           <a:p>
             <a:fld id="{48A87A34-81AB-432B-8DAE-1953F412C126}" type="datetimeFigureOut">
               <a:rPr lang="en-US" dirty="0"/>
-              <a:t>11/13/2019</a:t>
+              <a:t>11/14/2019</a:t>
             </a:fld>
             <a:endParaRPr lang="en-US" dirty="0"/>
           </a:p>
@@ -11719,7 +11718,7 @@
           <a:p>
             <a:fld id="{48A87A34-81AB-432B-8DAE-1953F412C126}" type="datetimeFigureOut">
               <a:rPr lang="en-US" dirty="0"/>
-              <a:t>11/13/2019</a:t>
+              <a:t>11/14/2019</a:t>
             </a:fld>
             <a:endParaRPr lang="en-US" dirty="0"/>
           </a:p>
@@ -11809,7 +11808,7 @@
           <a:p>
             <a:fld id="{48A87A34-81AB-432B-8DAE-1953F412C126}" type="datetimeFigureOut">
               <a:rPr lang="en-US" dirty="0"/>
-              <a:t>11/13/2019</a:t>
+              <a:t>11/14/2019</a:t>
             </a:fld>
             <a:endParaRPr lang="en-US" dirty="0"/>
           </a:p>
@@ -12053,7 +12052,7 @@
           <a:p>
             <a:fld id="{48A87A34-81AB-432B-8DAE-1953F412C126}" type="datetimeFigureOut">
               <a:rPr lang="en-US" dirty="0"/>
-              <a:t>11/13/2019</a:t>
+              <a:t>11/14/2019</a:t>
             </a:fld>
             <a:endParaRPr lang="en-US" dirty="0"/>
           </a:p>
@@ -12328,7 +12327,7 @@
           <a:p>
             <a:fld id="{48A87A34-81AB-432B-8DAE-1953F412C126}" type="datetimeFigureOut">
               <a:rPr lang="en-US" dirty="0"/>
-              <a:t>11/13/2019</a:t>
+              <a:t>11/14/2019</a:t>
             </a:fld>
             <a:endParaRPr lang="en-US" dirty="0"/>
           </a:p>
@@ -12439,7 +12438,7 @@
           <a:noFill/>
           <a:extLst>
             <a:ext uri="{909E8E84-426E-40dd-AFC4-6F175D3DCCD1}">
-              <a14:hiddenFill xmlns:a14="http://schemas.microsoft.com/office/drawing/2010/main" xmlns="">
+              <a14:hiddenFill xmlns="" xmlns:a14="http://schemas.microsoft.com/office/drawing/2010/main">
                 <a:solidFill>
                   <a:srgbClr val="FFFFFF"/>
                 </a:solidFill>
@@ -12513,7 +12512,7 @@
               </a:ln>
               <a:extLst>
                 <a:ext uri="{91240B29-F687-4f45-9708-019B960494DF}">
-                  <a14:hiddenLine xmlns:a14="http://schemas.microsoft.com/office/drawing/2010/main" xmlns="" w="9525">
+                  <a14:hiddenLine xmlns="" xmlns:a14="http://schemas.microsoft.com/office/drawing/2010/main" w="9525">
                     <a:solidFill>
                       <a:srgbClr val="000000"/>
                     </a:solidFill>
@@ -12603,7 +12602,7 @@
               </a:ln>
               <a:extLst>
                 <a:ext uri="{91240B29-F687-4f45-9708-019B960494DF}">
-                  <a14:hiddenLine xmlns:a14="http://schemas.microsoft.com/office/drawing/2010/main" xmlns="" w="9525">
+                  <a14:hiddenLine xmlns="" xmlns:a14="http://schemas.microsoft.com/office/drawing/2010/main" w="9525">
                     <a:solidFill>
                       <a:srgbClr val="000000"/>
                     </a:solidFill>
@@ -12693,7 +12692,7 @@
               </a:ln>
               <a:extLst>
                 <a:ext uri="{91240B29-F687-4f45-9708-019B960494DF}">
-                  <a14:hiddenLine xmlns:a14="http://schemas.microsoft.com/office/drawing/2010/main" xmlns="" w="9525">
+                  <a14:hiddenLine xmlns="" xmlns:a14="http://schemas.microsoft.com/office/drawing/2010/main" w="9525">
                     <a:solidFill>
                       <a:srgbClr val="000000"/>
                     </a:solidFill>
@@ -12755,7 +12754,7 @@
               </a:ln>
               <a:extLst>
                 <a:ext uri="{91240B29-F687-4f45-9708-019B960494DF}">
-                  <a14:hiddenLine xmlns:a14="http://schemas.microsoft.com/office/drawing/2010/main" xmlns="" w="9525">
+                  <a14:hiddenLine xmlns="" xmlns:a14="http://schemas.microsoft.com/office/drawing/2010/main" w="9525">
                     <a:solidFill>
                       <a:srgbClr val="000000"/>
                     </a:solidFill>
@@ -12845,7 +12844,7 @@
               </a:ln>
               <a:extLst>
                 <a:ext uri="{91240B29-F687-4f45-9708-019B960494DF}">
-                  <a14:hiddenLine xmlns:a14="http://schemas.microsoft.com/office/drawing/2010/main" xmlns="" w="9525">
+                  <a14:hiddenLine xmlns="" xmlns:a14="http://schemas.microsoft.com/office/drawing/2010/main" w="9525">
                     <a:solidFill>
                       <a:srgbClr val="000000"/>
                     </a:solidFill>
@@ -12907,7 +12906,7 @@
               </a:ln>
               <a:extLst>
                 <a:ext uri="{91240B29-F687-4f45-9708-019B960494DF}">
-                  <a14:hiddenLine xmlns:a14="http://schemas.microsoft.com/office/drawing/2010/main" xmlns="" w="9525">
+                  <a14:hiddenLine xmlns="" xmlns:a14="http://schemas.microsoft.com/office/drawing/2010/main" w="9525">
                     <a:solidFill>
                       <a:srgbClr val="000000"/>
                     </a:solidFill>
@@ -12969,7 +12968,7 @@
               </a:ln>
               <a:extLst>
                 <a:ext uri="{91240B29-F687-4f45-9708-019B960494DF}">
-                  <a14:hiddenLine xmlns:a14="http://schemas.microsoft.com/office/drawing/2010/main" xmlns="" w="9525">
+                  <a14:hiddenLine xmlns="" xmlns:a14="http://schemas.microsoft.com/office/drawing/2010/main" w="9525">
                     <a:solidFill>
                       <a:srgbClr val="000000"/>
                     </a:solidFill>
@@ -13059,7 +13058,7 @@
               </a:ln>
               <a:extLst>
                 <a:ext uri="{91240B29-F687-4f45-9708-019B960494DF}">
-                  <a14:hiddenLine xmlns:a14="http://schemas.microsoft.com/office/drawing/2010/main" xmlns="" w="9525">
+                  <a14:hiddenLine xmlns="" xmlns:a14="http://schemas.microsoft.com/office/drawing/2010/main" w="9525">
                     <a:solidFill>
                       <a:srgbClr val="000000"/>
                     </a:solidFill>
@@ -13149,7 +13148,7 @@
               </a:ln>
               <a:extLst>
                 <a:ext uri="{91240B29-F687-4f45-9708-019B960494DF}">
-                  <a14:hiddenLine xmlns:a14="http://schemas.microsoft.com/office/drawing/2010/main" xmlns="" w="9525">
+                  <a14:hiddenLine xmlns="" xmlns:a14="http://schemas.microsoft.com/office/drawing/2010/main" w="9525">
                     <a:solidFill>
                       <a:srgbClr val="000000"/>
                     </a:solidFill>
@@ -13211,7 +13210,7 @@
               </a:ln>
               <a:extLst>
                 <a:ext uri="{91240B29-F687-4f45-9708-019B960494DF}">
-                  <a14:hiddenLine xmlns:a14="http://schemas.microsoft.com/office/drawing/2010/main" xmlns="" w="9525">
+                  <a14:hiddenLine xmlns="" xmlns:a14="http://schemas.microsoft.com/office/drawing/2010/main" w="9525">
                     <a:solidFill>
                       <a:srgbClr val="000000"/>
                     </a:solidFill>
@@ -13321,7 +13320,7 @@
               </a:ln>
               <a:extLst>
                 <a:ext uri="{91240B29-F687-4f45-9708-019B960494DF}">
-                  <a14:hiddenLine xmlns:a14="http://schemas.microsoft.com/office/drawing/2010/main" xmlns="" w="9525">
+                  <a14:hiddenLine xmlns="" xmlns:a14="http://schemas.microsoft.com/office/drawing/2010/main" w="9525">
                     <a:solidFill>
                       <a:srgbClr val="000000"/>
                     </a:solidFill>
@@ -13405,7 +13404,7 @@
               </a:ln>
               <a:extLst>
                 <a:ext uri="{91240B29-F687-4f45-9708-019B960494DF}">
-                  <a14:hiddenLine xmlns:a14="http://schemas.microsoft.com/office/drawing/2010/main" xmlns="" w="9525">
+                  <a14:hiddenLine xmlns="" xmlns:a14="http://schemas.microsoft.com/office/drawing/2010/main" w="9525">
                     <a:solidFill>
                       <a:srgbClr val="000000"/>
                     </a:solidFill>
@@ -13467,7 +13466,7 @@
               </a:ln>
               <a:extLst>
                 <a:ext uri="{91240B29-F687-4f45-9708-019B960494DF}">
-                  <a14:hiddenLine xmlns:a14="http://schemas.microsoft.com/office/drawing/2010/main" xmlns="" w="9525">
+                  <a14:hiddenLine xmlns="" xmlns:a14="http://schemas.microsoft.com/office/drawing/2010/main" w="9525">
                     <a:solidFill>
                       <a:srgbClr val="000000"/>
                     </a:solidFill>
@@ -13529,7 +13528,7 @@
               </a:ln>
               <a:extLst>
                 <a:ext uri="{91240B29-F687-4f45-9708-019B960494DF}">
-                  <a14:hiddenLine xmlns:a14="http://schemas.microsoft.com/office/drawing/2010/main" xmlns="" w="9525">
+                  <a14:hiddenLine xmlns="" xmlns:a14="http://schemas.microsoft.com/office/drawing/2010/main" w="9525">
                     <a:solidFill>
                       <a:srgbClr val="000000"/>
                     </a:solidFill>
@@ -13619,7 +13618,7 @@
               </a:ln>
               <a:extLst>
                 <a:ext uri="{91240B29-F687-4f45-9708-019B960494DF}">
-                  <a14:hiddenLine xmlns:a14="http://schemas.microsoft.com/office/drawing/2010/main" xmlns="" w="9525">
+                  <a14:hiddenLine xmlns="" xmlns:a14="http://schemas.microsoft.com/office/drawing/2010/main" w="9525">
                     <a:solidFill>
                       <a:srgbClr val="000000"/>
                     </a:solidFill>
@@ -13653,7 +13652,7 @@
               </a:ln>
               <a:extLst>
                 <a:ext uri="{91240B29-F687-4f45-9708-019B960494DF}">
-                  <a14:hiddenLine xmlns:a14="http://schemas.microsoft.com/office/drawing/2010/main" xmlns="" w="9525">
+                  <a14:hiddenLine xmlns="" xmlns:a14="http://schemas.microsoft.com/office/drawing/2010/main" w="9525">
                     <a:solidFill>
                       <a:srgbClr val="000000"/>
                     </a:solidFill>
@@ -13718,7 +13717,7 @@
               </a:ln>
               <a:extLst>
                 <a:ext uri="{91240B29-F687-4f45-9708-019B960494DF}">
-                  <a14:hiddenLine xmlns:a14="http://schemas.microsoft.com/office/drawing/2010/main" xmlns="" w="9525">
+                  <a14:hiddenLine xmlns="" xmlns:a14="http://schemas.microsoft.com/office/drawing/2010/main" w="9525">
                     <a:solidFill>
                       <a:srgbClr val="000000"/>
                     </a:solidFill>
@@ -13808,7 +13807,7 @@
               </a:ln>
               <a:extLst>
                 <a:ext uri="{91240B29-F687-4f45-9708-019B960494DF}">
-                  <a14:hiddenLine xmlns:a14="http://schemas.microsoft.com/office/drawing/2010/main" xmlns="" w="9525">
+                  <a14:hiddenLine xmlns="" xmlns:a14="http://schemas.microsoft.com/office/drawing/2010/main" w="9525">
                     <a:solidFill>
                       <a:srgbClr val="000000"/>
                     </a:solidFill>
@@ -13870,7 +13869,7 @@
               </a:ln>
               <a:extLst>
                 <a:ext uri="{91240B29-F687-4f45-9708-019B960494DF}">
-                  <a14:hiddenLine xmlns:a14="http://schemas.microsoft.com/office/drawing/2010/main" xmlns="" w="9525">
+                  <a14:hiddenLine xmlns="" xmlns:a14="http://schemas.microsoft.com/office/drawing/2010/main" w="9525">
                     <a:solidFill>
                       <a:srgbClr val="000000"/>
                     </a:solidFill>
@@ -13960,7 +13959,7 @@
               </a:ln>
               <a:extLst>
                 <a:ext uri="{91240B29-F687-4f45-9708-019B960494DF}">
-                  <a14:hiddenLine xmlns:a14="http://schemas.microsoft.com/office/drawing/2010/main" xmlns="" w="9525">
+                  <a14:hiddenLine xmlns="" xmlns:a14="http://schemas.microsoft.com/office/drawing/2010/main" w="9525">
                     <a:solidFill>
                       <a:srgbClr val="000000"/>
                     </a:solidFill>
@@ -14025,7 +14024,7 @@
               </a:ln>
               <a:extLst>
                 <a:ext uri="{91240B29-F687-4f45-9708-019B960494DF}">
-                  <a14:hiddenLine xmlns:a14="http://schemas.microsoft.com/office/drawing/2010/main" xmlns="" w="9525">
+                  <a14:hiddenLine xmlns="" xmlns:a14="http://schemas.microsoft.com/office/drawing/2010/main" w="9525">
                     <a:solidFill>
                       <a:srgbClr val="000000"/>
                     </a:solidFill>
@@ -14087,7 +14086,7 @@
               </a:ln>
               <a:extLst>
                 <a:ext uri="{91240B29-F687-4f45-9708-019B960494DF}">
-                  <a14:hiddenLine xmlns:a14="http://schemas.microsoft.com/office/drawing/2010/main" xmlns="" w="9525">
+                  <a14:hiddenLine xmlns="" xmlns:a14="http://schemas.microsoft.com/office/drawing/2010/main" w="9525">
                     <a:solidFill>
                       <a:srgbClr val="000000"/>
                     </a:solidFill>
@@ -14177,7 +14176,7 @@
               </a:ln>
               <a:extLst>
                 <a:ext uri="{91240B29-F687-4f45-9708-019B960494DF}">
-                  <a14:hiddenLine xmlns:a14="http://schemas.microsoft.com/office/drawing/2010/main" xmlns="" w="9525">
+                  <a14:hiddenLine xmlns="" xmlns:a14="http://schemas.microsoft.com/office/drawing/2010/main" w="9525">
                     <a:solidFill>
                       <a:srgbClr val="000000"/>
                     </a:solidFill>
@@ -14267,7 +14266,7 @@
               </a:ln>
               <a:extLst>
                 <a:ext uri="{91240B29-F687-4f45-9708-019B960494DF}">
-                  <a14:hiddenLine xmlns:a14="http://schemas.microsoft.com/office/drawing/2010/main" xmlns="" w="9525">
+                  <a14:hiddenLine xmlns="" xmlns:a14="http://schemas.microsoft.com/office/drawing/2010/main" w="9525">
                     <a:solidFill>
                       <a:srgbClr val="000000"/>
                     </a:solidFill>
@@ -14332,7 +14331,7 @@
               </a:ln>
               <a:extLst>
                 <a:ext uri="{91240B29-F687-4f45-9708-019B960494DF}">
-                  <a14:hiddenLine xmlns:a14="http://schemas.microsoft.com/office/drawing/2010/main" xmlns="" w="9525">
+                  <a14:hiddenLine xmlns="" xmlns:a14="http://schemas.microsoft.com/office/drawing/2010/main" w="9525">
                     <a:solidFill>
                       <a:srgbClr val="000000"/>
                     </a:solidFill>
@@ -14452,7 +14451,7 @@
               </a:ln>
               <a:extLst>
                 <a:ext uri="{91240B29-F687-4f45-9708-019B960494DF}">
-                  <a14:hiddenLine xmlns:a14="http://schemas.microsoft.com/office/drawing/2010/main" xmlns="" w="9525">
+                  <a14:hiddenLine xmlns="" xmlns:a14="http://schemas.microsoft.com/office/drawing/2010/main" w="9525">
                     <a:solidFill>
                       <a:srgbClr val="000000"/>
                     </a:solidFill>
@@ -14550,7 +14549,7 @@
               </a:ln>
               <a:extLst>
                 <a:ext uri="{91240B29-F687-4f45-9708-019B960494DF}">
-                  <a14:hiddenLine xmlns:a14="http://schemas.microsoft.com/office/drawing/2010/main" xmlns="" w="9525">
+                  <a14:hiddenLine xmlns="" xmlns:a14="http://schemas.microsoft.com/office/drawing/2010/main" w="9525">
                     <a:solidFill>
                       <a:srgbClr val="000000"/>
                     </a:solidFill>
@@ -14665,7 +14664,7 @@
               </a:ln>
               <a:extLst>
                 <a:ext uri="{91240B29-F687-4f45-9708-019B960494DF}">
-                  <a14:hiddenLine xmlns:a14="http://schemas.microsoft.com/office/drawing/2010/main" xmlns="" w="9525">
+                  <a14:hiddenLine xmlns="" xmlns:a14="http://schemas.microsoft.com/office/drawing/2010/main" w="9525">
                     <a:solidFill>
                       <a:srgbClr val="000000"/>
                     </a:solidFill>
@@ -14755,7 +14754,7 @@
               </a:ln>
               <a:extLst>
                 <a:ext uri="{91240B29-F687-4f45-9708-019B960494DF}">
-                  <a14:hiddenLine xmlns:a14="http://schemas.microsoft.com/office/drawing/2010/main" xmlns="" w="9525">
+                  <a14:hiddenLine xmlns="" xmlns:a14="http://schemas.microsoft.com/office/drawing/2010/main" w="9525">
                     <a:solidFill>
                       <a:srgbClr val="000000"/>
                     </a:solidFill>
@@ -14820,7 +14819,7 @@
               </a:ln>
               <a:extLst>
                 <a:ext uri="{91240B29-F687-4f45-9708-019B960494DF}">
-                  <a14:hiddenLine xmlns:a14="http://schemas.microsoft.com/office/drawing/2010/main" xmlns="" w="9525">
+                  <a14:hiddenLine xmlns="" xmlns:a14="http://schemas.microsoft.com/office/drawing/2010/main" w="9525">
                     <a:solidFill>
                       <a:srgbClr val="000000"/>
                     </a:solidFill>
@@ -14910,7 +14909,7 @@
               </a:ln>
               <a:extLst>
                 <a:ext uri="{91240B29-F687-4f45-9708-019B960494DF}">
-                  <a14:hiddenLine xmlns:a14="http://schemas.microsoft.com/office/drawing/2010/main" xmlns="" w="9525">
+                  <a14:hiddenLine xmlns="" xmlns:a14="http://schemas.microsoft.com/office/drawing/2010/main" w="9525">
                     <a:solidFill>
                       <a:srgbClr val="000000"/>
                     </a:solidFill>
@@ -14978,7 +14977,7 @@
               </a:ln>
               <a:extLst>
                 <a:ext uri="{91240B29-F687-4f45-9708-019B960494DF}">
-                  <a14:hiddenLine xmlns:a14="http://schemas.microsoft.com/office/drawing/2010/main" xmlns="" w="9525">
+                  <a14:hiddenLine xmlns="" xmlns:a14="http://schemas.microsoft.com/office/drawing/2010/main" w="9525">
                     <a:solidFill>
                       <a:srgbClr val="000000"/>
                     </a:solidFill>
@@ -15068,7 +15067,7 @@
               </a:ln>
               <a:extLst>
                 <a:ext uri="{91240B29-F687-4f45-9708-019B960494DF}">
-                  <a14:hiddenLine xmlns:a14="http://schemas.microsoft.com/office/drawing/2010/main" xmlns="" w="9525">
+                  <a14:hiddenLine xmlns="" xmlns:a14="http://schemas.microsoft.com/office/drawing/2010/main" w="9525">
                     <a:solidFill>
                       <a:srgbClr val="000000"/>
                     </a:solidFill>
@@ -15136,7 +15135,7 @@
               </a:ln>
               <a:extLst>
                 <a:ext uri="{91240B29-F687-4f45-9708-019B960494DF}">
-                  <a14:hiddenLine xmlns:a14="http://schemas.microsoft.com/office/drawing/2010/main" xmlns="" w="9525">
+                  <a14:hiddenLine xmlns="" xmlns:a14="http://schemas.microsoft.com/office/drawing/2010/main" w="9525">
                     <a:solidFill>
                       <a:srgbClr val="000000"/>
                     </a:solidFill>
@@ -15226,7 +15225,7 @@
               </a:ln>
               <a:extLst>
                 <a:ext uri="{91240B29-F687-4f45-9708-019B960494DF}">
-                  <a14:hiddenLine xmlns:a14="http://schemas.microsoft.com/office/drawing/2010/main" xmlns="" w="9525">
+                  <a14:hiddenLine xmlns="" xmlns:a14="http://schemas.microsoft.com/office/drawing/2010/main" w="9525">
                     <a:solidFill>
                       <a:srgbClr val="000000"/>
                     </a:solidFill>
@@ -15260,7 +15259,7 @@
               </a:ln>
               <a:extLst>
                 <a:ext uri="{91240B29-F687-4f45-9708-019B960494DF}">
-                  <a14:hiddenLine xmlns:a14="http://schemas.microsoft.com/office/drawing/2010/main" xmlns="" w="9525">
+                  <a14:hiddenLine xmlns="" xmlns:a14="http://schemas.microsoft.com/office/drawing/2010/main" w="9525">
                     <a:solidFill>
                       <a:srgbClr val="000000"/>
                     </a:solidFill>
@@ -15401,7 +15400,7 @@
             <a:fld id="{48A87A34-81AB-432B-8DAE-1953F412C126}" type="datetimeFigureOut">
               <a:rPr lang="en-US" dirty="0"/>
               <a:pPr/>
-              <a:t>11/13/2019</a:t>
+              <a:t>11/14/2019</a:t>
             </a:fld>
             <a:endParaRPr lang="en-US" dirty="0"/>
           </a:p>
@@ -15915,114 +15914,6 @@
           <a:chExt cx="0" cy="0"/>
         </a:xfrm>
       </p:grpSpPr>
-      <p:sp>
-        <p:nvSpPr>
-          <p:cNvPr id="3" name="Content Placeholder 2">
-            <a:extLst>
-              <a:ext uri="{FF2B5EF4-FFF2-40B4-BE49-F238E27FC236}">
-                <a16:creationId xmlns:a16="http://schemas.microsoft.com/office/drawing/2014/main" id="{267BC10D-F0ED-480B-95FB-328069621D16}"/>
-              </a:ext>
-            </a:extLst>
-          </p:cNvPr>
-          <p:cNvSpPr>
-            <a:spLocks noGrp="1"/>
-          </p:cNvSpPr>
-          <p:nvPr>
-            <p:ph idx="1"/>
-          </p:nvPr>
-        </p:nvSpPr>
-        <p:spPr>
-          <a:xfrm>
-            <a:off x="1141412" y="365760"/>
-            <a:ext cx="9905999" cy="6063916"/>
-          </a:xfrm>
-        </p:spPr>
-        <p:txBody>
-          <a:bodyPr/>
-          <a:lstStyle/>
-          <a:p>
-            <a:pPr marL="0" indent="0">
-              <a:buNone/>
-            </a:pPr>
-            <a:r>
-              <a:rPr lang="en-US" b="1" dirty="0">
-                <a:hlinkClick r:id="rId2" action="ppaction://hlinksldjump"/>
-              </a:rPr>
-              <a:t>Step 4 : Build a term-document matrix</a:t>
-            </a:r>
-            <a:endParaRPr lang="en-US" dirty="0"/>
-          </a:p>
-          <a:p>
-            <a:pPr marL="0" indent="0">
-              <a:buNone/>
-            </a:pPr>
-            <a:r>
-              <a:rPr lang="en-US" dirty="0"/>
-              <a:t>dtm &lt;- TermDocumentMatrix(docs)</a:t>
-            </a:r>
-          </a:p>
-          <a:p>
-            <a:pPr marL="0" indent="0">
-              <a:buNone/>
-            </a:pPr>
-            <a:r>
-              <a:rPr lang="en-US" dirty="0"/>
-              <a:t>m &lt;- as.matrix(dtm)</a:t>
-            </a:r>
-          </a:p>
-          <a:p>
-            <a:pPr marL="0" indent="0">
-              <a:buNone/>
-            </a:pPr>
-            <a:r>
-              <a:rPr lang="en-US" dirty="0"/>
-              <a:t>v &lt;- sort(rowSums(m),decreasing=TRUE)</a:t>
-            </a:r>
-          </a:p>
-          <a:p>
-            <a:pPr marL="0" indent="0">
-              <a:buNone/>
-            </a:pPr>
-            <a:r>
-              <a:rPr lang="en-US" dirty="0"/>
-              <a:t>d &lt;- data.frame(word = names(v),freq=v)</a:t>
-            </a:r>
-          </a:p>
-          <a:p>
-            <a:endParaRPr lang="en-US" dirty="0"/>
-          </a:p>
-        </p:txBody>
-      </p:sp>
-    </p:spTree>
-    <p:extLst>
-      <p:ext uri="{BB962C8B-B14F-4D97-AF65-F5344CB8AC3E}">
-        <p14:creationId xmlns:p14="http://schemas.microsoft.com/office/powerpoint/2010/main" val="954788028"/>
-      </p:ext>
-    </p:extLst>
-  </p:cSld>
-  <p:clrMapOvr>
-    <a:masterClrMapping/>
-  </p:clrMapOvr>
-</p:sld>
-</file>
-
-<file path=ppt/slides/slide11.xml><?xml version="1.0" encoding="utf-8"?>
-<p:sld xmlns:a="http://schemas.openxmlformats.org/drawingml/2006/main" xmlns:r="http://schemas.openxmlformats.org/officeDocument/2006/relationships" xmlns:p="http://schemas.openxmlformats.org/presentationml/2006/main">
-  <p:cSld>
-    <p:spTree>
-      <p:nvGrpSpPr>
-        <p:cNvPr id="1" name=""/>
-        <p:cNvGrpSpPr/>
-        <p:nvPr/>
-      </p:nvGrpSpPr>
-      <p:grpSpPr>
-        <a:xfrm>
-          <a:off x="0" y="0"/>
-          <a:ext cx="0" cy="0"/>
-          <a:chOff x="0" y="0"/>
-          <a:chExt cx="0" cy="0"/>
-        </a:xfrm>
-      </p:grpSpPr>
       <p:pic>
         <p:nvPicPr>
           <p:cNvPr id="6" name="Content Placeholder 5">
@@ -16481,1408 +16372,6 @@
           <p:cNvPr id="2" name="Title 1">
             <a:extLst>
               <a:ext uri="{FF2B5EF4-FFF2-40B4-BE49-F238E27FC236}">
-                <a16:creationId xmlns:a16="http://schemas.microsoft.com/office/drawing/2014/main" id="{751F36A9-F7D6-4A29-B1CB-C231A7CFC828}"/>
-              </a:ext>
-            </a:extLst>
-          </p:cNvPr>
-          <p:cNvSpPr>
-            <a:spLocks noGrp="1"/>
-          </p:cNvSpPr>
-          <p:nvPr>
-            <p:ph type="title"/>
-          </p:nvPr>
-        </p:nvSpPr>
-        <p:spPr>
-          <a:xfrm>
-            <a:off x="1141413" y="201828"/>
-            <a:ext cx="9905998" cy="1791729"/>
-          </a:xfrm>
-        </p:spPr>
-        <p:txBody>
-          <a:bodyPr>
-            <a:normAutofit/>
-          </a:bodyPr>
-          <a:lstStyle/>
-          <a:p>
-            <a:r>
-              <a:rPr lang="en-US" dirty="0"/>
-              <a:t>Text Mining: Term Frequency</a:t>
-            </a:r>
-            <a:br>
-              <a:rPr lang="en-US" dirty="0"/>
-            </a:br>
-            <a:endParaRPr lang="en-US" dirty="0"/>
-          </a:p>
-        </p:txBody>
-      </p:sp>
-      <p:sp>
-        <p:nvSpPr>
-          <p:cNvPr id="3" name="Content Placeholder 2">
-            <a:extLst>
-              <a:ext uri="{FF2B5EF4-FFF2-40B4-BE49-F238E27FC236}">
-                <a16:creationId xmlns:a16="http://schemas.microsoft.com/office/drawing/2014/main" id="{5A68ED5A-3960-4E89-8411-5627A93ED9C7}"/>
-              </a:ext>
-            </a:extLst>
-          </p:cNvPr>
-          <p:cNvSpPr>
-            <a:spLocks noGrp="1"/>
-          </p:cNvSpPr>
-          <p:nvPr>
-            <p:ph idx="1"/>
-          </p:nvPr>
-        </p:nvSpPr>
-        <p:spPr/>
-        <p:txBody>
-          <a:bodyPr/>
-          <a:lstStyle/>
-          <a:p>
-            <a:r>
-              <a:rPr lang="en-US" dirty="0"/>
-              <a:t>methods allow us to highlight the </a:t>
-            </a:r>
-            <a:r>
-              <a:rPr lang="en-US" b="1" dirty="0">
-                <a:solidFill>
-                  <a:srgbClr val="FF0000"/>
-                </a:solidFill>
-              </a:rPr>
-              <a:t>most frequently used keywords </a:t>
-            </a:r>
-            <a:r>
-              <a:rPr lang="en-US" dirty="0"/>
-              <a:t>in a paragraph of texts. One can create a </a:t>
-            </a:r>
-            <a:r>
-              <a:rPr lang="en-US" b="1" dirty="0"/>
-              <a:t>word cloud</a:t>
-            </a:r>
-            <a:r>
-              <a:rPr lang="en-US" dirty="0"/>
-              <a:t>, also referred as </a:t>
-            </a:r>
-            <a:r>
-              <a:rPr lang="en-US" i="1" dirty="0"/>
-              <a:t>text cloud</a:t>
-            </a:r>
-            <a:r>
-              <a:rPr lang="en-US" dirty="0"/>
-              <a:t> or </a:t>
-            </a:r>
-            <a:r>
-              <a:rPr lang="en-US" i="1" dirty="0"/>
-              <a:t>tag cloud</a:t>
-            </a:r>
-            <a:r>
-              <a:rPr lang="en-US" dirty="0"/>
-              <a:t>, which is a visual representation of text data.</a:t>
-            </a:r>
-          </a:p>
-        </p:txBody>
-      </p:sp>
-      <p:pic>
-        <p:nvPicPr>
-          <p:cNvPr id="4" name="Picture 3">
-            <a:extLst>
-              <a:ext uri="{FF2B5EF4-FFF2-40B4-BE49-F238E27FC236}">
-                <a16:creationId xmlns:a16="http://schemas.microsoft.com/office/drawing/2014/main" id="{68AF916E-1AE6-49E5-A331-37339321500C}"/>
-              </a:ext>
-            </a:extLst>
-          </p:cNvPr>
-          <p:cNvPicPr>
-            <a:picLocks noChangeAspect="1"/>
-          </p:cNvPicPr>
-          <p:nvPr/>
-        </p:nvPicPr>
-        <p:blipFill>
-          <a:blip r:embed="rId2"/>
-          <a:stretch>
-            <a:fillRect/>
-          </a:stretch>
-        </p:blipFill>
-        <p:spPr>
-          <a:xfrm>
-            <a:off x="1141412" y="3731741"/>
-            <a:ext cx="4803265" cy="2924431"/>
-          </a:xfrm>
-          <a:prstGeom prst="rect">
-            <a:avLst/>
-          </a:prstGeom>
-        </p:spPr>
-      </p:pic>
-      <p:graphicFrame>
-        <p:nvGraphicFramePr>
-          <p:cNvPr id="5" name="Table 4">
-            <a:extLst>
-              <a:ext uri="{FF2B5EF4-FFF2-40B4-BE49-F238E27FC236}">
-                <a16:creationId xmlns:a16="http://schemas.microsoft.com/office/drawing/2014/main" id="{5A929660-AEB4-42C7-B816-134DC682C8AA}"/>
-              </a:ext>
-            </a:extLst>
-          </p:cNvPr>
-          <p:cNvGraphicFramePr>
-            <a:graphicFrameLocks noGrp="1"/>
-          </p:cNvGraphicFramePr>
-          <p:nvPr>
-            <p:extLst>
-              <p:ext uri="{D42A27DB-BD31-4B8C-83A1-F6EECF244321}">
-                <p14:modId xmlns:p14="http://schemas.microsoft.com/office/powerpoint/2010/main" val="2595721879"/>
-              </p:ext>
-            </p:extLst>
-          </p:nvPr>
-        </p:nvGraphicFramePr>
-        <p:xfrm>
-          <a:off x="6247325" y="3731741"/>
-          <a:ext cx="4803264" cy="2800861"/>
-        </p:xfrm>
-        <a:graphic>
-          <a:graphicData uri="http://schemas.openxmlformats.org/drawingml/2006/table">
-            <a:tbl>
-              <a:tblPr/>
-              <a:tblGrid>
-                <a:gridCol w="1601088">
-                  <a:extLst>
-                    <a:ext uri="{9D8B030D-6E8A-4147-A177-3AD203B41FA5}">
-                      <a16:colId xmlns:a16="http://schemas.microsoft.com/office/drawing/2014/main" val="1948798490"/>
-                    </a:ext>
-                  </a:extLst>
-                </a:gridCol>
-                <a:gridCol w="1601088">
-                  <a:extLst>
-                    <a:ext uri="{9D8B030D-6E8A-4147-A177-3AD203B41FA5}">
-                      <a16:colId xmlns:a16="http://schemas.microsoft.com/office/drawing/2014/main" val="4265241545"/>
-                    </a:ext>
-                  </a:extLst>
-                </a:gridCol>
-                <a:gridCol w="1601088">
-                  <a:extLst>
-                    <a:ext uri="{9D8B030D-6E8A-4147-A177-3AD203B41FA5}">
-                      <a16:colId xmlns:a16="http://schemas.microsoft.com/office/drawing/2014/main" val="967490356"/>
-                    </a:ext>
-                  </a:extLst>
-                </a:gridCol>
-              </a:tblGrid>
-              <a:tr h="638465">
-                <a:tc>
-                  <a:txBody>
-                    <a:bodyPr/>
-                    <a:lstStyle/>
-                    <a:p>
-                      <a:pPr algn="l"/>
-                      <a:r>
-                        <a:rPr lang="en-US" sz="1400" dirty="0">
-                          <a:solidFill>
-                            <a:srgbClr val="FFFF00"/>
-                          </a:solidFill>
-                          <a:effectLst/>
-                        </a:rPr>
-                        <a:t> </a:t>
-                      </a:r>
-                    </a:p>
-                    <a:p>
-                      <a:pPr algn="l"/>
-                      <a:r>
-                        <a:rPr lang="en-US" sz="1400" b="0" dirty="0">
-                          <a:solidFill>
-                            <a:srgbClr val="FFFF00"/>
-                          </a:solidFill>
-                          <a:effectLst/>
-                        </a:rPr>
-                        <a:t> </a:t>
-                      </a:r>
-                    </a:p>
-                  </a:txBody>
-                  <a:tcPr marL="43511" marR="43511" marT="34809" marB="21755" anchor="ctr">
-                    <a:lnL>
-                      <a:noFill/>
-                    </a:lnL>
-                    <a:lnR>
-                      <a:noFill/>
-                    </a:lnR>
-                    <a:lnT>
-                      <a:noFill/>
-                    </a:lnT>
-                    <a:lnB w="9525" cap="flat" cmpd="sng" algn="ctr">
-                      <a:solidFill>
-                        <a:srgbClr val="003B03"/>
-                      </a:solidFill>
-                      <a:prstDash val="solid"/>
-                      <a:round/>
-                      <a:headEnd type="none" w="med" len="med"/>
-                      <a:tailEnd type="none" w="med" len="med"/>
-                    </a:lnB>
-                  </a:tcPr>
-                </a:tc>
-                <a:tc>
-                  <a:txBody>
-                    <a:bodyPr/>
-                    <a:lstStyle/>
-                    <a:p>
-                      <a:pPr algn="l"/>
-                      <a:r>
-                        <a:rPr lang="en-US" sz="1400" dirty="0">
-                          <a:solidFill>
-                            <a:srgbClr val="FFFF00"/>
-                          </a:solidFill>
-                          <a:effectLst/>
-                        </a:rPr>
-                        <a:t>word</a:t>
-                      </a:r>
-                    </a:p>
-                  </a:txBody>
-                  <a:tcPr marL="43511" marR="43511" marT="34809" marB="21755" anchor="ctr">
-                    <a:lnL>
-                      <a:noFill/>
-                    </a:lnL>
-                    <a:lnR>
-                      <a:noFill/>
-                    </a:lnR>
-                    <a:lnT>
-                      <a:noFill/>
-                    </a:lnT>
-                    <a:lnB w="9525" cap="flat" cmpd="sng" algn="ctr">
-                      <a:solidFill>
-                        <a:srgbClr val="004703"/>
-                      </a:solidFill>
-                      <a:prstDash val="solid"/>
-                      <a:round/>
-                      <a:headEnd type="none" w="med" len="med"/>
-                      <a:tailEnd type="none" w="med" len="med"/>
-                    </a:lnB>
-                  </a:tcPr>
-                </a:tc>
-                <a:tc>
-                  <a:txBody>
-                    <a:bodyPr/>
-                    <a:lstStyle/>
-                    <a:p>
-                      <a:pPr algn="r"/>
-                      <a:r>
-                        <a:rPr lang="en-US" sz="1400" dirty="0">
-                          <a:solidFill>
-                            <a:srgbClr val="FFFF00"/>
-                          </a:solidFill>
-                          <a:effectLst/>
-                        </a:rPr>
-                        <a:t>freq</a:t>
-                      </a:r>
-                    </a:p>
-                  </a:txBody>
-                  <a:tcPr marL="43511" marR="43511" marT="34809" marB="21755" anchor="ctr">
-                    <a:lnL>
-                      <a:noFill/>
-                    </a:lnL>
-                    <a:lnR>
-                      <a:noFill/>
-                    </a:lnR>
-                    <a:lnT>
-                      <a:noFill/>
-                    </a:lnT>
-                    <a:lnB w="9525" cap="flat" cmpd="sng" algn="ctr">
-                      <a:solidFill>
-                        <a:srgbClr val="C04403"/>
-                      </a:solidFill>
-                      <a:prstDash val="solid"/>
-                      <a:round/>
-                      <a:headEnd type="none" w="med" len="med"/>
-                      <a:tailEnd type="none" w="med" len="med"/>
-                    </a:lnB>
-                  </a:tcPr>
-                </a:tc>
-                <a:extLst>
-                  <a:ext uri="{0D108BD9-81ED-4DB2-BD59-A6C34878D82A}">
-                    <a16:rowId xmlns:a16="http://schemas.microsoft.com/office/drawing/2014/main" val="2683568182"/>
-                  </a:ext>
-                </a:extLst>
-              </a:tr>
-              <a:tr h="199390">
-                <a:tc>
-                  <a:txBody>
-                    <a:bodyPr/>
-                    <a:lstStyle/>
-                    <a:p>
-                      <a:pPr algn="l"/>
-                      <a:r>
-                        <a:rPr lang="en-US" sz="800" b="1" dirty="0">
-                          <a:solidFill>
-                            <a:srgbClr val="FFFF00"/>
-                          </a:solidFill>
-                          <a:effectLst/>
-                        </a:rPr>
-                        <a:t>treatment</a:t>
-                      </a:r>
-                    </a:p>
-                  </a:txBody>
-                  <a:tcPr marL="43511" marR="43511" marT="14504" marB="14504" anchor="ctr">
-                    <a:lnL>
-                      <a:noFill/>
-                    </a:lnL>
-                    <a:lnR>
-                      <a:noFill/>
-                    </a:lnR>
-                    <a:lnT w="9525" cap="flat" cmpd="sng" algn="ctr">
-                      <a:solidFill>
-                        <a:srgbClr val="003B03"/>
-                      </a:solidFill>
-                      <a:prstDash val="solid"/>
-                      <a:round/>
-                      <a:headEnd type="none" w="med" len="med"/>
-                      <a:tailEnd type="none" w="med" len="med"/>
-                    </a:lnT>
-                    <a:lnB>
-                      <a:noFill/>
-                    </a:lnB>
-                  </a:tcPr>
-                </a:tc>
-                <a:tc>
-                  <a:txBody>
-                    <a:bodyPr/>
-                    <a:lstStyle/>
-                    <a:p>
-                      <a:pPr algn="l"/>
-                      <a:r>
-                        <a:rPr lang="en-US" sz="800" b="1" dirty="0">
-                          <a:solidFill>
-                            <a:srgbClr val="FFFF00"/>
-                          </a:solidFill>
-                          <a:effectLst/>
-                        </a:rPr>
-                        <a:t>treatment</a:t>
-                      </a:r>
-                    </a:p>
-                  </a:txBody>
-                  <a:tcPr marL="43511" marR="43511" marT="14504" marB="14504" anchor="ctr">
-                    <a:lnL>
-                      <a:noFill/>
-                    </a:lnL>
-                    <a:lnR>
-                      <a:noFill/>
-                    </a:lnR>
-                    <a:lnT w="9525" cap="flat" cmpd="sng" algn="ctr">
-                      <a:solidFill>
-                        <a:srgbClr val="004703"/>
-                      </a:solidFill>
-                      <a:prstDash val="solid"/>
-                      <a:round/>
-                      <a:headEnd type="none" w="med" len="med"/>
-                      <a:tailEnd type="none" w="med" len="med"/>
-                    </a:lnT>
-                    <a:lnB>
-                      <a:noFill/>
-                    </a:lnB>
-                  </a:tcPr>
-                </a:tc>
-                <a:tc>
-                  <a:txBody>
-                    <a:bodyPr/>
-                    <a:lstStyle/>
-                    <a:p>
-                      <a:pPr algn="r"/>
-                      <a:r>
-                        <a:rPr lang="en-US" sz="800" b="1" dirty="0">
-                          <a:solidFill>
-                            <a:srgbClr val="FFFF00"/>
-                          </a:solidFill>
-                          <a:effectLst/>
-                        </a:rPr>
-                        <a:t>9</a:t>
-                      </a:r>
-                    </a:p>
-                  </a:txBody>
-                  <a:tcPr marL="43511" marR="43511" marT="14504" marB="14504" anchor="ctr">
-                    <a:lnL>
-                      <a:noFill/>
-                    </a:lnL>
-                    <a:lnR>
-                      <a:noFill/>
-                    </a:lnR>
-                    <a:lnT w="9525" cap="flat" cmpd="sng" algn="ctr">
-                      <a:solidFill>
-                        <a:srgbClr val="C04403"/>
-                      </a:solidFill>
-                      <a:prstDash val="solid"/>
-                      <a:round/>
-                      <a:headEnd type="none" w="med" len="med"/>
-                      <a:tailEnd type="none" w="med" len="med"/>
-                    </a:lnT>
-                    <a:lnB>
-                      <a:noFill/>
-                    </a:lnB>
-                  </a:tcPr>
-                </a:tc>
-                <a:extLst>
-                  <a:ext uri="{0D108BD9-81ED-4DB2-BD59-A6C34878D82A}">
-                    <a16:rowId xmlns:a16="http://schemas.microsoft.com/office/drawing/2014/main" val="3535132017"/>
-                  </a:ext>
-                </a:extLst>
-              </a:tr>
-              <a:tr h="199390">
-                <a:tc>
-                  <a:txBody>
-                    <a:bodyPr/>
-                    <a:lstStyle/>
-                    <a:p>
-                      <a:pPr algn="l"/>
-                      <a:r>
-                        <a:rPr lang="en-US" sz="800" b="1">
-                          <a:solidFill>
-                            <a:srgbClr val="FFFF00"/>
-                          </a:solidFill>
-                          <a:effectLst/>
-                        </a:rPr>
-                        <a:t>equipment</a:t>
-                      </a:r>
-                    </a:p>
-                  </a:txBody>
-                  <a:tcPr marL="43511" marR="43511" marT="14504" marB="14504" anchor="ctr">
-                    <a:lnL>
-                      <a:noFill/>
-                    </a:lnL>
-                    <a:lnR>
-                      <a:noFill/>
-                    </a:lnR>
-                    <a:lnT>
-                      <a:noFill/>
-                    </a:lnT>
-                    <a:lnB>
-                      <a:noFill/>
-                    </a:lnB>
-                  </a:tcPr>
-                </a:tc>
-                <a:tc>
-                  <a:txBody>
-                    <a:bodyPr/>
-                    <a:lstStyle/>
-                    <a:p>
-                      <a:pPr algn="l"/>
-                      <a:r>
-                        <a:rPr lang="en-US" sz="800" b="1" dirty="0">
-                          <a:solidFill>
-                            <a:srgbClr val="FFFF00"/>
-                          </a:solidFill>
-                          <a:effectLst/>
-                        </a:rPr>
-                        <a:t>equipment</a:t>
-                      </a:r>
-                    </a:p>
-                  </a:txBody>
-                  <a:tcPr marL="43511" marR="43511" marT="14504" marB="14504" anchor="ctr">
-                    <a:lnL>
-                      <a:noFill/>
-                    </a:lnL>
-                    <a:lnR>
-                      <a:noFill/>
-                    </a:lnR>
-                    <a:lnT>
-                      <a:noFill/>
-                    </a:lnT>
-                    <a:lnB>
-                      <a:noFill/>
-                    </a:lnB>
-                  </a:tcPr>
-                </a:tc>
-                <a:tc>
-                  <a:txBody>
-                    <a:bodyPr/>
-                    <a:lstStyle/>
-                    <a:p>
-                      <a:pPr algn="r"/>
-                      <a:r>
-                        <a:rPr lang="en-US" sz="800" b="1" dirty="0">
-                          <a:solidFill>
-                            <a:srgbClr val="FFFF00"/>
-                          </a:solidFill>
-                          <a:effectLst/>
-                        </a:rPr>
-                        <a:t>5</a:t>
-                      </a:r>
-                    </a:p>
-                  </a:txBody>
-                  <a:tcPr marL="43511" marR="43511" marT="14504" marB="14504" anchor="ctr">
-                    <a:lnL>
-                      <a:noFill/>
-                    </a:lnL>
-                    <a:lnR>
-                      <a:noFill/>
-                    </a:lnR>
-                    <a:lnT>
-                      <a:noFill/>
-                    </a:lnT>
-                    <a:lnB>
-                      <a:noFill/>
-                    </a:lnB>
-                  </a:tcPr>
-                </a:tc>
-                <a:extLst>
-                  <a:ext uri="{0D108BD9-81ED-4DB2-BD59-A6C34878D82A}">
-                    <a16:rowId xmlns:a16="http://schemas.microsoft.com/office/drawing/2014/main" val="1868416907"/>
-                  </a:ext>
-                </a:extLst>
-              </a:tr>
-              <a:tr h="199390">
-                <a:tc>
-                  <a:txBody>
-                    <a:bodyPr/>
-                    <a:lstStyle/>
-                    <a:p>
-                      <a:pPr algn="l"/>
-                      <a:r>
-                        <a:rPr lang="en-US" sz="800" b="1">
-                          <a:solidFill>
-                            <a:srgbClr val="FFFF00"/>
-                          </a:solidFill>
-                          <a:effectLst/>
-                        </a:rPr>
-                        <a:t>item</a:t>
-                      </a:r>
-                    </a:p>
-                  </a:txBody>
-                  <a:tcPr marL="43511" marR="43511" marT="14504" marB="14504" anchor="ctr">
-                    <a:lnL>
-                      <a:noFill/>
-                    </a:lnL>
-                    <a:lnR>
-                      <a:noFill/>
-                    </a:lnR>
-                    <a:lnT>
-                      <a:noFill/>
-                    </a:lnT>
-                    <a:lnB>
-                      <a:noFill/>
-                    </a:lnB>
-                  </a:tcPr>
-                </a:tc>
-                <a:tc>
-                  <a:txBody>
-                    <a:bodyPr/>
-                    <a:lstStyle/>
-                    <a:p>
-                      <a:pPr algn="l"/>
-                      <a:r>
-                        <a:rPr lang="en-US" sz="800" b="1" dirty="0">
-                          <a:solidFill>
-                            <a:srgbClr val="FFFF00"/>
-                          </a:solidFill>
-                          <a:effectLst/>
-                        </a:rPr>
-                        <a:t>item</a:t>
-                      </a:r>
-                    </a:p>
-                  </a:txBody>
-                  <a:tcPr marL="43511" marR="43511" marT="14504" marB="14504" anchor="ctr">
-                    <a:lnL>
-                      <a:noFill/>
-                    </a:lnL>
-                    <a:lnR>
-                      <a:noFill/>
-                    </a:lnR>
-                    <a:lnT>
-                      <a:noFill/>
-                    </a:lnT>
-                    <a:lnB>
-                      <a:noFill/>
-                    </a:lnB>
-                  </a:tcPr>
-                </a:tc>
-                <a:tc>
-                  <a:txBody>
-                    <a:bodyPr/>
-                    <a:lstStyle/>
-                    <a:p>
-                      <a:pPr algn="r"/>
-                      <a:r>
-                        <a:rPr lang="en-US" sz="800" b="1" dirty="0">
-                          <a:solidFill>
-                            <a:srgbClr val="FFFF00"/>
-                          </a:solidFill>
-                          <a:effectLst/>
-                        </a:rPr>
-                        <a:t>5</a:t>
-                      </a:r>
-                    </a:p>
-                  </a:txBody>
-                  <a:tcPr marL="43511" marR="43511" marT="14504" marB="14504" anchor="ctr">
-                    <a:lnL>
-                      <a:noFill/>
-                    </a:lnL>
-                    <a:lnR>
-                      <a:noFill/>
-                    </a:lnR>
-                    <a:lnT>
-                      <a:noFill/>
-                    </a:lnT>
-                    <a:lnB>
-                      <a:noFill/>
-                    </a:lnB>
-                  </a:tcPr>
-                </a:tc>
-                <a:extLst>
-                  <a:ext uri="{0D108BD9-81ED-4DB2-BD59-A6C34878D82A}">
-                    <a16:rowId xmlns:a16="http://schemas.microsoft.com/office/drawing/2014/main" val="1314885167"/>
-                  </a:ext>
-                </a:extLst>
-              </a:tr>
-              <a:tr h="199390">
-                <a:tc>
-                  <a:txBody>
-                    <a:bodyPr/>
-                    <a:lstStyle/>
-                    <a:p>
-                      <a:pPr algn="l"/>
-                      <a:r>
-                        <a:rPr lang="en-US" sz="800" b="1">
-                          <a:solidFill>
-                            <a:srgbClr val="FFFF00"/>
-                          </a:solidFill>
-                          <a:effectLst/>
-                        </a:rPr>
-                        <a:t>medication</a:t>
-                      </a:r>
-                    </a:p>
-                  </a:txBody>
-                  <a:tcPr marL="43511" marR="43511" marT="14504" marB="14504" anchor="ctr">
-                    <a:lnL>
-                      <a:noFill/>
-                    </a:lnL>
-                    <a:lnR>
-                      <a:noFill/>
-                    </a:lnR>
-                    <a:lnT>
-                      <a:noFill/>
-                    </a:lnT>
-                    <a:lnB>
-                      <a:noFill/>
-                    </a:lnB>
-                  </a:tcPr>
-                </a:tc>
-                <a:tc>
-                  <a:txBody>
-                    <a:bodyPr/>
-                    <a:lstStyle/>
-                    <a:p>
-                      <a:pPr algn="l"/>
-                      <a:r>
-                        <a:rPr lang="en-US" sz="800" b="1" dirty="0">
-                          <a:solidFill>
-                            <a:srgbClr val="FFFF00"/>
-                          </a:solidFill>
-                          <a:effectLst/>
-                        </a:rPr>
-                        <a:t>medication</a:t>
-                      </a:r>
-                    </a:p>
-                  </a:txBody>
-                  <a:tcPr marL="43511" marR="43511" marT="14504" marB="14504" anchor="ctr">
-                    <a:lnL>
-                      <a:noFill/>
-                    </a:lnL>
-                    <a:lnR>
-                      <a:noFill/>
-                    </a:lnR>
-                    <a:lnT>
-                      <a:noFill/>
-                    </a:lnT>
-                    <a:lnB>
-                      <a:noFill/>
-                    </a:lnB>
-                  </a:tcPr>
-                </a:tc>
-                <a:tc>
-                  <a:txBody>
-                    <a:bodyPr/>
-                    <a:lstStyle/>
-                    <a:p>
-                      <a:pPr algn="r"/>
-                      <a:r>
-                        <a:rPr lang="en-US" sz="800" b="1" dirty="0">
-                          <a:solidFill>
-                            <a:srgbClr val="FFFF00"/>
-                          </a:solidFill>
-                          <a:effectLst/>
-                        </a:rPr>
-                        <a:t>5</a:t>
-                      </a:r>
-                    </a:p>
-                  </a:txBody>
-                  <a:tcPr marL="43511" marR="43511" marT="14504" marB="14504" anchor="ctr">
-                    <a:lnL>
-                      <a:noFill/>
-                    </a:lnL>
-                    <a:lnR>
-                      <a:noFill/>
-                    </a:lnR>
-                    <a:lnT>
-                      <a:noFill/>
-                    </a:lnT>
-                    <a:lnB>
-                      <a:noFill/>
-                    </a:lnB>
-                  </a:tcPr>
-                </a:tc>
-                <a:extLst>
-                  <a:ext uri="{0D108BD9-81ED-4DB2-BD59-A6C34878D82A}">
-                    <a16:rowId xmlns:a16="http://schemas.microsoft.com/office/drawing/2014/main" val="3338987708"/>
-                  </a:ext>
-                </a:extLst>
-              </a:tr>
-              <a:tr h="199390">
-                <a:tc>
-                  <a:txBody>
-                    <a:bodyPr/>
-                    <a:lstStyle/>
-                    <a:p>
-                      <a:pPr algn="l"/>
-                      <a:r>
-                        <a:rPr lang="en-US" sz="800" b="1">
-                          <a:solidFill>
-                            <a:srgbClr val="FFFF00"/>
-                          </a:solidFill>
-                          <a:effectLst/>
-                        </a:rPr>
-                        <a:t>question</a:t>
-                      </a:r>
-                    </a:p>
-                  </a:txBody>
-                  <a:tcPr marL="43511" marR="43511" marT="14504" marB="14504" anchor="ctr">
-                    <a:lnL>
-                      <a:noFill/>
-                    </a:lnL>
-                    <a:lnR>
-                      <a:noFill/>
-                    </a:lnR>
-                    <a:lnT>
-                      <a:noFill/>
-                    </a:lnT>
-                    <a:lnB>
-                      <a:noFill/>
-                    </a:lnB>
-                  </a:tcPr>
-                </a:tc>
-                <a:tc>
-                  <a:txBody>
-                    <a:bodyPr/>
-                    <a:lstStyle/>
-                    <a:p>
-                      <a:pPr algn="l"/>
-                      <a:r>
-                        <a:rPr lang="en-US" sz="800" b="1" dirty="0">
-                          <a:solidFill>
-                            <a:srgbClr val="FFFF00"/>
-                          </a:solidFill>
-                          <a:effectLst/>
-                        </a:rPr>
-                        <a:t>question</a:t>
-                      </a:r>
-                    </a:p>
-                  </a:txBody>
-                  <a:tcPr marL="43511" marR="43511" marT="14504" marB="14504" anchor="ctr">
-                    <a:lnL>
-                      <a:noFill/>
-                    </a:lnL>
-                    <a:lnR>
-                      <a:noFill/>
-                    </a:lnR>
-                    <a:lnT>
-                      <a:noFill/>
-                    </a:lnT>
-                    <a:lnB>
-                      <a:noFill/>
-                    </a:lnB>
-                  </a:tcPr>
-                </a:tc>
-                <a:tc>
-                  <a:txBody>
-                    <a:bodyPr/>
-                    <a:lstStyle/>
-                    <a:p>
-                      <a:pPr algn="r"/>
-                      <a:r>
-                        <a:rPr lang="en-US" sz="800" b="1" dirty="0">
-                          <a:solidFill>
-                            <a:srgbClr val="FFFF00"/>
-                          </a:solidFill>
-                          <a:effectLst/>
-                        </a:rPr>
-                        <a:t>5</a:t>
-                      </a:r>
-                    </a:p>
-                  </a:txBody>
-                  <a:tcPr marL="43511" marR="43511" marT="14504" marB="14504" anchor="ctr">
-                    <a:lnL>
-                      <a:noFill/>
-                    </a:lnL>
-                    <a:lnR>
-                      <a:noFill/>
-                    </a:lnR>
-                    <a:lnT>
-                      <a:noFill/>
-                    </a:lnT>
-                    <a:lnB>
-                      <a:noFill/>
-                    </a:lnB>
-                  </a:tcPr>
-                </a:tc>
-                <a:extLst>
-                  <a:ext uri="{0D108BD9-81ED-4DB2-BD59-A6C34878D82A}">
-                    <a16:rowId xmlns:a16="http://schemas.microsoft.com/office/drawing/2014/main" val="1620679181"/>
-                  </a:ext>
-                </a:extLst>
-              </a:tr>
-              <a:tr h="199390">
-                <a:tc>
-                  <a:txBody>
-                    <a:bodyPr/>
-                    <a:lstStyle/>
-                    <a:p>
-                      <a:pPr algn="l"/>
-                      <a:r>
-                        <a:rPr lang="en-US" sz="800" b="1">
-                          <a:solidFill>
-                            <a:srgbClr val="FFFF00"/>
-                          </a:solidFill>
-                          <a:effectLst/>
-                        </a:rPr>
-                        <a:t>diagnosis</a:t>
-                      </a:r>
-                    </a:p>
-                  </a:txBody>
-                  <a:tcPr marL="43511" marR="43511" marT="14504" marB="14504" anchor="ctr">
-                    <a:lnL>
-                      <a:noFill/>
-                    </a:lnL>
-                    <a:lnR>
-                      <a:noFill/>
-                    </a:lnR>
-                    <a:lnT>
-                      <a:noFill/>
-                    </a:lnT>
-                    <a:lnB>
-                      <a:noFill/>
-                    </a:lnB>
-                  </a:tcPr>
-                </a:tc>
-                <a:tc>
-                  <a:txBody>
-                    <a:bodyPr/>
-                    <a:lstStyle/>
-                    <a:p>
-                      <a:pPr algn="l"/>
-                      <a:r>
-                        <a:rPr lang="en-US" sz="800" b="1" dirty="0">
-                          <a:solidFill>
-                            <a:srgbClr val="FFFF00"/>
-                          </a:solidFill>
-                          <a:effectLst/>
-                        </a:rPr>
-                        <a:t>diagnosis</a:t>
-                      </a:r>
-                    </a:p>
-                  </a:txBody>
-                  <a:tcPr marL="43511" marR="43511" marT="14504" marB="14504" anchor="ctr">
-                    <a:lnL>
-                      <a:noFill/>
-                    </a:lnL>
-                    <a:lnR>
-                      <a:noFill/>
-                    </a:lnR>
-                    <a:lnT>
-                      <a:noFill/>
-                    </a:lnT>
-                    <a:lnB>
-                      <a:noFill/>
-                    </a:lnB>
-                  </a:tcPr>
-                </a:tc>
-                <a:tc>
-                  <a:txBody>
-                    <a:bodyPr/>
-                    <a:lstStyle/>
-                    <a:p>
-                      <a:pPr algn="r"/>
-                      <a:r>
-                        <a:rPr lang="en-US" sz="800" b="1" dirty="0">
-                          <a:solidFill>
-                            <a:srgbClr val="FFFF00"/>
-                          </a:solidFill>
-                          <a:effectLst/>
-                        </a:rPr>
-                        <a:t>4</a:t>
-                      </a:r>
-                    </a:p>
-                  </a:txBody>
-                  <a:tcPr marL="43511" marR="43511" marT="14504" marB="14504" anchor="ctr">
-                    <a:lnL>
-                      <a:noFill/>
-                    </a:lnL>
-                    <a:lnR>
-                      <a:noFill/>
-                    </a:lnR>
-                    <a:lnT>
-                      <a:noFill/>
-                    </a:lnT>
-                    <a:lnB>
-                      <a:noFill/>
-                    </a:lnB>
-                  </a:tcPr>
-                </a:tc>
-                <a:extLst>
-                  <a:ext uri="{0D108BD9-81ED-4DB2-BD59-A6C34878D82A}">
-                    <a16:rowId xmlns:a16="http://schemas.microsoft.com/office/drawing/2014/main" val="2949839716"/>
-                  </a:ext>
-                </a:extLst>
-              </a:tr>
-              <a:tr h="199390">
-                <a:tc>
-                  <a:txBody>
-                    <a:bodyPr/>
-                    <a:lstStyle/>
-                    <a:p>
-                      <a:pPr algn="l"/>
-                      <a:r>
-                        <a:rPr lang="en-US" sz="800" b="1">
-                          <a:solidFill>
-                            <a:srgbClr val="FFFF00"/>
-                          </a:solidFill>
-                          <a:effectLst/>
-                        </a:rPr>
-                        <a:t>–</a:t>
-                      </a:r>
-                    </a:p>
-                  </a:txBody>
-                  <a:tcPr marL="43511" marR="43511" marT="14504" marB="14504" anchor="ctr">
-                    <a:lnL>
-                      <a:noFill/>
-                    </a:lnL>
-                    <a:lnR>
-                      <a:noFill/>
-                    </a:lnR>
-                    <a:lnT>
-                      <a:noFill/>
-                    </a:lnT>
-                    <a:lnB>
-                      <a:noFill/>
-                    </a:lnB>
-                  </a:tcPr>
-                </a:tc>
-                <a:tc>
-                  <a:txBody>
-                    <a:bodyPr/>
-                    <a:lstStyle/>
-                    <a:p>
-                      <a:pPr algn="l"/>
-                      <a:r>
-                        <a:rPr lang="en-US" sz="800" b="1" dirty="0">
-                          <a:solidFill>
-                            <a:srgbClr val="FFFF00"/>
-                          </a:solidFill>
-                          <a:effectLst/>
-                        </a:rPr>
-                        <a:t>–</a:t>
-                      </a:r>
-                    </a:p>
-                  </a:txBody>
-                  <a:tcPr marL="43511" marR="43511" marT="14504" marB="14504" anchor="ctr">
-                    <a:lnL>
-                      <a:noFill/>
-                    </a:lnL>
-                    <a:lnR>
-                      <a:noFill/>
-                    </a:lnR>
-                    <a:lnT>
-                      <a:noFill/>
-                    </a:lnT>
-                    <a:lnB>
-                      <a:noFill/>
-                    </a:lnB>
-                  </a:tcPr>
-                </a:tc>
-                <a:tc>
-                  <a:txBody>
-                    <a:bodyPr/>
-                    <a:lstStyle/>
-                    <a:p>
-                      <a:pPr algn="r"/>
-                      <a:r>
-                        <a:rPr lang="en-US" sz="800" b="1" dirty="0">
-                          <a:solidFill>
-                            <a:srgbClr val="FFFF00"/>
-                          </a:solidFill>
-                          <a:effectLst/>
-                        </a:rPr>
-                        <a:t>4</a:t>
-                      </a:r>
-                    </a:p>
-                  </a:txBody>
-                  <a:tcPr marL="43511" marR="43511" marT="14504" marB="14504" anchor="ctr">
-                    <a:lnL>
-                      <a:noFill/>
-                    </a:lnL>
-                    <a:lnR>
-                      <a:noFill/>
-                    </a:lnR>
-                    <a:lnT>
-                      <a:noFill/>
-                    </a:lnT>
-                    <a:lnB>
-                      <a:noFill/>
-                    </a:lnB>
-                  </a:tcPr>
-                </a:tc>
-                <a:extLst>
-                  <a:ext uri="{0D108BD9-81ED-4DB2-BD59-A6C34878D82A}">
-                    <a16:rowId xmlns:a16="http://schemas.microsoft.com/office/drawing/2014/main" val="248134397"/>
-                  </a:ext>
-                </a:extLst>
-              </a:tr>
-              <a:tr h="199390">
-                <a:tc>
-                  <a:txBody>
-                    <a:bodyPr/>
-                    <a:lstStyle/>
-                    <a:p>
-                      <a:pPr algn="l"/>
-                      <a:r>
-                        <a:rPr lang="en-US" sz="800" b="1">
-                          <a:solidFill>
-                            <a:srgbClr val="FFFF00"/>
-                          </a:solidFill>
-                          <a:effectLst/>
-                        </a:rPr>
-                        <a:t>information</a:t>
-                      </a:r>
-                    </a:p>
-                  </a:txBody>
-                  <a:tcPr marL="43511" marR="43511" marT="14504" marB="14504" anchor="ctr">
-                    <a:lnL>
-                      <a:noFill/>
-                    </a:lnL>
-                    <a:lnR>
-                      <a:noFill/>
-                    </a:lnR>
-                    <a:lnT>
-                      <a:noFill/>
-                    </a:lnT>
-                    <a:lnB>
-                      <a:noFill/>
-                    </a:lnB>
-                  </a:tcPr>
-                </a:tc>
-                <a:tc>
-                  <a:txBody>
-                    <a:bodyPr/>
-                    <a:lstStyle/>
-                    <a:p>
-                      <a:pPr algn="l"/>
-                      <a:r>
-                        <a:rPr lang="en-US" sz="800" b="1" dirty="0">
-                          <a:solidFill>
-                            <a:srgbClr val="FFFF00"/>
-                          </a:solidFill>
-                          <a:effectLst/>
-                        </a:rPr>
-                        <a:t>information</a:t>
-                      </a:r>
-                    </a:p>
-                  </a:txBody>
-                  <a:tcPr marL="43511" marR="43511" marT="14504" marB="14504" anchor="ctr">
-                    <a:lnL>
-                      <a:noFill/>
-                    </a:lnL>
-                    <a:lnR>
-                      <a:noFill/>
-                    </a:lnR>
-                    <a:lnT>
-                      <a:noFill/>
-                    </a:lnT>
-                    <a:lnB>
-                      <a:noFill/>
-                    </a:lnB>
-                  </a:tcPr>
-                </a:tc>
-                <a:tc>
-                  <a:txBody>
-                    <a:bodyPr/>
-                    <a:lstStyle/>
-                    <a:p>
-                      <a:pPr algn="r"/>
-                      <a:r>
-                        <a:rPr lang="en-US" sz="800" b="1" dirty="0">
-                          <a:solidFill>
-                            <a:srgbClr val="FFFF00"/>
-                          </a:solidFill>
-                          <a:effectLst/>
-                        </a:rPr>
-                        <a:t>4</a:t>
-                      </a:r>
-                    </a:p>
-                  </a:txBody>
-                  <a:tcPr marL="43511" marR="43511" marT="14504" marB="14504" anchor="ctr">
-                    <a:lnL>
-                      <a:noFill/>
-                    </a:lnL>
-                    <a:lnR>
-                      <a:noFill/>
-                    </a:lnR>
-                    <a:lnT>
-                      <a:noFill/>
-                    </a:lnT>
-                    <a:lnB>
-                      <a:noFill/>
-                    </a:lnB>
-                  </a:tcPr>
-                </a:tc>
-                <a:extLst>
-                  <a:ext uri="{0D108BD9-81ED-4DB2-BD59-A6C34878D82A}">
-                    <a16:rowId xmlns:a16="http://schemas.microsoft.com/office/drawing/2014/main" val="1593792637"/>
-                  </a:ext>
-                </a:extLst>
-              </a:tr>
-              <a:tr h="199390">
-                <a:tc>
-                  <a:txBody>
-                    <a:bodyPr/>
-                    <a:lstStyle/>
-                    <a:p>
-                      <a:pPr algn="l"/>
-                      <a:r>
-                        <a:rPr lang="en-US" sz="800" b="1">
-                          <a:solidFill>
-                            <a:srgbClr val="FFFF00"/>
-                          </a:solidFill>
-                          <a:effectLst/>
-                        </a:rPr>
-                        <a:t>patient’s</a:t>
-                      </a:r>
-                    </a:p>
-                  </a:txBody>
-                  <a:tcPr marL="43511" marR="43511" marT="14504" marB="14504" anchor="ctr">
-                    <a:lnL>
-                      <a:noFill/>
-                    </a:lnL>
-                    <a:lnR>
-                      <a:noFill/>
-                    </a:lnR>
-                    <a:lnT>
-                      <a:noFill/>
-                    </a:lnT>
-                    <a:lnB>
-                      <a:noFill/>
-                    </a:lnB>
-                  </a:tcPr>
-                </a:tc>
-                <a:tc>
-                  <a:txBody>
-                    <a:bodyPr/>
-                    <a:lstStyle/>
-                    <a:p>
-                      <a:pPr algn="l"/>
-                      <a:r>
-                        <a:rPr lang="en-US" sz="800" b="1" dirty="0">
-                          <a:solidFill>
-                            <a:srgbClr val="FFFF00"/>
-                          </a:solidFill>
-                          <a:effectLst/>
-                        </a:rPr>
-                        <a:t>patient’s</a:t>
-                      </a:r>
-                    </a:p>
-                  </a:txBody>
-                  <a:tcPr marL="43511" marR="43511" marT="14504" marB="14504" anchor="ctr">
-                    <a:lnL>
-                      <a:noFill/>
-                    </a:lnL>
-                    <a:lnR>
-                      <a:noFill/>
-                    </a:lnR>
-                    <a:lnT>
-                      <a:noFill/>
-                    </a:lnT>
-                    <a:lnB>
-                      <a:noFill/>
-                    </a:lnB>
-                  </a:tcPr>
-                </a:tc>
-                <a:tc>
-                  <a:txBody>
-                    <a:bodyPr/>
-                    <a:lstStyle/>
-                    <a:p>
-                      <a:pPr algn="r"/>
-                      <a:r>
-                        <a:rPr lang="en-US" sz="800" b="1" dirty="0">
-                          <a:solidFill>
-                            <a:srgbClr val="FFFF00"/>
-                          </a:solidFill>
-                          <a:effectLst/>
-                        </a:rPr>
-                        <a:t>4</a:t>
-                      </a:r>
-                    </a:p>
-                  </a:txBody>
-                  <a:tcPr marL="43511" marR="43511" marT="14504" marB="14504" anchor="ctr">
-                    <a:lnL>
-                      <a:noFill/>
-                    </a:lnL>
-                    <a:lnR>
-                      <a:noFill/>
-                    </a:lnR>
-                    <a:lnT>
-                      <a:noFill/>
-                    </a:lnT>
-                    <a:lnB>
-                      <a:noFill/>
-                    </a:lnB>
-                  </a:tcPr>
-                </a:tc>
-                <a:extLst>
-                  <a:ext uri="{0D108BD9-81ED-4DB2-BD59-A6C34878D82A}">
-                    <a16:rowId xmlns:a16="http://schemas.microsoft.com/office/drawing/2014/main" val="2372894181"/>
-                  </a:ext>
-                </a:extLst>
-              </a:tr>
-              <a:tr h="367886">
-                <a:tc>
-                  <a:txBody>
-                    <a:bodyPr/>
-                    <a:lstStyle/>
-                    <a:p>
-                      <a:pPr algn="l"/>
-                      <a:r>
-                        <a:rPr lang="en-US" sz="800" b="1" i="0">
-                          <a:solidFill>
-                            <a:srgbClr val="FFFF00"/>
-                          </a:solidFill>
-                          <a:effectLst/>
-                          <a:latin typeface="Lucida Sans" panose="020B0602030504090204" pitchFamily="34" charset="0"/>
-                        </a:rPr>
-                        <a:t>medical</a:t>
-                      </a:r>
-                    </a:p>
-                  </a:txBody>
-                  <a:tcPr marL="43511" marR="43511" marT="14504" marB="14504" anchor="ctr">
-                    <a:lnL>
-                      <a:noFill/>
-                    </a:lnL>
-                    <a:lnR>
-                      <a:noFill/>
-                    </a:lnR>
-                    <a:lnT>
-                      <a:noFill/>
-                    </a:lnT>
-                    <a:lnB>
-                      <a:noFill/>
-                    </a:lnB>
-                  </a:tcPr>
-                </a:tc>
-                <a:tc>
-                  <a:txBody>
-                    <a:bodyPr/>
-                    <a:lstStyle/>
-                    <a:p>
-                      <a:pPr algn="l"/>
-                      <a:r>
-                        <a:rPr lang="en-US" sz="800" b="1" i="0">
-                          <a:solidFill>
-                            <a:srgbClr val="FFFF00"/>
-                          </a:solidFill>
-                          <a:effectLst/>
-                          <a:latin typeface="Lucida Sans" panose="020B0602030504090204" pitchFamily="34" charset="0"/>
-                        </a:rPr>
-                        <a:t>medical</a:t>
-                      </a:r>
-                    </a:p>
-                  </a:txBody>
-                  <a:tcPr marL="43511" marR="43511" marT="14504" marB="14504" anchor="ctr">
-                    <a:lnL>
-                      <a:noFill/>
-                    </a:lnL>
-                    <a:lnR>
-                      <a:noFill/>
-                    </a:lnR>
-                    <a:lnT>
-                      <a:noFill/>
-                    </a:lnT>
-                    <a:lnB>
-                      <a:noFill/>
-                    </a:lnB>
-                  </a:tcPr>
-                </a:tc>
-                <a:tc>
-                  <a:txBody>
-                    <a:bodyPr/>
-                    <a:lstStyle/>
-                    <a:p>
-                      <a:pPr algn="r"/>
-                      <a:r>
-                        <a:rPr lang="en-US" sz="800" b="1" i="0" dirty="0">
-                          <a:solidFill>
-                            <a:srgbClr val="FFFF00"/>
-                          </a:solidFill>
-                          <a:effectLst/>
-                          <a:latin typeface="Lucida Sans" panose="020B0602030504090204" pitchFamily="34" charset="0"/>
-                        </a:rPr>
-                        <a:t>3</a:t>
-                      </a:r>
-                    </a:p>
-                  </a:txBody>
-                  <a:tcPr marL="43511" marR="43511" marT="14504" marB="14504" anchor="ctr">
-                    <a:lnL>
-                      <a:noFill/>
-                    </a:lnL>
-                    <a:lnR>
-                      <a:noFill/>
-                    </a:lnR>
-                    <a:lnT>
-                      <a:noFill/>
-                    </a:lnT>
-                    <a:lnB>
-                      <a:noFill/>
-                    </a:lnB>
-                  </a:tcPr>
-                </a:tc>
-                <a:extLst>
-                  <a:ext uri="{0D108BD9-81ED-4DB2-BD59-A6C34878D82A}">
-                    <a16:rowId xmlns:a16="http://schemas.microsoft.com/office/drawing/2014/main" val="1159962743"/>
-                  </a:ext>
-                </a:extLst>
-              </a:tr>
-            </a:tbl>
-          </a:graphicData>
-        </a:graphic>
-      </p:graphicFrame>
-    </p:spTree>
-    <p:extLst>
-      <p:ext uri="{BB962C8B-B14F-4D97-AF65-F5344CB8AC3E}">
-        <p14:creationId xmlns:p14="http://schemas.microsoft.com/office/powerpoint/2010/main" val="3950297230"/>
-      </p:ext>
-    </p:extLst>
-  </p:cSld>
-  <p:clrMapOvr>
-    <a:masterClrMapping/>
-  </p:clrMapOvr>
-</p:sld>
-</file>
-
-<file path=ppt/slides/slide5.xml><?xml version="1.0" encoding="utf-8"?>
-<p:sld xmlns:a="http://schemas.openxmlformats.org/drawingml/2006/main" xmlns:r="http://schemas.openxmlformats.org/officeDocument/2006/relationships" xmlns:p="http://schemas.openxmlformats.org/presentationml/2006/main">
-  <p:cSld>
-    <p:spTree>
-      <p:nvGrpSpPr>
-        <p:cNvPr id="1" name=""/>
-        <p:cNvGrpSpPr/>
-        <p:nvPr/>
-      </p:nvGrpSpPr>
-      <p:grpSpPr>
-        <a:xfrm>
-          <a:off x="0" y="0"/>
-          <a:ext cx="0" cy="0"/>
-          <a:chOff x="0" y="0"/>
-          <a:chExt cx="0" cy="0"/>
-        </a:xfrm>
-      </p:grpSpPr>
-      <p:sp>
-        <p:nvSpPr>
-          <p:cNvPr id="2" name="Title 1">
-            <a:extLst>
-              <a:ext uri="{FF2B5EF4-FFF2-40B4-BE49-F238E27FC236}">
                 <a16:creationId xmlns:a16="http://schemas.microsoft.com/office/drawing/2014/main" id="{8320DFBD-2952-46C8-9D25-C410449A7CC2}"/>
               </a:ext>
             </a:extLst>
@@ -18053,7 +16542,7 @@
 </p:sld>
 </file>
 
-<file path=ppt/slides/slide6.xml><?xml version="1.0" encoding="utf-8"?>
+<file path=ppt/slides/slide5.xml><?xml version="1.0" encoding="utf-8"?>
 <p:sld xmlns:a="http://schemas.openxmlformats.org/drawingml/2006/main" xmlns:r="http://schemas.openxmlformats.org/officeDocument/2006/relationships" xmlns:p="http://schemas.openxmlformats.org/presentationml/2006/main">
   <p:cSld>
     <p:spTree>
@@ -18146,7 +16635,7 @@
 </p:sld>
 </file>
 
-<file path=ppt/slides/slide7.xml><?xml version="1.0" encoding="utf-8"?>
+<file path=ppt/slides/slide6.xml><?xml version="1.0" encoding="utf-8"?>
 <p:sld xmlns:a="http://schemas.openxmlformats.org/drawingml/2006/main" xmlns:r="http://schemas.openxmlformats.org/officeDocument/2006/relationships" xmlns:p="http://schemas.openxmlformats.org/presentationml/2006/main">
   <p:cSld>
     <p:spTree>
@@ -18247,7 +16736,7 @@
 </p:sld>
 </file>
 
-<file path=ppt/slides/slide8.xml><?xml version="1.0" encoding="utf-8"?>
+<file path=ppt/slides/slide7.xml><?xml version="1.0" encoding="utf-8"?>
 <p:sld xmlns:a="http://schemas.openxmlformats.org/drawingml/2006/main" xmlns:r="http://schemas.openxmlformats.org/officeDocument/2006/relationships" xmlns:p="http://schemas.openxmlformats.org/presentationml/2006/main">
   <p:cSld>
     <p:spTree>
@@ -18356,7 +16845,7 @@
 </p:sld>
 </file>
 
-<file path=ppt/slides/slide9.xml><?xml version="1.0" encoding="utf-8"?>
+<file path=ppt/slides/slide8.xml><?xml version="1.0" encoding="utf-8"?>
 <p:sld xmlns:a="http://schemas.openxmlformats.org/drawingml/2006/main" xmlns:r="http://schemas.openxmlformats.org/officeDocument/2006/relationships" xmlns:p="http://schemas.openxmlformats.org/presentationml/2006/main">
   <p:cSld>
     <p:spTree>
@@ -18503,6 +16992,114 @@
     <p:extLst>
       <p:ext uri="{BB962C8B-B14F-4D97-AF65-F5344CB8AC3E}">
         <p14:creationId xmlns:p14="http://schemas.microsoft.com/office/powerpoint/2010/main" val="2252722217"/>
+      </p:ext>
+    </p:extLst>
+  </p:cSld>
+  <p:clrMapOvr>
+    <a:masterClrMapping/>
+  </p:clrMapOvr>
+</p:sld>
+</file>
+
+<file path=ppt/slides/slide9.xml><?xml version="1.0" encoding="utf-8"?>
+<p:sld xmlns:a="http://schemas.openxmlformats.org/drawingml/2006/main" xmlns:r="http://schemas.openxmlformats.org/officeDocument/2006/relationships" xmlns:p="http://schemas.openxmlformats.org/presentationml/2006/main">
+  <p:cSld>
+    <p:spTree>
+      <p:nvGrpSpPr>
+        <p:cNvPr id="1" name=""/>
+        <p:cNvGrpSpPr/>
+        <p:nvPr/>
+      </p:nvGrpSpPr>
+      <p:grpSpPr>
+        <a:xfrm>
+          <a:off x="0" y="0"/>
+          <a:ext cx="0" cy="0"/>
+          <a:chOff x="0" y="0"/>
+          <a:chExt cx="0" cy="0"/>
+        </a:xfrm>
+      </p:grpSpPr>
+      <p:sp>
+        <p:nvSpPr>
+          <p:cNvPr id="3" name="Content Placeholder 2">
+            <a:extLst>
+              <a:ext uri="{FF2B5EF4-FFF2-40B4-BE49-F238E27FC236}">
+                <a16:creationId xmlns:a16="http://schemas.microsoft.com/office/drawing/2014/main" id="{267BC10D-F0ED-480B-95FB-328069621D16}"/>
+              </a:ext>
+            </a:extLst>
+          </p:cNvPr>
+          <p:cNvSpPr>
+            <a:spLocks noGrp="1"/>
+          </p:cNvSpPr>
+          <p:nvPr>
+            <p:ph idx="1"/>
+          </p:nvPr>
+        </p:nvSpPr>
+        <p:spPr>
+          <a:xfrm>
+            <a:off x="1141412" y="365760"/>
+            <a:ext cx="9905999" cy="6063916"/>
+          </a:xfrm>
+        </p:spPr>
+        <p:txBody>
+          <a:bodyPr/>
+          <a:lstStyle/>
+          <a:p>
+            <a:pPr marL="0" indent="0">
+              <a:buNone/>
+            </a:pPr>
+            <a:r>
+              <a:rPr lang="en-US" b="1" dirty="0">
+                <a:hlinkClick r:id="rId2" action="ppaction://hlinksldjump"/>
+              </a:rPr>
+              <a:t>Step 4 : Build a term-document matrix</a:t>
+            </a:r>
+            <a:endParaRPr lang="en-US" dirty="0"/>
+          </a:p>
+          <a:p>
+            <a:pPr marL="0" indent="0">
+              <a:buNone/>
+            </a:pPr>
+            <a:r>
+              <a:rPr lang="en-US" dirty="0"/>
+              <a:t>dtm &lt;- TermDocumentMatrix(docs)</a:t>
+            </a:r>
+          </a:p>
+          <a:p>
+            <a:pPr marL="0" indent="0">
+              <a:buNone/>
+            </a:pPr>
+            <a:r>
+              <a:rPr lang="en-US" dirty="0"/>
+              <a:t>m &lt;- as.matrix(dtm)</a:t>
+            </a:r>
+          </a:p>
+          <a:p>
+            <a:pPr marL="0" indent="0">
+              <a:buNone/>
+            </a:pPr>
+            <a:r>
+              <a:rPr lang="en-US" dirty="0"/>
+              <a:t>v &lt;- sort(rowSums(m),decreasing=TRUE)</a:t>
+            </a:r>
+          </a:p>
+          <a:p>
+            <a:pPr marL="0" indent="0">
+              <a:buNone/>
+            </a:pPr>
+            <a:r>
+              <a:rPr lang="en-US" dirty="0"/>
+              <a:t>d &lt;- data.frame(word = names(v),freq=v)</a:t>
+            </a:r>
+          </a:p>
+          <a:p>
+            <a:endParaRPr lang="en-US" dirty="0"/>
+          </a:p>
+        </p:txBody>
+      </p:sp>
+    </p:spTree>
+    <p:extLst>
+      <p:ext uri="{BB962C8B-B14F-4D97-AF65-F5344CB8AC3E}">
+        <p14:creationId xmlns:p14="http://schemas.microsoft.com/office/powerpoint/2010/main" val="954788028"/>
       </p:ext>
     </p:extLst>
   </p:cSld>

--- a/Text Mining with R.pptx
+++ b/Text Mining with R.pptx
@@ -3630,7 +3630,7 @@
           <a:noFill/>
           <a:extLst>
             <a:ext uri="{909E8E84-426E-40dd-AFC4-6F175D3DCCD1}">
-              <a14:hiddenFill xmlns="" xmlns:a14="http://schemas.microsoft.com/office/drawing/2010/main">
+              <a14:hiddenFill xmlns:a14="http://schemas.microsoft.com/office/drawing/2010/main" xmlns="">
                 <a:solidFill>
                   <a:srgbClr val="FFFFFF"/>
                 </a:solidFill>
@@ -3690,7 +3690,7 @@
             </a:ln>
             <a:extLst>
               <a:ext uri="{91240B29-F687-4f45-9708-019B960494DF}">
-                <a14:hiddenLine xmlns="" xmlns:a14="http://schemas.microsoft.com/office/drawing/2010/main" w="9525">
+                <a14:hiddenLine xmlns:a14="http://schemas.microsoft.com/office/drawing/2010/main" xmlns="" w="9525">
                   <a:solidFill>
                     <a:srgbClr val="000000"/>
                   </a:solidFill>
@@ -3780,7 +3780,7 @@
             </a:ln>
             <a:extLst>
               <a:ext uri="{91240B29-F687-4f45-9708-019B960494DF}">
-                <a14:hiddenLine xmlns="" xmlns:a14="http://schemas.microsoft.com/office/drawing/2010/main" w="9525">
+                <a14:hiddenLine xmlns:a14="http://schemas.microsoft.com/office/drawing/2010/main" xmlns="" w="9525">
                   <a:solidFill>
                     <a:srgbClr val="000000"/>
                   </a:solidFill>
@@ -3870,7 +3870,7 @@
             </a:ln>
             <a:extLst>
               <a:ext uri="{91240B29-F687-4f45-9708-019B960494DF}">
-                <a14:hiddenLine xmlns="" xmlns:a14="http://schemas.microsoft.com/office/drawing/2010/main" w="9525">
+                <a14:hiddenLine xmlns:a14="http://schemas.microsoft.com/office/drawing/2010/main" xmlns="" w="9525">
                   <a:solidFill>
                     <a:srgbClr val="000000"/>
                   </a:solidFill>
@@ -3904,7 +3904,7 @@
             </a:ln>
             <a:extLst>
               <a:ext uri="{91240B29-F687-4f45-9708-019B960494DF}">
-                <a14:hiddenLine xmlns="" xmlns:a14="http://schemas.microsoft.com/office/drawing/2010/main" w="9525">
+                <a14:hiddenLine xmlns:a14="http://schemas.microsoft.com/office/drawing/2010/main" xmlns="" w="9525">
                   <a:solidFill>
                     <a:srgbClr val="000000"/>
                   </a:solidFill>
@@ -3994,7 +3994,7 @@
             </a:ln>
             <a:extLst>
               <a:ext uri="{91240B29-F687-4f45-9708-019B960494DF}">
-                <a14:hiddenLine xmlns="" xmlns:a14="http://schemas.microsoft.com/office/drawing/2010/main" w="9525">
+                <a14:hiddenLine xmlns:a14="http://schemas.microsoft.com/office/drawing/2010/main" xmlns="" w="9525">
                   <a:solidFill>
                     <a:srgbClr val="000000"/>
                   </a:solidFill>
@@ -4056,7 +4056,7 @@
             </a:ln>
             <a:extLst>
               <a:ext uri="{91240B29-F687-4f45-9708-019B960494DF}">
-                <a14:hiddenLine xmlns="" xmlns:a14="http://schemas.microsoft.com/office/drawing/2010/main" w="9525">
+                <a14:hiddenLine xmlns:a14="http://schemas.microsoft.com/office/drawing/2010/main" xmlns="" w="9525">
                   <a:solidFill>
                     <a:srgbClr val="000000"/>
                   </a:solidFill>
@@ -4118,7 +4118,7 @@
             </a:ln>
             <a:extLst>
               <a:ext uri="{91240B29-F687-4f45-9708-019B960494DF}">
-                <a14:hiddenLine xmlns="" xmlns:a14="http://schemas.microsoft.com/office/drawing/2010/main" w="9525">
+                <a14:hiddenLine xmlns:a14="http://schemas.microsoft.com/office/drawing/2010/main" xmlns="" w="9525">
                   <a:solidFill>
                     <a:srgbClr val="000000"/>
                   </a:solidFill>
@@ -4208,7 +4208,7 @@
             </a:ln>
             <a:extLst>
               <a:ext uri="{91240B29-F687-4f45-9708-019B960494DF}">
-                <a14:hiddenLine xmlns="" xmlns:a14="http://schemas.microsoft.com/office/drawing/2010/main" w="9525">
+                <a14:hiddenLine xmlns:a14="http://schemas.microsoft.com/office/drawing/2010/main" xmlns="" w="9525">
                   <a:solidFill>
                     <a:srgbClr val="000000"/>
                   </a:solidFill>
@@ -4270,7 +4270,7 @@
             </a:ln>
             <a:extLst>
               <a:ext uri="{91240B29-F687-4f45-9708-019B960494DF}">
-                <a14:hiddenLine xmlns="" xmlns:a14="http://schemas.microsoft.com/office/drawing/2010/main" w="9525">
+                <a14:hiddenLine xmlns:a14="http://schemas.microsoft.com/office/drawing/2010/main" xmlns="" w="9525">
                   <a:solidFill>
                     <a:srgbClr val="000000"/>
                   </a:solidFill>
@@ -4332,7 +4332,7 @@
             </a:ln>
             <a:extLst>
               <a:ext uri="{91240B29-F687-4f45-9708-019B960494DF}">
-                <a14:hiddenLine xmlns="" xmlns:a14="http://schemas.microsoft.com/office/drawing/2010/main" w="9525">
+                <a14:hiddenLine xmlns:a14="http://schemas.microsoft.com/office/drawing/2010/main" xmlns="" w="9525">
                   <a:solidFill>
                     <a:srgbClr val="000000"/>
                   </a:solidFill>
@@ -4422,7 +4422,7 @@
             </a:ln>
             <a:extLst>
               <a:ext uri="{91240B29-F687-4f45-9708-019B960494DF}">
-                <a14:hiddenLine xmlns="" xmlns:a14="http://schemas.microsoft.com/office/drawing/2010/main" w="9525">
+                <a14:hiddenLine xmlns:a14="http://schemas.microsoft.com/office/drawing/2010/main" xmlns="" w="9525">
                   <a:solidFill>
                     <a:srgbClr val="000000"/>
                   </a:solidFill>
@@ -4512,7 +4512,7 @@
             </a:ln>
             <a:extLst>
               <a:ext uri="{91240B29-F687-4f45-9708-019B960494DF}">
-                <a14:hiddenLine xmlns="" xmlns:a14="http://schemas.microsoft.com/office/drawing/2010/main" w="9525">
+                <a14:hiddenLine xmlns:a14="http://schemas.microsoft.com/office/drawing/2010/main" xmlns="" w="9525">
                   <a:solidFill>
                     <a:srgbClr val="000000"/>
                   </a:solidFill>
@@ -4574,7 +4574,7 @@
             </a:ln>
             <a:extLst>
               <a:ext uri="{91240B29-F687-4f45-9708-019B960494DF}">
-                <a14:hiddenLine xmlns="" xmlns:a14="http://schemas.microsoft.com/office/drawing/2010/main" w="9525">
+                <a14:hiddenLine xmlns:a14="http://schemas.microsoft.com/office/drawing/2010/main" xmlns="" w="9525">
                   <a:solidFill>
                     <a:srgbClr val="000000"/>
                   </a:solidFill>
@@ -4684,7 +4684,7 @@
             </a:ln>
             <a:extLst>
               <a:ext uri="{91240B29-F687-4f45-9708-019B960494DF}">
-                <a14:hiddenLine xmlns="" xmlns:a14="http://schemas.microsoft.com/office/drawing/2010/main" w="9525">
+                <a14:hiddenLine xmlns:a14="http://schemas.microsoft.com/office/drawing/2010/main" xmlns="" w="9525">
                   <a:solidFill>
                     <a:srgbClr val="000000"/>
                   </a:solidFill>
@@ -4746,7 +4746,7 @@
             </a:ln>
             <a:extLst>
               <a:ext uri="{91240B29-F687-4f45-9708-019B960494DF}">
-                <a14:hiddenLine xmlns="" xmlns:a14="http://schemas.microsoft.com/office/drawing/2010/main" w="9525">
+                <a14:hiddenLine xmlns:a14="http://schemas.microsoft.com/office/drawing/2010/main" xmlns="" w="9525">
                   <a:solidFill>
                     <a:srgbClr val="000000"/>
                   </a:solidFill>
@@ -4836,7 +4836,7 @@
             </a:ln>
             <a:extLst>
               <a:ext uri="{91240B29-F687-4f45-9708-019B960494DF}">
-                <a14:hiddenLine xmlns="" xmlns:a14="http://schemas.microsoft.com/office/drawing/2010/main" w="9525">
+                <a14:hiddenLine xmlns:a14="http://schemas.microsoft.com/office/drawing/2010/main" xmlns="" w="9525">
                   <a:solidFill>
                     <a:srgbClr val="000000"/>
                   </a:solidFill>
@@ -4926,7 +4926,7 @@
             </a:ln>
             <a:extLst>
               <a:ext uri="{91240B29-F687-4f45-9708-019B960494DF}">
-                <a14:hiddenLine xmlns="" xmlns:a14="http://schemas.microsoft.com/office/drawing/2010/main" w="9525">
+                <a14:hiddenLine xmlns:a14="http://schemas.microsoft.com/office/drawing/2010/main" xmlns="" w="9525">
                   <a:solidFill>
                     <a:srgbClr val="000000"/>
                   </a:solidFill>
@@ -4988,7 +4988,7 @@
             </a:ln>
             <a:extLst>
               <a:ext uri="{91240B29-F687-4f45-9708-019B960494DF}">
-                <a14:hiddenLine xmlns="" xmlns:a14="http://schemas.microsoft.com/office/drawing/2010/main" w="9525">
+                <a14:hiddenLine xmlns:a14="http://schemas.microsoft.com/office/drawing/2010/main" xmlns="" w="9525">
                   <a:solidFill>
                     <a:srgbClr val="000000"/>
                   </a:solidFill>
@@ -5078,7 +5078,7 @@
             </a:ln>
             <a:extLst>
               <a:ext uri="{91240B29-F687-4f45-9708-019B960494DF}">
-                <a14:hiddenLine xmlns="" xmlns:a14="http://schemas.microsoft.com/office/drawing/2010/main" w="9525">
+                <a14:hiddenLine xmlns:a14="http://schemas.microsoft.com/office/drawing/2010/main" xmlns="" w="9525">
                   <a:solidFill>
                     <a:srgbClr val="000000"/>
                   </a:solidFill>
@@ -5168,7 +5168,7 @@
             </a:ln>
             <a:extLst>
               <a:ext uri="{91240B29-F687-4f45-9708-019B960494DF}">
-                <a14:hiddenLine xmlns="" xmlns:a14="http://schemas.microsoft.com/office/drawing/2010/main" w="9525">
+                <a14:hiddenLine xmlns:a14="http://schemas.microsoft.com/office/drawing/2010/main" xmlns="" w="9525">
                   <a:solidFill>
                     <a:srgbClr val="000000"/>
                   </a:solidFill>
@@ -5224,7 +5224,7 @@
             </a:ln>
             <a:extLst>
               <a:ext uri="{91240B29-F687-4f45-9708-019B960494DF}">
-                <a14:hiddenLine xmlns="" xmlns:a14="http://schemas.microsoft.com/office/drawing/2010/main" w="9525">
+                <a14:hiddenLine xmlns:a14="http://schemas.microsoft.com/office/drawing/2010/main" xmlns="" w="9525">
                   <a:solidFill>
                     <a:srgbClr val="000000"/>
                   </a:solidFill>
@@ -5314,7 +5314,7 @@
             </a:ln>
             <a:extLst>
               <a:ext uri="{91240B29-F687-4f45-9708-019B960494DF}">
-                <a14:hiddenLine xmlns="" xmlns:a14="http://schemas.microsoft.com/office/drawing/2010/main" w="9525">
+                <a14:hiddenLine xmlns:a14="http://schemas.microsoft.com/office/drawing/2010/main" xmlns="" w="9525">
                   <a:solidFill>
                     <a:srgbClr val="000000"/>
                   </a:solidFill>
@@ -5370,7 +5370,7 @@
             </a:ln>
             <a:extLst>
               <a:ext uri="{91240B29-F687-4f45-9708-019B960494DF}">
-                <a14:hiddenLine xmlns="" xmlns:a14="http://schemas.microsoft.com/office/drawing/2010/main" w="9525">
+                <a14:hiddenLine xmlns:a14="http://schemas.microsoft.com/office/drawing/2010/main" xmlns="" w="9525">
                   <a:solidFill>
                     <a:srgbClr val="000000"/>
                   </a:solidFill>
@@ -5460,7 +5460,7 @@
             </a:ln>
             <a:extLst>
               <a:ext uri="{91240B29-F687-4f45-9708-019B960494DF}">
-                <a14:hiddenLine xmlns="" xmlns:a14="http://schemas.microsoft.com/office/drawing/2010/main" w="9525">
+                <a14:hiddenLine xmlns:a14="http://schemas.microsoft.com/office/drawing/2010/main" xmlns="" w="9525">
                   <a:solidFill>
                     <a:srgbClr val="000000"/>
                   </a:solidFill>
@@ -5528,7 +5528,7 @@
             </a:ln>
             <a:extLst>
               <a:ext uri="{91240B29-F687-4f45-9708-019B960494DF}">
-                <a14:hiddenLine xmlns="" xmlns:a14="http://schemas.microsoft.com/office/drawing/2010/main" w="9525">
+                <a14:hiddenLine xmlns:a14="http://schemas.microsoft.com/office/drawing/2010/main" xmlns="" w="9525">
                   <a:solidFill>
                     <a:srgbClr val="000000"/>
                   </a:solidFill>
@@ -5618,7 +5618,7 @@
             </a:ln>
             <a:extLst>
               <a:ext uri="{91240B29-F687-4f45-9708-019B960494DF}">
-                <a14:hiddenLine xmlns="" xmlns:a14="http://schemas.microsoft.com/office/drawing/2010/main" w="9525">
+                <a14:hiddenLine xmlns:a14="http://schemas.microsoft.com/office/drawing/2010/main" xmlns="" w="9525">
                   <a:solidFill>
                     <a:srgbClr val="000000"/>
                   </a:solidFill>
@@ -5686,7 +5686,7 @@
             </a:ln>
             <a:extLst>
               <a:ext uri="{91240B29-F687-4f45-9708-019B960494DF}">
-                <a14:hiddenLine xmlns="" xmlns:a14="http://schemas.microsoft.com/office/drawing/2010/main" w="9525">
+                <a14:hiddenLine xmlns:a14="http://schemas.microsoft.com/office/drawing/2010/main" xmlns="" w="9525">
                   <a:solidFill>
                     <a:srgbClr val="000000"/>
                   </a:solidFill>
@@ -5776,7 +5776,7 @@
             </a:ln>
             <a:extLst>
               <a:ext uri="{91240B29-F687-4f45-9708-019B960494DF}">
-                <a14:hiddenLine xmlns="" xmlns:a14="http://schemas.microsoft.com/office/drawing/2010/main" w="9525">
+                <a14:hiddenLine xmlns:a14="http://schemas.microsoft.com/office/drawing/2010/main" xmlns="" w="9525">
                   <a:solidFill>
                     <a:srgbClr val="000000"/>
                   </a:solidFill>
@@ -5810,7 +5810,7 @@
             </a:ln>
             <a:extLst>
               <a:ext uri="{91240B29-F687-4f45-9708-019B960494DF}">
-                <a14:hiddenLine xmlns="" xmlns:a14="http://schemas.microsoft.com/office/drawing/2010/main" w="9525">
+                <a14:hiddenLine xmlns:a14="http://schemas.microsoft.com/office/drawing/2010/main" xmlns="" w="9525">
                   <a:solidFill>
                     <a:srgbClr val="000000"/>
                   </a:solidFill>
@@ -5900,7 +5900,7 @@
             </a:ln>
             <a:extLst>
               <a:ext uri="{91240B29-F687-4f45-9708-019B960494DF}">
-                <a14:hiddenLine xmlns="" xmlns:a14="http://schemas.microsoft.com/office/drawing/2010/main" w="9525">
+                <a14:hiddenLine xmlns:a14="http://schemas.microsoft.com/office/drawing/2010/main" xmlns="" w="9525">
                   <a:solidFill>
                     <a:srgbClr val="000000"/>
                   </a:solidFill>
@@ -5962,7 +5962,7 @@
             </a:ln>
             <a:extLst>
               <a:ext uri="{91240B29-F687-4f45-9708-019B960494DF}">
-                <a14:hiddenLine xmlns="" xmlns:a14="http://schemas.microsoft.com/office/drawing/2010/main" w="9525">
+                <a14:hiddenLine xmlns:a14="http://schemas.microsoft.com/office/drawing/2010/main" xmlns="" w="9525">
                   <a:solidFill>
                     <a:srgbClr val="000000"/>
                   </a:solidFill>
@@ -6024,7 +6024,7 @@
             </a:ln>
             <a:extLst>
               <a:ext uri="{91240B29-F687-4f45-9708-019B960494DF}">
-                <a14:hiddenLine xmlns="" xmlns:a14="http://schemas.microsoft.com/office/drawing/2010/main" w="9525">
+                <a14:hiddenLine xmlns:a14="http://schemas.microsoft.com/office/drawing/2010/main" xmlns="" w="9525">
                   <a:solidFill>
                     <a:srgbClr val="000000"/>
                   </a:solidFill>
@@ -6114,7 +6114,7 @@
             </a:ln>
             <a:extLst>
               <a:ext uri="{91240B29-F687-4f45-9708-019B960494DF}">
-                <a14:hiddenLine xmlns="" xmlns:a14="http://schemas.microsoft.com/office/drawing/2010/main" w="9525">
+                <a14:hiddenLine xmlns:a14="http://schemas.microsoft.com/office/drawing/2010/main" xmlns="" w="9525">
                   <a:solidFill>
                     <a:srgbClr val="000000"/>
                   </a:solidFill>
@@ -6182,7 +6182,7 @@
             </a:ln>
             <a:extLst>
               <a:ext uri="{91240B29-F687-4f45-9708-019B960494DF}">
-                <a14:hiddenLine xmlns="" xmlns:a14="http://schemas.microsoft.com/office/drawing/2010/main" w="9525">
+                <a14:hiddenLine xmlns:a14="http://schemas.microsoft.com/office/drawing/2010/main" xmlns="" w="9525">
                   <a:solidFill>
                     <a:srgbClr val="000000"/>
                   </a:solidFill>
@@ -6244,7 +6244,7 @@
             </a:ln>
             <a:extLst>
               <a:ext uri="{91240B29-F687-4f45-9708-019B960494DF}">
-                <a14:hiddenLine xmlns="" xmlns:a14="http://schemas.microsoft.com/office/drawing/2010/main" w="9525">
+                <a14:hiddenLine xmlns:a14="http://schemas.microsoft.com/office/drawing/2010/main" xmlns="" w="9525">
                   <a:solidFill>
                     <a:srgbClr val="000000"/>
                   </a:solidFill>
@@ -6334,7 +6334,7 @@
             </a:ln>
             <a:extLst>
               <a:ext uri="{91240B29-F687-4f45-9708-019B960494DF}">
-                <a14:hiddenLine xmlns="" xmlns:a14="http://schemas.microsoft.com/office/drawing/2010/main" w="9525">
+                <a14:hiddenLine xmlns:a14="http://schemas.microsoft.com/office/drawing/2010/main" xmlns="" w="9525">
                   <a:solidFill>
                     <a:srgbClr val="000000"/>
                   </a:solidFill>
@@ -6396,7 +6396,7 @@
             </a:ln>
             <a:extLst>
               <a:ext uri="{91240B29-F687-4f45-9708-019B960494DF}">
-                <a14:hiddenLine xmlns="" xmlns:a14="http://schemas.microsoft.com/office/drawing/2010/main" w="9525">
+                <a14:hiddenLine xmlns:a14="http://schemas.microsoft.com/office/drawing/2010/main" xmlns="" w="9525">
                   <a:solidFill>
                     <a:srgbClr val="000000"/>
                   </a:solidFill>
@@ -6486,7 +6486,7 @@
             </a:ln>
             <a:extLst>
               <a:ext uri="{91240B29-F687-4f45-9708-019B960494DF}">
-                <a14:hiddenLine xmlns="" xmlns:a14="http://schemas.microsoft.com/office/drawing/2010/main" w="9525">
+                <a14:hiddenLine xmlns:a14="http://schemas.microsoft.com/office/drawing/2010/main" xmlns="" w="9525">
                   <a:solidFill>
                     <a:srgbClr val="000000"/>
                   </a:solidFill>
@@ -6548,7 +6548,7 @@
             </a:ln>
             <a:extLst>
               <a:ext uri="{91240B29-F687-4f45-9708-019B960494DF}">
-                <a14:hiddenLine xmlns="" xmlns:a14="http://schemas.microsoft.com/office/drawing/2010/main" w="9525">
+                <a14:hiddenLine xmlns:a14="http://schemas.microsoft.com/office/drawing/2010/main" xmlns="" w="9525">
                   <a:solidFill>
                     <a:srgbClr val="000000"/>
                   </a:solidFill>
@@ -6638,7 +6638,7 @@
             </a:ln>
             <a:extLst>
               <a:ext uri="{91240B29-F687-4f45-9708-019B960494DF}">
-                <a14:hiddenLine xmlns="" xmlns:a14="http://schemas.microsoft.com/office/drawing/2010/main" w="9525">
+                <a14:hiddenLine xmlns:a14="http://schemas.microsoft.com/office/drawing/2010/main" xmlns="" w="9525">
                   <a:solidFill>
                     <a:srgbClr val="000000"/>
                   </a:solidFill>
@@ -6672,7 +6672,7 @@
             </a:ln>
             <a:extLst>
               <a:ext uri="{91240B29-F687-4f45-9708-019B960494DF}">
-                <a14:hiddenLine xmlns="" xmlns:a14="http://schemas.microsoft.com/office/drawing/2010/main" w="9525">
+                <a14:hiddenLine xmlns:a14="http://schemas.microsoft.com/office/drawing/2010/main" xmlns="" w="9525">
                   <a:solidFill>
                     <a:srgbClr val="000000"/>
                   </a:solidFill>
@@ -6737,7 +6737,7 @@
             </a:ln>
             <a:extLst>
               <a:ext uri="{91240B29-F687-4f45-9708-019B960494DF}">
-                <a14:hiddenLine xmlns="" xmlns:a14="http://schemas.microsoft.com/office/drawing/2010/main" w="9525">
+                <a14:hiddenLine xmlns:a14="http://schemas.microsoft.com/office/drawing/2010/main" xmlns="" w="9525">
                   <a:solidFill>
                     <a:srgbClr val="000000"/>
                   </a:solidFill>
@@ -6827,7 +6827,7 @@
             </a:ln>
             <a:extLst>
               <a:ext uri="{91240B29-F687-4f45-9708-019B960494DF}">
-                <a14:hiddenLine xmlns="" xmlns:a14="http://schemas.microsoft.com/office/drawing/2010/main" w="9525">
+                <a14:hiddenLine xmlns:a14="http://schemas.microsoft.com/office/drawing/2010/main" xmlns="" w="9525">
                   <a:solidFill>
                     <a:srgbClr val="000000"/>
                   </a:solidFill>
@@ -6889,7 +6889,7 @@
             </a:ln>
             <a:extLst>
               <a:ext uri="{91240B29-F687-4f45-9708-019B960494DF}">
-                <a14:hiddenLine xmlns="" xmlns:a14="http://schemas.microsoft.com/office/drawing/2010/main" w="9525">
+                <a14:hiddenLine xmlns:a14="http://schemas.microsoft.com/office/drawing/2010/main" xmlns="" w="9525">
                   <a:solidFill>
                     <a:srgbClr val="000000"/>
                   </a:solidFill>
@@ -6979,7 +6979,7 @@
             </a:ln>
             <a:extLst>
               <a:ext uri="{91240B29-F687-4f45-9708-019B960494DF}">
-                <a14:hiddenLine xmlns="" xmlns:a14="http://schemas.microsoft.com/office/drawing/2010/main" w="9525">
+                <a14:hiddenLine xmlns:a14="http://schemas.microsoft.com/office/drawing/2010/main" xmlns="" w="9525">
                   <a:solidFill>
                     <a:srgbClr val="000000"/>
                   </a:solidFill>
@@ -7069,7 +7069,7 @@
             </a:ln>
             <a:extLst>
               <a:ext uri="{91240B29-F687-4f45-9708-019B960494DF}">
-                <a14:hiddenLine xmlns="" xmlns:a14="http://schemas.microsoft.com/office/drawing/2010/main" w="9525">
+                <a14:hiddenLine xmlns:a14="http://schemas.microsoft.com/office/drawing/2010/main" xmlns="" w="9525">
                   <a:solidFill>
                     <a:srgbClr val="000000"/>
                   </a:solidFill>
@@ -7134,7 +7134,7 @@
             </a:ln>
             <a:extLst>
               <a:ext uri="{91240B29-F687-4f45-9708-019B960494DF}">
-                <a14:hiddenLine xmlns="" xmlns:a14="http://schemas.microsoft.com/office/drawing/2010/main" w="9525">
+                <a14:hiddenLine xmlns:a14="http://schemas.microsoft.com/office/drawing/2010/main" xmlns="" w="9525">
                   <a:solidFill>
                     <a:srgbClr val="000000"/>
                   </a:solidFill>
@@ -7196,7 +7196,7 @@
             </a:ln>
             <a:extLst>
               <a:ext uri="{91240B29-F687-4f45-9708-019B960494DF}">
-                <a14:hiddenLine xmlns="" xmlns:a14="http://schemas.microsoft.com/office/drawing/2010/main" w="9525">
+                <a14:hiddenLine xmlns:a14="http://schemas.microsoft.com/office/drawing/2010/main" xmlns="" w="9525">
                   <a:solidFill>
                     <a:srgbClr val="000000"/>
                   </a:solidFill>
@@ -7286,7 +7286,7 @@
             </a:ln>
             <a:extLst>
               <a:ext uri="{91240B29-F687-4f45-9708-019B960494DF}">
-                <a14:hiddenLine xmlns="" xmlns:a14="http://schemas.microsoft.com/office/drawing/2010/main" w="9525">
+                <a14:hiddenLine xmlns:a14="http://schemas.microsoft.com/office/drawing/2010/main" xmlns="" w="9525">
                   <a:solidFill>
                     <a:srgbClr val="000000"/>
                   </a:solidFill>
@@ -7376,7 +7376,7 @@
             </a:ln>
             <a:extLst>
               <a:ext uri="{91240B29-F687-4f45-9708-019B960494DF}">
-                <a14:hiddenLine xmlns="" xmlns:a14="http://schemas.microsoft.com/office/drawing/2010/main" w="9525">
+                <a14:hiddenLine xmlns:a14="http://schemas.microsoft.com/office/drawing/2010/main" xmlns="" w="9525">
                   <a:solidFill>
                     <a:srgbClr val="000000"/>
                   </a:solidFill>
@@ -7438,7 +7438,7 @@
             </a:ln>
             <a:extLst>
               <a:ext uri="{91240B29-F687-4f45-9708-019B960494DF}">
-                <a14:hiddenLine xmlns="" xmlns:a14="http://schemas.microsoft.com/office/drawing/2010/main" w="9525">
+                <a14:hiddenLine xmlns:a14="http://schemas.microsoft.com/office/drawing/2010/main" xmlns="" w="9525">
                   <a:solidFill>
                     <a:srgbClr val="000000"/>
                   </a:solidFill>
@@ -7558,7 +7558,7 @@
             </a:ln>
             <a:extLst>
               <a:ext uri="{91240B29-F687-4f45-9708-019B960494DF}">
-                <a14:hiddenLine xmlns="" xmlns:a14="http://schemas.microsoft.com/office/drawing/2010/main" w="9525">
+                <a14:hiddenLine xmlns:a14="http://schemas.microsoft.com/office/drawing/2010/main" xmlns="" w="9525">
                   <a:solidFill>
                     <a:srgbClr val="000000"/>
                   </a:solidFill>
@@ -7626,7 +7626,7 @@
             </a:ln>
             <a:extLst>
               <a:ext uri="{91240B29-F687-4f45-9708-019B960494DF}">
-                <a14:hiddenLine xmlns="" xmlns:a14="http://schemas.microsoft.com/office/drawing/2010/main" w="9525">
+                <a14:hiddenLine xmlns:a14="http://schemas.microsoft.com/office/drawing/2010/main" xmlns="" w="9525">
                   <a:solidFill>
                     <a:srgbClr val="000000"/>
                   </a:solidFill>
@@ -7716,7 +7716,7 @@
             </a:ln>
             <a:extLst>
               <a:ext uri="{91240B29-F687-4f45-9708-019B960494DF}">
-                <a14:hiddenLine xmlns="" xmlns:a14="http://schemas.microsoft.com/office/drawing/2010/main" w="9525">
+                <a14:hiddenLine xmlns:a14="http://schemas.microsoft.com/office/drawing/2010/main" xmlns="" w="9525">
                   <a:solidFill>
                     <a:srgbClr val="000000"/>
                   </a:solidFill>
@@ -7856,7 +7856,7 @@
           <a:p>
             <a:fld id="{48A87A34-81AB-432B-8DAE-1953F412C126}" type="datetimeFigureOut">
               <a:rPr lang="en-US" dirty="0"/>
-              <a:t>11/14/2019</a:t>
+              <a:t>12/2/2019</a:t>
             </a:fld>
             <a:endParaRPr lang="en-US" dirty="0"/>
           </a:p>
@@ -8118,7 +8118,7 @@
           <a:p>
             <a:fld id="{48A87A34-81AB-432B-8DAE-1953F412C126}" type="datetimeFigureOut">
               <a:rPr lang="en-US" dirty="0"/>
-              <a:t>11/14/2019</a:t>
+              <a:t>12/2/2019</a:t>
             </a:fld>
             <a:endParaRPr lang="en-US" dirty="0"/>
           </a:p>
@@ -8309,7 +8309,7 @@
           <a:p>
             <a:fld id="{48A87A34-81AB-432B-8DAE-1953F412C126}" type="datetimeFigureOut">
               <a:rPr lang="en-US" dirty="0"/>
-              <a:t>11/14/2019</a:t>
+              <a:t>12/2/2019</a:t>
             </a:fld>
             <a:endParaRPr lang="en-US" dirty="0"/>
           </a:p>
@@ -8567,7 +8567,7 @@
           <a:p>
             <a:fld id="{48A87A34-81AB-432B-8DAE-1953F412C126}" type="datetimeFigureOut">
               <a:rPr lang="en-US" dirty="0"/>
-              <a:t>11/14/2019</a:t>
+              <a:t>12/2/2019</a:t>
             </a:fld>
             <a:endParaRPr lang="en-US" dirty="0"/>
           </a:p>
@@ -8996,7 +8996,7 @@
           <a:p>
             <a:fld id="{48A87A34-81AB-432B-8DAE-1953F412C126}" type="datetimeFigureOut">
               <a:rPr lang="en-US" dirty="0"/>
-              <a:t>11/14/2019</a:t>
+              <a:t>12/2/2019</a:t>
             </a:fld>
             <a:endParaRPr lang="en-US" dirty="0"/>
           </a:p>
@@ -9537,7 +9537,7 @@
           <a:p>
             <a:fld id="{48A87A34-81AB-432B-8DAE-1953F412C126}" type="datetimeFigureOut">
               <a:rPr lang="en-US" dirty="0"/>
-              <a:t>11/14/2019</a:t>
+              <a:t>12/2/2019</a:t>
             </a:fld>
             <a:endParaRPr lang="en-US" dirty="0"/>
           </a:p>
@@ -10252,7 +10252,7 @@
           <a:p>
             <a:fld id="{48A87A34-81AB-432B-8DAE-1953F412C126}" type="datetimeFigureOut">
               <a:rPr lang="en-US" dirty="0"/>
-              <a:t>11/14/2019</a:t>
+              <a:t>12/2/2019</a:t>
             </a:fld>
             <a:endParaRPr lang="en-US" dirty="0"/>
           </a:p>
@@ -10417,7 +10417,7 @@
           <a:p>
             <a:fld id="{48A87A34-81AB-432B-8DAE-1953F412C126}" type="datetimeFigureOut">
               <a:rPr lang="en-US" dirty="0"/>
-              <a:t>11/14/2019</a:t>
+              <a:t>12/2/2019</a:t>
             </a:fld>
             <a:endParaRPr lang="en-US" dirty="0"/>
           </a:p>
@@ -10592,7 +10592,7 @@
           <a:p>
             <a:fld id="{48A87A34-81AB-432B-8DAE-1953F412C126}" type="datetimeFigureOut">
               <a:rPr lang="en-US" dirty="0"/>
-              <a:t>11/14/2019</a:t>
+              <a:t>12/2/2019</a:t>
             </a:fld>
             <a:endParaRPr lang="en-US" dirty="0"/>
           </a:p>
@@ -10757,7 +10757,7 @@
           <a:p>
             <a:fld id="{48A87A34-81AB-432B-8DAE-1953F412C126}" type="datetimeFigureOut">
               <a:rPr lang="en-US" dirty="0"/>
-              <a:t>11/14/2019</a:t>
+              <a:t>12/2/2019</a:t>
             </a:fld>
             <a:endParaRPr lang="en-US" dirty="0"/>
           </a:p>
@@ -11002,7 +11002,7 @@
           <a:p>
             <a:fld id="{48A87A34-81AB-432B-8DAE-1953F412C126}" type="datetimeFigureOut">
               <a:rPr lang="en-US" dirty="0"/>
-              <a:t>11/14/2019</a:t>
+              <a:t>12/2/2019</a:t>
             </a:fld>
             <a:endParaRPr lang="en-US" dirty="0"/>
           </a:p>
@@ -11229,7 +11229,7 @@
           <a:p>
             <a:fld id="{48A87A34-81AB-432B-8DAE-1953F412C126}" type="datetimeFigureOut">
               <a:rPr lang="en-US" dirty="0"/>
-              <a:t>11/14/2019</a:t>
+              <a:t>12/2/2019</a:t>
             </a:fld>
             <a:endParaRPr lang="en-US" dirty="0"/>
           </a:p>
@@ -11605,7 +11605,7 @@
           <a:p>
             <a:fld id="{48A87A34-81AB-432B-8DAE-1953F412C126}" type="datetimeFigureOut">
               <a:rPr lang="en-US" dirty="0"/>
-              <a:t>11/14/2019</a:t>
+              <a:t>12/2/2019</a:t>
             </a:fld>
             <a:endParaRPr lang="en-US" dirty="0"/>
           </a:p>
@@ -11718,7 +11718,7 @@
           <a:p>
             <a:fld id="{48A87A34-81AB-432B-8DAE-1953F412C126}" type="datetimeFigureOut">
               <a:rPr lang="en-US" dirty="0"/>
-              <a:t>11/14/2019</a:t>
+              <a:t>12/2/2019</a:t>
             </a:fld>
             <a:endParaRPr lang="en-US" dirty="0"/>
           </a:p>
@@ -11808,7 +11808,7 @@
           <a:p>
             <a:fld id="{48A87A34-81AB-432B-8DAE-1953F412C126}" type="datetimeFigureOut">
               <a:rPr lang="en-US" dirty="0"/>
-              <a:t>11/14/2019</a:t>
+              <a:t>12/2/2019</a:t>
             </a:fld>
             <a:endParaRPr lang="en-US" dirty="0"/>
           </a:p>
@@ -12052,7 +12052,7 @@
           <a:p>
             <a:fld id="{48A87A34-81AB-432B-8DAE-1953F412C126}" type="datetimeFigureOut">
               <a:rPr lang="en-US" dirty="0"/>
-              <a:t>11/14/2019</a:t>
+              <a:t>12/2/2019</a:t>
             </a:fld>
             <a:endParaRPr lang="en-US" dirty="0"/>
           </a:p>
@@ -12327,7 +12327,7 @@
           <a:p>
             <a:fld id="{48A87A34-81AB-432B-8DAE-1953F412C126}" type="datetimeFigureOut">
               <a:rPr lang="en-US" dirty="0"/>
-              <a:t>11/14/2019</a:t>
+              <a:t>12/2/2019</a:t>
             </a:fld>
             <a:endParaRPr lang="en-US" dirty="0"/>
           </a:p>
@@ -12438,7 +12438,7 @@
           <a:noFill/>
           <a:extLst>
             <a:ext uri="{909E8E84-426E-40dd-AFC4-6F175D3DCCD1}">
-              <a14:hiddenFill xmlns="" xmlns:a14="http://schemas.microsoft.com/office/drawing/2010/main">
+              <a14:hiddenFill xmlns:a14="http://schemas.microsoft.com/office/drawing/2010/main" xmlns="">
                 <a:solidFill>
                   <a:srgbClr val="FFFFFF"/>
                 </a:solidFill>
@@ -12512,7 +12512,7 @@
               </a:ln>
               <a:extLst>
                 <a:ext uri="{91240B29-F687-4f45-9708-019B960494DF}">
-                  <a14:hiddenLine xmlns="" xmlns:a14="http://schemas.microsoft.com/office/drawing/2010/main" w="9525">
+                  <a14:hiddenLine xmlns:a14="http://schemas.microsoft.com/office/drawing/2010/main" xmlns="" w="9525">
                     <a:solidFill>
                       <a:srgbClr val="000000"/>
                     </a:solidFill>
@@ -12602,7 +12602,7 @@
               </a:ln>
               <a:extLst>
                 <a:ext uri="{91240B29-F687-4f45-9708-019B960494DF}">
-                  <a14:hiddenLine xmlns="" xmlns:a14="http://schemas.microsoft.com/office/drawing/2010/main" w="9525">
+                  <a14:hiddenLine xmlns:a14="http://schemas.microsoft.com/office/drawing/2010/main" xmlns="" w="9525">
                     <a:solidFill>
                       <a:srgbClr val="000000"/>
                     </a:solidFill>
@@ -12692,7 +12692,7 @@
               </a:ln>
               <a:extLst>
                 <a:ext uri="{91240B29-F687-4f45-9708-019B960494DF}">
-                  <a14:hiddenLine xmlns="" xmlns:a14="http://schemas.microsoft.com/office/drawing/2010/main" w="9525">
+                  <a14:hiddenLine xmlns:a14="http://schemas.microsoft.com/office/drawing/2010/main" xmlns="" w="9525">
                     <a:solidFill>
                       <a:srgbClr val="000000"/>
                     </a:solidFill>
@@ -12754,7 +12754,7 @@
               </a:ln>
               <a:extLst>
                 <a:ext uri="{91240B29-F687-4f45-9708-019B960494DF}">
-                  <a14:hiddenLine xmlns="" xmlns:a14="http://schemas.microsoft.com/office/drawing/2010/main" w="9525">
+                  <a14:hiddenLine xmlns:a14="http://schemas.microsoft.com/office/drawing/2010/main" xmlns="" w="9525">
                     <a:solidFill>
                       <a:srgbClr val="000000"/>
                     </a:solidFill>
@@ -12844,7 +12844,7 @@
               </a:ln>
               <a:extLst>
                 <a:ext uri="{91240B29-F687-4f45-9708-019B960494DF}">
-                  <a14:hiddenLine xmlns="" xmlns:a14="http://schemas.microsoft.com/office/drawing/2010/main" w="9525">
+                  <a14:hiddenLine xmlns:a14="http://schemas.microsoft.com/office/drawing/2010/main" xmlns="" w="9525">
                     <a:solidFill>
                       <a:srgbClr val="000000"/>
                     </a:solidFill>
@@ -12906,7 +12906,7 @@
               </a:ln>
               <a:extLst>
                 <a:ext uri="{91240B29-F687-4f45-9708-019B960494DF}">
-                  <a14:hiddenLine xmlns="" xmlns:a14="http://schemas.microsoft.com/office/drawing/2010/main" w="9525">
+                  <a14:hiddenLine xmlns:a14="http://schemas.microsoft.com/office/drawing/2010/main" xmlns="" w="9525">
                     <a:solidFill>
                       <a:srgbClr val="000000"/>
                     </a:solidFill>
@@ -12968,7 +12968,7 @@
               </a:ln>
               <a:extLst>
                 <a:ext uri="{91240B29-F687-4f45-9708-019B960494DF}">
-                  <a14:hiddenLine xmlns="" xmlns:a14="http://schemas.microsoft.com/office/drawing/2010/main" w="9525">
+                  <a14:hiddenLine xmlns:a14="http://schemas.microsoft.com/office/drawing/2010/main" xmlns="" w="9525">
                     <a:solidFill>
                       <a:srgbClr val="000000"/>
                     </a:solidFill>
@@ -13058,7 +13058,7 @@
               </a:ln>
               <a:extLst>
                 <a:ext uri="{91240B29-F687-4f45-9708-019B960494DF}">
-                  <a14:hiddenLine xmlns="" xmlns:a14="http://schemas.microsoft.com/office/drawing/2010/main" w="9525">
+                  <a14:hiddenLine xmlns:a14="http://schemas.microsoft.com/office/drawing/2010/main" xmlns="" w="9525">
                     <a:solidFill>
                       <a:srgbClr val="000000"/>
                     </a:solidFill>
@@ -13148,7 +13148,7 @@
               </a:ln>
               <a:extLst>
                 <a:ext uri="{91240B29-F687-4f45-9708-019B960494DF}">
-                  <a14:hiddenLine xmlns="" xmlns:a14="http://schemas.microsoft.com/office/drawing/2010/main" w="9525">
+                  <a14:hiddenLine xmlns:a14="http://schemas.microsoft.com/office/drawing/2010/main" xmlns="" w="9525">
                     <a:solidFill>
                       <a:srgbClr val="000000"/>
                     </a:solidFill>
@@ -13210,7 +13210,7 @@
               </a:ln>
               <a:extLst>
                 <a:ext uri="{91240B29-F687-4f45-9708-019B960494DF}">
-                  <a14:hiddenLine xmlns="" xmlns:a14="http://schemas.microsoft.com/office/drawing/2010/main" w="9525">
+                  <a14:hiddenLine xmlns:a14="http://schemas.microsoft.com/office/drawing/2010/main" xmlns="" w="9525">
                     <a:solidFill>
                       <a:srgbClr val="000000"/>
                     </a:solidFill>
@@ -13320,7 +13320,7 @@
               </a:ln>
               <a:extLst>
                 <a:ext uri="{91240B29-F687-4f45-9708-019B960494DF}">
-                  <a14:hiddenLine xmlns="" xmlns:a14="http://schemas.microsoft.com/office/drawing/2010/main" w="9525">
+                  <a14:hiddenLine xmlns:a14="http://schemas.microsoft.com/office/drawing/2010/main" xmlns="" w="9525">
                     <a:solidFill>
                       <a:srgbClr val="000000"/>
                     </a:solidFill>
@@ -13404,7 +13404,7 @@
               </a:ln>
               <a:extLst>
                 <a:ext uri="{91240B29-F687-4f45-9708-019B960494DF}">
-                  <a14:hiddenLine xmlns="" xmlns:a14="http://schemas.microsoft.com/office/drawing/2010/main" w="9525">
+                  <a14:hiddenLine xmlns:a14="http://schemas.microsoft.com/office/drawing/2010/main" xmlns="" w="9525">
                     <a:solidFill>
                       <a:srgbClr val="000000"/>
                     </a:solidFill>
@@ -13466,7 +13466,7 @@
               </a:ln>
               <a:extLst>
                 <a:ext uri="{91240B29-F687-4f45-9708-019B960494DF}">
-                  <a14:hiddenLine xmlns="" xmlns:a14="http://schemas.microsoft.com/office/drawing/2010/main" w="9525">
+                  <a14:hiddenLine xmlns:a14="http://schemas.microsoft.com/office/drawing/2010/main" xmlns="" w="9525">
                     <a:solidFill>
                       <a:srgbClr val="000000"/>
                     </a:solidFill>
@@ -13528,7 +13528,7 @@
               </a:ln>
               <a:extLst>
                 <a:ext uri="{91240B29-F687-4f45-9708-019B960494DF}">
-                  <a14:hiddenLine xmlns="" xmlns:a14="http://schemas.microsoft.com/office/drawing/2010/main" w="9525">
+                  <a14:hiddenLine xmlns:a14="http://schemas.microsoft.com/office/drawing/2010/main" xmlns="" w="9525">
                     <a:solidFill>
                       <a:srgbClr val="000000"/>
                     </a:solidFill>
@@ -13618,7 +13618,7 @@
               </a:ln>
               <a:extLst>
                 <a:ext uri="{91240B29-F687-4f45-9708-019B960494DF}">
-                  <a14:hiddenLine xmlns="" xmlns:a14="http://schemas.microsoft.com/office/drawing/2010/main" w="9525">
+                  <a14:hiddenLine xmlns:a14="http://schemas.microsoft.com/office/drawing/2010/main" xmlns="" w="9525">
                     <a:solidFill>
                       <a:srgbClr val="000000"/>
                     </a:solidFill>
@@ -13652,7 +13652,7 @@
               </a:ln>
               <a:extLst>
                 <a:ext uri="{91240B29-F687-4f45-9708-019B960494DF}">
-                  <a14:hiddenLine xmlns="" xmlns:a14="http://schemas.microsoft.com/office/drawing/2010/main" w="9525">
+                  <a14:hiddenLine xmlns:a14="http://schemas.microsoft.com/office/drawing/2010/main" xmlns="" w="9525">
                     <a:solidFill>
                       <a:srgbClr val="000000"/>
                     </a:solidFill>
@@ -13717,7 +13717,7 @@
               </a:ln>
               <a:extLst>
                 <a:ext uri="{91240B29-F687-4f45-9708-019B960494DF}">
-                  <a14:hiddenLine xmlns="" xmlns:a14="http://schemas.microsoft.com/office/drawing/2010/main" w="9525">
+                  <a14:hiddenLine xmlns:a14="http://schemas.microsoft.com/office/drawing/2010/main" xmlns="" w="9525">
                     <a:solidFill>
                       <a:srgbClr val="000000"/>
                     </a:solidFill>
@@ -13807,7 +13807,7 @@
               </a:ln>
               <a:extLst>
                 <a:ext uri="{91240B29-F687-4f45-9708-019B960494DF}">
-                  <a14:hiddenLine xmlns="" xmlns:a14="http://schemas.microsoft.com/office/drawing/2010/main" w="9525">
+                  <a14:hiddenLine xmlns:a14="http://schemas.microsoft.com/office/drawing/2010/main" xmlns="" w="9525">
                     <a:solidFill>
                       <a:srgbClr val="000000"/>
                     </a:solidFill>
@@ -13869,7 +13869,7 @@
               </a:ln>
               <a:extLst>
                 <a:ext uri="{91240B29-F687-4f45-9708-019B960494DF}">
-                  <a14:hiddenLine xmlns="" xmlns:a14="http://schemas.microsoft.com/office/drawing/2010/main" w="9525">
+                  <a14:hiddenLine xmlns:a14="http://schemas.microsoft.com/office/drawing/2010/main" xmlns="" w="9525">
                     <a:solidFill>
                       <a:srgbClr val="000000"/>
                     </a:solidFill>
@@ -13959,7 +13959,7 @@
               </a:ln>
               <a:extLst>
                 <a:ext uri="{91240B29-F687-4f45-9708-019B960494DF}">
-                  <a14:hiddenLine xmlns="" xmlns:a14="http://schemas.microsoft.com/office/drawing/2010/main" w="9525">
+                  <a14:hiddenLine xmlns:a14="http://schemas.microsoft.com/office/drawing/2010/main" xmlns="" w="9525">
                     <a:solidFill>
                       <a:srgbClr val="000000"/>
                     </a:solidFill>
@@ -14024,7 +14024,7 @@
               </a:ln>
               <a:extLst>
                 <a:ext uri="{91240B29-F687-4f45-9708-019B960494DF}">
-                  <a14:hiddenLine xmlns="" xmlns:a14="http://schemas.microsoft.com/office/drawing/2010/main" w="9525">
+                  <a14:hiddenLine xmlns:a14="http://schemas.microsoft.com/office/drawing/2010/main" xmlns="" w="9525">
                     <a:solidFill>
                       <a:srgbClr val="000000"/>
                     </a:solidFill>
@@ -14086,7 +14086,7 @@
               </a:ln>
               <a:extLst>
                 <a:ext uri="{91240B29-F687-4f45-9708-019B960494DF}">
-                  <a14:hiddenLine xmlns="" xmlns:a14="http://schemas.microsoft.com/office/drawing/2010/main" w="9525">
+                  <a14:hiddenLine xmlns:a14="http://schemas.microsoft.com/office/drawing/2010/main" xmlns="" w="9525">
                     <a:solidFill>
                       <a:srgbClr val="000000"/>
                     </a:solidFill>
@@ -14176,7 +14176,7 @@
               </a:ln>
               <a:extLst>
                 <a:ext uri="{91240B29-F687-4f45-9708-019B960494DF}">
-                  <a14:hiddenLine xmlns="" xmlns:a14="http://schemas.microsoft.com/office/drawing/2010/main" w="9525">
+                  <a14:hiddenLine xmlns:a14="http://schemas.microsoft.com/office/drawing/2010/main" xmlns="" w="9525">
                     <a:solidFill>
                       <a:srgbClr val="000000"/>
                     </a:solidFill>
@@ -14266,7 +14266,7 @@
               </a:ln>
               <a:extLst>
                 <a:ext uri="{91240B29-F687-4f45-9708-019B960494DF}">
-                  <a14:hiddenLine xmlns="" xmlns:a14="http://schemas.microsoft.com/office/drawing/2010/main" w="9525">
+                  <a14:hiddenLine xmlns:a14="http://schemas.microsoft.com/office/drawing/2010/main" xmlns="" w="9525">
                     <a:solidFill>
                       <a:srgbClr val="000000"/>
                     </a:solidFill>
@@ -14331,7 +14331,7 @@
               </a:ln>
               <a:extLst>
                 <a:ext uri="{91240B29-F687-4f45-9708-019B960494DF}">
-                  <a14:hiddenLine xmlns="" xmlns:a14="http://schemas.microsoft.com/office/drawing/2010/main" w="9525">
+                  <a14:hiddenLine xmlns:a14="http://schemas.microsoft.com/office/drawing/2010/main" xmlns="" w="9525">
                     <a:solidFill>
                       <a:srgbClr val="000000"/>
                     </a:solidFill>
@@ -14451,7 +14451,7 @@
               </a:ln>
               <a:extLst>
                 <a:ext uri="{91240B29-F687-4f45-9708-019B960494DF}">
-                  <a14:hiddenLine xmlns="" xmlns:a14="http://schemas.microsoft.com/office/drawing/2010/main" w="9525">
+                  <a14:hiddenLine xmlns:a14="http://schemas.microsoft.com/office/drawing/2010/main" xmlns="" w="9525">
                     <a:solidFill>
                       <a:srgbClr val="000000"/>
                     </a:solidFill>
@@ -14549,7 +14549,7 @@
               </a:ln>
               <a:extLst>
                 <a:ext uri="{91240B29-F687-4f45-9708-019B960494DF}">
-                  <a14:hiddenLine xmlns="" xmlns:a14="http://schemas.microsoft.com/office/drawing/2010/main" w="9525">
+                  <a14:hiddenLine xmlns:a14="http://schemas.microsoft.com/office/drawing/2010/main" xmlns="" w="9525">
                     <a:solidFill>
                       <a:srgbClr val="000000"/>
                     </a:solidFill>
@@ -14664,7 +14664,7 @@
               </a:ln>
               <a:extLst>
                 <a:ext uri="{91240B29-F687-4f45-9708-019B960494DF}">
-                  <a14:hiddenLine xmlns="" xmlns:a14="http://schemas.microsoft.com/office/drawing/2010/main" w="9525">
+                  <a14:hiddenLine xmlns:a14="http://schemas.microsoft.com/office/drawing/2010/main" xmlns="" w="9525">
                     <a:solidFill>
                       <a:srgbClr val="000000"/>
                     </a:solidFill>
@@ -14754,7 +14754,7 @@
               </a:ln>
               <a:extLst>
                 <a:ext uri="{91240B29-F687-4f45-9708-019B960494DF}">
-                  <a14:hiddenLine xmlns="" xmlns:a14="http://schemas.microsoft.com/office/drawing/2010/main" w="9525">
+                  <a14:hiddenLine xmlns:a14="http://schemas.microsoft.com/office/drawing/2010/main" xmlns="" w="9525">
                     <a:solidFill>
                       <a:srgbClr val="000000"/>
                     </a:solidFill>
@@ -14819,7 +14819,7 @@
               </a:ln>
               <a:extLst>
                 <a:ext uri="{91240B29-F687-4f45-9708-019B960494DF}">
-                  <a14:hiddenLine xmlns="" xmlns:a14="http://schemas.microsoft.com/office/drawing/2010/main" w="9525">
+                  <a14:hiddenLine xmlns:a14="http://schemas.microsoft.com/office/drawing/2010/main" xmlns="" w="9525">
                     <a:solidFill>
                       <a:srgbClr val="000000"/>
                     </a:solidFill>
@@ -14909,7 +14909,7 @@
               </a:ln>
               <a:extLst>
                 <a:ext uri="{91240B29-F687-4f45-9708-019B960494DF}">
-                  <a14:hiddenLine xmlns="" xmlns:a14="http://schemas.microsoft.com/office/drawing/2010/main" w="9525">
+                  <a14:hiddenLine xmlns:a14="http://schemas.microsoft.com/office/drawing/2010/main" xmlns="" w="9525">
                     <a:solidFill>
                       <a:srgbClr val="000000"/>
                     </a:solidFill>
@@ -14977,7 +14977,7 @@
               </a:ln>
               <a:extLst>
                 <a:ext uri="{91240B29-F687-4f45-9708-019B960494DF}">
-                  <a14:hiddenLine xmlns="" xmlns:a14="http://schemas.microsoft.com/office/drawing/2010/main" w="9525">
+                  <a14:hiddenLine xmlns:a14="http://schemas.microsoft.com/office/drawing/2010/main" xmlns="" w="9525">
                     <a:solidFill>
                       <a:srgbClr val="000000"/>
                     </a:solidFill>
@@ -15067,7 +15067,7 @@
               </a:ln>
               <a:extLst>
                 <a:ext uri="{91240B29-F687-4f45-9708-019B960494DF}">
-                  <a14:hiddenLine xmlns="" xmlns:a14="http://schemas.microsoft.com/office/drawing/2010/main" w="9525">
+                  <a14:hiddenLine xmlns:a14="http://schemas.microsoft.com/office/drawing/2010/main" xmlns="" w="9525">
                     <a:solidFill>
                       <a:srgbClr val="000000"/>
                     </a:solidFill>
@@ -15135,7 +15135,7 @@
               </a:ln>
               <a:extLst>
                 <a:ext uri="{91240B29-F687-4f45-9708-019B960494DF}">
-                  <a14:hiddenLine xmlns="" xmlns:a14="http://schemas.microsoft.com/office/drawing/2010/main" w="9525">
+                  <a14:hiddenLine xmlns:a14="http://schemas.microsoft.com/office/drawing/2010/main" xmlns="" w="9525">
                     <a:solidFill>
                       <a:srgbClr val="000000"/>
                     </a:solidFill>
@@ -15225,7 +15225,7 @@
               </a:ln>
               <a:extLst>
                 <a:ext uri="{91240B29-F687-4f45-9708-019B960494DF}">
-                  <a14:hiddenLine xmlns="" xmlns:a14="http://schemas.microsoft.com/office/drawing/2010/main" w="9525">
+                  <a14:hiddenLine xmlns:a14="http://schemas.microsoft.com/office/drawing/2010/main" xmlns="" w="9525">
                     <a:solidFill>
                       <a:srgbClr val="000000"/>
                     </a:solidFill>
@@ -15259,7 +15259,7 @@
               </a:ln>
               <a:extLst>
                 <a:ext uri="{91240B29-F687-4f45-9708-019B960494DF}">
-                  <a14:hiddenLine xmlns="" xmlns:a14="http://schemas.microsoft.com/office/drawing/2010/main" w="9525">
+                  <a14:hiddenLine xmlns:a14="http://schemas.microsoft.com/office/drawing/2010/main" xmlns="" w="9525">
                     <a:solidFill>
                       <a:srgbClr val="000000"/>
                     </a:solidFill>
@@ -15400,7 +15400,7 @@
             <a:fld id="{48A87A34-81AB-432B-8DAE-1953F412C126}" type="datetimeFigureOut">
               <a:rPr lang="en-US" dirty="0"/>
               <a:pPr/>
-              <a:t>11/14/2019</a:t>
+              <a:t>12/2/2019</a:t>
             </a:fld>
             <a:endParaRPr lang="en-US" dirty="0"/>
           </a:p>
@@ -16291,7 +16291,7 @@
             <a:pPr algn="ctr"/>
             <a:r>
               <a:rPr lang="en-US" dirty="0"/>
-              <a:t>Agenda</a:t>
+              <a:t>ARTIFACTS</a:t>
             </a:r>
           </a:p>
         </p:txBody>
@@ -16475,7 +16475,9 @@
             <a:r>
               <a:rPr lang="en-US" b="1" dirty="0">
                 <a:solidFill>
-                  <a:srgbClr val="FF0000"/>
+                  <a:schemeClr val="tx1">
+                    <a:lumMod val="95000"/>
+                  </a:schemeClr>
                 </a:solidFill>
               </a:rPr>
               <a:t>Misrepresenting locations of service.</a:t>
@@ -16486,7 +16488,9 @@
             <a:r>
               <a:rPr lang="en-US" b="1" dirty="0">
                 <a:solidFill>
-                  <a:srgbClr val="FF0000"/>
+                  <a:schemeClr val="tx1">
+                    <a:lumMod val="95000"/>
+                  </a:schemeClr>
                 </a:solidFill>
               </a:rPr>
               <a:t>Misrepresenting provider of service.</a:t>
